--- a/design/AD/dossier-conception/dossier-conception.pptx
+++ b/design/AD/dossier-conception/dossier-conception.pptx
@@ -120,6 +120,11 @@
       </a:defRPr>
     </a:lvl9pPr>
   </p:defaultTextStyle>
+  <p:extLst>
+    <p:ext uri="{EFAFB233-063F-42B5-8137-9DF3F51BA10A}">
+      <p15:sldGuideLst xmlns:p15="http://schemas.microsoft.com/office/powerpoint/2012/main"/>
+    </p:ext>
+  </p:extLst>
 </p:presentation>
 </file>
 
@@ -270,7 +275,7 @@
           <a:p>
             <a:fld id="{DB07B3B4-F6EB-4E6F-966F-EF12485CD205}" type="datetimeFigureOut">
               <a:rPr lang="fr-FR" smtClean="0"/>
-              <a:t>15/04/2021</a:t>
+              <a:t>17/04/2021</a:t>
             </a:fld>
             <a:endParaRPr lang="fr-FR"/>
           </a:p>
@@ -468,7 +473,7 @@
           <a:p>
             <a:fld id="{DB07B3B4-F6EB-4E6F-966F-EF12485CD205}" type="datetimeFigureOut">
               <a:rPr lang="fr-FR" smtClean="0"/>
-              <a:t>15/04/2021</a:t>
+              <a:t>17/04/2021</a:t>
             </a:fld>
             <a:endParaRPr lang="fr-FR"/>
           </a:p>
@@ -676,7 +681,7 @@
           <a:p>
             <a:fld id="{DB07B3B4-F6EB-4E6F-966F-EF12485CD205}" type="datetimeFigureOut">
               <a:rPr lang="fr-FR" smtClean="0"/>
-              <a:t>15/04/2021</a:t>
+              <a:t>17/04/2021</a:t>
             </a:fld>
             <a:endParaRPr lang="fr-FR"/>
           </a:p>
@@ -874,7 +879,7 @@
           <a:p>
             <a:fld id="{DB07B3B4-F6EB-4E6F-966F-EF12485CD205}" type="datetimeFigureOut">
               <a:rPr lang="fr-FR" smtClean="0"/>
-              <a:t>15/04/2021</a:t>
+              <a:t>17/04/2021</a:t>
             </a:fld>
             <a:endParaRPr lang="fr-FR"/>
           </a:p>
@@ -1149,7 +1154,7 @@
           <a:p>
             <a:fld id="{DB07B3B4-F6EB-4E6F-966F-EF12485CD205}" type="datetimeFigureOut">
               <a:rPr lang="fr-FR" smtClean="0"/>
-              <a:t>15/04/2021</a:t>
+              <a:t>17/04/2021</a:t>
             </a:fld>
             <a:endParaRPr lang="fr-FR"/>
           </a:p>
@@ -1414,7 +1419,7 @@
           <a:p>
             <a:fld id="{DB07B3B4-F6EB-4E6F-966F-EF12485CD205}" type="datetimeFigureOut">
               <a:rPr lang="fr-FR" smtClean="0"/>
-              <a:t>15/04/2021</a:t>
+              <a:t>17/04/2021</a:t>
             </a:fld>
             <a:endParaRPr lang="fr-FR"/>
           </a:p>
@@ -1826,7 +1831,7 @@
           <a:p>
             <a:fld id="{DB07B3B4-F6EB-4E6F-966F-EF12485CD205}" type="datetimeFigureOut">
               <a:rPr lang="fr-FR" smtClean="0"/>
-              <a:t>15/04/2021</a:t>
+              <a:t>17/04/2021</a:t>
             </a:fld>
             <a:endParaRPr lang="fr-FR"/>
           </a:p>
@@ -1967,7 +1972,7 @@
           <a:p>
             <a:fld id="{DB07B3B4-F6EB-4E6F-966F-EF12485CD205}" type="datetimeFigureOut">
               <a:rPr lang="fr-FR" smtClean="0"/>
-              <a:t>15/04/2021</a:t>
+              <a:t>17/04/2021</a:t>
             </a:fld>
             <a:endParaRPr lang="fr-FR"/>
           </a:p>
@@ -2080,7 +2085,7 @@
           <a:p>
             <a:fld id="{DB07B3B4-F6EB-4E6F-966F-EF12485CD205}" type="datetimeFigureOut">
               <a:rPr lang="fr-FR" smtClean="0"/>
-              <a:t>15/04/2021</a:t>
+              <a:t>17/04/2021</a:t>
             </a:fld>
             <a:endParaRPr lang="fr-FR"/>
           </a:p>
@@ -2391,7 +2396,7 @@
           <a:p>
             <a:fld id="{DB07B3B4-F6EB-4E6F-966F-EF12485CD205}" type="datetimeFigureOut">
               <a:rPr lang="fr-FR" smtClean="0"/>
-              <a:t>15/04/2021</a:t>
+              <a:t>17/04/2021</a:t>
             </a:fld>
             <a:endParaRPr lang="fr-FR"/>
           </a:p>
@@ -2679,7 +2684,7 @@
           <a:p>
             <a:fld id="{DB07B3B4-F6EB-4E6F-966F-EF12485CD205}" type="datetimeFigureOut">
               <a:rPr lang="fr-FR" smtClean="0"/>
-              <a:t>15/04/2021</a:t>
+              <a:t>17/04/2021</a:t>
             </a:fld>
             <a:endParaRPr lang="fr-FR"/>
           </a:p>
@@ -2920,7 +2925,7 @@
           <a:p>
             <a:fld id="{DB07B3B4-F6EB-4E6F-966F-EF12485CD205}" type="datetimeFigureOut">
               <a:rPr lang="fr-FR" smtClean="0"/>
-              <a:t>15/04/2021</a:t>
+              <a:t>17/04/2021</a:t>
             </a:fld>
             <a:endParaRPr lang="fr-FR"/>
           </a:p>
@@ -3358,10 +3363,7 @@
             <a:avLst/>
           </a:prstGeom>
           <a:solidFill>
-            <a:schemeClr val="tx1">
-              <a:lumMod val="95000"/>
-              <a:lumOff val="5000"/>
-            </a:schemeClr>
+            <a:schemeClr val="bg1"/>
           </a:solidFill>
           <a:ln>
             <a:noFill/>
@@ -3517,9 +3519,8 @@
             </a:pathLst>
           </a:custGeom>
           <a:solidFill>
-            <a:schemeClr val="tx1">
-              <a:lumMod val="85000"/>
-              <a:lumOff val="15000"/>
+            <a:schemeClr val="bg1">
+              <a:lumMod val="75000"/>
             </a:schemeClr>
           </a:solidFill>
           <a:ln>
@@ -3581,32 +3582,26 @@
           <a:p>
             <a:pPr algn="ctr"/>
             <a:r>
-              <a:rPr lang="fr-FR" sz="3000" dirty="0">
-                <a:solidFill>
-                  <a:srgbClr val="FF5600"/>
-                </a:solidFill>
-                <a:latin typeface="Pixel Operator 8" panose="02000503000000000000" pitchFamily="2" charset="0"/>
+              <a:rPr lang="fr-FR" sz="3000" b="1" spc="300" dirty="0">
+                <a:latin typeface="Arial" panose="020B0604020202020204" pitchFamily="34" charset="0"/>
+                <a:cs typeface="Arial" panose="020B0604020202020204" pitchFamily="34" charset="0"/>
               </a:rPr>
               <a:t>DOSSIER DE CONCEPTION</a:t>
             </a:r>
           </a:p>
           <a:p>
             <a:pPr algn="ctr"/>
-            <a:endParaRPr lang="fr-FR" sz="3000" dirty="0">
-              <a:solidFill>
-                <a:srgbClr val="FF5600"/>
-              </a:solidFill>
-              <a:latin typeface="Pixel Operator 8" panose="02000503000000000000" pitchFamily="2" charset="0"/>
+            <a:endParaRPr lang="fr-FR" sz="3000" b="1" spc="300" dirty="0">
+              <a:latin typeface="Arial" panose="020B0604020202020204" pitchFamily="34" charset="0"/>
+              <a:cs typeface="Arial" panose="020B0604020202020204" pitchFamily="34" charset="0"/>
             </a:endParaRPr>
           </a:p>
           <a:p>
             <a:pPr algn="ctr"/>
             <a:r>
-              <a:rPr lang="fr-FR" sz="3000" dirty="0">
-                <a:solidFill>
-                  <a:srgbClr val="FF5600"/>
-                </a:solidFill>
-                <a:latin typeface="Pixel Operator 8" panose="02000503000000000000" pitchFamily="2" charset="0"/>
+              <a:rPr lang="fr-FR" sz="3000" b="1" spc="300" dirty="0">
+                <a:latin typeface="Arial" panose="020B0604020202020204" pitchFamily="34" charset="0"/>
+                <a:cs typeface="Arial" panose="020B0604020202020204" pitchFamily="34" charset="0"/>
               </a:rPr>
               <a:t>VISUALTGR</a:t>
             </a:r>
@@ -3681,6 +3676,940 @@
       </p:grpSpPr>
       <p:sp>
         <p:nvSpPr>
+          <p:cNvPr id="8" name="Rectangle 7">
+            <a:extLst>
+              <a:ext uri="{FF2B5EF4-FFF2-40B4-BE49-F238E27FC236}">
+                <a16:creationId xmlns:a16="http://schemas.microsoft.com/office/drawing/2014/main" id="{6DDC3D9F-B7F0-4262-BC74-81331BA6E6EB}"/>
+              </a:ext>
+            </a:extLst>
+          </p:cNvPr>
+          <p:cNvSpPr/>
+          <p:nvPr/>
+        </p:nvSpPr>
+        <p:spPr>
+          <a:xfrm>
+            <a:off x="0" y="0"/>
+            <a:ext cx="12192000" cy="6858000"/>
+          </a:xfrm>
+          <a:prstGeom prst="rect">
+            <a:avLst/>
+          </a:prstGeom>
+          <a:solidFill>
+            <a:schemeClr val="bg1"/>
+          </a:solidFill>
+          <a:ln>
+            <a:noFill/>
+          </a:ln>
+        </p:spPr>
+        <p:style>
+          <a:lnRef idx="2">
+            <a:schemeClr val="accent1">
+              <a:shade val="50000"/>
+            </a:schemeClr>
+          </a:lnRef>
+          <a:fillRef idx="1">
+            <a:schemeClr val="accent1"/>
+          </a:fillRef>
+          <a:effectRef idx="0">
+            <a:schemeClr val="accent1"/>
+          </a:effectRef>
+          <a:fontRef idx="minor">
+            <a:schemeClr val="lt1"/>
+          </a:fontRef>
+        </p:style>
+        <p:txBody>
+          <a:bodyPr rtlCol="0" anchor="ctr"/>
+          <a:lstStyle/>
+          <a:p>
+            <a:pPr algn="ctr"/>
+            <a:endParaRPr lang="fr-FR" sz="3000" dirty="0">
+              <a:solidFill>
+                <a:srgbClr val="FF5600"/>
+              </a:solidFill>
+              <a:latin typeface="Pixel Operator 8" panose="02000503000000000000" pitchFamily="2" charset="0"/>
+            </a:endParaRPr>
+          </a:p>
+        </p:txBody>
+      </p:sp>
+      <p:sp>
+        <p:nvSpPr>
+          <p:cNvPr id="9" name="Forme libre : forme 8">
+            <a:extLst>
+              <a:ext uri="{FF2B5EF4-FFF2-40B4-BE49-F238E27FC236}">
+                <a16:creationId xmlns:a16="http://schemas.microsoft.com/office/drawing/2014/main" id="{3C8F1AB2-5182-49E7-8370-818B1E8C844F}"/>
+              </a:ext>
+            </a:extLst>
+          </p:cNvPr>
+          <p:cNvSpPr/>
+          <p:nvPr/>
+        </p:nvSpPr>
+        <p:spPr>
+          <a:xfrm>
+            <a:off x="9020273" y="-1819451"/>
+            <a:ext cx="5354683" cy="9859672"/>
+          </a:xfrm>
+          <a:custGeom>
+            <a:avLst/>
+            <a:gdLst>
+              <a:gd name="connsiteX0" fmla="*/ 771427 w 5354683"/>
+              <a:gd name="connsiteY0" fmla="*/ 371651 h 9859672"/>
+              <a:gd name="connsiteX1" fmla="*/ 1285777 w 5354683"/>
+              <a:gd name="connsiteY1" fmla="*/ 1038401 h 9859672"/>
+              <a:gd name="connsiteX2" fmla="*/ 2714527 w 5354683"/>
+              <a:gd name="connsiteY2" fmla="*/ 3057701 h 9859672"/>
+              <a:gd name="connsiteX3" fmla="*/ 2466877 w 5354683"/>
+              <a:gd name="connsiteY3" fmla="*/ 6639101 h 9859672"/>
+              <a:gd name="connsiteX4" fmla="*/ 66577 w 5354683"/>
+              <a:gd name="connsiteY4" fmla="*/ 9649001 h 9859672"/>
+              <a:gd name="connsiteX5" fmla="*/ 619027 w 5354683"/>
+              <a:gd name="connsiteY5" fmla="*/ 9610901 h 9859672"/>
+              <a:gd name="connsiteX6" fmla="*/ 5133877 w 5354683"/>
+              <a:gd name="connsiteY6" fmla="*/ 8944151 h 9859672"/>
+              <a:gd name="connsiteX7" fmla="*/ 4257577 w 5354683"/>
+              <a:gd name="connsiteY7" fmla="*/ 771701 h 9859672"/>
+              <a:gd name="connsiteX8" fmla="*/ 771427 w 5354683"/>
+              <a:gd name="connsiteY8" fmla="*/ 371651 h 9859672"/>
+            </a:gdLst>
+            <a:ahLst/>
+            <a:cxnLst>
+              <a:cxn ang="0">
+                <a:pos x="connsiteX0" y="connsiteY0"/>
+              </a:cxn>
+              <a:cxn ang="0">
+                <a:pos x="connsiteX1" y="connsiteY1"/>
+              </a:cxn>
+              <a:cxn ang="0">
+                <a:pos x="connsiteX2" y="connsiteY2"/>
+              </a:cxn>
+              <a:cxn ang="0">
+                <a:pos x="connsiteX3" y="connsiteY3"/>
+              </a:cxn>
+              <a:cxn ang="0">
+                <a:pos x="connsiteX4" y="connsiteY4"/>
+              </a:cxn>
+              <a:cxn ang="0">
+                <a:pos x="connsiteX5" y="connsiteY5"/>
+              </a:cxn>
+              <a:cxn ang="0">
+                <a:pos x="connsiteX6" y="connsiteY6"/>
+              </a:cxn>
+              <a:cxn ang="0">
+                <a:pos x="connsiteX7" y="connsiteY7"/>
+              </a:cxn>
+              <a:cxn ang="0">
+                <a:pos x="connsiteX8" y="connsiteY8"/>
+              </a:cxn>
+            </a:cxnLst>
+            <a:rect l="l" t="t" r="r" b="b"/>
+            <a:pathLst>
+              <a:path w="5354683" h="9859672">
+                <a:moveTo>
+                  <a:pt x="771427" y="371651"/>
+                </a:moveTo>
+                <a:cubicBezTo>
+                  <a:pt x="276127" y="416101"/>
+                  <a:pt x="961927" y="590726"/>
+                  <a:pt x="1285777" y="1038401"/>
+                </a:cubicBezTo>
+                <a:cubicBezTo>
+                  <a:pt x="1609627" y="1486076"/>
+                  <a:pt x="2517677" y="2124251"/>
+                  <a:pt x="2714527" y="3057701"/>
+                </a:cubicBezTo>
+                <a:cubicBezTo>
+                  <a:pt x="2911377" y="3991151"/>
+                  <a:pt x="2908202" y="5540551"/>
+                  <a:pt x="2466877" y="6639101"/>
+                </a:cubicBezTo>
+                <a:cubicBezTo>
+                  <a:pt x="2025552" y="7737651"/>
+                  <a:pt x="374552" y="9153701"/>
+                  <a:pt x="66577" y="9649001"/>
+                </a:cubicBezTo>
+                <a:cubicBezTo>
+                  <a:pt x="-241398" y="10144301"/>
+                  <a:pt x="619027" y="9610901"/>
+                  <a:pt x="619027" y="9610901"/>
+                </a:cubicBezTo>
+                <a:cubicBezTo>
+                  <a:pt x="1463577" y="9493426"/>
+                  <a:pt x="4527452" y="10417351"/>
+                  <a:pt x="5133877" y="8944151"/>
+                </a:cubicBezTo>
+                <a:cubicBezTo>
+                  <a:pt x="5740302" y="7470951"/>
+                  <a:pt x="4981477" y="2200451"/>
+                  <a:pt x="4257577" y="771701"/>
+                </a:cubicBezTo>
+                <a:cubicBezTo>
+                  <a:pt x="3533677" y="-657049"/>
+                  <a:pt x="1266727" y="327201"/>
+                  <a:pt x="771427" y="371651"/>
+                </a:cubicBezTo>
+                <a:close/>
+              </a:path>
+            </a:pathLst>
+          </a:custGeom>
+          <a:solidFill>
+            <a:schemeClr val="bg1">
+              <a:lumMod val="75000"/>
+            </a:schemeClr>
+          </a:solidFill>
+          <a:ln>
+            <a:noFill/>
+          </a:ln>
+        </p:spPr>
+        <p:style>
+          <a:lnRef idx="2">
+            <a:schemeClr val="accent1">
+              <a:shade val="50000"/>
+            </a:schemeClr>
+          </a:lnRef>
+          <a:fillRef idx="1">
+            <a:schemeClr val="accent1"/>
+          </a:fillRef>
+          <a:effectRef idx="0">
+            <a:schemeClr val="accent1"/>
+          </a:effectRef>
+          <a:fontRef idx="minor">
+            <a:schemeClr val="lt1"/>
+          </a:fontRef>
+        </p:style>
+        <p:txBody>
+          <a:bodyPr rtlCol="0" anchor="ctr"/>
+          <a:lstStyle/>
+          <a:p>
+            <a:pPr algn="ctr"/>
+            <a:endParaRPr lang="fr-FR"/>
+          </a:p>
+        </p:txBody>
+      </p:sp>
+      <p:sp>
+        <p:nvSpPr>
+          <p:cNvPr id="6" name="ZoneTexte 5">
+            <a:extLst>
+              <a:ext uri="{FF2B5EF4-FFF2-40B4-BE49-F238E27FC236}">
+                <a16:creationId xmlns:a16="http://schemas.microsoft.com/office/drawing/2014/main" id="{D515D0BD-6768-41D0-BAEC-364C2869C9F0}"/>
+              </a:ext>
+            </a:extLst>
+          </p:cNvPr>
+          <p:cNvSpPr txBox="1"/>
+          <p:nvPr/>
+        </p:nvSpPr>
+        <p:spPr>
+          <a:xfrm>
+            <a:off x="419100" y="476250"/>
+            <a:ext cx="10572750" cy="553998"/>
+          </a:xfrm>
+          <a:prstGeom prst="rect">
+            <a:avLst/>
+          </a:prstGeom>
+          <a:noFill/>
+        </p:spPr>
+        <p:txBody>
+          <a:bodyPr wrap="square" rtlCol="0">
+            <a:spAutoFit/>
+          </a:bodyPr>
+          <a:lstStyle/>
+          <a:p>
+            <a:r>
+              <a:rPr lang="fr-FR" sz="3000" b="1" spc="300" dirty="0">
+                <a:latin typeface="Arial" panose="020B0604020202020204" pitchFamily="34" charset="0"/>
+                <a:cs typeface="Arial" panose="020B0604020202020204" pitchFamily="34" charset="0"/>
+              </a:rPr>
+              <a:t>Planche</a:t>
+            </a:r>
+            <a:r>
+              <a:rPr lang="fr-FR" sz="3000" b="1" dirty="0">
+                <a:latin typeface="Arial" panose="020B0604020202020204" pitchFamily="34" charset="0"/>
+                <a:cs typeface="Arial" panose="020B0604020202020204" pitchFamily="34" charset="0"/>
+              </a:rPr>
+              <a:t> de tendances</a:t>
+            </a:r>
+          </a:p>
+        </p:txBody>
+      </p:sp>
+      <p:sp>
+        <p:nvSpPr>
+          <p:cNvPr id="10" name="ZoneTexte 9">
+            <a:extLst>
+              <a:ext uri="{FF2B5EF4-FFF2-40B4-BE49-F238E27FC236}">
+                <a16:creationId xmlns:a16="http://schemas.microsoft.com/office/drawing/2014/main" id="{5ACD8894-1556-429C-BB94-AD2074E6A3B1}"/>
+              </a:ext>
+            </a:extLst>
+          </p:cNvPr>
+          <p:cNvSpPr txBox="1"/>
+          <p:nvPr/>
+        </p:nvSpPr>
+        <p:spPr>
+          <a:xfrm>
+            <a:off x="419100" y="1506498"/>
+            <a:ext cx="10591800" cy="677108"/>
+          </a:xfrm>
+          <a:prstGeom prst="rect">
+            <a:avLst/>
+          </a:prstGeom>
+          <a:noFill/>
+        </p:spPr>
+        <p:txBody>
+          <a:bodyPr wrap="square" rtlCol="0">
+            <a:spAutoFit/>
+          </a:bodyPr>
+          <a:lstStyle/>
+          <a:p>
+            <a:r>
+              <a:rPr lang="fr-FR" sz="2000" spc="300" dirty="0">
+                <a:latin typeface="Arial" panose="020B0604020202020204" pitchFamily="34" charset="0"/>
+                <a:cs typeface="Arial" panose="020B0604020202020204" pitchFamily="34" charset="0"/>
+              </a:rPr>
+              <a:t>TEXT</a:t>
+            </a:r>
+          </a:p>
+          <a:p>
+            <a:pPr marL="742950" lvl="1" indent="-285750">
+              <a:buFont typeface="Arial" panose="020B0604020202020204" pitchFamily="34" charset="0"/>
+              <a:buChar char="•"/>
+            </a:pPr>
+            <a:endParaRPr lang="fr-FR" dirty="0">
+              <a:solidFill>
+                <a:srgbClr val="EA7235"/>
+              </a:solidFill>
+              <a:latin typeface="Pixel Operator" panose="02000503000000000000" pitchFamily="2" charset="0"/>
+            </a:endParaRPr>
+          </a:p>
+        </p:txBody>
+      </p:sp>
+    </p:spTree>
+    <p:extLst>
+      <p:ext uri="{BB962C8B-B14F-4D97-AF65-F5344CB8AC3E}">
+        <p14:creationId xmlns:p14="http://schemas.microsoft.com/office/powerpoint/2010/main" val="2857753000"/>
+      </p:ext>
+    </p:extLst>
+  </p:cSld>
+  <p:clrMapOvr>
+    <a:masterClrMapping/>
+  </p:clrMapOvr>
+</p:sld>
+</file>
+
+<file path=ppt/slides/slide11.xml><?xml version="1.0" encoding="utf-8"?>
+<p:sld xmlns:a="http://schemas.openxmlformats.org/drawingml/2006/main" xmlns:r="http://schemas.openxmlformats.org/officeDocument/2006/relationships" xmlns:p="http://schemas.openxmlformats.org/presentationml/2006/main">
+  <p:cSld>
+    <p:spTree>
+      <p:nvGrpSpPr>
+        <p:cNvPr id="1" name=""/>
+        <p:cNvGrpSpPr/>
+        <p:nvPr/>
+      </p:nvGrpSpPr>
+      <p:grpSpPr>
+        <a:xfrm>
+          <a:off x="0" y="0"/>
+          <a:ext cx="0" cy="0"/>
+          <a:chOff x="0" y="0"/>
+          <a:chExt cx="0" cy="0"/>
+        </a:xfrm>
+      </p:grpSpPr>
+      <p:sp>
+        <p:nvSpPr>
+          <p:cNvPr id="9" name="Forme libre : forme 8">
+            <a:extLst>
+              <a:ext uri="{FF2B5EF4-FFF2-40B4-BE49-F238E27FC236}">
+                <a16:creationId xmlns:a16="http://schemas.microsoft.com/office/drawing/2014/main" id="{2837D9EA-D740-4A5F-8D58-0B708AD8FE5A}"/>
+              </a:ext>
+            </a:extLst>
+          </p:cNvPr>
+          <p:cNvSpPr/>
+          <p:nvPr/>
+        </p:nvSpPr>
+        <p:spPr>
+          <a:xfrm>
+            <a:off x="9020273" y="-1819451"/>
+            <a:ext cx="5354683" cy="9859672"/>
+          </a:xfrm>
+          <a:custGeom>
+            <a:avLst/>
+            <a:gdLst>
+              <a:gd name="connsiteX0" fmla="*/ 771427 w 5354683"/>
+              <a:gd name="connsiteY0" fmla="*/ 371651 h 9859672"/>
+              <a:gd name="connsiteX1" fmla="*/ 1285777 w 5354683"/>
+              <a:gd name="connsiteY1" fmla="*/ 1038401 h 9859672"/>
+              <a:gd name="connsiteX2" fmla="*/ 2714527 w 5354683"/>
+              <a:gd name="connsiteY2" fmla="*/ 3057701 h 9859672"/>
+              <a:gd name="connsiteX3" fmla="*/ 2466877 w 5354683"/>
+              <a:gd name="connsiteY3" fmla="*/ 6639101 h 9859672"/>
+              <a:gd name="connsiteX4" fmla="*/ 66577 w 5354683"/>
+              <a:gd name="connsiteY4" fmla="*/ 9649001 h 9859672"/>
+              <a:gd name="connsiteX5" fmla="*/ 619027 w 5354683"/>
+              <a:gd name="connsiteY5" fmla="*/ 9610901 h 9859672"/>
+              <a:gd name="connsiteX6" fmla="*/ 5133877 w 5354683"/>
+              <a:gd name="connsiteY6" fmla="*/ 8944151 h 9859672"/>
+              <a:gd name="connsiteX7" fmla="*/ 4257577 w 5354683"/>
+              <a:gd name="connsiteY7" fmla="*/ 771701 h 9859672"/>
+              <a:gd name="connsiteX8" fmla="*/ 771427 w 5354683"/>
+              <a:gd name="connsiteY8" fmla="*/ 371651 h 9859672"/>
+            </a:gdLst>
+            <a:ahLst/>
+            <a:cxnLst>
+              <a:cxn ang="0">
+                <a:pos x="connsiteX0" y="connsiteY0"/>
+              </a:cxn>
+              <a:cxn ang="0">
+                <a:pos x="connsiteX1" y="connsiteY1"/>
+              </a:cxn>
+              <a:cxn ang="0">
+                <a:pos x="connsiteX2" y="connsiteY2"/>
+              </a:cxn>
+              <a:cxn ang="0">
+                <a:pos x="connsiteX3" y="connsiteY3"/>
+              </a:cxn>
+              <a:cxn ang="0">
+                <a:pos x="connsiteX4" y="connsiteY4"/>
+              </a:cxn>
+              <a:cxn ang="0">
+                <a:pos x="connsiteX5" y="connsiteY5"/>
+              </a:cxn>
+              <a:cxn ang="0">
+                <a:pos x="connsiteX6" y="connsiteY6"/>
+              </a:cxn>
+              <a:cxn ang="0">
+                <a:pos x="connsiteX7" y="connsiteY7"/>
+              </a:cxn>
+              <a:cxn ang="0">
+                <a:pos x="connsiteX8" y="connsiteY8"/>
+              </a:cxn>
+            </a:cxnLst>
+            <a:rect l="l" t="t" r="r" b="b"/>
+            <a:pathLst>
+              <a:path w="5354683" h="9859672">
+                <a:moveTo>
+                  <a:pt x="771427" y="371651"/>
+                </a:moveTo>
+                <a:cubicBezTo>
+                  <a:pt x="276127" y="416101"/>
+                  <a:pt x="961927" y="590726"/>
+                  <a:pt x="1285777" y="1038401"/>
+                </a:cubicBezTo>
+                <a:cubicBezTo>
+                  <a:pt x="1609627" y="1486076"/>
+                  <a:pt x="2517677" y="2124251"/>
+                  <a:pt x="2714527" y="3057701"/>
+                </a:cubicBezTo>
+                <a:cubicBezTo>
+                  <a:pt x="2911377" y="3991151"/>
+                  <a:pt x="2908202" y="5540551"/>
+                  <a:pt x="2466877" y="6639101"/>
+                </a:cubicBezTo>
+                <a:cubicBezTo>
+                  <a:pt x="2025552" y="7737651"/>
+                  <a:pt x="374552" y="9153701"/>
+                  <a:pt x="66577" y="9649001"/>
+                </a:cubicBezTo>
+                <a:cubicBezTo>
+                  <a:pt x="-241398" y="10144301"/>
+                  <a:pt x="619027" y="9610901"/>
+                  <a:pt x="619027" y="9610901"/>
+                </a:cubicBezTo>
+                <a:cubicBezTo>
+                  <a:pt x="1463577" y="9493426"/>
+                  <a:pt x="4527452" y="10417351"/>
+                  <a:pt x="5133877" y="8944151"/>
+                </a:cubicBezTo>
+                <a:cubicBezTo>
+                  <a:pt x="5740302" y="7470951"/>
+                  <a:pt x="4981477" y="2200451"/>
+                  <a:pt x="4257577" y="771701"/>
+                </a:cubicBezTo>
+                <a:cubicBezTo>
+                  <a:pt x="3533677" y="-657049"/>
+                  <a:pt x="1266727" y="327201"/>
+                  <a:pt x="771427" y="371651"/>
+                </a:cubicBezTo>
+                <a:close/>
+              </a:path>
+            </a:pathLst>
+          </a:custGeom>
+          <a:solidFill>
+            <a:schemeClr val="bg1">
+              <a:lumMod val="75000"/>
+            </a:schemeClr>
+          </a:solidFill>
+          <a:ln>
+            <a:noFill/>
+          </a:ln>
+        </p:spPr>
+        <p:style>
+          <a:lnRef idx="2">
+            <a:schemeClr val="accent1">
+              <a:shade val="50000"/>
+            </a:schemeClr>
+          </a:lnRef>
+          <a:fillRef idx="1">
+            <a:schemeClr val="accent1"/>
+          </a:fillRef>
+          <a:effectRef idx="0">
+            <a:schemeClr val="accent1"/>
+          </a:effectRef>
+          <a:fontRef idx="minor">
+            <a:schemeClr val="lt1"/>
+          </a:fontRef>
+        </p:style>
+        <p:txBody>
+          <a:bodyPr rtlCol="0" anchor="ctr"/>
+          <a:lstStyle/>
+          <a:p>
+            <a:pPr algn="ctr"/>
+            <a:endParaRPr lang="fr-FR"/>
+          </a:p>
+        </p:txBody>
+      </p:sp>
+      <p:sp>
+        <p:nvSpPr>
+          <p:cNvPr id="6" name="ZoneTexte 5">
+            <a:extLst>
+              <a:ext uri="{FF2B5EF4-FFF2-40B4-BE49-F238E27FC236}">
+                <a16:creationId xmlns:a16="http://schemas.microsoft.com/office/drawing/2014/main" id="{D515D0BD-6768-41D0-BAEC-364C2869C9F0}"/>
+              </a:ext>
+            </a:extLst>
+          </p:cNvPr>
+          <p:cNvSpPr txBox="1"/>
+          <p:nvPr/>
+        </p:nvSpPr>
+        <p:spPr>
+          <a:xfrm>
+            <a:off x="419100" y="476250"/>
+            <a:ext cx="10572750" cy="553998"/>
+          </a:xfrm>
+          <a:prstGeom prst="rect">
+            <a:avLst/>
+          </a:prstGeom>
+          <a:noFill/>
+        </p:spPr>
+        <p:txBody>
+          <a:bodyPr wrap="square" rtlCol="0">
+            <a:spAutoFit/>
+          </a:bodyPr>
+          <a:lstStyle/>
+          <a:p>
+            <a:r>
+              <a:rPr lang="fr-FR" sz="3000" b="1" spc="300" dirty="0">
+                <a:latin typeface="Arial" panose="020B0604020202020204" pitchFamily="34" charset="0"/>
+                <a:cs typeface="Arial" panose="020B0604020202020204" pitchFamily="34" charset="0"/>
+              </a:rPr>
+              <a:t>Arborescence</a:t>
+            </a:r>
+          </a:p>
+        </p:txBody>
+      </p:sp>
+      <p:sp>
+        <p:nvSpPr>
+          <p:cNvPr id="10" name="ZoneTexte 9">
+            <a:extLst>
+              <a:ext uri="{FF2B5EF4-FFF2-40B4-BE49-F238E27FC236}">
+                <a16:creationId xmlns:a16="http://schemas.microsoft.com/office/drawing/2014/main" id="{7C16C876-9363-4A7D-92C6-89D1E35C65EE}"/>
+              </a:ext>
+            </a:extLst>
+          </p:cNvPr>
+          <p:cNvSpPr txBox="1"/>
+          <p:nvPr/>
+        </p:nvSpPr>
+        <p:spPr>
+          <a:xfrm>
+            <a:off x="419100" y="1506498"/>
+            <a:ext cx="10591800" cy="677108"/>
+          </a:xfrm>
+          <a:prstGeom prst="rect">
+            <a:avLst/>
+          </a:prstGeom>
+          <a:noFill/>
+        </p:spPr>
+        <p:txBody>
+          <a:bodyPr wrap="square" rtlCol="0">
+            <a:spAutoFit/>
+          </a:bodyPr>
+          <a:lstStyle/>
+          <a:p>
+            <a:r>
+              <a:rPr lang="fr-FR" sz="2000" spc="300" dirty="0">
+                <a:latin typeface="Arial" panose="020B0604020202020204" pitchFamily="34" charset="0"/>
+                <a:cs typeface="Arial" panose="020B0604020202020204" pitchFamily="34" charset="0"/>
+              </a:rPr>
+              <a:t>TEXT</a:t>
+            </a:r>
+          </a:p>
+          <a:p>
+            <a:pPr marL="742950" lvl="1" indent="-285750">
+              <a:buFont typeface="Arial" panose="020B0604020202020204" pitchFamily="34" charset="0"/>
+              <a:buChar char="•"/>
+            </a:pPr>
+            <a:endParaRPr lang="fr-FR" dirty="0">
+              <a:solidFill>
+                <a:srgbClr val="EA7235"/>
+              </a:solidFill>
+              <a:latin typeface="Pixel Operator" panose="02000503000000000000" pitchFamily="2" charset="0"/>
+            </a:endParaRPr>
+          </a:p>
+        </p:txBody>
+      </p:sp>
+    </p:spTree>
+    <p:extLst>
+      <p:ext uri="{BB962C8B-B14F-4D97-AF65-F5344CB8AC3E}">
+        <p14:creationId xmlns:p14="http://schemas.microsoft.com/office/powerpoint/2010/main" val="4025393722"/>
+      </p:ext>
+    </p:extLst>
+  </p:cSld>
+  <p:clrMapOvr>
+    <a:masterClrMapping/>
+  </p:clrMapOvr>
+</p:sld>
+</file>
+
+<file path=ppt/slides/slide12.xml><?xml version="1.0" encoding="utf-8"?>
+<p:sld xmlns:a="http://schemas.openxmlformats.org/drawingml/2006/main" xmlns:r="http://schemas.openxmlformats.org/officeDocument/2006/relationships" xmlns:p="http://schemas.openxmlformats.org/presentationml/2006/main">
+  <p:cSld>
+    <p:spTree>
+      <p:nvGrpSpPr>
+        <p:cNvPr id="1" name=""/>
+        <p:cNvGrpSpPr/>
+        <p:nvPr/>
+      </p:nvGrpSpPr>
+      <p:grpSpPr>
+        <a:xfrm>
+          <a:off x="0" y="0"/>
+          <a:ext cx="0" cy="0"/>
+          <a:chOff x="0" y="0"/>
+          <a:chExt cx="0" cy="0"/>
+        </a:xfrm>
+      </p:grpSpPr>
+      <p:sp>
+        <p:nvSpPr>
+          <p:cNvPr id="8" name="Rectangle 7">
+            <a:extLst>
+              <a:ext uri="{FF2B5EF4-FFF2-40B4-BE49-F238E27FC236}">
+                <a16:creationId xmlns:a16="http://schemas.microsoft.com/office/drawing/2014/main" id="{4A2B9E93-57B5-4892-8549-E9F33657EF3F}"/>
+              </a:ext>
+            </a:extLst>
+          </p:cNvPr>
+          <p:cNvSpPr/>
+          <p:nvPr/>
+        </p:nvSpPr>
+        <p:spPr>
+          <a:xfrm>
+            <a:off x="0" y="0"/>
+            <a:ext cx="12192000" cy="6858000"/>
+          </a:xfrm>
+          <a:prstGeom prst="rect">
+            <a:avLst/>
+          </a:prstGeom>
+          <a:solidFill>
+            <a:schemeClr val="bg1"/>
+          </a:solidFill>
+          <a:ln>
+            <a:noFill/>
+          </a:ln>
+        </p:spPr>
+        <p:style>
+          <a:lnRef idx="2">
+            <a:schemeClr val="accent1">
+              <a:shade val="50000"/>
+            </a:schemeClr>
+          </a:lnRef>
+          <a:fillRef idx="1">
+            <a:schemeClr val="accent1"/>
+          </a:fillRef>
+          <a:effectRef idx="0">
+            <a:schemeClr val="accent1"/>
+          </a:effectRef>
+          <a:fontRef idx="minor">
+            <a:schemeClr val="lt1"/>
+          </a:fontRef>
+        </p:style>
+        <p:txBody>
+          <a:bodyPr rtlCol="0" anchor="ctr"/>
+          <a:lstStyle/>
+          <a:p>
+            <a:pPr algn="ctr"/>
+            <a:endParaRPr lang="fr-FR" sz="3000" dirty="0">
+              <a:solidFill>
+                <a:srgbClr val="FF5600"/>
+              </a:solidFill>
+              <a:latin typeface="Pixel Operator 8" panose="02000503000000000000" pitchFamily="2" charset="0"/>
+            </a:endParaRPr>
+          </a:p>
+        </p:txBody>
+      </p:sp>
+      <p:sp>
+        <p:nvSpPr>
+          <p:cNvPr id="9" name="Forme libre : forme 8">
+            <a:extLst>
+              <a:ext uri="{FF2B5EF4-FFF2-40B4-BE49-F238E27FC236}">
+                <a16:creationId xmlns:a16="http://schemas.microsoft.com/office/drawing/2014/main" id="{1A7ADDE7-EF35-41D4-9C5D-899FB7DBBBCA}"/>
+              </a:ext>
+            </a:extLst>
+          </p:cNvPr>
+          <p:cNvSpPr/>
+          <p:nvPr/>
+        </p:nvSpPr>
+        <p:spPr>
+          <a:xfrm>
+            <a:off x="9020273" y="-1819451"/>
+            <a:ext cx="5354683" cy="9859672"/>
+          </a:xfrm>
+          <a:custGeom>
+            <a:avLst/>
+            <a:gdLst>
+              <a:gd name="connsiteX0" fmla="*/ 771427 w 5354683"/>
+              <a:gd name="connsiteY0" fmla="*/ 371651 h 9859672"/>
+              <a:gd name="connsiteX1" fmla="*/ 1285777 w 5354683"/>
+              <a:gd name="connsiteY1" fmla="*/ 1038401 h 9859672"/>
+              <a:gd name="connsiteX2" fmla="*/ 2714527 w 5354683"/>
+              <a:gd name="connsiteY2" fmla="*/ 3057701 h 9859672"/>
+              <a:gd name="connsiteX3" fmla="*/ 2466877 w 5354683"/>
+              <a:gd name="connsiteY3" fmla="*/ 6639101 h 9859672"/>
+              <a:gd name="connsiteX4" fmla="*/ 66577 w 5354683"/>
+              <a:gd name="connsiteY4" fmla="*/ 9649001 h 9859672"/>
+              <a:gd name="connsiteX5" fmla="*/ 619027 w 5354683"/>
+              <a:gd name="connsiteY5" fmla="*/ 9610901 h 9859672"/>
+              <a:gd name="connsiteX6" fmla="*/ 5133877 w 5354683"/>
+              <a:gd name="connsiteY6" fmla="*/ 8944151 h 9859672"/>
+              <a:gd name="connsiteX7" fmla="*/ 4257577 w 5354683"/>
+              <a:gd name="connsiteY7" fmla="*/ 771701 h 9859672"/>
+              <a:gd name="connsiteX8" fmla="*/ 771427 w 5354683"/>
+              <a:gd name="connsiteY8" fmla="*/ 371651 h 9859672"/>
+            </a:gdLst>
+            <a:ahLst/>
+            <a:cxnLst>
+              <a:cxn ang="0">
+                <a:pos x="connsiteX0" y="connsiteY0"/>
+              </a:cxn>
+              <a:cxn ang="0">
+                <a:pos x="connsiteX1" y="connsiteY1"/>
+              </a:cxn>
+              <a:cxn ang="0">
+                <a:pos x="connsiteX2" y="connsiteY2"/>
+              </a:cxn>
+              <a:cxn ang="0">
+                <a:pos x="connsiteX3" y="connsiteY3"/>
+              </a:cxn>
+              <a:cxn ang="0">
+                <a:pos x="connsiteX4" y="connsiteY4"/>
+              </a:cxn>
+              <a:cxn ang="0">
+                <a:pos x="connsiteX5" y="connsiteY5"/>
+              </a:cxn>
+              <a:cxn ang="0">
+                <a:pos x="connsiteX6" y="connsiteY6"/>
+              </a:cxn>
+              <a:cxn ang="0">
+                <a:pos x="connsiteX7" y="connsiteY7"/>
+              </a:cxn>
+              <a:cxn ang="0">
+                <a:pos x="connsiteX8" y="connsiteY8"/>
+              </a:cxn>
+            </a:cxnLst>
+            <a:rect l="l" t="t" r="r" b="b"/>
+            <a:pathLst>
+              <a:path w="5354683" h="9859672">
+                <a:moveTo>
+                  <a:pt x="771427" y="371651"/>
+                </a:moveTo>
+                <a:cubicBezTo>
+                  <a:pt x="276127" y="416101"/>
+                  <a:pt x="961927" y="590726"/>
+                  <a:pt x="1285777" y="1038401"/>
+                </a:cubicBezTo>
+                <a:cubicBezTo>
+                  <a:pt x="1609627" y="1486076"/>
+                  <a:pt x="2517677" y="2124251"/>
+                  <a:pt x="2714527" y="3057701"/>
+                </a:cubicBezTo>
+                <a:cubicBezTo>
+                  <a:pt x="2911377" y="3991151"/>
+                  <a:pt x="2908202" y="5540551"/>
+                  <a:pt x="2466877" y="6639101"/>
+                </a:cubicBezTo>
+                <a:cubicBezTo>
+                  <a:pt x="2025552" y="7737651"/>
+                  <a:pt x="374552" y="9153701"/>
+                  <a:pt x="66577" y="9649001"/>
+                </a:cubicBezTo>
+                <a:cubicBezTo>
+                  <a:pt x="-241398" y="10144301"/>
+                  <a:pt x="619027" y="9610901"/>
+                  <a:pt x="619027" y="9610901"/>
+                </a:cubicBezTo>
+                <a:cubicBezTo>
+                  <a:pt x="1463577" y="9493426"/>
+                  <a:pt x="4527452" y="10417351"/>
+                  <a:pt x="5133877" y="8944151"/>
+                </a:cubicBezTo>
+                <a:cubicBezTo>
+                  <a:pt x="5740302" y="7470951"/>
+                  <a:pt x="4981477" y="2200451"/>
+                  <a:pt x="4257577" y="771701"/>
+                </a:cubicBezTo>
+                <a:cubicBezTo>
+                  <a:pt x="3533677" y="-657049"/>
+                  <a:pt x="1266727" y="327201"/>
+                  <a:pt x="771427" y="371651"/>
+                </a:cubicBezTo>
+                <a:close/>
+              </a:path>
+            </a:pathLst>
+          </a:custGeom>
+          <a:solidFill>
+            <a:schemeClr val="bg1">
+              <a:lumMod val="75000"/>
+            </a:schemeClr>
+          </a:solidFill>
+          <a:ln>
+            <a:noFill/>
+          </a:ln>
+        </p:spPr>
+        <p:style>
+          <a:lnRef idx="2">
+            <a:schemeClr val="accent1">
+              <a:shade val="50000"/>
+            </a:schemeClr>
+          </a:lnRef>
+          <a:fillRef idx="1">
+            <a:schemeClr val="accent1"/>
+          </a:fillRef>
+          <a:effectRef idx="0">
+            <a:schemeClr val="accent1"/>
+          </a:effectRef>
+          <a:fontRef idx="minor">
+            <a:schemeClr val="lt1"/>
+          </a:fontRef>
+        </p:style>
+        <p:txBody>
+          <a:bodyPr rtlCol="0" anchor="ctr"/>
+          <a:lstStyle/>
+          <a:p>
+            <a:pPr algn="ctr"/>
+            <a:endParaRPr lang="fr-FR"/>
+          </a:p>
+        </p:txBody>
+      </p:sp>
+      <p:sp>
+        <p:nvSpPr>
+          <p:cNvPr id="6" name="ZoneTexte 5">
+            <a:extLst>
+              <a:ext uri="{FF2B5EF4-FFF2-40B4-BE49-F238E27FC236}">
+                <a16:creationId xmlns:a16="http://schemas.microsoft.com/office/drawing/2014/main" id="{D515D0BD-6768-41D0-BAEC-364C2869C9F0}"/>
+              </a:ext>
+            </a:extLst>
+          </p:cNvPr>
+          <p:cNvSpPr txBox="1"/>
+          <p:nvPr/>
+        </p:nvSpPr>
+        <p:spPr>
+          <a:xfrm>
+            <a:off x="419100" y="476250"/>
+            <a:ext cx="10572750" cy="553998"/>
+          </a:xfrm>
+          <a:prstGeom prst="rect">
+            <a:avLst/>
+          </a:prstGeom>
+          <a:noFill/>
+        </p:spPr>
+        <p:txBody>
+          <a:bodyPr wrap="square" rtlCol="0">
+            <a:spAutoFit/>
+          </a:bodyPr>
+          <a:lstStyle/>
+          <a:p>
+            <a:r>
+              <a:rPr lang="fr-FR" sz="3000" b="1" spc="300" dirty="0">
+                <a:latin typeface="Arial" panose="020B0604020202020204" pitchFamily="34" charset="0"/>
+                <a:cs typeface="Arial" panose="020B0604020202020204" pitchFamily="34" charset="0"/>
+              </a:rPr>
+              <a:t>Wireframe</a:t>
+            </a:r>
+          </a:p>
+        </p:txBody>
+      </p:sp>
+      <p:sp>
+        <p:nvSpPr>
+          <p:cNvPr id="10" name="ZoneTexte 9">
+            <a:extLst>
+              <a:ext uri="{FF2B5EF4-FFF2-40B4-BE49-F238E27FC236}">
+                <a16:creationId xmlns:a16="http://schemas.microsoft.com/office/drawing/2014/main" id="{5E5AD2E7-4B9F-4555-9F55-F12FB62C649D}"/>
+              </a:ext>
+            </a:extLst>
+          </p:cNvPr>
+          <p:cNvSpPr txBox="1"/>
+          <p:nvPr/>
+        </p:nvSpPr>
+        <p:spPr>
+          <a:xfrm>
+            <a:off x="419100" y="1506498"/>
+            <a:ext cx="10591800" cy="677108"/>
+          </a:xfrm>
+          <a:prstGeom prst="rect">
+            <a:avLst/>
+          </a:prstGeom>
+          <a:noFill/>
+        </p:spPr>
+        <p:txBody>
+          <a:bodyPr wrap="square" rtlCol="0">
+            <a:spAutoFit/>
+          </a:bodyPr>
+          <a:lstStyle/>
+          <a:p>
+            <a:r>
+              <a:rPr lang="fr-FR" sz="2000" spc="300" dirty="0">
+                <a:latin typeface="Arial" panose="020B0604020202020204" pitchFamily="34" charset="0"/>
+                <a:cs typeface="Arial" panose="020B0604020202020204" pitchFamily="34" charset="0"/>
+              </a:rPr>
+              <a:t>TEXT</a:t>
+            </a:r>
+          </a:p>
+          <a:p>
+            <a:pPr marL="742950" lvl="1" indent="-285750">
+              <a:buFont typeface="Arial" panose="020B0604020202020204" pitchFamily="34" charset="0"/>
+              <a:buChar char="•"/>
+            </a:pPr>
+            <a:endParaRPr lang="fr-FR" dirty="0">
+              <a:solidFill>
+                <a:srgbClr val="EA7235"/>
+              </a:solidFill>
+              <a:latin typeface="Pixel Operator" panose="02000503000000000000" pitchFamily="2" charset="0"/>
+            </a:endParaRPr>
+          </a:p>
+        </p:txBody>
+      </p:sp>
+    </p:spTree>
+    <p:extLst>
+      <p:ext uri="{BB962C8B-B14F-4D97-AF65-F5344CB8AC3E}">
+        <p14:creationId xmlns:p14="http://schemas.microsoft.com/office/powerpoint/2010/main" val="3617946248"/>
+      </p:ext>
+    </p:extLst>
+  </p:cSld>
+  <p:clrMapOvr>
+    <a:masterClrMapping/>
+  </p:clrMapOvr>
+</p:sld>
+</file>
+
+<file path=ppt/slides/slide13.xml><?xml version="1.0" encoding="utf-8"?>
+<p:sld xmlns:a="http://schemas.openxmlformats.org/drawingml/2006/main" xmlns:r="http://schemas.openxmlformats.org/officeDocument/2006/relationships" xmlns:p="http://schemas.openxmlformats.org/presentationml/2006/main">
+  <p:cSld>
+    <p:spTree>
+      <p:nvGrpSpPr>
+        <p:cNvPr id="1" name=""/>
+        <p:cNvGrpSpPr/>
+        <p:nvPr/>
+      </p:nvGrpSpPr>
+      <p:grpSpPr>
+        <a:xfrm>
+          <a:off x="0" y="0"/>
+          <a:ext cx="0" cy="0"/>
+          <a:chOff x="0" y="0"/>
+          <a:chExt cx="0" cy="0"/>
+        </a:xfrm>
+      </p:grpSpPr>
+      <p:sp>
+        <p:nvSpPr>
           <p:cNvPr id="4" name="Rectangle 3">
             <a:extLst>
               <a:ext uri="{FF2B5EF4-FFF2-40B4-BE49-F238E27FC236}">
@@ -3894,6 +4823,216 @@
       </p:sp>
       <p:sp>
         <p:nvSpPr>
+          <p:cNvPr id="8" name="Rectangle 7">
+            <a:extLst>
+              <a:ext uri="{FF2B5EF4-FFF2-40B4-BE49-F238E27FC236}">
+                <a16:creationId xmlns:a16="http://schemas.microsoft.com/office/drawing/2014/main" id="{CB852CA2-7B81-4862-A1E2-C750E780F75A}"/>
+              </a:ext>
+            </a:extLst>
+          </p:cNvPr>
+          <p:cNvSpPr/>
+          <p:nvPr/>
+        </p:nvSpPr>
+        <p:spPr>
+          <a:xfrm>
+            <a:off x="0" y="0"/>
+            <a:ext cx="12192000" cy="6858000"/>
+          </a:xfrm>
+          <a:prstGeom prst="rect">
+            <a:avLst/>
+          </a:prstGeom>
+          <a:solidFill>
+            <a:schemeClr val="bg1"/>
+          </a:solidFill>
+          <a:ln>
+            <a:noFill/>
+          </a:ln>
+        </p:spPr>
+        <p:style>
+          <a:lnRef idx="2">
+            <a:schemeClr val="accent1">
+              <a:shade val="50000"/>
+            </a:schemeClr>
+          </a:lnRef>
+          <a:fillRef idx="1">
+            <a:schemeClr val="accent1"/>
+          </a:fillRef>
+          <a:effectRef idx="0">
+            <a:schemeClr val="accent1"/>
+          </a:effectRef>
+          <a:fontRef idx="minor">
+            <a:schemeClr val="lt1"/>
+          </a:fontRef>
+        </p:style>
+        <p:txBody>
+          <a:bodyPr rtlCol="0" anchor="ctr"/>
+          <a:lstStyle/>
+          <a:p>
+            <a:pPr algn="ctr"/>
+            <a:endParaRPr lang="fr-FR" sz="3000" dirty="0">
+              <a:solidFill>
+                <a:srgbClr val="FF5600"/>
+              </a:solidFill>
+              <a:latin typeface="Pixel Operator 8" panose="02000503000000000000" pitchFamily="2" charset="0"/>
+            </a:endParaRPr>
+          </a:p>
+        </p:txBody>
+      </p:sp>
+      <p:sp>
+        <p:nvSpPr>
+          <p:cNvPr id="9" name="Forme libre : forme 8">
+            <a:extLst>
+              <a:ext uri="{FF2B5EF4-FFF2-40B4-BE49-F238E27FC236}">
+                <a16:creationId xmlns:a16="http://schemas.microsoft.com/office/drawing/2014/main" id="{668B605A-B8A9-44A4-A8BB-A058C16F8B93}"/>
+              </a:ext>
+            </a:extLst>
+          </p:cNvPr>
+          <p:cNvSpPr/>
+          <p:nvPr/>
+        </p:nvSpPr>
+        <p:spPr>
+          <a:xfrm>
+            <a:off x="9020273" y="-1819451"/>
+            <a:ext cx="5354683" cy="9859672"/>
+          </a:xfrm>
+          <a:custGeom>
+            <a:avLst/>
+            <a:gdLst>
+              <a:gd name="connsiteX0" fmla="*/ 771427 w 5354683"/>
+              <a:gd name="connsiteY0" fmla="*/ 371651 h 9859672"/>
+              <a:gd name="connsiteX1" fmla="*/ 1285777 w 5354683"/>
+              <a:gd name="connsiteY1" fmla="*/ 1038401 h 9859672"/>
+              <a:gd name="connsiteX2" fmla="*/ 2714527 w 5354683"/>
+              <a:gd name="connsiteY2" fmla="*/ 3057701 h 9859672"/>
+              <a:gd name="connsiteX3" fmla="*/ 2466877 w 5354683"/>
+              <a:gd name="connsiteY3" fmla="*/ 6639101 h 9859672"/>
+              <a:gd name="connsiteX4" fmla="*/ 66577 w 5354683"/>
+              <a:gd name="connsiteY4" fmla="*/ 9649001 h 9859672"/>
+              <a:gd name="connsiteX5" fmla="*/ 619027 w 5354683"/>
+              <a:gd name="connsiteY5" fmla="*/ 9610901 h 9859672"/>
+              <a:gd name="connsiteX6" fmla="*/ 5133877 w 5354683"/>
+              <a:gd name="connsiteY6" fmla="*/ 8944151 h 9859672"/>
+              <a:gd name="connsiteX7" fmla="*/ 4257577 w 5354683"/>
+              <a:gd name="connsiteY7" fmla="*/ 771701 h 9859672"/>
+              <a:gd name="connsiteX8" fmla="*/ 771427 w 5354683"/>
+              <a:gd name="connsiteY8" fmla="*/ 371651 h 9859672"/>
+            </a:gdLst>
+            <a:ahLst/>
+            <a:cxnLst>
+              <a:cxn ang="0">
+                <a:pos x="connsiteX0" y="connsiteY0"/>
+              </a:cxn>
+              <a:cxn ang="0">
+                <a:pos x="connsiteX1" y="connsiteY1"/>
+              </a:cxn>
+              <a:cxn ang="0">
+                <a:pos x="connsiteX2" y="connsiteY2"/>
+              </a:cxn>
+              <a:cxn ang="0">
+                <a:pos x="connsiteX3" y="connsiteY3"/>
+              </a:cxn>
+              <a:cxn ang="0">
+                <a:pos x="connsiteX4" y="connsiteY4"/>
+              </a:cxn>
+              <a:cxn ang="0">
+                <a:pos x="connsiteX5" y="connsiteY5"/>
+              </a:cxn>
+              <a:cxn ang="0">
+                <a:pos x="connsiteX6" y="connsiteY6"/>
+              </a:cxn>
+              <a:cxn ang="0">
+                <a:pos x="connsiteX7" y="connsiteY7"/>
+              </a:cxn>
+              <a:cxn ang="0">
+                <a:pos x="connsiteX8" y="connsiteY8"/>
+              </a:cxn>
+            </a:cxnLst>
+            <a:rect l="l" t="t" r="r" b="b"/>
+            <a:pathLst>
+              <a:path w="5354683" h="9859672">
+                <a:moveTo>
+                  <a:pt x="771427" y="371651"/>
+                </a:moveTo>
+                <a:cubicBezTo>
+                  <a:pt x="276127" y="416101"/>
+                  <a:pt x="961927" y="590726"/>
+                  <a:pt x="1285777" y="1038401"/>
+                </a:cubicBezTo>
+                <a:cubicBezTo>
+                  <a:pt x="1609627" y="1486076"/>
+                  <a:pt x="2517677" y="2124251"/>
+                  <a:pt x="2714527" y="3057701"/>
+                </a:cubicBezTo>
+                <a:cubicBezTo>
+                  <a:pt x="2911377" y="3991151"/>
+                  <a:pt x="2908202" y="5540551"/>
+                  <a:pt x="2466877" y="6639101"/>
+                </a:cubicBezTo>
+                <a:cubicBezTo>
+                  <a:pt x="2025552" y="7737651"/>
+                  <a:pt x="374552" y="9153701"/>
+                  <a:pt x="66577" y="9649001"/>
+                </a:cubicBezTo>
+                <a:cubicBezTo>
+                  <a:pt x="-241398" y="10144301"/>
+                  <a:pt x="619027" y="9610901"/>
+                  <a:pt x="619027" y="9610901"/>
+                </a:cubicBezTo>
+                <a:cubicBezTo>
+                  <a:pt x="1463577" y="9493426"/>
+                  <a:pt x="4527452" y="10417351"/>
+                  <a:pt x="5133877" y="8944151"/>
+                </a:cubicBezTo>
+                <a:cubicBezTo>
+                  <a:pt x="5740302" y="7470951"/>
+                  <a:pt x="4981477" y="2200451"/>
+                  <a:pt x="4257577" y="771701"/>
+                </a:cubicBezTo>
+                <a:cubicBezTo>
+                  <a:pt x="3533677" y="-657049"/>
+                  <a:pt x="1266727" y="327201"/>
+                  <a:pt x="771427" y="371651"/>
+                </a:cubicBezTo>
+                <a:close/>
+              </a:path>
+            </a:pathLst>
+          </a:custGeom>
+          <a:solidFill>
+            <a:schemeClr val="bg1">
+              <a:lumMod val="75000"/>
+            </a:schemeClr>
+          </a:solidFill>
+          <a:ln>
+            <a:noFill/>
+          </a:ln>
+        </p:spPr>
+        <p:style>
+          <a:lnRef idx="2">
+            <a:schemeClr val="accent1">
+              <a:shade val="50000"/>
+            </a:schemeClr>
+          </a:lnRef>
+          <a:fillRef idx="1">
+            <a:schemeClr val="accent1"/>
+          </a:fillRef>
+          <a:effectRef idx="0">
+            <a:schemeClr val="accent1"/>
+          </a:effectRef>
+          <a:fontRef idx="minor">
+            <a:schemeClr val="lt1"/>
+          </a:fontRef>
+        </p:style>
+        <p:txBody>
+          <a:bodyPr rtlCol="0" anchor="ctr"/>
+          <a:lstStyle/>
+          <a:p>
+            <a:pPr algn="ctr"/>
+            <a:endParaRPr lang="fr-FR"/>
+          </a:p>
+        </p:txBody>
+      </p:sp>
+      <p:sp>
+        <p:nvSpPr>
           <p:cNvPr id="6" name="ZoneTexte 5">
             <a:extLst>
               <a:ext uri="{FF2B5EF4-FFF2-40B4-BE49-F238E27FC236}">
@@ -3921,23 +5060,21 @@
           <a:lstStyle/>
           <a:p>
             <a:r>
-              <a:rPr lang="fr-FR" sz="3000" dirty="0">
-                <a:solidFill>
-                  <a:srgbClr val="FF5600"/>
-                </a:solidFill>
-                <a:latin typeface="Pixel Operator 8" panose="02000503000000000000" pitchFamily="2" charset="0"/>
+              <a:rPr lang="fr-FR" sz="3000" b="1" spc="300" dirty="0">
+                <a:latin typeface="Arial" panose="020B0604020202020204" pitchFamily="34" charset="0"/>
+                <a:cs typeface="Arial" panose="020B0604020202020204" pitchFamily="34" charset="0"/>
               </a:rPr>
-              <a:t>Planche de tendances</a:t>
-            </a:r>
-          </a:p>
-        </p:txBody>
-      </p:sp>
-      <p:sp>
-        <p:nvSpPr>
-          <p:cNvPr id="7" name="ZoneTexte 6">
-            <a:extLst>
-              <a:ext uri="{FF2B5EF4-FFF2-40B4-BE49-F238E27FC236}">
-                <a16:creationId xmlns:a16="http://schemas.microsoft.com/office/drawing/2014/main" id="{4E2492FB-EB16-46E2-B522-5880DD9A6CAC}"/>
+              <a:t>Maquette desktop</a:t>
+            </a:r>
+          </a:p>
+        </p:txBody>
+      </p:sp>
+      <p:sp>
+        <p:nvSpPr>
+          <p:cNvPr id="10" name="ZoneTexte 9">
+            <a:extLst>
+              <a:ext uri="{FF2B5EF4-FFF2-40B4-BE49-F238E27FC236}">
+                <a16:creationId xmlns:a16="http://schemas.microsoft.com/office/drawing/2014/main" id="{DBB2BD21-9ADF-428C-95DE-1C455467FE30}"/>
               </a:ext>
             </a:extLst>
           </p:cNvPr>
@@ -3946,7 +5083,7 @@
         </p:nvSpPr>
         <p:spPr>
           <a:xfrm>
-            <a:off x="457200" y="1676400"/>
+            <a:off x="419100" y="1506498"/>
             <a:ext cx="10591800" cy="677108"/>
           </a:xfrm>
           <a:prstGeom prst="rect">
@@ -3961,11 +5098,9 @@
           <a:lstStyle/>
           <a:p>
             <a:r>
-              <a:rPr lang="fr-FR" sz="2000" dirty="0">
-                <a:solidFill>
-                  <a:srgbClr val="EA7235"/>
-                </a:solidFill>
-                <a:latin typeface="Pixel Operator" panose="02000503000000000000" pitchFamily="2" charset="0"/>
+              <a:rPr lang="fr-FR" sz="2000" spc="300" dirty="0">
+                <a:latin typeface="Arial" panose="020B0604020202020204" pitchFamily="34" charset="0"/>
+                <a:cs typeface="Arial" panose="020B0604020202020204" pitchFamily="34" charset="0"/>
               </a:rPr>
               <a:t>TEXT</a:t>
             </a:r>
@@ -3987,7 +5122,7 @@
     </p:spTree>
     <p:extLst>
       <p:ext uri="{BB962C8B-B14F-4D97-AF65-F5344CB8AC3E}">
-        <p14:creationId xmlns:p14="http://schemas.microsoft.com/office/powerpoint/2010/main" val="2857753000"/>
+        <p14:creationId xmlns:p14="http://schemas.microsoft.com/office/powerpoint/2010/main" val="2388457791"/>
       </p:ext>
     </p:extLst>
   </p:cSld>
@@ -3997,7 +5132,1012 @@
 </p:sld>
 </file>
 
-<file path=ppt/slides/slide11.xml><?xml version="1.0" encoding="utf-8"?>
+<file path=ppt/slides/slide14.xml><?xml version="1.0" encoding="utf-8"?>
+<p:sld xmlns:a="http://schemas.openxmlformats.org/drawingml/2006/main" xmlns:r="http://schemas.openxmlformats.org/officeDocument/2006/relationships" xmlns:p="http://schemas.openxmlformats.org/presentationml/2006/main">
+  <p:cSld>
+    <p:spTree>
+      <p:nvGrpSpPr>
+        <p:cNvPr id="1" name=""/>
+        <p:cNvGrpSpPr/>
+        <p:nvPr/>
+      </p:nvGrpSpPr>
+      <p:grpSpPr>
+        <a:xfrm>
+          <a:off x="0" y="0"/>
+          <a:ext cx="0" cy="0"/>
+          <a:chOff x="0" y="0"/>
+          <a:chExt cx="0" cy="0"/>
+        </a:xfrm>
+      </p:grpSpPr>
+      <p:sp>
+        <p:nvSpPr>
+          <p:cNvPr id="8" name="Rectangle 7">
+            <a:extLst>
+              <a:ext uri="{FF2B5EF4-FFF2-40B4-BE49-F238E27FC236}">
+                <a16:creationId xmlns:a16="http://schemas.microsoft.com/office/drawing/2014/main" id="{60F7F05D-D395-475E-96F8-7AAFD9C73861}"/>
+              </a:ext>
+            </a:extLst>
+          </p:cNvPr>
+          <p:cNvSpPr/>
+          <p:nvPr/>
+        </p:nvSpPr>
+        <p:spPr>
+          <a:xfrm>
+            <a:off x="0" y="0"/>
+            <a:ext cx="12192000" cy="6858000"/>
+          </a:xfrm>
+          <a:prstGeom prst="rect">
+            <a:avLst/>
+          </a:prstGeom>
+          <a:solidFill>
+            <a:schemeClr val="bg1"/>
+          </a:solidFill>
+          <a:ln>
+            <a:noFill/>
+          </a:ln>
+        </p:spPr>
+        <p:style>
+          <a:lnRef idx="2">
+            <a:schemeClr val="accent1">
+              <a:shade val="50000"/>
+            </a:schemeClr>
+          </a:lnRef>
+          <a:fillRef idx="1">
+            <a:schemeClr val="accent1"/>
+          </a:fillRef>
+          <a:effectRef idx="0">
+            <a:schemeClr val="accent1"/>
+          </a:effectRef>
+          <a:fontRef idx="minor">
+            <a:schemeClr val="lt1"/>
+          </a:fontRef>
+        </p:style>
+        <p:txBody>
+          <a:bodyPr rtlCol="0" anchor="ctr"/>
+          <a:lstStyle/>
+          <a:p>
+            <a:pPr algn="ctr"/>
+            <a:endParaRPr lang="fr-FR" sz="3000" dirty="0">
+              <a:solidFill>
+                <a:srgbClr val="FF5600"/>
+              </a:solidFill>
+              <a:latin typeface="Pixel Operator 8" panose="02000503000000000000" pitchFamily="2" charset="0"/>
+            </a:endParaRPr>
+          </a:p>
+        </p:txBody>
+      </p:sp>
+      <p:sp>
+        <p:nvSpPr>
+          <p:cNvPr id="9" name="Forme libre : forme 8">
+            <a:extLst>
+              <a:ext uri="{FF2B5EF4-FFF2-40B4-BE49-F238E27FC236}">
+                <a16:creationId xmlns:a16="http://schemas.microsoft.com/office/drawing/2014/main" id="{6765F5DD-2ABC-4E3E-A13C-759596C48250}"/>
+              </a:ext>
+            </a:extLst>
+          </p:cNvPr>
+          <p:cNvSpPr/>
+          <p:nvPr/>
+        </p:nvSpPr>
+        <p:spPr>
+          <a:xfrm>
+            <a:off x="9020273" y="-1819451"/>
+            <a:ext cx="5354683" cy="9859672"/>
+          </a:xfrm>
+          <a:custGeom>
+            <a:avLst/>
+            <a:gdLst>
+              <a:gd name="connsiteX0" fmla="*/ 771427 w 5354683"/>
+              <a:gd name="connsiteY0" fmla="*/ 371651 h 9859672"/>
+              <a:gd name="connsiteX1" fmla="*/ 1285777 w 5354683"/>
+              <a:gd name="connsiteY1" fmla="*/ 1038401 h 9859672"/>
+              <a:gd name="connsiteX2" fmla="*/ 2714527 w 5354683"/>
+              <a:gd name="connsiteY2" fmla="*/ 3057701 h 9859672"/>
+              <a:gd name="connsiteX3" fmla="*/ 2466877 w 5354683"/>
+              <a:gd name="connsiteY3" fmla="*/ 6639101 h 9859672"/>
+              <a:gd name="connsiteX4" fmla="*/ 66577 w 5354683"/>
+              <a:gd name="connsiteY4" fmla="*/ 9649001 h 9859672"/>
+              <a:gd name="connsiteX5" fmla="*/ 619027 w 5354683"/>
+              <a:gd name="connsiteY5" fmla="*/ 9610901 h 9859672"/>
+              <a:gd name="connsiteX6" fmla="*/ 5133877 w 5354683"/>
+              <a:gd name="connsiteY6" fmla="*/ 8944151 h 9859672"/>
+              <a:gd name="connsiteX7" fmla="*/ 4257577 w 5354683"/>
+              <a:gd name="connsiteY7" fmla="*/ 771701 h 9859672"/>
+              <a:gd name="connsiteX8" fmla="*/ 771427 w 5354683"/>
+              <a:gd name="connsiteY8" fmla="*/ 371651 h 9859672"/>
+            </a:gdLst>
+            <a:ahLst/>
+            <a:cxnLst>
+              <a:cxn ang="0">
+                <a:pos x="connsiteX0" y="connsiteY0"/>
+              </a:cxn>
+              <a:cxn ang="0">
+                <a:pos x="connsiteX1" y="connsiteY1"/>
+              </a:cxn>
+              <a:cxn ang="0">
+                <a:pos x="connsiteX2" y="connsiteY2"/>
+              </a:cxn>
+              <a:cxn ang="0">
+                <a:pos x="connsiteX3" y="connsiteY3"/>
+              </a:cxn>
+              <a:cxn ang="0">
+                <a:pos x="connsiteX4" y="connsiteY4"/>
+              </a:cxn>
+              <a:cxn ang="0">
+                <a:pos x="connsiteX5" y="connsiteY5"/>
+              </a:cxn>
+              <a:cxn ang="0">
+                <a:pos x="connsiteX6" y="connsiteY6"/>
+              </a:cxn>
+              <a:cxn ang="0">
+                <a:pos x="connsiteX7" y="connsiteY7"/>
+              </a:cxn>
+              <a:cxn ang="0">
+                <a:pos x="connsiteX8" y="connsiteY8"/>
+              </a:cxn>
+            </a:cxnLst>
+            <a:rect l="l" t="t" r="r" b="b"/>
+            <a:pathLst>
+              <a:path w="5354683" h="9859672">
+                <a:moveTo>
+                  <a:pt x="771427" y="371651"/>
+                </a:moveTo>
+                <a:cubicBezTo>
+                  <a:pt x="276127" y="416101"/>
+                  <a:pt x="961927" y="590726"/>
+                  <a:pt x="1285777" y="1038401"/>
+                </a:cubicBezTo>
+                <a:cubicBezTo>
+                  <a:pt x="1609627" y="1486076"/>
+                  <a:pt x="2517677" y="2124251"/>
+                  <a:pt x="2714527" y="3057701"/>
+                </a:cubicBezTo>
+                <a:cubicBezTo>
+                  <a:pt x="2911377" y="3991151"/>
+                  <a:pt x="2908202" y="5540551"/>
+                  <a:pt x="2466877" y="6639101"/>
+                </a:cubicBezTo>
+                <a:cubicBezTo>
+                  <a:pt x="2025552" y="7737651"/>
+                  <a:pt x="374552" y="9153701"/>
+                  <a:pt x="66577" y="9649001"/>
+                </a:cubicBezTo>
+                <a:cubicBezTo>
+                  <a:pt x="-241398" y="10144301"/>
+                  <a:pt x="619027" y="9610901"/>
+                  <a:pt x="619027" y="9610901"/>
+                </a:cubicBezTo>
+                <a:cubicBezTo>
+                  <a:pt x="1463577" y="9493426"/>
+                  <a:pt x="4527452" y="10417351"/>
+                  <a:pt x="5133877" y="8944151"/>
+                </a:cubicBezTo>
+                <a:cubicBezTo>
+                  <a:pt x="5740302" y="7470951"/>
+                  <a:pt x="4981477" y="2200451"/>
+                  <a:pt x="4257577" y="771701"/>
+                </a:cubicBezTo>
+                <a:cubicBezTo>
+                  <a:pt x="3533677" y="-657049"/>
+                  <a:pt x="1266727" y="327201"/>
+                  <a:pt x="771427" y="371651"/>
+                </a:cubicBezTo>
+                <a:close/>
+              </a:path>
+            </a:pathLst>
+          </a:custGeom>
+          <a:solidFill>
+            <a:schemeClr val="bg1">
+              <a:lumMod val="75000"/>
+            </a:schemeClr>
+          </a:solidFill>
+          <a:ln>
+            <a:noFill/>
+          </a:ln>
+        </p:spPr>
+        <p:style>
+          <a:lnRef idx="2">
+            <a:schemeClr val="accent1">
+              <a:shade val="50000"/>
+            </a:schemeClr>
+          </a:lnRef>
+          <a:fillRef idx="1">
+            <a:schemeClr val="accent1"/>
+          </a:fillRef>
+          <a:effectRef idx="0">
+            <a:schemeClr val="accent1"/>
+          </a:effectRef>
+          <a:fontRef idx="minor">
+            <a:schemeClr val="lt1"/>
+          </a:fontRef>
+        </p:style>
+        <p:txBody>
+          <a:bodyPr rtlCol="0" anchor="ctr"/>
+          <a:lstStyle/>
+          <a:p>
+            <a:pPr algn="ctr"/>
+            <a:endParaRPr lang="fr-FR"/>
+          </a:p>
+        </p:txBody>
+      </p:sp>
+      <p:sp>
+        <p:nvSpPr>
+          <p:cNvPr id="6" name="ZoneTexte 5">
+            <a:extLst>
+              <a:ext uri="{FF2B5EF4-FFF2-40B4-BE49-F238E27FC236}">
+                <a16:creationId xmlns:a16="http://schemas.microsoft.com/office/drawing/2014/main" id="{D515D0BD-6768-41D0-BAEC-364C2869C9F0}"/>
+              </a:ext>
+            </a:extLst>
+          </p:cNvPr>
+          <p:cNvSpPr txBox="1"/>
+          <p:nvPr/>
+        </p:nvSpPr>
+        <p:spPr>
+          <a:xfrm>
+            <a:off x="419100" y="476250"/>
+            <a:ext cx="10572750" cy="553998"/>
+          </a:xfrm>
+          <a:prstGeom prst="rect">
+            <a:avLst/>
+          </a:prstGeom>
+          <a:noFill/>
+        </p:spPr>
+        <p:txBody>
+          <a:bodyPr wrap="square" rtlCol="0">
+            <a:spAutoFit/>
+          </a:bodyPr>
+          <a:lstStyle/>
+          <a:p>
+            <a:r>
+              <a:rPr lang="fr-FR" sz="3000" b="1" spc="300" dirty="0">
+                <a:latin typeface="Arial" panose="020B0604020202020204" pitchFamily="34" charset="0"/>
+                <a:cs typeface="Arial" panose="020B0604020202020204" pitchFamily="34" charset="0"/>
+              </a:rPr>
+              <a:t>Maquette</a:t>
+            </a:r>
+            <a:r>
+              <a:rPr lang="fr-FR" sz="3000" b="1" dirty="0">
+                <a:latin typeface="Arial" panose="020B0604020202020204" pitchFamily="34" charset="0"/>
+                <a:cs typeface="Arial" panose="020B0604020202020204" pitchFamily="34" charset="0"/>
+              </a:rPr>
+              <a:t> Mobile</a:t>
+            </a:r>
+          </a:p>
+        </p:txBody>
+      </p:sp>
+      <p:sp>
+        <p:nvSpPr>
+          <p:cNvPr id="10" name="ZoneTexte 9">
+            <a:extLst>
+              <a:ext uri="{FF2B5EF4-FFF2-40B4-BE49-F238E27FC236}">
+                <a16:creationId xmlns:a16="http://schemas.microsoft.com/office/drawing/2014/main" id="{75EC5EA7-0D3C-413C-9334-461D5B118A88}"/>
+              </a:ext>
+            </a:extLst>
+          </p:cNvPr>
+          <p:cNvSpPr txBox="1"/>
+          <p:nvPr/>
+        </p:nvSpPr>
+        <p:spPr>
+          <a:xfrm>
+            <a:off x="419100" y="1506498"/>
+            <a:ext cx="10591800" cy="677108"/>
+          </a:xfrm>
+          <a:prstGeom prst="rect">
+            <a:avLst/>
+          </a:prstGeom>
+          <a:noFill/>
+        </p:spPr>
+        <p:txBody>
+          <a:bodyPr wrap="square" rtlCol="0">
+            <a:spAutoFit/>
+          </a:bodyPr>
+          <a:lstStyle/>
+          <a:p>
+            <a:r>
+              <a:rPr lang="fr-FR" sz="2000" spc="300" dirty="0">
+                <a:latin typeface="Arial" panose="020B0604020202020204" pitchFamily="34" charset="0"/>
+                <a:cs typeface="Arial" panose="020B0604020202020204" pitchFamily="34" charset="0"/>
+              </a:rPr>
+              <a:t>TEXT</a:t>
+            </a:r>
+          </a:p>
+          <a:p>
+            <a:pPr marL="742950" lvl="1" indent="-285750">
+              <a:buFont typeface="Arial" panose="020B0604020202020204" pitchFamily="34" charset="0"/>
+              <a:buChar char="•"/>
+            </a:pPr>
+            <a:endParaRPr lang="fr-FR" dirty="0">
+              <a:solidFill>
+                <a:srgbClr val="EA7235"/>
+              </a:solidFill>
+              <a:latin typeface="Pixel Operator" panose="02000503000000000000" pitchFamily="2" charset="0"/>
+            </a:endParaRPr>
+          </a:p>
+        </p:txBody>
+      </p:sp>
+    </p:spTree>
+    <p:extLst>
+      <p:ext uri="{BB962C8B-B14F-4D97-AF65-F5344CB8AC3E}">
+        <p14:creationId xmlns:p14="http://schemas.microsoft.com/office/powerpoint/2010/main" val="681828210"/>
+      </p:ext>
+    </p:extLst>
+  </p:cSld>
+  <p:clrMapOvr>
+    <a:masterClrMapping/>
+  </p:clrMapOvr>
+</p:sld>
+</file>
+
+<file path=ppt/slides/slide15.xml><?xml version="1.0" encoding="utf-8"?>
+<p:sld xmlns:a="http://schemas.openxmlformats.org/drawingml/2006/main" xmlns:r="http://schemas.openxmlformats.org/officeDocument/2006/relationships" xmlns:p="http://schemas.openxmlformats.org/presentationml/2006/main">
+  <p:cSld>
+    <p:spTree>
+      <p:nvGrpSpPr>
+        <p:cNvPr id="1" name=""/>
+        <p:cNvGrpSpPr/>
+        <p:nvPr/>
+      </p:nvGrpSpPr>
+      <p:grpSpPr>
+        <a:xfrm>
+          <a:off x="0" y="0"/>
+          <a:ext cx="0" cy="0"/>
+          <a:chOff x="0" y="0"/>
+          <a:chExt cx="0" cy="0"/>
+        </a:xfrm>
+      </p:grpSpPr>
+      <p:sp>
+        <p:nvSpPr>
+          <p:cNvPr id="8" name="Rectangle 7">
+            <a:extLst>
+              <a:ext uri="{FF2B5EF4-FFF2-40B4-BE49-F238E27FC236}">
+                <a16:creationId xmlns:a16="http://schemas.microsoft.com/office/drawing/2014/main" id="{5DA99DA9-F554-4158-BC8E-8C84C457697F}"/>
+              </a:ext>
+            </a:extLst>
+          </p:cNvPr>
+          <p:cNvSpPr/>
+          <p:nvPr/>
+        </p:nvSpPr>
+        <p:spPr>
+          <a:xfrm>
+            <a:off x="0" y="0"/>
+            <a:ext cx="12192000" cy="6858000"/>
+          </a:xfrm>
+          <a:prstGeom prst="rect">
+            <a:avLst/>
+          </a:prstGeom>
+          <a:solidFill>
+            <a:schemeClr val="bg1"/>
+          </a:solidFill>
+          <a:ln>
+            <a:noFill/>
+          </a:ln>
+        </p:spPr>
+        <p:style>
+          <a:lnRef idx="2">
+            <a:schemeClr val="accent1">
+              <a:shade val="50000"/>
+            </a:schemeClr>
+          </a:lnRef>
+          <a:fillRef idx="1">
+            <a:schemeClr val="accent1"/>
+          </a:fillRef>
+          <a:effectRef idx="0">
+            <a:schemeClr val="accent1"/>
+          </a:effectRef>
+          <a:fontRef idx="minor">
+            <a:schemeClr val="lt1"/>
+          </a:fontRef>
+        </p:style>
+        <p:txBody>
+          <a:bodyPr rtlCol="0" anchor="ctr"/>
+          <a:lstStyle/>
+          <a:p>
+            <a:pPr algn="ctr"/>
+            <a:endParaRPr lang="fr-FR" sz="3000" dirty="0">
+              <a:solidFill>
+                <a:srgbClr val="FF5600"/>
+              </a:solidFill>
+              <a:latin typeface="Pixel Operator 8" panose="02000503000000000000" pitchFamily="2" charset="0"/>
+            </a:endParaRPr>
+          </a:p>
+        </p:txBody>
+      </p:sp>
+      <p:sp>
+        <p:nvSpPr>
+          <p:cNvPr id="9" name="Forme libre : forme 8">
+            <a:extLst>
+              <a:ext uri="{FF2B5EF4-FFF2-40B4-BE49-F238E27FC236}">
+                <a16:creationId xmlns:a16="http://schemas.microsoft.com/office/drawing/2014/main" id="{A60A683C-91BF-4368-9812-9ED62105D5AC}"/>
+              </a:ext>
+            </a:extLst>
+          </p:cNvPr>
+          <p:cNvSpPr/>
+          <p:nvPr/>
+        </p:nvSpPr>
+        <p:spPr>
+          <a:xfrm>
+            <a:off x="9020273" y="-1819451"/>
+            <a:ext cx="5354683" cy="9859672"/>
+          </a:xfrm>
+          <a:custGeom>
+            <a:avLst/>
+            <a:gdLst>
+              <a:gd name="connsiteX0" fmla="*/ 771427 w 5354683"/>
+              <a:gd name="connsiteY0" fmla="*/ 371651 h 9859672"/>
+              <a:gd name="connsiteX1" fmla="*/ 1285777 w 5354683"/>
+              <a:gd name="connsiteY1" fmla="*/ 1038401 h 9859672"/>
+              <a:gd name="connsiteX2" fmla="*/ 2714527 w 5354683"/>
+              <a:gd name="connsiteY2" fmla="*/ 3057701 h 9859672"/>
+              <a:gd name="connsiteX3" fmla="*/ 2466877 w 5354683"/>
+              <a:gd name="connsiteY3" fmla="*/ 6639101 h 9859672"/>
+              <a:gd name="connsiteX4" fmla="*/ 66577 w 5354683"/>
+              <a:gd name="connsiteY4" fmla="*/ 9649001 h 9859672"/>
+              <a:gd name="connsiteX5" fmla="*/ 619027 w 5354683"/>
+              <a:gd name="connsiteY5" fmla="*/ 9610901 h 9859672"/>
+              <a:gd name="connsiteX6" fmla="*/ 5133877 w 5354683"/>
+              <a:gd name="connsiteY6" fmla="*/ 8944151 h 9859672"/>
+              <a:gd name="connsiteX7" fmla="*/ 4257577 w 5354683"/>
+              <a:gd name="connsiteY7" fmla="*/ 771701 h 9859672"/>
+              <a:gd name="connsiteX8" fmla="*/ 771427 w 5354683"/>
+              <a:gd name="connsiteY8" fmla="*/ 371651 h 9859672"/>
+            </a:gdLst>
+            <a:ahLst/>
+            <a:cxnLst>
+              <a:cxn ang="0">
+                <a:pos x="connsiteX0" y="connsiteY0"/>
+              </a:cxn>
+              <a:cxn ang="0">
+                <a:pos x="connsiteX1" y="connsiteY1"/>
+              </a:cxn>
+              <a:cxn ang="0">
+                <a:pos x="connsiteX2" y="connsiteY2"/>
+              </a:cxn>
+              <a:cxn ang="0">
+                <a:pos x="connsiteX3" y="connsiteY3"/>
+              </a:cxn>
+              <a:cxn ang="0">
+                <a:pos x="connsiteX4" y="connsiteY4"/>
+              </a:cxn>
+              <a:cxn ang="0">
+                <a:pos x="connsiteX5" y="connsiteY5"/>
+              </a:cxn>
+              <a:cxn ang="0">
+                <a:pos x="connsiteX6" y="connsiteY6"/>
+              </a:cxn>
+              <a:cxn ang="0">
+                <a:pos x="connsiteX7" y="connsiteY7"/>
+              </a:cxn>
+              <a:cxn ang="0">
+                <a:pos x="connsiteX8" y="connsiteY8"/>
+              </a:cxn>
+            </a:cxnLst>
+            <a:rect l="l" t="t" r="r" b="b"/>
+            <a:pathLst>
+              <a:path w="5354683" h="9859672">
+                <a:moveTo>
+                  <a:pt x="771427" y="371651"/>
+                </a:moveTo>
+                <a:cubicBezTo>
+                  <a:pt x="276127" y="416101"/>
+                  <a:pt x="961927" y="590726"/>
+                  <a:pt x="1285777" y="1038401"/>
+                </a:cubicBezTo>
+                <a:cubicBezTo>
+                  <a:pt x="1609627" y="1486076"/>
+                  <a:pt x="2517677" y="2124251"/>
+                  <a:pt x="2714527" y="3057701"/>
+                </a:cubicBezTo>
+                <a:cubicBezTo>
+                  <a:pt x="2911377" y="3991151"/>
+                  <a:pt x="2908202" y="5540551"/>
+                  <a:pt x="2466877" y="6639101"/>
+                </a:cubicBezTo>
+                <a:cubicBezTo>
+                  <a:pt x="2025552" y="7737651"/>
+                  <a:pt x="374552" y="9153701"/>
+                  <a:pt x="66577" y="9649001"/>
+                </a:cubicBezTo>
+                <a:cubicBezTo>
+                  <a:pt x="-241398" y="10144301"/>
+                  <a:pt x="619027" y="9610901"/>
+                  <a:pt x="619027" y="9610901"/>
+                </a:cubicBezTo>
+                <a:cubicBezTo>
+                  <a:pt x="1463577" y="9493426"/>
+                  <a:pt x="4527452" y="10417351"/>
+                  <a:pt x="5133877" y="8944151"/>
+                </a:cubicBezTo>
+                <a:cubicBezTo>
+                  <a:pt x="5740302" y="7470951"/>
+                  <a:pt x="4981477" y="2200451"/>
+                  <a:pt x="4257577" y="771701"/>
+                </a:cubicBezTo>
+                <a:cubicBezTo>
+                  <a:pt x="3533677" y="-657049"/>
+                  <a:pt x="1266727" y="327201"/>
+                  <a:pt x="771427" y="371651"/>
+                </a:cubicBezTo>
+                <a:close/>
+              </a:path>
+            </a:pathLst>
+          </a:custGeom>
+          <a:solidFill>
+            <a:schemeClr val="bg1">
+              <a:lumMod val="75000"/>
+            </a:schemeClr>
+          </a:solidFill>
+          <a:ln>
+            <a:noFill/>
+          </a:ln>
+        </p:spPr>
+        <p:style>
+          <a:lnRef idx="2">
+            <a:schemeClr val="accent1">
+              <a:shade val="50000"/>
+            </a:schemeClr>
+          </a:lnRef>
+          <a:fillRef idx="1">
+            <a:schemeClr val="accent1"/>
+          </a:fillRef>
+          <a:effectRef idx="0">
+            <a:schemeClr val="accent1"/>
+          </a:effectRef>
+          <a:fontRef idx="minor">
+            <a:schemeClr val="lt1"/>
+          </a:fontRef>
+        </p:style>
+        <p:txBody>
+          <a:bodyPr rtlCol="0" anchor="ctr"/>
+          <a:lstStyle/>
+          <a:p>
+            <a:pPr algn="ctr"/>
+            <a:endParaRPr lang="fr-FR"/>
+          </a:p>
+        </p:txBody>
+      </p:sp>
+      <p:sp>
+        <p:nvSpPr>
+          <p:cNvPr id="6" name="ZoneTexte 5">
+            <a:extLst>
+              <a:ext uri="{FF2B5EF4-FFF2-40B4-BE49-F238E27FC236}">
+                <a16:creationId xmlns:a16="http://schemas.microsoft.com/office/drawing/2014/main" id="{D515D0BD-6768-41D0-BAEC-364C2869C9F0}"/>
+              </a:ext>
+            </a:extLst>
+          </p:cNvPr>
+          <p:cNvSpPr txBox="1"/>
+          <p:nvPr/>
+        </p:nvSpPr>
+        <p:spPr>
+          <a:xfrm>
+            <a:off x="419100" y="476250"/>
+            <a:ext cx="10572750" cy="553998"/>
+          </a:xfrm>
+          <a:prstGeom prst="rect">
+            <a:avLst/>
+          </a:prstGeom>
+          <a:noFill/>
+        </p:spPr>
+        <p:txBody>
+          <a:bodyPr wrap="square" rtlCol="0">
+            <a:spAutoFit/>
+          </a:bodyPr>
+          <a:lstStyle/>
+          <a:p>
+            <a:r>
+              <a:rPr lang="fr-FR" sz="3000" b="1" spc="300" dirty="0">
+                <a:latin typeface="Arial" panose="020B0604020202020204" pitchFamily="34" charset="0"/>
+                <a:cs typeface="Arial" panose="020B0604020202020204" pitchFamily="34" charset="0"/>
+              </a:rPr>
+              <a:t>Technologies</a:t>
+            </a:r>
+            <a:r>
+              <a:rPr lang="fr-FR" sz="3000" b="1" dirty="0">
+                <a:latin typeface="Arial" panose="020B0604020202020204" pitchFamily="34" charset="0"/>
+                <a:cs typeface="Arial" panose="020B0604020202020204" pitchFamily="34" charset="0"/>
+              </a:rPr>
+              <a:t> utilisées</a:t>
+            </a:r>
+          </a:p>
+        </p:txBody>
+      </p:sp>
+      <p:sp>
+        <p:nvSpPr>
+          <p:cNvPr id="10" name="ZoneTexte 9">
+            <a:extLst>
+              <a:ext uri="{FF2B5EF4-FFF2-40B4-BE49-F238E27FC236}">
+                <a16:creationId xmlns:a16="http://schemas.microsoft.com/office/drawing/2014/main" id="{288AEE59-C846-4592-972A-292BF7BBB725}"/>
+              </a:ext>
+            </a:extLst>
+          </p:cNvPr>
+          <p:cNvSpPr txBox="1"/>
+          <p:nvPr/>
+        </p:nvSpPr>
+        <p:spPr>
+          <a:xfrm>
+            <a:off x="419100" y="1506498"/>
+            <a:ext cx="10591800" cy="677108"/>
+          </a:xfrm>
+          <a:prstGeom prst="rect">
+            <a:avLst/>
+          </a:prstGeom>
+          <a:noFill/>
+        </p:spPr>
+        <p:txBody>
+          <a:bodyPr wrap="square" rtlCol="0">
+            <a:spAutoFit/>
+          </a:bodyPr>
+          <a:lstStyle/>
+          <a:p>
+            <a:r>
+              <a:rPr lang="fr-FR" sz="2000" spc="300" dirty="0">
+                <a:latin typeface="Arial" panose="020B0604020202020204" pitchFamily="34" charset="0"/>
+                <a:cs typeface="Arial" panose="020B0604020202020204" pitchFamily="34" charset="0"/>
+              </a:rPr>
+              <a:t>TEXT</a:t>
+            </a:r>
+          </a:p>
+          <a:p>
+            <a:pPr marL="742950" lvl="1" indent="-285750">
+              <a:buFont typeface="Arial" panose="020B0604020202020204" pitchFamily="34" charset="0"/>
+              <a:buChar char="•"/>
+            </a:pPr>
+            <a:endParaRPr lang="fr-FR" dirty="0">
+              <a:solidFill>
+                <a:srgbClr val="EA7235"/>
+              </a:solidFill>
+              <a:latin typeface="Pixel Operator" panose="02000503000000000000" pitchFamily="2" charset="0"/>
+            </a:endParaRPr>
+          </a:p>
+        </p:txBody>
+      </p:sp>
+    </p:spTree>
+    <p:extLst>
+      <p:ext uri="{BB962C8B-B14F-4D97-AF65-F5344CB8AC3E}">
+        <p14:creationId xmlns:p14="http://schemas.microsoft.com/office/powerpoint/2010/main" val="3763295953"/>
+      </p:ext>
+    </p:extLst>
+  </p:cSld>
+  <p:clrMapOvr>
+    <a:masterClrMapping/>
+  </p:clrMapOvr>
+</p:sld>
+</file>
+
+<file path=ppt/slides/slide16.xml><?xml version="1.0" encoding="utf-8"?>
+<p:sld xmlns:a="http://schemas.openxmlformats.org/drawingml/2006/main" xmlns:r="http://schemas.openxmlformats.org/officeDocument/2006/relationships" xmlns:p="http://schemas.openxmlformats.org/presentationml/2006/main">
+  <p:cSld>
+    <p:spTree>
+      <p:nvGrpSpPr>
+        <p:cNvPr id="1" name=""/>
+        <p:cNvGrpSpPr/>
+        <p:nvPr/>
+      </p:nvGrpSpPr>
+      <p:grpSpPr>
+        <a:xfrm>
+          <a:off x="0" y="0"/>
+          <a:ext cx="0" cy="0"/>
+          <a:chOff x="0" y="0"/>
+          <a:chExt cx="0" cy="0"/>
+        </a:xfrm>
+      </p:grpSpPr>
+      <p:sp>
+        <p:nvSpPr>
+          <p:cNvPr id="8" name="Rectangle 7">
+            <a:extLst>
+              <a:ext uri="{FF2B5EF4-FFF2-40B4-BE49-F238E27FC236}">
+                <a16:creationId xmlns:a16="http://schemas.microsoft.com/office/drawing/2014/main" id="{DC15F754-96B7-4E35-8C7B-514719BEF7CF}"/>
+              </a:ext>
+            </a:extLst>
+          </p:cNvPr>
+          <p:cNvSpPr/>
+          <p:nvPr/>
+        </p:nvSpPr>
+        <p:spPr>
+          <a:xfrm>
+            <a:off x="0" y="0"/>
+            <a:ext cx="12192000" cy="6858000"/>
+          </a:xfrm>
+          <a:prstGeom prst="rect">
+            <a:avLst/>
+          </a:prstGeom>
+          <a:solidFill>
+            <a:schemeClr val="bg1"/>
+          </a:solidFill>
+          <a:ln>
+            <a:noFill/>
+          </a:ln>
+        </p:spPr>
+        <p:style>
+          <a:lnRef idx="2">
+            <a:schemeClr val="accent1">
+              <a:shade val="50000"/>
+            </a:schemeClr>
+          </a:lnRef>
+          <a:fillRef idx="1">
+            <a:schemeClr val="accent1"/>
+          </a:fillRef>
+          <a:effectRef idx="0">
+            <a:schemeClr val="accent1"/>
+          </a:effectRef>
+          <a:fontRef idx="minor">
+            <a:schemeClr val="lt1"/>
+          </a:fontRef>
+        </p:style>
+        <p:txBody>
+          <a:bodyPr rtlCol="0" anchor="ctr"/>
+          <a:lstStyle/>
+          <a:p>
+            <a:pPr algn="ctr"/>
+            <a:endParaRPr lang="fr-FR" sz="3000" dirty="0">
+              <a:solidFill>
+                <a:srgbClr val="FF5600"/>
+              </a:solidFill>
+              <a:latin typeface="Pixel Operator 8" panose="02000503000000000000" pitchFamily="2" charset="0"/>
+            </a:endParaRPr>
+          </a:p>
+        </p:txBody>
+      </p:sp>
+      <p:sp>
+        <p:nvSpPr>
+          <p:cNvPr id="9" name="Forme libre : forme 8">
+            <a:extLst>
+              <a:ext uri="{FF2B5EF4-FFF2-40B4-BE49-F238E27FC236}">
+                <a16:creationId xmlns:a16="http://schemas.microsoft.com/office/drawing/2014/main" id="{F0F7D150-81D2-4003-A5FD-9C25DA7A450E}"/>
+              </a:ext>
+            </a:extLst>
+          </p:cNvPr>
+          <p:cNvSpPr/>
+          <p:nvPr/>
+        </p:nvSpPr>
+        <p:spPr>
+          <a:xfrm>
+            <a:off x="9020273" y="-1819451"/>
+            <a:ext cx="5354683" cy="9859672"/>
+          </a:xfrm>
+          <a:custGeom>
+            <a:avLst/>
+            <a:gdLst>
+              <a:gd name="connsiteX0" fmla="*/ 771427 w 5354683"/>
+              <a:gd name="connsiteY0" fmla="*/ 371651 h 9859672"/>
+              <a:gd name="connsiteX1" fmla="*/ 1285777 w 5354683"/>
+              <a:gd name="connsiteY1" fmla="*/ 1038401 h 9859672"/>
+              <a:gd name="connsiteX2" fmla="*/ 2714527 w 5354683"/>
+              <a:gd name="connsiteY2" fmla="*/ 3057701 h 9859672"/>
+              <a:gd name="connsiteX3" fmla="*/ 2466877 w 5354683"/>
+              <a:gd name="connsiteY3" fmla="*/ 6639101 h 9859672"/>
+              <a:gd name="connsiteX4" fmla="*/ 66577 w 5354683"/>
+              <a:gd name="connsiteY4" fmla="*/ 9649001 h 9859672"/>
+              <a:gd name="connsiteX5" fmla="*/ 619027 w 5354683"/>
+              <a:gd name="connsiteY5" fmla="*/ 9610901 h 9859672"/>
+              <a:gd name="connsiteX6" fmla="*/ 5133877 w 5354683"/>
+              <a:gd name="connsiteY6" fmla="*/ 8944151 h 9859672"/>
+              <a:gd name="connsiteX7" fmla="*/ 4257577 w 5354683"/>
+              <a:gd name="connsiteY7" fmla="*/ 771701 h 9859672"/>
+              <a:gd name="connsiteX8" fmla="*/ 771427 w 5354683"/>
+              <a:gd name="connsiteY8" fmla="*/ 371651 h 9859672"/>
+            </a:gdLst>
+            <a:ahLst/>
+            <a:cxnLst>
+              <a:cxn ang="0">
+                <a:pos x="connsiteX0" y="connsiteY0"/>
+              </a:cxn>
+              <a:cxn ang="0">
+                <a:pos x="connsiteX1" y="connsiteY1"/>
+              </a:cxn>
+              <a:cxn ang="0">
+                <a:pos x="connsiteX2" y="connsiteY2"/>
+              </a:cxn>
+              <a:cxn ang="0">
+                <a:pos x="connsiteX3" y="connsiteY3"/>
+              </a:cxn>
+              <a:cxn ang="0">
+                <a:pos x="connsiteX4" y="connsiteY4"/>
+              </a:cxn>
+              <a:cxn ang="0">
+                <a:pos x="connsiteX5" y="connsiteY5"/>
+              </a:cxn>
+              <a:cxn ang="0">
+                <a:pos x="connsiteX6" y="connsiteY6"/>
+              </a:cxn>
+              <a:cxn ang="0">
+                <a:pos x="connsiteX7" y="connsiteY7"/>
+              </a:cxn>
+              <a:cxn ang="0">
+                <a:pos x="connsiteX8" y="connsiteY8"/>
+              </a:cxn>
+            </a:cxnLst>
+            <a:rect l="l" t="t" r="r" b="b"/>
+            <a:pathLst>
+              <a:path w="5354683" h="9859672">
+                <a:moveTo>
+                  <a:pt x="771427" y="371651"/>
+                </a:moveTo>
+                <a:cubicBezTo>
+                  <a:pt x="276127" y="416101"/>
+                  <a:pt x="961927" y="590726"/>
+                  <a:pt x="1285777" y="1038401"/>
+                </a:cubicBezTo>
+                <a:cubicBezTo>
+                  <a:pt x="1609627" y="1486076"/>
+                  <a:pt x="2517677" y="2124251"/>
+                  <a:pt x="2714527" y="3057701"/>
+                </a:cubicBezTo>
+                <a:cubicBezTo>
+                  <a:pt x="2911377" y="3991151"/>
+                  <a:pt x="2908202" y="5540551"/>
+                  <a:pt x="2466877" y="6639101"/>
+                </a:cubicBezTo>
+                <a:cubicBezTo>
+                  <a:pt x="2025552" y="7737651"/>
+                  <a:pt x="374552" y="9153701"/>
+                  <a:pt x="66577" y="9649001"/>
+                </a:cubicBezTo>
+                <a:cubicBezTo>
+                  <a:pt x="-241398" y="10144301"/>
+                  <a:pt x="619027" y="9610901"/>
+                  <a:pt x="619027" y="9610901"/>
+                </a:cubicBezTo>
+                <a:cubicBezTo>
+                  <a:pt x="1463577" y="9493426"/>
+                  <a:pt x="4527452" y="10417351"/>
+                  <a:pt x="5133877" y="8944151"/>
+                </a:cubicBezTo>
+                <a:cubicBezTo>
+                  <a:pt x="5740302" y="7470951"/>
+                  <a:pt x="4981477" y="2200451"/>
+                  <a:pt x="4257577" y="771701"/>
+                </a:cubicBezTo>
+                <a:cubicBezTo>
+                  <a:pt x="3533677" y="-657049"/>
+                  <a:pt x="1266727" y="327201"/>
+                  <a:pt x="771427" y="371651"/>
+                </a:cubicBezTo>
+                <a:close/>
+              </a:path>
+            </a:pathLst>
+          </a:custGeom>
+          <a:solidFill>
+            <a:schemeClr val="bg1">
+              <a:lumMod val="75000"/>
+            </a:schemeClr>
+          </a:solidFill>
+          <a:ln>
+            <a:noFill/>
+          </a:ln>
+        </p:spPr>
+        <p:style>
+          <a:lnRef idx="2">
+            <a:schemeClr val="accent1">
+              <a:shade val="50000"/>
+            </a:schemeClr>
+          </a:lnRef>
+          <a:fillRef idx="1">
+            <a:schemeClr val="accent1"/>
+          </a:fillRef>
+          <a:effectRef idx="0">
+            <a:schemeClr val="accent1"/>
+          </a:effectRef>
+          <a:fontRef idx="minor">
+            <a:schemeClr val="lt1"/>
+          </a:fontRef>
+        </p:style>
+        <p:txBody>
+          <a:bodyPr rtlCol="0" anchor="ctr"/>
+          <a:lstStyle/>
+          <a:p>
+            <a:pPr algn="ctr"/>
+            <a:endParaRPr lang="fr-FR"/>
+          </a:p>
+        </p:txBody>
+      </p:sp>
+      <p:sp>
+        <p:nvSpPr>
+          <p:cNvPr id="6" name="ZoneTexte 5">
+            <a:extLst>
+              <a:ext uri="{FF2B5EF4-FFF2-40B4-BE49-F238E27FC236}">
+                <a16:creationId xmlns:a16="http://schemas.microsoft.com/office/drawing/2014/main" id="{D515D0BD-6768-41D0-BAEC-364C2869C9F0}"/>
+              </a:ext>
+            </a:extLst>
+          </p:cNvPr>
+          <p:cNvSpPr txBox="1"/>
+          <p:nvPr/>
+        </p:nvSpPr>
+        <p:spPr>
+          <a:xfrm>
+            <a:off x="419100" y="476250"/>
+            <a:ext cx="10572750" cy="553998"/>
+          </a:xfrm>
+          <a:prstGeom prst="rect">
+            <a:avLst/>
+          </a:prstGeom>
+          <a:noFill/>
+        </p:spPr>
+        <p:txBody>
+          <a:bodyPr wrap="square" rtlCol="0">
+            <a:spAutoFit/>
+          </a:bodyPr>
+          <a:lstStyle/>
+          <a:p>
+            <a:r>
+              <a:rPr lang="fr-FR" sz="3000" b="1" spc="300" dirty="0">
+                <a:latin typeface="Arial" panose="020B0604020202020204" pitchFamily="34" charset="0"/>
+                <a:cs typeface="Arial" panose="020B0604020202020204" pitchFamily="34" charset="0"/>
+              </a:rPr>
+              <a:t>Référencement</a:t>
+            </a:r>
+            <a:r>
+              <a:rPr lang="fr-FR" sz="3000" b="1" dirty="0">
+                <a:latin typeface="Arial" panose="020B0604020202020204" pitchFamily="34" charset="0"/>
+                <a:cs typeface="Arial" panose="020B0604020202020204" pitchFamily="34" charset="0"/>
+              </a:rPr>
+              <a:t> naturel</a:t>
+            </a:r>
+          </a:p>
+        </p:txBody>
+      </p:sp>
+      <p:sp>
+        <p:nvSpPr>
+          <p:cNvPr id="10" name="ZoneTexte 9">
+            <a:extLst>
+              <a:ext uri="{FF2B5EF4-FFF2-40B4-BE49-F238E27FC236}">
+                <a16:creationId xmlns:a16="http://schemas.microsoft.com/office/drawing/2014/main" id="{5A85C42E-EC6D-4907-AA60-A3473AE7E7E0}"/>
+              </a:ext>
+            </a:extLst>
+          </p:cNvPr>
+          <p:cNvSpPr txBox="1"/>
+          <p:nvPr/>
+        </p:nvSpPr>
+        <p:spPr>
+          <a:xfrm>
+            <a:off x="419100" y="1506498"/>
+            <a:ext cx="10591800" cy="677108"/>
+          </a:xfrm>
+          <a:prstGeom prst="rect">
+            <a:avLst/>
+          </a:prstGeom>
+          <a:noFill/>
+        </p:spPr>
+        <p:txBody>
+          <a:bodyPr wrap="square" rtlCol="0">
+            <a:spAutoFit/>
+          </a:bodyPr>
+          <a:lstStyle/>
+          <a:p>
+            <a:r>
+              <a:rPr lang="fr-FR" sz="2000" spc="300" dirty="0">
+                <a:latin typeface="Arial" panose="020B0604020202020204" pitchFamily="34" charset="0"/>
+                <a:cs typeface="Arial" panose="020B0604020202020204" pitchFamily="34" charset="0"/>
+              </a:rPr>
+              <a:t>TEXT</a:t>
+            </a:r>
+          </a:p>
+          <a:p>
+            <a:pPr marL="742950" lvl="1" indent="-285750">
+              <a:buFont typeface="Arial" panose="020B0604020202020204" pitchFamily="34" charset="0"/>
+              <a:buChar char="•"/>
+            </a:pPr>
+            <a:endParaRPr lang="fr-FR" dirty="0">
+              <a:solidFill>
+                <a:srgbClr val="EA7235"/>
+              </a:solidFill>
+              <a:latin typeface="Pixel Operator" panose="02000503000000000000" pitchFamily="2" charset="0"/>
+            </a:endParaRPr>
+          </a:p>
+        </p:txBody>
+      </p:sp>
+    </p:spTree>
+    <p:extLst>
+      <p:ext uri="{BB962C8B-B14F-4D97-AF65-F5344CB8AC3E}">
+        <p14:creationId xmlns:p14="http://schemas.microsoft.com/office/powerpoint/2010/main" val="2550556057"/>
+      </p:ext>
+    </p:extLst>
+  </p:cSld>
+  <p:clrMapOvr>
+    <a:masterClrMapping/>
+  </p:clrMapOvr>
+</p:sld>
+</file>
+
+<file path=ppt/slides/slide17.xml><?xml version="1.0" encoding="utf-8"?>
 <p:sld xmlns:a="http://schemas.openxmlformats.org/drawingml/2006/main" xmlns:r="http://schemas.openxmlformats.org/officeDocument/2006/relationships" xmlns:p="http://schemas.openxmlformats.org/presentationml/2006/main">
   <p:cSld>
     <p:spTree>
@@ -4229,132 +6369,10 @@
       </p:sp>
       <p:sp>
         <p:nvSpPr>
-          <p:cNvPr id="6" name="ZoneTexte 5">
-            <a:extLst>
-              <a:ext uri="{FF2B5EF4-FFF2-40B4-BE49-F238E27FC236}">
-                <a16:creationId xmlns:a16="http://schemas.microsoft.com/office/drawing/2014/main" id="{D515D0BD-6768-41D0-BAEC-364C2869C9F0}"/>
-              </a:ext>
-            </a:extLst>
-          </p:cNvPr>
-          <p:cNvSpPr txBox="1"/>
-          <p:nvPr/>
-        </p:nvSpPr>
-        <p:spPr>
-          <a:xfrm>
-            <a:off x="419100" y="476250"/>
-            <a:ext cx="10572750" cy="553998"/>
-          </a:xfrm>
-          <a:prstGeom prst="rect">
-            <a:avLst/>
-          </a:prstGeom>
-          <a:noFill/>
-        </p:spPr>
-        <p:txBody>
-          <a:bodyPr wrap="square" rtlCol="0">
-            <a:spAutoFit/>
-          </a:bodyPr>
-          <a:lstStyle/>
-          <a:p>
-            <a:r>
-              <a:rPr lang="fr-FR" sz="3000" dirty="0">
-                <a:solidFill>
-                  <a:srgbClr val="FF5600"/>
-                </a:solidFill>
-                <a:latin typeface="Pixel Operator 8" panose="02000503000000000000" pitchFamily="2" charset="0"/>
-              </a:rPr>
-              <a:t>Arborescence</a:t>
-            </a:r>
-          </a:p>
-        </p:txBody>
-      </p:sp>
-      <p:sp>
-        <p:nvSpPr>
-          <p:cNvPr id="7" name="ZoneTexte 6">
-            <a:extLst>
-              <a:ext uri="{FF2B5EF4-FFF2-40B4-BE49-F238E27FC236}">
-                <a16:creationId xmlns:a16="http://schemas.microsoft.com/office/drawing/2014/main" id="{4E2492FB-EB16-46E2-B522-5880DD9A6CAC}"/>
-              </a:ext>
-            </a:extLst>
-          </p:cNvPr>
-          <p:cNvSpPr txBox="1"/>
-          <p:nvPr/>
-        </p:nvSpPr>
-        <p:spPr>
-          <a:xfrm>
-            <a:off x="457200" y="1676400"/>
-            <a:ext cx="10591800" cy="677108"/>
-          </a:xfrm>
-          <a:prstGeom prst="rect">
-            <a:avLst/>
-          </a:prstGeom>
-          <a:noFill/>
-        </p:spPr>
-        <p:txBody>
-          <a:bodyPr wrap="square" rtlCol="0">
-            <a:spAutoFit/>
-          </a:bodyPr>
-          <a:lstStyle/>
-          <a:p>
-            <a:r>
-              <a:rPr lang="fr-FR" sz="2000" dirty="0">
-                <a:solidFill>
-                  <a:srgbClr val="EA7235"/>
-                </a:solidFill>
-                <a:latin typeface="Pixel Operator" panose="02000503000000000000" pitchFamily="2" charset="0"/>
-              </a:rPr>
-              <a:t>TEXT</a:t>
-            </a:r>
-          </a:p>
-          <a:p>
-            <a:pPr marL="742950" lvl="1" indent="-285750">
-              <a:buFont typeface="Arial" panose="020B0604020202020204" pitchFamily="34" charset="0"/>
-              <a:buChar char="•"/>
-            </a:pPr>
-            <a:endParaRPr lang="fr-FR" dirty="0">
-              <a:solidFill>
-                <a:srgbClr val="EA7235"/>
-              </a:solidFill>
-              <a:latin typeface="Pixel Operator" panose="02000503000000000000" pitchFamily="2" charset="0"/>
-            </a:endParaRPr>
-          </a:p>
-        </p:txBody>
-      </p:sp>
-    </p:spTree>
-    <p:extLst>
-      <p:ext uri="{BB962C8B-B14F-4D97-AF65-F5344CB8AC3E}">
-        <p14:creationId xmlns:p14="http://schemas.microsoft.com/office/powerpoint/2010/main" val="4025393722"/>
-      </p:ext>
-    </p:extLst>
-  </p:cSld>
-  <p:clrMapOvr>
-    <a:masterClrMapping/>
-  </p:clrMapOvr>
-</p:sld>
-</file>
-
-<file path=ppt/slides/slide12.xml><?xml version="1.0" encoding="utf-8"?>
-<p:sld xmlns:a="http://schemas.openxmlformats.org/drawingml/2006/main" xmlns:r="http://schemas.openxmlformats.org/officeDocument/2006/relationships" xmlns:p="http://schemas.openxmlformats.org/presentationml/2006/main">
-  <p:cSld>
-    <p:spTree>
-      <p:nvGrpSpPr>
-        <p:cNvPr id="1" name=""/>
-        <p:cNvGrpSpPr/>
-        <p:nvPr/>
-      </p:nvGrpSpPr>
-      <p:grpSpPr>
-        <a:xfrm>
-          <a:off x="0" y="0"/>
-          <a:ext cx="0" cy="0"/>
-          <a:chOff x="0" y="0"/>
-          <a:chExt cx="0" cy="0"/>
-        </a:xfrm>
-      </p:grpSpPr>
-      <p:sp>
-        <p:nvSpPr>
-          <p:cNvPr id="4" name="Rectangle 3">
-            <a:extLst>
-              <a:ext uri="{FF2B5EF4-FFF2-40B4-BE49-F238E27FC236}">
-                <a16:creationId xmlns:a16="http://schemas.microsoft.com/office/drawing/2014/main" id="{F53F8E4C-256F-4DB0-B8F6-339C7AC3DA8E}"/>
+          <p:cNvPr id="8" name="Rectangle 7">
+            <a:extLst>
+              <a:ext uri="{FF2B5EF4-FFF2-40B4-BE49-F238E27FC236}">
+                <a16:creationId xmlns:a16="http://schemas.microsoft.com/office/drawing/2014/main" id="{E13FDB07-22B4-44A3-AA53-6EDFCA09F1B0}"/>
               </a:ext>
             </a:extLst>
           </p:cNvPr>
@@ -4370,10 +6388,7 @@
             <a:avLst/>
           </a:prstGeom>
           <a:solidFill>
-            <a:schemeClr val="tx1">
-              <a:lumMod val="95000"/>
-              <a:lumOff val="5000"/>
-            </a:schemeClr>
+            <a:schemeClr val="bg1"/>
           </a:solidFill>
           <a:ln>
             <a:noFill/>
@@ -4396,9 +6411,10 @@
           </a:fontRef>
         </p:style>
         <p:txBody>
-          <a:bodyPr rtlCol="0" anchor="t"/>
-          <a:lstStyle/>
-          <a:p>
+          <a:bodyPr rtlCol="0" anchor="ctr"/>
+          <a:lstStyle/>
+          <a:p>
+            <a:pPr algn="ctr"/>
             <a:endParaRPr lang="fr-FR" sz="3000" dirty="0">
               <a:solidFill>
                 <a:srgbClr val="FF5600"/>
@@ -4410,10 +6426,10 @@
       </p:sp>
       <p:sp>
         <p:nvSpPr>
-          <p:cNvPr id="5" name="Forme libre : forme 4">
-            <a:extLst>
-              <a:ext uri="{FF2B5EF4-FFF2-40B4-BE49-F238E27FC236}">
-                <a16:creationId xmlns:a16="http://schemas.microsoft.com/office/drawing/2014/main" id="{EBDC686D-0533-444E-8A7D-5FBAFE799BF2}"/>
+          <p:cNvPr id="9" name="Forme libre : forme 8">
+            <a:extLst>
+              <a:ext uri="{FF2B5EF4-FFF2-40B4-BE49-F238E27FC236}">
+                <a16:creationId xmlns:a16="http://schemas.microsoft.com/office/drawing/2014/main" id="{DE9D7522-82DF-4AF6-9CD6-D1FEEFF8D82C}"/>
               </a:ext>
             </a:extLst>
           </p:cNvPr>
@@ -4528,9 +6544,8 @@
             </a:pathLst>
           </a:custGeom>
           <a:solidFill>
-            <a:schemeClr val="tx1">
-              <a:lumMod val="85000"/>
-              <a:lumOff val="15000"/>
+            <a:schemeClr val="bg1">
+              <a:lumMod val="75000"/>
             </a:schemeClr>
           </a:solidFill>
           <a:ln>
@@ -4591,23 +6606,25 @@
           <a:lstStyle/>
           <a:p>
             <a:r>
-              <a:rPr lang="fr-FR" sz="3000" dirty="0">
-                <a:solidFill>
-                  <a:srgbClr val="FF5600"/>
-                </a:solidFill>
-                <a:latin typeface="Pixel Operator 8" panose="02000503000000000000" pitchFamily="2" charset="0"/>
+              <a:rPr lang="fr-FR" sz="3000" b="1" spc="300" dirty="0" err="1">
+                <a:latin typeface="Arial" panose="020B0604020202020204" pitchFamily="34" charset="0"/>
+                <a:cs typeface="Arial" panose="020B0604020202020204" pitchFamily="34" charset="0"/>
               </a:rPr>
-              <a:t>Wireframe</a:t>
-            </a:r>
-          </a:p>
-        </p:txBody>
-      </p:sp>
-      <p:sp>
-        <p:nvSpPr>
-          <p:cNvPr id="7" name="ZoneTexte 6">
-            <a:extLst>
-              <a:ext uri="{FF2B5EF4-FFF2-40B4-BE49-F238E27FC236}">
-                <a16:creationId xmlns:a16="http://schemas.microsoft.com/office/drawing/2014/main" id="{4E2492FB-EB16-46E2-B522-5880DD9A6CAC}"/>
+              <a:t>Title</a:t>
+            </a:r>
+            <a:endParaRPr lang="fr-FR" sz="3000" b="1" spc="300" dirty="0">
+              <a:latin typeface="Arial" panose="020B0604020202020204" pitchFamily="34" charset="0"/>
+              <a:cs typeface="Arial" panose="020B0604020202020204" pitchFamily="34" charset="0"/>
+            </a:endParaRPr>
+          </a:p>
+        </p:txBody>
+      </p:sp>
+      <p:sp>
+        <p:nvSpPr>
+          <p:cNvPr id="11" name="ZoneTexte 10">
+            <a:extLst>
+              <a:ext uri="{FF2B5EF4-FFF2-40B4-BE49-F238E27FC236}">
+                <a16:creationId xmlns:a16="http://schemas.microsoft.com/office/drawing/2014/main" id="{33EB896C-083F-47E7-BA3A-944507384BD2}"/>
               </a:ext>
             </a:extLst>
           </p:cNvPr>
@@ -4616,7 +6633,7 @@
         </p:nvSpPr>
         <p:spPr>
           <a:xfrm>
-            <a:off x="457200" y="1676400"/>
+            <a:off x="419100" y="1506498"/>
             <a:ext cx="10591800" cy="677108"/>
           </a:xfrm>
           <a:prstGeom prst="rect">
@@ -4631,1692 +6648,9 @@
           <a:lstStyle/>
           <a:p>
             <a:r>
-              <a:rPr lang="fr-FR" sz="2000" dirty="0">
-                <a:solidFill>
-                  <a:srgbClr val="EA7235"/>
-                </a:solidFill>
-                <a:latin typeface="Pixel Operator" panose="02000503000000000000" pitchFamily="2" charset="0"/>
-              </a:rPr>
-              <a:t>TEXT</a:t>
-            </a:r>
-          </a:p>
-          <a:p>
-            <a:pPr marL="742950" lvl="1" indent="-285750">
-              <a:buFont typeface="Arial" panose="020B0604020202020204" pitchFamily="34" charset="0"/>
-              <a:buChar char="•"/>
-            </a:pPr>
-            <a:endParaRPr lang="fr-FR" dirty="0">
-              <a:solidFill>
-                <a:srgbClr val="EA7235"/>
-              </a:solidFill>
-              <a:latin typeface="Pixel Operator" panose="02000503000000000000" pitchFamily="2" charset="0"/>
-            </a:endParaRPr>
-          </a:p>
-        </p:txBody>
-      </p:sp>
-    </p:spTree>
-    <p:extLst>
-      <p:ext uri="{BB962C8B-B14F-4D97-AF65-F5344CB8AC3E}">
-        <p14:creationId xmlns:p14="http://schemas.microsoft.com/office/powerpoint/2010/main" val="3617946248"/>
-      </p:ext>
-    </p:extLst>
-  </p:cSld>
-  <p:clrMapOvr>
-    <a:masterClrMapping/>
-  </p:clrMapOvr>
-</p:sld>
-</file>
-
-<file path=ppt/slides/slide13.xml><?xml version="1.0" encoding="utf-8"?>
-<p:sld xmlns:a="http://schemas.openxmlformats.org/drawingml/2006/main" xmlns:r="http://schemas.openxmlformats.org/officeDocument/2006/relationships" xmlns:p="http://schemas.openxmlformats.org/presentationml/2006/main">
-  <p:cSld>
-    <p:spTree>
-      <p:nvGrpSpPr>
-        <p:cNvPr id="1" name=""/>
-        <p:cNvGrpSpPr/>
-        <p:nvPr/>
-      </p:nvGrpSpPr>
-      <p:grpSpPr>
-        <a:xfrm>
-          <a:off x="0" y="0"/>
-          <a:ext cx="0" cy="0"/>
-          <a:chOff x="0" y="0"/>
-          <a:chExt cx="0" cy="0"/>
-        </a:xfrm>
-      </p:grpSpPr>
-      <p:sp>
-        <p:nvSpPr>
-          <p:cNvPr id="4" name="Rectangle 3">
-            <a:extLst>
-              <a:ext uri="{FF2B5EF4-FFF2-40B4-BE49-F238E27FC236}">
-                <a16:creationId xmlns:a16="http://schemas.microsoft.com/office/drawing/2014/main" id="{F53F8E4C-256F-4DB0-B8F6-339C7AC3DA8E}"/>
-              </a:ext>
-            </a:extLst>
-          </p:cNvPr>
-          <p:cNvSpPr/>
-          <p:nvPr/>
-        </p:nvSpPr>
-        <p:spPr>
-          <a:xfrm>
-            <a:off x="0" y="0"/>
-            <a:ext cx="12192000" cy="6858000"/>
-          </a:xfrm>
-          <a:prstGeom prst="rect">
-            <a:avLst/>
-          </a:prstGeom>
-          <a:solidFill>
-            <a:schemeClr val="tx1">
-              <a:lumMod val="95000"/>
-              <a:lumOff val="5000"/>
-            </a:schemeClr>
-          </a:solidFill>
-          <a:ln>
-            <a:noFill/>
-          </a:ln>
-        </p:spPr>
-        <p:style>
-          <a:lnRef idx="2">
-            <a:schemeClr val="accent1">
-              <a:shade val="50000"/>
-            </a:schemeClr>
-          </a:lnRef>
-          <a:fillRef idx="1">
-            <a:schemeClr val="accent1"/>
-          </a:fillRef>
-          <a:effectRef idx="0">
-            <a:schemeClr val="accent1"/>
-          </a:effectRef>
-          <a:fontRef idx="minor">
-            <a:schemeClr val="lt1"/>
-          </a:fontRef>
-        </p:style>
-        <p:txBody>
-          <a:bodyPr rtlCol="0" anchor="t"/>
-          <a:lstStyle/>
-          <a:p>
-            <a:endParaRPr lang="fr-FR" sz="3000" dirty="0">
-              <a:solidFill>
-                <a:srgbClr val="FF5600"/>
-              </a:solidFill>
-              <a:latin typeface="Pixel Operator 8" panose="02000503000000000000" pitchFamily="2" charset="0"/>
-            </a:endParaRPr>
-          </a:p>
-        </p:txBody>
-      </p:sp>
-      <p:sp>
-        <p:nvSpPr>
-          <p:cNvPr id="5" name="Forme libre : forme 4">
-            <a:extLst>
-              <a:ext uri="{FF2B5EF4-FFF2-40B4-BE49-F238E27FC236}">
-                <a16:creationId xmlns:a16="http://schemas.microsoft.com/office/drawing/2014/main" id="{EBDC686D-0533-444E-8A7D-5FBAFE799BF2}"/>
-              </a:ext>
-            </a:extLst>
-          </p:cNvPr>
-          <p:cNvSpPr/>
-          <p:nvPr/>
-        </p:nvSpPr>
-        <p:spPr>
-          <a:xfrm>
-            <a:off x="9020273" y="-1819451"/>
-            <a:ext cx="5354683" cy="9859672"/>
-          </a:xfrm>
-          <a:custGeom>
-            <a:avLst/>
-            <a:gdLst>
-              <a:gd name="connsiteX0" fmla="*/ 771427 w 5354683"/>
-              <a:gd name="connsiteY0" fmla="*/ 371651 h 9859672"/>
-              <a:gd name="connsiteX1" fmla="*/ 1285777 w 5354683"/>
-              <a:gd name="connsiteY1" fmla="*/ 1038401 h 9859672"/>
-              <a:gd name="connsiteX2" fmla="*/ 2714527 w 5354683"/>
-              <a:gd name="connsiteY2" fmla="*/ 3057701 h 9859672"/>
-              <a:gd name="connsiteX3" fmla="*/ 2466877 w 5354683"/>
-              <a:gd name="connsiteY3" fmla="*/ 6639101 h 9859672"/>
-              <a:gd name="connsiteX4" fmla="*/ 66577 w 5354683"/>
-              <a:gd name="connsiteY4" fmla="*/ 9649001 h 9859672"/>
-              <a:gd name="connsiteX5" fmla="*/ 619027 w 5354683"/>
-              <a:gd name="connsiteY5" fmla="*/ 9610901 h 9859672"/>
-              <a:gd name="connsiteX6" fmla="*/ 5133877 w 5354683"/>
-              <a:gd name="connsiteY6" fmla="*/ 8944151 h 9859672"/>
-              <a:gd name="connsiteX7" fmla="*/ 4257577 w 5354683"/>
-              <a:gd name="connsiteY7" fmla="*/ 771701 h 9859672"/>
-              <a:gd name="connsiteX8" fmla="*/ 771427 w 5354683"/>
-              <a:gd name="connsiteY8" fmla="*/ 371651 h 9859672"/>
-            </a:gdLst>
-            <a:ahLst/>
-            <a:cxnLst>
-              <a:cxn ang="0">
-                <a:pos x="connsiteX0" y="connsiteY0"/>
-              </a:cxn>
-              <a:cxn ang="0">
-                <a:pos x="connsiteX1" y="connsiteY1"/>
-              </a:cxn>
-              <a:cxn ang="0">
-                <a:pos x="connsiteX2" y="connsiteY2"/>
-              </a:cxn>
-              <a:cxn ang="0">
-                <a:pos x="connsiteX3" y="connsiteY3"/>
-              </a:cxn>
-              <a:cxn ang="0">
-                <a:pos x="connsiteX4" y="connsiteY4"/>
-              </a:cxn>
-              <a:cxn ang="0">
-                <a:pos x="connsiteX5" y="connsiteY5"/>
-              </a:cxn>
-              <a:cxn ang="0">
-                <a:pos x="connsiteX6" y="connsiteY6"/>
-              </a:cxn>
-              <a:cxn ang="0">
-                <a:pos x="connsiteX7" y="connsiteY7"/>
-              </a:cxn>
-              <a:cxn ang="0">
-                <a:pos x="connsiteX8" y="connsiteY8"/>
-              </a:cxn>
-            </a:cxnLst>
-            <a:rect l="l" t="t" r="r" b="b"/>
-            <a:pathLst>
-              <a:path w="5354683" h="9859672">
-                <a:moveTo>
-                  <a:pt x="771427" y="371651"/>
-                </a:moveTo>
-                <a:cubicBezTo>
-                  <a:pt x="276127" y="416101"/>
-                  <a:pt x="961927" y="590726"/>
-                  <a:pt x="1285777" y="1038401"/>
-                </a:cubicBezTo>
-                <a:cubicBezTo>
-                  <a:pt x="1609627" y="1486076"/>
-                  <a:pt x="2517677" y="2124251"/>
-                  <a:pt x="2714527" y="3057701"/>
-                </a:cubicBezTo>
-                <a:cubicBezTo>
-                  <a:pt x="2911377" y="3991151"/>
-                  <a:pt x="2908202" y="5540551"/>
-                  <a:pt x="2466877" y="6639101"/>
-                </a:cubicBezTo>
-                <a:cubicBezTo>
-                  <a:pt x="2025552" y="7737651"/>
-                  <a:pt x="374552" y="9153701"/>
-                  <a:pt x="66577" y="9649001"/>
-                </a:cubicBezTo>
-                <a:cubicBezTo>
-                  <a:pt x="-241398" y="10144301"/>
-                  <a:pt x="619027" y="9610901"/>
-                  <a:pt x="619027" y="9610901"/>
-                </a:cubicBezTo>
-                <a:cubicBezTo>
-                  <a:pt x="1463577" y="9493426"/>
-                  <a:pt x="4527452" y="10417351"/>
-                  <a:pt x="5133877" y="8944151"/>
-                </a:cubicBezTo>
-                <a:cubicBezTo>
-                  <a:pt x="5740302" y="7470951"/>
-                  <a:pt x="4981477" y="2200451"/>
-                  <a:pt x="4257577" y="771701"/>
-                </a:cubicBezTo>
-                <a:cubicBezTo>
-                  <a:pt x="3533677" y="-657049"/>
-                  <a:pt x="1266727" y="327201"/>
-                  <a:pt x="771427" y="371651"/>
-                </a:cubicBezTo>
-                <a:close/>
-              </a:path>
-            </a:pathLst>
-          </a:custGeom>
-          <a:solidFill>
-            <a:schemeClr val="tx1">
-              <a:lumMod val="85000"/>
-              <a:lumOff val="15000"/>
-            </a:schemeClr>
-          </a:solidFill>
-          <a:ln>
-            <a:noFill/>
-          </a:ln>
-        </p:spPr>
-        <p:style>
-          <a:lnRef idx="2">
-            <a:schemeClr val="accent1">
-              <a:shade val="50000"/>
-            </a:schemeClr>
-          </a:lnRef>
-          <a:fillRef idx="1">
-            <a:schemeClr val="accent1"/>
-          </a:fillRef>
-          <a:effectRef idx="0">
-            <a:schemeClr val="accent1"/>
-          </a:effectRef>
-          <a:fontRef idx="minor">
-            <a:schemeClr val="lt1"/>
-          </a:fontRef>
-        </p:style>
-        <p:txBody>
-          <a:bodyPr rtlCol="0" anchor="ctr"/>
-          <a:lstStyle/>
-          <a:p>
-            <a:pPr algn="ctr"/>
-            <a:endParaRPr lang="fr-FR"/>
-          </a:p>
-        </p:txBody>
-      </p:sp>
-      <p:sp>
-        <p:nvSpPr>
-          <p:cNvPr id="6" name="ZoneTexte 5">
-            <a:extLst>
-              <a:ext uri="{FF2B5EF4-FFF2-40B4-BE49-F238E27FC236}">
-                <a16:creationId xmlns:a16="http://schemas.microsoft.com/office/drawing/2014/main" id="{D515D0BD-6768-41D0-BAEC-364C2869C9F0}"/>
-              </a:ext>
-            </a:extLst>
-          </p:cNvPr>
-          <p:cNvSpPr txBox="1"/>
-          <p:nvPr/>
-        </p:nvSpPr>
-        <p:spPr>
-          <a:xfrm>
-            <a:off x="419100" y="476250"/>
-            <a:ext cx="10572750" cy="553998"/>
-          </a:xfrm>
-          <a:prstGeom prst="rect">
-            <a:avLst/>
-          </a:prstGeom>
-          <a:noFill/>
-        </p:spPr>
-        <p:txBody>
-          <a:bodyPr wrap="square" rtlCol="0">
-            <a:spAutoFit/>
-          </a:bodyPr>
-          <a:lstStyle/>
-          <a:p>
-            <a:r>
-              <a:rPr lang="fr-FR" sz="3000" dirty="0">
-                <a:solidFill>
-                  <a:srgbClr val="FF5600"/>
-                </a:solidFill>
-                <a:latin typeface="Pixel Operator 8" panose="02000503000000000000" pitchFamily="2" charset="0"/>
-              </a:rPr>
-              <a:t>Maquette desktop</a:t>
-            </a:r>
-          </a:p>
-        </p:txBody>
-      </p:sp>
-      <p:sp>
-        <p:nvSpPr>
-          <p:cNvPr id="7" name="ZoneTexte 6">
-            <a:extLst>
-              <a:ext uri="{FF2B5EF4-FFF2-40B4-BE49-F238E27FC236}">
-                <a16:creationId xmlns:a16="http://schemas.microsoft.com/office/drawing/2014/main" id="{4E2492FB-EB16-46E2-B522-5880DD9A6CAC}"/>
-              </a:ext>
-            </a:extLst>
-          </p:cNvPr>
-          <p:cNvSpPr txBox="1"/>
-          <p:nvPr/>
-        </p:nvSpPr>
-        <p:spPr>
-          <a:xfrm>
-            <a:off x="457200" y="1676400"/>
-            <a:ext cx="10591800" cy="677108"/>
-          </a:xfrm>
-          <a:prstGeom prst="rect">
-            <a:avLst/>
-          </a:prstGeom>
-          <a:noFill/>
-        </p:spPr>
-        <p:txBody>
-          <a:bodyPr wrap="square" rtlCol="0">
-            <a:spAutoFit/>
-          </a:bodyPr>
-          <a:lstStyle/>
-          <a:p>
-            <a:r>
-              <a:rPr lang="fr-FR" sz="2000" dirty="0">
-                <a:solidFill>
-                  <a:srgbClr val="EA7235"/>
-                </a:solidFill>
-                <a:latin typeface="Pixel Operator" panose="02000503000000000000" pitchFamily="2" charset="0"/>
-              </a:rPr>
-              <a:t>TEXT</a:t>
-            </a:r>
-          </a:p>
-          <a:p>
-            <a:pPr marL="742950" lvl="1" indent="-285750">
-              <a:buFont typeface="Arial" panose="020B0604020202020204" pitchFamily="34" charset="0"/>
-              <a:buChar char="•"/>
-            </a:pPr>
-            <a:endParaRPr lang="fr-FR" dirty="0">
-              <a:solidFill>
-                <a:srgbClr val="EA7235"/>
-              </a:solidFill>
-              <a:latin typeface="Pixel Operator" panose="02000503000000000000" pitchFamily="2" charset="0"/>
-            </a:endParaRPr>
-          </a:p>
-        </p:txBody>
-      </p:sp>
-    </p:spTree>
-    <p:extLst>
-      <p:ext uri="{BB962C8B-B14F-4D97-AF65-F5344CB8AC3E}">
-        <p14:creationId xmlns:p14="http://schemas.microsoft.com/office/powerpoint/2010/main" val="2388457791"/>
-      </p:ext>
-    </p:extLst>
-  </p:cSld>
-  <p:clrMapOvr>
-    <a:masterClrMapping/>
-  </p:clrMapOvr>
-</p:sld>
-</file>
-
-<file path=ppt/slides/slide14.xml><?xml version="1.0" encoding="utf-8"?>
-<p:sld xmlns:a="http://schemas.openxmlformats.org/drawingml/2006/main" xmlns:r="http://schemas.openxmlformats.org/officeDocument/2006/relationships" xmlns:p="http://schemas.openxmlformats.org/presentationml/2006/main">
-  <p:cSld>
-    <p:spTree>
-      <p:nvGrpSpPr>
-        <p:cNvPr id="1" name=""/>
-        <p:cNvGrpSpPr/>
-        <p:nvPr/>
-      </p:nvGrpSpPr>
-      <p:grpSpPr>
-        <a:xfrm>
-          <a:off x="0" y="0"/>
-          <a:ext cx="0" cy="0"/>
-          <a:chOff x="0" y="0"/>
-          <a:chExt cx="0" cy="0"/>
-        </a:xfrm>
-      </p:grpSpPr>
-      <p:sp>
-        <p:nvSpPr>
-          <p:cNvPr id="4" name="Rectangle 3">
-            <a:extLst>
-              <a:ext uri="{FF2B5EF4-FFF2-40B4-BE49-F238E27FC236}">
-                <a16:creationId xmlns:a16="http://schemas.microsoft.com/office/drawing/2014/main" id="{F53F8E4C-256F-4DB0-B8F6-339C7AC3DA8E}"/>
-              </a:ext>
-            </a:extLst>
-          </p:cNvPr>
-          <p:cNvSpPr/>
-          <p:nvPr/>
-        </p:nvSpPr>
-        <p:spPr>
-          <a:xfrm>
-            <a:off x="0" y="0"/>
-            <a:ext cx="12192000" cy="6858000"/>
-          </a:xfrm>
-          <a:prstGeom prst="rect">
-            <a:avLst/>
-          </a:prstGeom>
-          <a:solidFill>
-            <a:schemeClr val="tx1">
-              <a:lumMod val="95000"/>
-              <a:lumOff val="5000"/>
-            </a:schemeClr>
-          </a:solidFill>
-          <a:ln>
-            <a:noFill/>
-          </a:ln>
-        </p:spPr>
-        <p:style>
-          <a:lnRef idx="2">
-            <a:schemeClr val="accent1">
-              <a:shade val="50000"/>
-            </a:schemeClr>
-          </a:lnRef>
-          <a:fillRef idx="1">
-            <a:schemeClr val="accent1"/>
-          </a:fillRef>
-          <a:effectRef idx="0">
-            <a:schemeClr val="accent1"/>
-          </a:effectRef>
-          <a:fontRef idx="minor">
-            <a:schemeClr val="lt1"/>
-          </a:fontRef>
-        </p:style>
-        <p:txBody>
-          <a:bodyPr rtlCol="0" anchor="t"/>
-          <a:lstStyle/>
-          <a:p>
-            <a:endParaRPr lang="fr-FR" sz="3000" dirty="0">
-              <a:solidFill>
-                <a:srgbClr val="FF5600"/>
-              </a:solidFill>
-              <a:latin typeface="Pixel Operator 8" panose="02000503000000000000" pitchFamily="2" charset="0"/>
-            </a:endParaRPr>
-          </a:p>
-        </p:txBody>
-      </p:sp>
-      <p:sp>
-        <p:nvSpPr>
-          <p:cNvPr id="5" name="Forme libre : forme 4">
-            <a:extLst>
-              <a:ext uri="{FF2B5EF4-FFF2-40B4-BE49-F238E27FC236}">
-                <a16:creationId xmlns:a16="http://schemas.microsoft.com/office/drawing/2014/main" id="{EBDC686D-0533-444E-8A7D-5FBAFE799BF2}"/>
-              </a:ext>
-            </a:extLst>
-          </p:cNvPr>
-          <p:cNvSpPr/>
-          <p:nvPr/>
-        </p:nvSpPr>
-        <p:spPr>
-          <a:xfrm>
-            <a:off x="9020273" y="-1819451"/>
-            <a:ext cx="5354683" cy="9859672"/>
-          </a:xfrm>
-          <a:custGeom>
-            <a:avLst/>
-            <a:gdLst>
-              <a:gd name="connsiteX0" fmla="*/ 771427 w 5354683"/>
-              <a:gd name="connsiteY0" fmla="*/ 371651 h 9859672"/>
-              <a:gd name="connsiteX1" fmla="*/ 1285777 w 5354683"/>
-              <a:gd name="connsiteY1" fmla="*/ 1038401 h 9859672"/>
-              <a:gd name="connsiteX2" fmla="*/ 2714527 w 5354683"/>
-              <a:gd name="connsiteY2" fmla="*/ 3057701 h 9859672"/>
-              <a:gd name="connsiteX3" fmla="*/ 2466877 w 5354683"/>
-              <a:gd name="connsiteY3" fmla="*/ 6639101 h 9859672"/>
-              <a:gd name="connsiteX4" fmla="*/ 66577 w 5354683"/>
-              <a:gd name="connsiteY4" fmla="*/ 9649001 h 9859672"/>
-              <a:gd name="connsiteX5" fmla="*/ 619027 w 5354683"/>
-              <a:gd name="connsiteY5" fmla="*/ 9610901 h 9859672"/>
-              <a:gd name="connsiteX6" fmla="*/ 5133877 w 5354683"/>
-              <a:gd name="connsiteY6" fmla="*/ 8944151 h 9859672"/>
-              <a:gd name="connsiteX7" fmla="*/ 4257577 w 5354683"/>
-              <a:gd name="connsiteY7" fmla="*/ 771701 h 9859672"/>
-              <a:gd name="connsiteX8" fmla="*/ 771427 w 5354683"/>
-              <a:gd name="connsiteY8" fmla="*/ 371651 h 9859672"/>
-            </a:gdLst>
-            <a:ahLst/>
-            <a:cxnLst>
-              <a:cxn ang="0">
-                <a:pos x="connsiteX0" y="connsiteY0"/>
-              </a:cxn>
-              <a:cxn ang="0">
-                <a:pos x="connsiteX1" y="connsiteY1"/>
-              </a:cxn>
-              <a:cxn ang="0">
-                <a:pos x="connsiteX2" y="connsiteY2"/>
-              </a:cxn>
-              <a:cxn ang="0">
-                <a:pos x="connsiteX3" y="connsiteY3"/>
-              </a:cxn>
-              <a:cxn ang="0">
-                <a:pos x="connsiteX4" y="connsiteY4"/>
-              </a:cxn>
-              <a:cxn ang="0">
-                <a:pos x="connsiteX5" y="connsiteY5"/>
-              </a:cxn>
-              <a:cxn ang="0">
-                <a:pos x="connsiteX6" y="connsiteY6"/>
-              </a:cxn>
-              <a:cxn ang="0">
-                <a:pos x="connsiteX7" y="connsiteY7"/>
-              </a:cxn>
-              <a:cxn ang="0">
-                <a:pos x="connsiteX8" y="connsiteY8"/>
-              </a:cxn>
-            </a:cxnLst>
-            <a:rect l="l" t="t" r="r" b="b"/>
-            <a:pathLst>
-              <a:path w="5354683" h="9859672">
-                <a:moveTo>
-                  <a:pt x="771427" y="371651"/>
-                </a:moveTo>
-                <a:cubicBezTo>
-                  <a:pt x="276127" y="416101"/>
-                  <a:pt x="961927" y="590726"/>
-                  <a:pt x="1285777" y="1038401"/>
-                </a:cubicBezTo>
-                <a:cubicBezTo>
-                  <a:pt x="1609627" y="1486076"/>
-                  <a:pt x="2517677" y="2124251"/>
-                  <a:pt x="2714527" y="3057701"/>
-                </a:cubicBezTo>
-                <a:cubicBezTo>
-                  <a:pt x="2911377" y="3991151"/>
-                  <a:pt x="2908202" y="5540551"/>
-                  <a:pt x="2466877" y="6639101"/>
-                </a:cubicBezTo>
-                <a:cubicBezTo>
-                  <a:pt x="2025552" y="7737651"/>
-                  <a:pt x="374552" y="9153701"/>
-                  <a:pt x="66577" y="9649001"/>
-                </a:cubicBezTo>
-                <a:cubicBezTo>
-                  <a:pt x="-241398" y="10144301"/>
-                  <a:pt x="619027" y="9610901"/>
-                  <a:pt x="619027" y="9610901"/>
-                </a:cubicBezTo>
-                <a:cubicBezTo>
-                  <a:pt x="1463577" y="9493426"/>
-                  <a:pt x="4527452" y="10417351"/>
-                  <a:pt x="5133877" y="8944151"/>
-                </a:cubicBezTo>
-                <a:cubicBezTo>
-                  <a:pt x="5740302" y="7470951"/>
-                  <a:pt x="4981477" y="2200451"/>
-                  <a:pt x="4257577" y="771701"/>
-                </a:cubicBezTo>
-                <a:cubicBezTo>
-                  <a:pt x="3533677" y="-657049"/>
-                  <a:pt x="1266727" y="327201"/>
-                  <a:pt x="771427" y="371651"/>
-                </a:cubicBezTo>
-                <a:close/>
-              </a:path>
-            </a:pathLst>
-          </a:custGeom>
-          <a:solidFill>
-            <a:schemeClr val="tx1">
-              <a:lumMod val="85000"/>
-              <a:lumOff val="15000"/>
-            </a:schemeClr>
-          </a:solidFill>
-          <a:ln>
-            <a:noFill/>
-          </a:ln>
-        </p:spPr>
-        <p:style>
-          <a:lnRef idx="2">
-            <a:schemeClr val="accent1">
-              <a:shade val="50000"/>
-            </a:schemeClr>
-          </a:lnRef>
-          <a:fillRef idx="1">
-            <a:schemeClr val="accent1"/>
-          </a:fillRef>
-          <a:effectRef idx="0">
-            <a:schemeClr val="accent1"/>
-          </a:effectRef>
-          <a:fontRef idx="minor">
-            <a:schemeClr val="lt1"/>
-          </a:fontRef>
-        </p:style>
-        <p:txBody>
-          <a:bodyPr rtlCol="0" anchor="ctr"/>
-          <a:lstStyle/>
-          <a:p>
-            <a:pPr algn="ctr"/>
-            <a:endParaRPr lang="fr-FR"/>
-          </a:p>
-        </p:txBody>
-      </p:sp>
-      <p:sp>
-        <p:nvSpPr>
-          <p:cNvPr id="6" name="ZoneTexte 5">
-            <a:extLst>
-              <a:ext uri="{FF2B5EF4-FFF2-40B4-BE49-F238E27FC236}">
-                <a16:creationId xmlns:a16="http://schemas.microsoft.com/office/drawing/2014/main" id="{D515D0BD-6768-41D0-BAEC-364C2869C9F0}"/>
-              </a:ext>
-            </a:extLst>
-          </p:cNvPr>
-          <p:cNvSpPr txBox="1"/>
-          <p:nvPr/>
-        </p:nvSpPr>
-        <p:spPr>
-          <a:xfrm>
-            <a:off x="419100" y="476250"/>
-            <a:ext cx="10572750" cy="553998"/>
-          </a:xfrm>
-          <a:prstGeom prst="rect">
-            <a:avLst/>
-          </a:prstGeom>
-          <a:noFill/>
-        </p:spPr>
-        <p:txBody>
-          <a:bodyPr wrap="square" rtlCol="0">
-            <a:spAutoFit/>
-          </a:bodyPr>
-          <a:lstStyle/>
-          <a:p>
-            <a:r>
-              <a:rPr lang="fr-FR" sz="3000" dirty="0">
-                <a:solidFill>
-                  <a:srgbClr val="FF5600"/>
-                </a:solidFill>
-                <a:latin typeface="Pixel Operator 8" panose="02000503000000000000" pitchFamily="2" charset="0"/>
-              </a:rPr>
-              <a:t>Maquette Mobile</a:t>
-            </a:r>
-          </a:p>
-        </p:txBody>
-      </p:sp>
-      <p:sp>
-        <p:nvSpPr>
-          <p:cNvPr id="7" name="ZoneTexte 6">
-            <a:extLst>
-              <a:ext uri="{FF2B5EF4-FFF2-40B4-BE49-F238E27FC236}">
-                <a16:creationId xmlns:a16="http://schemas.microsoft.com/office/drawing/2014/main" id="{4E2492FB-EB16-46E2-B522-5880DD9A6CAC}"/>
-              </a:ext>
-            </a:extLst>
-          </p:cNvPr>
-          <p:cNvSpPr txBox="1"/>
-          <p:nvPr/>
-        </p:nvSpPr>
-        <p:spPr>
-          <a:xfrm>
-            <a:off x="457200" y="1676400"/>
-            <a:ext cx="10591800" cy="677108"/>
-          </a:xfrm>
-          <a:prstGeom prst="rect">
-            <a:avLst/>
-          </a:prstGeom>
-          <a:noFill/>
-        </p:spPr>
-        <p:txBody>
-          <a:bodyPr wrap="square" rtlCol="0">
-            <a:spAutoFit/>
-          </a:bodyPr>
-          <a:lstStyle/>
-          <a:p>
-            <a:r>
-              <a:rPr lang="fr-FR" sz="2000" dirty="0">
-                <a:solidFill>
-                  <a:srgbClr val="EA7235"/>
-                </a:solidFill>
-                <a:latin typeface="Pixel Operator" panose="02000503000000000000" pitchFamily="2" charset="0"/>
-              </a:rPr>
-              <a:t>TEXT</a:t>
-            </a:r>
-          </a:p>
-          <a:p>
-            <a:pPr marL="742950" lvl="1" indent="-285750">
-              <a:buFont typeface="Arial" panose="020B0604020202020204" pitchFamily="34" charset="0"/>
-              <a:buChar char="•"/>
-            </a:pPr>
-            <a:endParaRPr lang="fr-FR" dirty="0">
-              <a:solidFill>
-                <a:srgbClr val="EA7235"/>
-              </a:solidFill>
-              <a:latin typeface="Pixel Operator" panose="02000503000000000000" pitchFamily="2" charset="0"/>
-            </a:endParaRPr>
-          </a:p>
-        </p:txBody>
-      </p:sp>
-    </p:spTree>
-    <p:extLst>
-      <p:ext uri="{BB962C8B-B14F-4D97-AF65-F5344CB8AC3E}">
-        <p14:creationId xmlns:p14="http://schemas.microsoft.com/office/powerpoint/2010/main" val="681828210"/>
-      </p:ext>
-    </p:extLst>
-  </p:cSld>
-  <p:clrMapOvr>
-    <a:masterClrMapping/>
-  </p:clrMapOvr>
-</p:sld>
-</file>
-
-<file path=ppt/slides/slide15.xml><?xml version="1.0" encoding="utf-8"?>
-<p:sld xmlns:a="http://schemas.openxmlformats.org/drawingml/2006/main" xmlns:r="http://schemas.openxmlformats.org/officeDocument/2006/relationships" xmlns:p="http://schemas.openxmlformats.org/presentationml/2006/main">
-  <p:cSld>
-    <p:spTree>
-      <p:nvGrpSpPr>
-        <p:cNvPr id="1" name=""/>
-        <p:cNvGrpSpPr/>
-        <p:nvPr/>
-      </p:nvGrpSpPr>
-      <p:grpSpPr>
-        <a:xfrm>
-          <a:off x="0" y="0"/>
-          <a:ext cx="0" cy="0"/>
-          <a:chOff x="0" y="0"/>
-          <a:chExt cx="0" cy="0"/>
-        </a:xfrm>
-      </p:grpSpPr>
-      <p:sp>
-        <p:nvSpPr>
-          <p:cNvPr id="4" name="Rectangle 3">
-            <a:extLst>
-              <a:ext uri="{FF2B5EF4-FFF2-40B4-BE49-F238E27FC236}">
-                <a16:creationId xmlns:a16="http://schemas.microsoft.com/office/drawing/2014/main" id="{F53F8E4C-256F-4DB0-B8F6-339C7AC3DA8E}"/>
-              </a:ext>
-            </a:extLst>
-          </p:cNvPr>
-          <p:cNvSpPr/>
-          <p:nvPr/>
-        </p:nvSpPr>
-        <p:spPr>
-          <a:xfrm>
-            <a:off x="0" y="0"/>
-            <a:ext cx="12192000" cy="6858000"/>
-          </a:xfrm>
-          <a:prstGeom prst="rect">
-            <a:avLst/>
-          </a:prstGeom>
-          <a:solidFill>
-            <a:schemeClr val="tx1">
-              <a:lumMod val="95000"/>
-              <a:lumOff val="5000"/>
-            </a:schemeClr>
-          </a:solidFill>
-          <a:ln>
-            <a:noFill/>
-          </a:ln>
-        </p:spPr>
-        <p:style>
-          <a:lnRef idx="2">
-            <a:schemeClr val="accent1">
-              <a:shade val="50000"/>
-            </a:schemeClr>
-          </a:lnRef>
-          <a:fillRef idx="1">
-            <a:schemeClr val="accent1"/>
-          </a:fillRef>
-          <a:effectRef idx="0">
-            <a:schemeClr val="accent1"/>
-          </a:effectRef>
-          <a:fontRef idx="minor">
-            <a:schemeClr val="lt1"/>
-          </a:fontRef>
-        </p:style>
-        <p:txBody>
-          <a:bodyPr rtlCol="0" anchor="t"/>
-          <a:lstStyle/>
-          <a:p>
-            <a:endParaRPr lang="fr-FR" sz="3000" dirty="0">
-              <a:solidFill>
-                <a:srgbClr val="FF5600"/>
-              </a:solidFill>
-              <a:latin typeface="Pixel Operator 8" panose="02000503000000000000" pitchFamily="2" charset="0"/>
-            </a:endParaRPr>
-          </a:p>
-        </p:txBody>
-      </p:sp>
-      <p:sp>
-        <p:nvSpPr>
-          <p:cNvPr id="5" name="Forme libre : forme 4">
-            <a:extLst>
-              <a:ext uri="{FF2B5EF4-FFF2-40B4-BE49-F238E27FC236}">
-                <a16:creationId xmlns:a16="http://schemas.microsoft.com/office/drawing/2014/main" id="{EBDC686D-0533-444E-8A7D-5FBAFE799BF2}"/>
-              </a:ext>
-            </a:extLst>
-          </p:cNvPr>
-          <p:cNvSpPr/>
-          <p:nvPr/>
-        </p:nvSpPr>
-        <p:spPr>
-          <a:xfrm>
-            <a:off x="9020273" y="-1819451"/>
-            <a:ext cx="5354683" cy="9859672"/>
-          </a:xfrm>
-          <a:custGeom>
-            <a:avLst/>
-            <a:gdLst>
-              <a:gd name="connsiteX0" fmla="*/ 771427 w 5354683"/>
-              <a:gd name="connsiteY0" fmla="*/ 371651 h 9859672"/>
-              <a:gd name="connsiteX1" fmla="*/ 1285777 w 5354683"/>
-              <a:gd name="connsiteY1" fmla="*/ 1038401 h 9859672"/>
-              <a:gd name="connsiteX2" fmla="*/ 2714527 w 5354683"/>
-              <a:gd name="connsiteY2" fmla="*/ 3057701 h 9859672"/>
-              <a:gd name="connsiteX3" fmla="*/ 2466877 w 5354683"/>
-              <a:gd name="connsiteY3" fmla="*/ 6639101 h 9859672"/>
-              <a:gd name="connsiteX4" fmla="*/ 66577 w 5354683"/>
-              <a:gd name="connsiteY4" fmla="*/ 9649001 h 9859672"/>
-              <a:gd name="connsiteX5" fmla="*/ 619027 w 5354683"/>
-              <a:gd name="connsiteY5" fmla="*/ 9610901 h 9859672"/>
-              <a:gd name="connsiteX6" fmla="*/ 5133877 w 5354683"/>
-              <a:gd name="connsiteY6" fmla="*/ 8944151 h 9859672"/>
-              <a:gd name="connsiteX7" fmla="*/ 4257577 w 5354683"/>
-              <a:gd name="connsiteY7" fmla="*/ 771701 h 9859672"/>
-              <a:gd name="connsiteX8" fmla="*/ 771427 w 5354683"/>
-              <a:gd name="connsiteY8" fmla="*/ 371651 h 9859672"/>
-            </a:gdLst>
-            <a:ahLst/>
-            <a:cxnLst>
-              <a:cxn ang="0">
-                <a:pos x="connsiteX0" y="connsiteY0"/>
-              </a:cxn>
-              <a:cxn ang="0">
-                <a:pos x="connsiteX1" y="connsiteY1"/>
-              </a:cxn>
-              <a:cxn ang="0">
-                <a:pos x="connsiteX2" y="connsiteY2"/>
-              </a:cxn>
-              <a:cxn ang="0">
-                <a:pos x="connsiteX3" y="connsiteY3"/>
-              </a:cxn>
-              <a:cxn ang="0">
-                <a:pos x="connsiteX4" y="connsiteY4"/>
-              </a:cxn>
-              <a:cxn ang="0">
-                <a:pos x="connsiteX5" y="connsiteY5"/>
-              </a:cxn>
-              <a:cxn ang="0">
-                <a:pos x="connsiteX6" y="connsiteY6"/>
-              </a:cxn>
-              <a:cxn ang="0">
-                <a:pos x="connsiteX7" y="connsiteY7"/>
-              </a:cxn>
-              <a:cxn ang="0">
-                <a:pos x="connsiteX8" y="connsiteY8"/>
-              </a:cxn>
-            </a:cxnLst>
-            <a:rect l="l" t="t" r="r" b="b"/>
-            <a:pathLst>
-              <a:path w="5354683" h="9859672">
-                <a:moveTo>
-                  <a:pt x="771427" y="371651"/>
-                </a:moveTo>
-                <a:cubicBezTo>
-                  <a:pt x="276127" y="416101"/>
-                  <a:pt x="961927" y="590726"/>
-                  <a:pt x="1285777" y="1038401"/>
-                </a:cubicBezTo>
-                <a:cubicBezTo>
-                  <a:pt x="1609627" y="1486076"/>
-                  <a:pt x="2517677" y="2124251"/>
-                  <a:pt x="2714527" y="3057701"/>
-                </a:cubicBezTo>
-                <a:cubicBezTo>
-                  <a:pt x="2911377" y="3991151"/>
-                  <a:pt x="2908202" y="5540551"/>
-                  <a:pt x="2466877" y="6639101"/>
-                </a:cubicBezTo>
-                <a:cubicBezTo>
-                  <a:pt x="2025552" y="7737651"/>
-                  <a:pt x="374552" y="9153701"/>
-                  <a:pt x="66577" y="9649001"/>
-                </a:cubicBezTo>
-                <a:cubicBezTo>
-                  <a:pt x="-241398" y="10144301"/>
-                  <a:pt x="619027" y="9610901"/>
-                  <a:pt x="619027" y="9610901"/>
-                </a:cubicBezTo>
-                <a:cubicBezTo>
-                  <a:pt x="1463577" y="9493426"/>
-                  <a:pt x="4527452" y="10417351"/>
-                  <a:pt x="5133877" y="8944151"/>
-                </a:cubicBezTo>
-                <a:cubicBezTo>
-                  <a:pt x="5740302" y="7470951"/>
-                  <a:pt x="4981477" y="2200451"/>
-                  <a:pt x="4257577" y="771701"/>
-                </a:cubicBezTo>
-                <a:cubicBezTo>
-                  <a:pt x="3533677" y="-657049"/>
-                  <a:pt x="1266727" y="327201"/>
-                  <a:pt x="771427" y="371651"/>
-                </a:cubicBezTo>
-                <a:close/>
-              </a:path>
-            </a:pathLst>
-          </a:custGeom>
-          <a:solidFill>
-            <a:schemeClr val="tx1">
-              <a:lumMod val="85000"/>
-              <a:lumOff val="15000"/>
-            </a:schemeClr>
-          </a:solidFill>
-          <a:ln>
-            <a:noFill/>
-          </a:ln>
-        </p:spPr>
-        <p:style>
-          <a:lnRef idx="2">
-            <a:schemeClr val="accent1">
-              <a:shade val="50000"/>
-            </a:schemeClr>
-          </a:lnRef>
-          <a:fillRef idx="1">
-            <a:schemeClr val="accent1"/>
-          </a:fillRef>
-          <a:effectRef idx="0">
-            <a:schemeClr val="accent1"/>
-          </a:effectRef>
-          <a:fontRef idx="minor">
-            <a:schemeClr val="lt1"/>
-          </a:fontRef>
-        </p:style>
-        <p:txBody>
-          <a:bodyPr rtlCol="0" anchor="ctr"/>
-          <a:lstStyle/>
-          <a:p>
-            <a:pPr algn="ctr"/>
-            <a:endParaRPr lang="fr-FR"/>
-          </a:p>
-        </p:txBody>
-      </p:sp>
-      <p:sp>
-        <p:nvSpPr>
-          <p:cNvPr id="6" name="ZoneTexte 5">
-            <a:extLst>
-              <a:ext uri="{FF2B5EF4-FFF2-40B4-BE49-F238E27FC236}">
-                <a16:creationId xmlns:a16="http://schemas.microsoft.com/office/drawing/2014/main" id="{D515D0BD-6768-41D0-BAEC-364C2869C9F0}"/>
-              </a:ext>
-            </a:extLst>
-          </p:cNvPr>
-          <p:cNvSpPr txBox="1"/>
-          <p:nvPr/>
-        </p:nvSpPr>
-        <p:spPr>
-          <a:xfrm>
-            <a:off x="419100" y="476250"/>
-            <a:ext cx="10572750" cy="553998"/>
-          </a:xfrm>
-          <a:prstGeom prst="rect">
-            <a:avLst/>
-          </a:prstGeom>
-          <a:noFill/>
-        </p:spPr>
-        <p:txBody>
-          <a:bodyPr wrap="square" rtlCol="0">
-            <a:spAutoFit/>
-          </a:bodyPr>
-          <a:lstStyle/>
-          <a:p>
-            <a:r>
-              <a:rPr lang="fr-FR" sz="3000" dirty="0">
-                <a:solidFill>
-                  <a:srgbClr val="FF5600"/>
-                </a:solidFill>
-                <a:latin typeface="Pixel Operator 8" panose="02000503000000000000" pitchFamily="2" charset="0"/>
-              </a:rPr>
-              <a:t>Technologies utilisées</a:t>
-            </a:r>
-          </a:p>
-        </p:txBody>
-      </p:sp>
-      <p:sp>
-        <p:nvSpPr>
-          <p:cNvPr id="7" name="ZoneTexte 6">
-            <a:extLst>
-              <a:ext uri="{FF2B5EF4-FFF2-40B4-BE49-F238E27FC236}">
-                <a16:creationId xmlns:a16="http://schemas.microsoft.com/office/drawing/2014/main" id="{4E2492FB-EB16-46E2-B522-5880DD9A6CAC}"/>
-              </a:ext>
-            </a:extLst>
-          </p:cNvPr>
-          <p:cNvSpPr txBox="1"/>
-          <p:nvPr/>
-        </p:nvSpPr>
-        <p:spPr>
-          <a:xfrm>
-            <a:off x="457200" y="1676400"/>
-            <a:ext cx="10591800" cy="677108"/>
-          </a:xfrm>
-          <a:prstGeom prst="rect">
-            <a:avLst/>
-          </a:prstGeom>
-          <a:noFill/>
-        </p:spPr>
-        <p:txBody>
-          <a:bodyPr wrap="square" rtlCol="0">
-            <a:spAutoFit/>
-          </a:bodyPr>
-          <a:lstStyle/>
-          <a:p>
-            <a:r>
-              <a:rPr lang="fr-FR" sz="2000" dirty="0">
-                <a:solidFill>
-                  <a:srgbClr val="EA7235"/>
-                </a:solidFill>
-                <a:latin typeface="Pixel Operator" panose="02000503000000000000" pitchFamily="2" charset="0"/>
-              </a:rPr>
-              <a:t>TEXT</a:t>
-            </a:r>
-          </a:p>
-          <a:p>
-            <a:pPr marL="742950" lvl="1" indent="-285750">
-              <a:buFont typeface="Arial" panose="020B0604020202020204" pitchFamily="34" charset="0"/>
-              <a:buChar char="•"/>
-            </a:pPr>
-            <a:endParaRPr lang="fr-FR" dirty="0">
-              <a:solidFill>
-                <a:srgbClr val="EA7235"/>
-              </a:solidFill>
-              <a:latin typeface="Pixel Operator" panose="02000503000000000000" pitchFamily="2" charset="0"/>
-            </a:endParaRPr>
-          </a:p>
-        </p:txBody>
-      </p:sp>
-    </p:spTree>
-    <p:extLst>
-      <p:ext uri="{BB962C8B-B14F-4D97-AF65-F5344CB8AC3E}">
-        <p14:creationId xmlns:p14="http://schemas.microsoft.com/office/powerpoint/2010/main" val="3763295953"/>
-      </p:ext>
-    </p:extLst>
-  </p:cSld>
-  <p:clrMapOvr>
-    <a:masterClrMapping/>
-  </p:clrMapOvr>
-</p:sld>
-</file>
-
-<file path=ppt/slides/slide16.xml><?xml version="1.0" encoding="utf-8"?>
-<p:sld xmlns:a="http://schemas.openxmlformats.org/drawingml/2006/main" xmlns:r="http://schemas.openxmlformats.org/officeDocument/2006/relationships" xmlns:p="http://schemas.openxmlformats.org/presentationml/2006/main">
-  <p:cSld>
-    <p:spTree>
-      <p:nvGrpSpPr>
-        <p:cNvPr id="1" name=""/>
-        <p:cNvGrpSpPr/>
-        <p:nvPr/>
-      </p:nvGrpSpPr>
-      <p:grpSpPr>
-        <a:xfrm>
-          <a:off x="0" y="0"/>
-          <a:ext cx="0" cy="0"/>
-          <a:chOff x="0" y="0"/>
-          <a:chExt cx="0" cy="0"/>
-        </a:xfrm>
-      </p:grpSpPr>
-      <p:sp>
-        <p:nvSpPr>
-          <p:cNvPr id="4" name="Rectangle 3">
-            <a:extLst>
-              <a:ext uri="{FF2B5EF4-FFF2-40B4-BE49-F238E27FC236}">
-                <a16:creationId xmlns:a16="http://schemas.microsoft.com/office/drawing/2014/main" id="{F53F8E4C-256F-4DB0-B8F6-339C7AC3DA8E}"/>
-              </a:ext>
-            </a:extLst>
-          </p:cNvPr>
-          <p:cNvSpPr/>
-          <p:nvPr/>
-        </p:nvSpPr>
-        <p:spPr>
-          <a:xfrm>
-            <a:off x="0" y="0"/>
-            <a:ext cx="12192000" cy="6858000"/>
-          </a:xfrm>
-          <a:prstGeom prst="rect">
-            <a:avLst/>
-          </a:prstGeom>
-          <a:solidFill>
-            <a:schemeClr val="tx1">
-              <a:lumMod val="95000"/>
-              <a:lumOff val="5000"/>
-            </a:schemeClr>
-          </a:solidFill>
-          <a:ln>
-            <a:noFill/>
-          </a:ln>
-        </p:spPr>
-        <p:style>
-          <a:lnRef idx="2">
-            <a:schemeClr val="accent1">
-              <a:shade val="50000"/>
-            </a:schemeClr>
-          </a:lnRef>
-          <a:fillRef idx="1">
-            <a:schemeClr val="accent1"/>
-          </a:fillRef>
-          <a:effectRef idx="0">
-            <a:schemeClr val="accent1"/>
-          </a:effectRef>
-          <a:fontRef idx="minor">
-            <a:schemeClr val="lt1"/>
-          </a:fontRef>
-        </p:style>
-        <p:txBody>
-          <a:bodyPr rtlCol="0" anchor="t"/>
-          <a:lstStyle/>
-          <a:p>
-            <a:endParaRPr lang="fr-FR" sz="3000" dirty="0">
-              <a:solidFill>
-                <a:srgbClr val="FF5600"/>
-              </a:solidFill>
-              <a:latin typeface="Pixel Operator 8" panose="02000503000000000000" pitchFamily="2" charset="0"/>
-            </a:endParaRPr>
-          </a:p>
-        </p:txBody>
-      </p:sp>
-      <p:sp>
-        <p:nvSpPr>
-          <p:cNvPr id="5" name="Forme libre : forme 4">
-            <a:extLst>
-              <a:ext uri="{FF2B5EF4-FFF2-40B4-BE49-F238E27FC236}">
-                <a16:creationId xmlns:a16="http://schemas.microsoft.com/office/drawing/2014/main" id="{EBDC686D-0533-444E-8A7D-5FBAFE799BF2}"/>
-              </a:ext>
-            </a:extLst>
-          </p:cNvPr>
-          <p:cNvSpPr/>
-          <p:nvPr/>
-        </p:nvSpPr>
-        <p:spPr>
-          <a:xfrm>
-            <a:off x="9020273" y="-1819451"/>
-            <a:ext cx="5354683" cy="9859672"/>
-          </a:xfrm>
-          <a:custGeom>
-            <a:avLst/>
-            <a:gdLst>
-              <a:gd name="connsiteX0" fmla="*/ 771427 w 5354683"/>
-              <a:gd name="connsiteY0" fmla="*/ 371651 h 9859672"/>
-              <a:gd name="connsiteX1" fmla="*/ 1285777 w 5354683"/>
-              <a:gd name="connsiteY1" fmla="*/ 1038401 h 9859672"/>
-              <a:gd name="connsiteX2" fmla="*/ 2714527 w 5354683"/>
-              <a:gd name="connsiteY2" fmla="*/ 3057701 h 9859672"/>
-              <a:gd name="connsiteX3" fmla="*/ 2466877 w 5354683"/>
-              <a:gd name="connsiteY3" fmla="*/ 6639101 h 9859672"/>
-              <a:gd name="connsiteX4" fmla="*/ 66577 w 5354683"/>
-              <a:gd name="connsiteY4" fmla="*/ 9649001 h 9859672"/>
-              <a:gd name="connsiteX5" fmla="*/ 619027 w 5354683"/>
-              <a:gd name="connsiteY5" fmla="*/ 9610901 h 9859672"/>
-              <a:gd name="connsiteX6" fmla="*/ 5133877 w 5354683"/>
-              <a:gd name="connsiteY6" fmla="*/ 8944151 h 9859672"/>
-              <a:gd name="connsiteX7" fmla="*/ 4257577 w 5354683"/>
-              <a:gd name="connsiteY7" fmla="*/ 771701 h 9859672"/>
-              <a:gd name="connsiteX8" fmla="*/ 771427 w 5354683"/>
-              <a:gd name="connsiteY8" fmla="*/ 371651 h 9859672"/>
-            </a:gdLst>
-            <a:ahLst/>
-            <a:cxnLst>
-              <a:cxn ang="0">
-                <a:pos x="connsiteX0" y="connsiteY0"/>
-              </a:cxn>
-              <a:cxn ang="0">
-                <a:pos x="connsiteX1" y="connsiteY1"/>
-              </a:cxn>
-              <a:cxn ang="0">
-                <a:pos x="connsiteX2" y="connsiteY2"/>
-              </a:cxn>
-              <a:cxn ang="0">
-                <a:pos x="connsiteX3" y="connsiteY3"/>
-              </a:cxn>
-              <a:cxn ang="0">
-                <a:pos x="connsiteX4" y="connsiteY4"/>
-              </a:cxn>
-              <a:cxn ang="0">
-                <a:pos x="connsiteX5" y="connsiteY5"/>
-              </a:cxn>
-              <a:cxn ang="0">
-                <a:pos x="connsiteX6" y="connsiteY6"/>
-              </a:cxn>
-              <a:cxn ang="0">
-                <a:pos x="connsiteX7" y="connsiteY7"/>
-              </a:cxn>
-              <a:cxn ang="0">
-                <a:pos x="connsiteX8" y="connsiteY8"/>
-              </a:cxn>
-            </a:cxnLst>
-            <a:rect l="l" t="t" r="r" b="b"/>
-            <a:pathLst>
-              <a:path w="5354683" h="9859672">
-                <a:moveTo>
-                  <a:pt x="771427" y="371651"/>
-                </a:moveTo>
-                <a:cubicBezTo>
-                  <a:pt x="276127" y="416101"/>
-                  <a:pt x="961927" y="590726"/>
-                  <a:pt x="1285777" y="1038401"/>
-                </a:cubicBezTo>
-                <a:cubicBezTo>
-                  <a:pt x="1609627" y="1486076"/>
-                  <a:pt x="2517677" y="2124251"/>
-                  <a:pt x="2714527" y="3057701"/>
-                </a:cubicBezTo>
-                <a:cubicBezTo>
-                  <a:pt x="2911377" y="3991151"/>
-                  <a:pt x="2908202" y="5540551"/>
-                  <a:pt x="2466877" y="6639101"/>
-                </a:cubicBezTo>
-                <a:cubicBezTo>
-                  <a:pt x="2025552" y="7737651"/>
-                  <a:pt x="374552" y="9153701"/>
-                  <a:pt x="66577" y="9649001"/>
-                </a:cubicBezTo>
-                <a:cubicBezTo>
-                  <a:pt x="-241398" y="10144301"/>
-                  <a:pt x="619027" y="9610901"/>
-                  <a:pt x="619027" y="9610901"/>
-                </a:cubicBezTo>
-                <a:cubicBezTo>
-                  <a:pt x="1463577" y="9493426"/>
-                  <a:pt x="4527452" y="10417351"/>
-                  <a:pt x="5133877" y="8944151"/>
-                </a:cubicBezTo>
-                <a:cubicBezTo>
-                  <a:pt x="5740302" y="7470951"/>
-                  <a:pt x="4981477" y="2200451"/>
-                  <a:pt x="4257577" y="771701"/>
-                </a:cubicBezTo>
-                <a:cubicBezTo>
-                  <a:pt x="3533677" y="-657049"/>
-                  <a:pt x="1266727" y="327201"/>
-                  <a:pt x="771427" y="371651"/>
-                </a:cubicBezTo>
-                <a:close/>
-              </a:path>
-            </a:pathLst>
-          </a:custGeom>
-          <a:solidFill>
-            <a:schemeClr val="tx1">
-              <a:lumMod val="85000"/>
-              <a:lumOff val="15000"/>
-            </a:schemeClr>
-          </a:solidFill>
-          <a:ln>
-            <a:noFill/>
-          </a:ln>
-        </p:spPr>
-        <p:style>
-          <a:lnRef idx="2">
-            <a:schemeClr val="accent1">
-              <a:shade val="50000"/>
-            </a:schemeClr>
-          </a:lnRef>
-          <a:fillRef idx="1">
-            <a:schemeClr val="accent1"/>
-          </a:fillRef>
-          <a:effectRef idx="0">
-            <a:schemeClr val="accent1"/>
-          </a:effectRef>
-          <a:fontRef idx="minor">
-            <a:schemeClr val="lt1"/>
-          </a:fontRef>
-        </p:style>
-        <p:txBody>
-          <a:bodyPr rtlCol="0" anchor="ctr"/>
-          <a:lstStyle/>
-          <a:p>
-            <a:pPr algn="ctr"/>
-            <a:endParaRPr lang="fr-FR"/>
-          </a:p>
-        </p:txBody>
-      </p:sp>
-      <p:sp>
-        <p:nvSpPr>
-          <p:cNvPr id="6" name="ZoneTexte 5">
-            <a:extLst>
-              <a:ext uri="{FF2B5EF4-FFF2-40B4-BE49-F238E27FC236}">
-                <a16:creationId xmlns:a16="http://schemas.microsoft.com/office/drawing/2014/main" id="{D515D0BD-6768-41D0-BAEC-364C2869C9F0}"/>
-              </a:ext>
-            </a:extLst>
-          </p:cNvPr>
-          <p:cNvSpPr txBox="1"/>
-          <p:nvPr/>
-        </p:nvSpPr>
-        <p:spPr>
-          <a:xfrm>
-            <a:off x="419100" y="476250"/>
-            <a:ext cx="10572750" cy="553998"/>
-          </a:xfrm>
-          <a:prstGeom prst="rect">
-            <a:avLst/>
-          </a:prstGeom>
-          <a:noFill/>
-        </p:spPr>
-        <p:txBody>
-          <a:bodyPr wrap="square" rtlCol="0">
-            <a:spAutoFit/>
-          </a:bodyPr>
-          <a:lstStyle/>
-          <a:p>
-            <a:r>
-              <a:rPr lang="fr-FR" sz="3000" dirty="0">
-                <a:solidFill>
-                  <a:srgbClr val="FF5600"/>
-                </a:solidFill>
-                <a:latin typeface="Pixel Operator 8" panose="02000503000000000000" pitchFamily="2" charset="0"/>
-              </a:rPr>
-              <a:t>Référencement naturel</a:t>
-            </a:r>
-          </a:p>
-        </p:txBody>
-      </p:sp>
-      <p:sp>
-        <p:nvSpPr>
-          <p:cNvPr id="7" name="ZoneTexte 6">
-            <a:extLst>
-              <a:ext uri="{FF2B5EF4-FFF2-40B4-BE49-F238E27FC236}">
-                <a16:creationId xmlns:a16="http://schemas.microsoft.com/office/drawing/2014/main" id="{4E2492FB-EB16-46E2-B522-5880DD9A6CAC}"/>
-              </a:ext>
-            </a:extLst>
-          </p:cNvPr>
-          <p:cNvSpPr txBox="1"/>
-          <p:nvPr/>
-        </p:nvSpPr>
-        <p:spPr>
-          <a:xfrm>
-            <a:off x="457200" y="1676400"/>
-            <a:ext cx="10591800" cy="677108"/>
-          </a:xfrm>
-          <a:prstGeom prst="rect">
-            <a:avLst/>
-          </a:prstGeom>
-          <a:noFill/>
-        </p:spPr>
-        <p:txBody>
-          <a:bodyPr wrap="square" rtlCol="0">
-            <a:spAutoFit/>
-          </a:bodyPr>
-          <a:lstStyle/>
-          <a:p>
-            <a:r>
-              <a:rPr lang="fr-FR" sz="2000" dirty="0">
-                <a:solidFill>
-                  <a:srgbClr val="EA7235"/>
-                </a:solidFill>
-                <a:latin typeface="Pixel Operator" panose="02000503000000000000" pitchFamily="2" charset="0"/>
-              </a:rPr>
-              <a:t>TEXT</a:t>
-            </a:r>
-          </a:p>
-          <a:p>
-            <a:pPr marL="742950" lvl="1" indent="-285750">
-              <a:buFont typeface="Arial" panose="020B0604020202020204" pitchFamily="34" charset="0"/>
-              <a:buChar char="•"/>
-            </a:pPr>
-            <a:endParaRPr lang="fr-FR" dirty="0">
-              <a:solidFill>
-                <a:srgbClr val="EA7235"/>
-              </a:solidFill>
-              <a:latin typeface="Pixel Operator" panose="02000503000000000000" pitchFamily="2" charset="0"/>
-            </a:endParaRPr>
-          </a:p>
-        </p:txBody>
-      </p:sp>
-    </p:spTree>
-    <p:extLst>
-      <p:ext uri="{BB962C8B-B14F-4D97-AF65-F5344CB8AC3E}">
-        <p14:creationId xmlns:p14="http://schemas.microsoft.com/office/powerpoint/2010/main" val="2550556057"/>
-      </p:ext>
-    </p:extLst>
-  </p:cSld>
-  <p:clrMapOvr>
-    <a:masterClrMapping/>
-  </p:clrMapOvr>
-</p:sld>
-</file>
-
-<file path=ppt/slides/slide17.xml><?xml version="1.0" encoding="utf-8"?>
-<p:sld xmlns:a="http://schemas.openxmlformats.org/drawingml/2006/main" xmlns:r="http://schemas.openxmlformats.org/officeDocument/2006/relationships" xmlns:p="http://schemas.openxmlformats.org/presentationml/2006/main">
-  <p:cSld>
-    <p:spTree>
-      <p:nvGrpSpPr>
-        <p:cNvPr id="1" name=""/>
-        <p:cNvGrpSpPr/>
-        <p:nvPr/>
-      </p:nvGrpSpPr>
-      <p:grpSpPr>
-        <a:xfrm>
-          <a:off x="0" y="0"/>
-          <a:ext cx="0" cy="0"/>
-          <a:chOff x="0" y="0"/>
-          <a:chExt cx="0" cy="0"/>
-        </a:xfrm>
-      </p:grpSpPr>
-      <p:sp>
-        <p:nvSpPr>
-          <p:cNvPr id="4" name="Rectangle 3">
-            <a:extLst>
-              <a:ext uri="{FF2B5EF4-FFF2-40B4-BE49-F238E27FC236}">
-                <a16:creationId xmlns:a16="http://schemas.microsoft.com/office/drawing/2014/main" id="{F53F8E4C-256F-4DB0-B8F6-339C7AC3DA8E}"/>
-              </a:ext>
-            </a:extLst>
-          </p:cNvPr>
-          <p:cNvSpPr/>
-          <p:nvPr/>
-        </p:nvSpPr>
-        <p:spPr>
-          <a:xfrm>
-            <a:off x="0" y="0"/>
-            <a:ext cx="12192000" cy="6858000"/>
-          </a:xfrm>
-          <a:prstGeom prst="rect">
-            <a:avLst/>
-          </a:prstGeom>
-          <a:solidFill>
-            <a:schemeClr val="tx1">
-              <a:lumMod val="95000"/>
-              <a:lumOff val="5000"/>
-            </a:schemeClr>
-          </a:solidFill>
-          <a:ln>
-            <a:noFill/>
-          </a:ln>
-        </p:spPr>
-        <p:style>
-          <a:lnRef idx="2">
-            <a:schemeClr val="accent1">
-              <a:shade val="50000"/>
-            </a:schemeClr>
-          </a:lnRef>
-          <a:fillRef idx="1">
-            <a:schemeClr val="accent1"/>
-          </a:fillRef>
-          <a:effectRef idx="0">
-            <a:schemeClr val="accent1"/>
-          </a:effectRef>
-          <a:fontRef idx="minor">
-            <a:schemeClr val="lt1"/>
-          </a:fontRef>
-        </p:style>
-        <p:txBody>
-          <a:bodyPr rtlCol="0" anchor="t"/>
-          <a:lstStyle/>
-          <a:p>
-            <a:endParaRPr lang="fr-FR" sz="3000" dirty="0">
-              <a:solidFill>
-                <a:srgbClr val="FF5600"/>
-              </a:solidFill>
-              <a:latin typeface="Pixel Operator 8" panose="02000503000000000000" pitchFamily="2" charset="0"/>
-            </a:endParaRPr>
-          </a:p>
-        </p:txBody>
-      </p:sp>
-      <p:sp>
-        <p:nvSpPr>
-          <p:cNvPr id="5" name="Forme libre : forme 4">
-            <a:extLst>
-              <a:ext uri="{FF2B5EF4-FFF2-40B4-BE49-F238E27FC236}">
-                <a16:creationId xmlns:a16="http://schemas.microsoft.com/office/drawing/2014/main" id="{EBDC686D-0533-444E-8A7D-5FBAFE799BF2}"/>
-              </a:ext>
-            </a:extLst>
-          </p:cNvPr>
-          <p:cNvSpPr/>
-          <p:nvPr/>
-        </p:nvSpPr>
-        <p:spPr>
-          <a:xfrm>
-            <a:off x="9020273" y="-1819451"/>
-            <a:ext cx="5354683" cy="9859672"/>
-          </a:xfrm>
-          <a:custGeom>
-            <a:avLst/>
-            <a:gdLst>
-              <a:gd name="connsiteX0" fmla="*/ 771427 w 5354683"/>
-              <a:gd name="connsiteY0" fmla="*/ 371651 h 9859672"/>
-              <a:gd name="connsiteX1" fmla="*/ 1285777 w 5354683"/>
-              <a:gd name="connsiteY1" fmla="*/ 1038401 h 9859672"/>
-              <a:gd name="connsiteX2" fmla="*/ 2714527 w 5354683"/>
-              <a:gd name="connsiteY2" fmla="*/ 3057701 h 9859672"/>
-              <a:gd name="connsiteX3" fmla="*/ 2466877 w 5354683"/>
-              <a:gd name="connsiteY3" fmla="*/ 6639101 h 9859672"/>
-              <a:gd name="connsiteX4" fmla="*/ 66577 w 5354683"/>
-              <a:gd name="connsiteY4" fmla="*/ 9649001 h 9859672"/>
-              <a:gd name="connsiteX5" fmla="*/ 619027 w 5354683"/>
-              <a:gd name="connsiteY5" fmla="*/ 9610901 h 9859672"/>
-              <a:gd name="connsiteX6" fmla="*/ 5133877 w 5354683"/>
-              <a:gd name="connsiteY6" fmla="*/ 8944151 h 9859672"/>
-              <a:gd name="connsiteX7" fmla="*/ 4257577 w 5354683"/>
-              <a:gd name="connsiteY7" fmla="*/ 771701 h 9859672"/>
-              <a:gd name="connsiteX8" fmla="*/ 771427 w 5354683"/>
-              <a:gd name="connsiteY8" fmla="*/ 371651 h 9859672"/>
-            </a:gdLst>
-            <a:ahLst/>
-            <a:cxnLst>
-              <a:cxn ang="0">
-                <a:pos x="connsiteX0" y="connsiteY0"/>
-              </a:cxn>
-              <a:cxn ang="0">
-                <a:pos x="connsiteX1" y="connsiteY1"/>
-              </a:cxn>
-              <a:cxn ang="0">
-                <a:pos x="connsiteX2" y="connsiteY2"/>
-              </a:cxn>
-              <a:cxn ang="0">
-                <a:pos x="connsiteX3" y="connsiteY3"/>
-              </a:cxn>
-              <a:cxn ang="0">
-                <a:pos x="connsiteX4" y="connsiteY4"/>
-              </a:cxn>
-              <a:cxn ang="0">
-                <a:pos x="connsiteX5" y="connsiteY5"/>
-              </a:cxn>
-              <a:cxn ang="0">
-                <a:pos x="connsiteX6" y="connsiteY6"/>
-              </a:cxn>
-              <a:cxn ang="0">
-                <a:pos x="connsiteX7" y="connsiteY7"/>
-              </a:cxn>
-              <a:cxn ang="0">
-                <a:pos x="connsiteX8" y="connsiteY8"/>
-              </a:cxn>
-            </a:cxnLst>
-            <a:rect l="l" t="t" r="r" b="b"/>
-            <a:pathLst>
-              <a:path w="5354683" h="9859672">
-                <a:moveTo>
-                  <a:pt x="771427" y="371651"/>
-                </a:moveTo>
-                <a:cubicBezTo>
-                  <a:pt x="276127" y="416101"/>
-                  <a:pt x="961927" y="590726"/>
-                  <a:pt x="1285777" y="1038401"/>
-                </a:cubicBezTo>
-                <a:cubicBezTo>
-                  <a:pt x="1609627" y="1486076"/>
-                  <a:pt x="2517677" y="2124251"/>
-                  <a:pt x="2714527" y="3057701"/>
-                </a:cubicBezTo>
-                <a:cubicBezTo>
-                  <a:pt x="2911377" y="3991151"/>
-                  <a:pt x="2908202" y="5540551"/>
-                  <a:pt x="2466877" y="6639101"/>
-                </a:cubicBezTo>
-                <a:cubicBezTo>
-                  <a:pt x="2025552" y="7737651"/>
-                  <a:pt x="374552" y="9153701"/>
-                  <a:pt x="66577" y="9649001"/>
-                </a:cubicBezTo>
-                <a:cubicBezTo>
-                  <a:pt x="-241398" y="10144301"/>
-                  <a:pt x="619027" y="9610901"/>
-                  <a:pt x="619027" y="9610901"/>
-                </a:cubicBezTo>
-                <a:cubicBezTo>
-                  <a:pt x="1463577" y="9493426"/>
-                  <a:pt x="4527452" y="10417351"/>
-                  <a:pt x="5133877" y="8944151"/>
-                </a:cubicBezTo>
-                <a:cubicBezTo>
-                  <a:pt x="5740302" y="7470951"/>
-                  <a:pt x="4981477" y="2200451"/>
-                  <a:pt x="4257577" y="771701"/>
-                </a:cubicBezTo>
-                <a:cubicBezTo>
-                  <a:pt x="3533677" y="-657049"/>
-                  <a:pt x="1266727" y="327201"/>
-                  <a:pt x="771427" y="371651"/>
-                </a:cubicBezTo>
-                <a:close/>
-              </a:path>
-            </a:pathLst>
-          </a:custGeom>
-          <a:solidFill>
-            <a:schemeClr val="tx1">
-              <a:lumMod val="85000"/>
-              <a:lumOff val="15000"/>
-            </a:schemeClr>
-          </a:solidFill>
-          <a:ln>
-            <a:noFill/>
-          </a:ln>
-        </p:spPr>
-        <p:style>
-          <a:lnRef idx="2">
-            <a:schemeClr val="accent1">
-              <a:shade val="50000"/>
-            </a:schemeClr>
-          </a:lnRef>
-          <a:fillRef idx="1">
-            <a:schemeClr val="accent1"/>
-          </a:fillRef>
-          <a:effectRef idx="0">
-            <a:schemeClr val="accent1"/>
-          </a:effectRef>
-          <a:fontRef idx="minor">
-            <a:schemeClr val="lt1"/>
-          </a:fontRef>
-        </p:style>
-        <p:txBody>
-          <a:bodyPr rtlCol="0" anchor="ctr"/>
-          <a:lstStyle/>
-          <a:p>
-            <a:pPr algn="ctr"/>
-            <a:endParaRPr lang="fr-FR"/>
-          </a:p>
-        </p:txBody>
-      </p:sp>
-      <p:sp>
-        <p:nvSpPr>
-          <p:cNvPr id="6" name="ZoneTexte 5">
-            <a:extLst>
-              <a:ext uri="{FF2B5EF4-FFF2-40B4-BE49-F238E27FC236}">
-                <a16:creationId xmlns:a16="http://schemas.microsoft.com/office/drawing/2014/main" id="{D515D0BD-6768-41D0-BAEC-364C2869C9F0}"/>
-              </a:ext>
-            </a:extLst>
-          </p:cNvPr>
-          <p:cNvSpPr txBox="1"/>
-          <p:nvPr/>
-        </p:nvSpPr>
-        <p:spPr>
-          <a:xfrm>
-            <a:off x="419100" y="476250"/>
-            <a:ext cx="10572750" cy="553998"/>
-          </a:xfrm>
-          <a:prstGeom prst="rect">
-            <a:avLst/>
-          </a:prstGeom>
-          <a:noFill/>
-        </p:spPr>
-        <p:txBody>
-          <a:bodyPr wrap="square" rtlCol="0">
-            <a:spAutoFit/>
-          </a:bodyPr>
-          <a:lstStyle/>
-          <a:p>
-            <a:r>
-              <a:rPr lang="fr-FR" sz="3000" dirty="0" err="1">
-                <a:solidFill>
-                  <a:srgbClr val="FF5600"/>
-                </a:solidFill>
-                <a:latin typeface="Pixel Operator 8" panose="02000503000000000000" pitchFamily="2" charset="0"/>
-              </a:rPr>
-              <a:t>Title</a:t>
-            </a:r>
-            <a:endParaRPr lang="fr-FR" sz="3000" dirty="0">
-              <a:solidFill>
-                <a:srgbClr val="FF5600"/>
-              </a:solidFill>
-              <a:latin typeface="Pixel Operator 8" panose="02000503000000000000" pitchFamily="2" charset="0"/>
-            </a:endParaRPr>
-          </a:p>
-        </p:txBody>
-      </p:sp>
-      <p:sp>
-        <p:nvSpPr>
-          <p:cNvPr id="7" name="ZoneTexte 6">
-            <a:extLst>
-              <a:ext uri="{FF2B5EF4-FFF2-40B4-BE49-F238E27FC236}">
-                <a16:creationId xmlns:a16="http://schemas.microsoft.com/office/drawing/2014/main" id="{4E2492FB-EB16-46E2-B522-5880DD9A6CAC}"/>
-              </a:ext>
-            </a:extLst>
-          </p:cNvPr>
-          <p:cNvSpPr txBox="1"/>
-          <p:nvPr/>
-        </p:nvSpPr>
-        <p:spPr>
-          <a:xfrm>
-            <a:off x="457200" y="1676400"/>
-            <a:ext cx="10591800" cy="677108"/>
-          </a:xfrm>
-          <a:prstGeom prst="rect">
-            <a:avLst/>
-          </a:prstGeom>
-          <a:noFill/>
-        </p:spPr>
-        <p:txBody>
-          <a:bodyPr wrap="square" rtlCol="0">
-            <a:spAutoFit/>
-          </a:bodyPr>
-          <a:lstStyle/>
-          <a:p>
-            <a:r>
-              <a:rPr lang="fr-FR" sz="2000" dirty="0">
-                <a:solidFill>
-                  <a:srgbClr val="EA7235"/>
-                </a:solidFill>
-                <a:latin typeface="Pixel Operator" panose="02000503000000000000" pitchFamily="2" charset="0"/>
+              <a:rPr lang="fr-FR" sz="2000" spc="300" dirty="0">
+                <a:latin typeface="Arial" panose="020B0604020202020204" pitchFamily="34" charset="0"/>
+                <a:cs typeface="Arial" panose="020B0604020202020204" pitchFamily="34" charset="0"/>
               </a:rPr>
               <a:t>TEXT</a:t>
             </a:r>
@@ -6367,10 +6701,10 @@
       </p:grpSpPr>
       <p:sp>
         <p:nvSpPr>
-          <p:cNvPr id="4" name="Rectangle 3">
-            <a:extLst>
-              <a:ext uri="{FF2B5EF4-FFF2-40B4-BE49-F238E27FC236}">
-                <a16:creationId xmlns:a16="http://schemas.microsoft.com/office/drawing/2014/main" id="{F53F8E4C-256F-4DB0-B8F6-339C7AC3DA8E}"/>
+          <p:cNvPr id="8" name="Rectangle 7">
+            <a:extLst>
+              <a:ext uri="{FF2B5EF4-FFF2-40B4-BE49-F238E27FC236}">
+                <a16:creationId xmlns:a16="http://schemas.microsoft.com/office/drawing/2014/main" id="{928863A6-64D3-4423-A1DF-77507F9D09BF}"/>
               </a:ext>
             </a:extLst>
           </p:cNvPr>
@@ -6379,17 +6713,14 @@
         </p:nvSpPr>
         <p:spPr>
           <a:xfrm>
-            <a:off x="0" y="-1"/>
+            <a:off x="0" y="0"/>
             <a:ext cx="12192000" cy="6858000"/>
           </a:xfrm>
           <a:prstGeom prst="rect">
             <a:avLst/>
           </a:prstGeom>
           <a:solidFill>
-            <a:schemeClr val="tx1">
-              <a:lumMod val="95000"/>
-              <a:lumOff val="5000"/>
-            </a:schemeClr>
+            <a:schemeClr val="bg1"/>
           </a:solidFill>
           <a:ln>
             <a:noFill/>
@@ -6412,9 +6743,10 @@
           </a:fontRef>
         </p:style>
         <p:txBody>
-          <a:bodyPr rtlCol="0" anchor="t"/>
-          <a:lstStyle/>
-          <a:p>
+          <a:bodyPr rtlCol="0" anchor="ctr"/>
+          <a:lstStyle/>
+          <a:p>
+            <a:pPr algn="ctr"/>
             <a:endParaRPr lang="fr-FR" sz="3000" dirty="0">
               <a:solidFill>
                 <a:srgbClr val="FF5600"/>
@@ -6426,10 +6758,10 @@
       </p:sp>
       <p:sp>
         <p:nvSpPr>
-          <p:cNvPr id="5" name="Forme libre : forme 4">
-            <a:extLst>
-              <a:ext uri="{FF2B5EF4-FFF2-40B4-BE49-F238E27FC236}">
-                <a16:creationId xmlns:a16="http://schemas.microsoft.com/office/drawing/2014/main" id="{EBDC686D-0533-444E-8A7D-5FBAFE799BF2}"/>
+          <p:cNvPr id="9" name="Forme libre : forme 8">
+            <a:extLst>
+              <a:ext uri="{FF2B5EF4-FFF2-40B4-BE49-F238E27FC236}">
+                <a16:creationId xmlns:a16="http://schemas.microsoft.com/office/drawing/2014/main" id="{15C28749-AF28-4A1E-9F8A-0BA30A3CA573}"/>
               </a:ext>
             </a:extLst>
           </p:cNvPr>
@@ -6544,9 +6876,8 @@
             </a:pathLst>
           </a:custGeom>
           <a:solidFill>
-            <a:schemeClr val="tx1">
-              <a:lumMod val="85000"/>
-              <a:lumOff val="15000"/>
+            <a:schemeClr val="bg1">
+              <a:lumMod val="75000"/>
             </a:schemeClr>
           </a:solidFill>
           <a:ln>
@@ -6607,11 +6938,9 @@
           <a:lstStyle/>
           <a:p>
             <a:r>
-              <a:rPr lang="fr-FR" sz="3000" dirty="0">
-                <a:solidFill>
-                  <a:srgbClr val="FF5600"/>
-                </a:solidFill>
-                <a:latin typeface="Pixel Operator 8" panose="02000503000000000000" pitchFamily="2" charset="0"/>
+              <a:rPr lang="fr-FR" sz="3000" b="1" spc="300" dirty="0">
+                <a:latin typeface="Arial" panose="020B0604020202020204" pitchFamily="34" charset="0"/>
+                <a:cs typeface="Arial" panose="020B0604020202020204" pitchFamily="34" charset="0"/>
               </a:rPr>
               <a:t>OBJECTIF</a:t>
             </a:r>
@@ -6633,7 +6962,7 @@
         <p:spPr>
           <a:xfrm>
             <a:off x="400050" y="2849698"/>
-            <a:ext cx="10591800" cy="1908215"/>
+            <a:ext cx="10591800" cy="2554545"/>
           </a:xfrm>
           <a:prstGeom prst="rect">
             <a:avLst/>
@@ -6651,21 +6980,31 @@
               <a:buChar char="•"/>
             </a:pPr>
             <a:r>
-              <a:rPr lang="fr-FR" sz="2000" dirty="0">
-                <a:solidFill>
-                  <a:srgbClr val="EA7235"/>
-                </a:solidFill>
-                <a:latin typeface="Pixel Operator" panose="02000503000000000000" pitchFamily="2" charset="0"/>
+              <a:rPr lang="fr-FR" sz="2000" spc="300" dirty="0">
+                <a:latin typeface="Arial" panose="020B0604020202020204" pitchFamily="34" charset="0"/>
+                <a:cs typeface="Arial" panose="020B0604020202020204" pitchFamily="34" charset="0"/>
               </a:rPr>
-              <a:t>Présenter les articles répertorier a l’adresse: https://promo-68.codeur.online/blog/</a:t>
-            </a:r>
-          </a:p>
-          <a:p>
-            <a:endParaRPr lang="fr-FR" sz="2000" dirty="0">
-              <a:solidFill>
-                <a:srgbClr val="EA7235"/>
-              </a:solidFill>
-              <a:latin typeface="Pixel Operator" panose="02000503000000000000" pitchFamily="2" charset="0"/>
+              <a:t>Présenter les articles répertorier a l’adresse: https://promo-68.codeur.online/blog/. Il doit contenir des informations textuelles, des illustrations et photographies et des graphiques de type « </a:t>
+            </a:r>
+            <a:r>
+              <a:rPr lang="fr-FR" sz="2000" i="1" spc="300" dirty="0">
+                <a:latin typeface="Arial" panose="020B0604020202020204" pitchFamily="34" charset="0"/>
+                <a:cs typeface="Arial" panose="020B0604020202020204" pitchFamily="34" charset="0"/>
+              </a:rPr>
+              <a:t>dataviz </a:t>
+            </a:r>
+            <a:r>
+              <a:rPr lang="fr-FR" sz="2000" spc="300" dirty="0">
+                <a:latin typeface="Arial" panose="020B0604020202020204" pitchFamily="34" charset="0"/>
+                <a:cs typeface="Arial" panose="020B0604020202020204" pitchFamily="34" charset="0"/>
+              </a:rPr>
+              <a:t>».</a:t>
+            </a:r>
+          </a:p>
+          <a:p>
+            <a:endParaRPr lang="fr-FR" sz="2000" spc="300" dirty="0">
+              <a:latin typeface="Arial" panose="020B0604020202020204" pitchFamily="34" charset="0"/>
+              <a:cs typeface="Arial" panose="020B0604020202020204" pitchFamily="34" charset="0"/>
             </a:endParaRPr>
           </a:p>
           <a:p>
@@ -6674,11 +7013,9 @@
               <a:buChar char="•"/>
             </a:pPr>
             <a:r>
-              <a:rPr lang="fr-FR" sz="2000" dirty="0">
-                <a:solidFill>
-                  <a:srgbClr val="EA7235"/>
-                </a:solidFill>
-                <a:latin typeface="Pixel Operator" panose="02000503000000000000" pitchFamily="2" charset="0"/>
+              <a:rPr lang="fr-FR" sz="2000" spc="300" dirty="0">
+                <a:latin typeface="Arial" panose="020B0604020202020204" pitchFamily="34" charset="0"/>
+                <a:cs typeface="Arial" panose="020B0604020202020204" pitchFamily="34" charset="0"/>
               </a:rPr>
               <a:t>Présentation accessible:</a:t>
             </a:r>
@@ -6689,11 +7026,9 @@
               <a:buChar char="•"/>
             </a:pPr>
             <a:r>
-              <a:rPr lang="fr-FR" sz="2000" dirty="0">
-                <a:solidFill>
-                  <a:srgbClr val="EA7235"/>
-                </a:solidFill>
-                <a:latin typeface="Pixel Operator" panose="02000503000000000000" pitchFamily="2" charset="0"/>
+              <a:rPr lang="fr-FR" sz="2000" spc="300" dirty="0">
+                <a:latin typeface="Arial" panose="020B0604020202020204" pitchFamily="34" charset="0"/>
+                <a:cs typeface="Arial" panose="020B0604020202020204" pitchFamily="34" charset="0"/>
               </a:rPr>
               <a:t>Police suffisamment grande</a:t>
             </a:r>
@@ -6704,25 +7039,15 @@
               <a:buChar char="•"/>
             </a:pPr>
             <a:r>
-              <a:rPr lang="fr-FR" sz="2000" dirty="0">
-                <a:solidFill>
-                  <a:srgbClr val="EA7235"/>
-                </a:solidFill>
-                <a:latin typeface="Pixel Operator" panose="02000503000000000000" pitchFamily="2" charset="0"/>
+              <a:rPr lang="fr-FR" sz="2000" spc="300" dirty="0">
+                <a:latin typeface="Arial" panose="020B0604020202020204" pitchFamily="34" charset="0"/>
+                <a:cs typeface="Arial" panose="020B0604020202020204" pitchFamily="34" charset="0"/>
               </a:rPr>
               <a:t>Suffisamment contrastée</a:t>
             </a:r>
-          </a:p>
-          <a:p>
-            <a:pPr marL="742950" lvl="1" indent="-285750">
-              <a:buFont typeface="Arial" panose="020B0604020202020204" pitchFamily="34" charset="0"/>
-              <a:buChar char="•"/>
-            </a:pPr>
-            <a:endParaRPr lang="fr-FR" dirty="0">
-              <a:solidFill>
-                <a:srgbClr val="EA7235"/>
-              </a:solidFill>
-              <a:latin typeface="Pixel Operator" panose="02000503000000000000" pitchFamily="2" charset="0"/>
+            <a:endParaRPr lang="fr-FR" spc="300" dirty="0">
+              <a:latin typeface="Arial" panose="020B0604020202020204" pitchFamily="34" charset="0"/>
+              <a:cs typeface="Arial" panose="020B0604020202020204" pitchFamily="34" charset="0"/>
             </a:endParaRPr>
           </a:p>
         </p:txBody>
@@ -6759,10 +7084,10 @@
       </p:grpSpPr>
       <p:sp>
         <p:nvSpPr>
-          <p:cNvPr id="4" name="Rectangle 3">
-            <a:extLst>
-              <a:ext uri="{FF2B5EF4-FFF2-40B4-BE49-F238E27FC236}">
-                <a16:creationId xmlns:a16="http://schemas.microsoft.com/office/drawing/2014/main" id="{F53F8E4C-256F-4DB0-B8F6-339C7AC3DA8E}"/>
+          <p:cNvPr id="8" name="Rectangle 7">
+            <a:extLst>
+              <a:ext uri="{FF2B5EF4-FFF2-40B4-BE49-F238E27FC236}">
+                <a16:creationId xmlns:a16="http://schemas.microsoft.com/office/drawing/2014/main" id="{F6AB2A8D-1C9E-47E8-954A-DD7675FDBF7B}"/>
               </a:ext>
             </a:extLst>
           </p:cNvPr>
@@ -6778,10 +7103,7 @@
             <a:avLst/>
           </a:prstGeom>
           <a:solidFill>
-            <a:schemeClr val="tx1">
-              <a:lumMod val="95000"/>
-              <a:lumOff val="5000"/>
-            </a:schemeClr>
+            <a:schemeClr val="bg1"/>
           </a:solidFill>
           <a:ln>
             <a:noFill/>
@@ -6804,9 +7126,10 @@
           </a:fontRef>
         </p:style>
         <p:txBody>
-          <a:bodyPr rtlCol="0" anchor="t"/>
-          <a:lstStyle/>
-          <a:p>
+          <a:bodyPr rtlCol="0" anchor="ctr"/>
+          <a:lstStyle/>
+          <a:p>
+            <a:pPr algn="ctr"/>
             <a:endParaRPr lang="fr-FR" sz="3000" dirty="0">
               <a:solidFill>
                 <a:srgbClr val="FF5600"/>
@@ -6818,10 +7141,10 @@
       </p:sp>
       <p:sp>
         <p:nvSpPr>
-          <p:cNvPr id="5" name="Forme libre : forme 4">
-            <a:extLst>
-              <a:ext uri="{FF2B5EF4-FFF2-40B4-BE49-F238E27FC236}">
-                <a16:creationId xmlns:a16="http://schemas.microsoft.com/office/drawing/2014/main" id="{EBDC686D-0533-444E-8A7D-5FBAFE799BF2}"/>
+          <p:cNvPr id="9" name="Forme libre : forme 8">
+            <a:extLst>
+              <a:ext uri="{FF2B5EF4-FFF2-40B4-BE49-F238E27FC236}">
+                <a16:creationId xmlns:a16="http://schemas.microsoft.com/office/drawing/2014/main" id="{A8B6BA81-89FC-4523-A78E-D2974C4E8A39}"/>
               </a:ext>
             </a:extLst>
           </p:cNvPr>
@@ -6936,9 +7259,8 @@
             </a:pathLst>
           </a:custGeom>
           <a:solidFill>
-            <a:schemeClr val="tx1">
-              <a:lumMod val="85000"/>
-              <a:lumOff val="15000"/>
+            <a:schemeClr val="bg1">
+              <a:lumMod val="75000"/>
             </a:schemeClr>
           </a:solidFill>
           <a:ln>
@@ -6999,11 +7321,9 @@
           <a:lstStyle/>
           <a:p>
             <a:r>
-              <a:rPr lang="fr-FR" sz="3000" dirty="0">
-                <a:solidFill>
-                  <a:srgbClr val="FF5600"/>
-                </a:solidFill>
-                <a:latin typeface="Pixel Operator 8" panose="02000503000000000000" pitchFamily="2" charset="0"/>
+              <a:rPr lang="fr-FR" sz="3000" b="1" spc="300" dirty="0">
+                <a:latin typeface="Arial" panose="020B0604020202020204" pitchFamily="34" charset="0"/>
+                <a:cs typeface="Arial" panose="020B0604020202020204" pitchFamily="34" charset="0"/>
               </a:rPr>
               <a:t>Contexte</a:t>
             </a:r>
@@ -7039,11 +7359,9 @@
           <a:lstStyle/>
           <a:p>
             <a:r>
-              <a:rPr lang="fr-FR" sz="2000" dirty="0">
-                <a:solidFill>
-                  <a:srgbClr val="EA7235"/>
-                </a:solidFill>
-                <a:latin typeface="Pixel Operator" panose="02000503000000000000" pitchFamily="2" charset="0"/>
+              <a:rPr lang="fr-FR" sz="2000" spc="300" dirty="0">
+                <a:latin typeface="Arial" panose="020B0604020202020204" pitchFamily="34" charset="0"/>
+                <a:cs typeface="Arial" panose="020B0604020202020204" pitchFamily="34" charset="0"/>
               </a:rPr>
               <a:t>TEXT</a:t>
             </a:r>
@@ -7094,10 +7412,10 @@
       </p:grpSpPr>
       <p:sp>
         <p:nvSpPr>
-          <p:cNvPr id="4" name="Rectangle 3">
-            <a:extLst>
-              <a:ext uri="{FF2B5EF4-FFF2-40B4-BE49-F238E27FC236}">
-                <a16:creationId xmlns:a16="http://schemas.microsoft.com/office/drawing/2014/main" id="{F53F8E4C-256F-4DB0-B8F6-339C7AC3DA8E}"/>
+          <p:cNvPr id="8" name="Rectangle 7">
+            <a:extLst>
+              <a:ext uri="{FF2B5EF4-FFF2-40B4-BE49-F238E27FC236}">
+                <a16:creationId xmlns:a16="http://schemas.microsoft.com/office/drawing/2014/main" id="{B4DC7100-2776-47D6-8868-D52F46DEA794}"/>
               </a:ext>
             </a:extLst>
           </p:cNvPr>
@@ -7113,10 +7431,7 @@
             <a:avLst/>
           </a:prstGeom>
           <a:solidFill>
-            <a:schemeClr val="tx1">
-              <a:lumMod val="95000"/>
-              <a:lumOff val="5000"/>
-            </a:schemeClr>
+            <a:schemeClr val="bg1"/>
           </a:solidFill>
           <a:ln>
             <a:noFill/>
@@ -7139,9 +7454,10 @@
           </a:fontRef>
         </p:style>
         <p:txBody>
-          <a:bodyPr rtlCol="0" anchor="t"/>
-          <a:lstStyle/>
-          <a:p>
+          <a:bodyPr rtlCol="0" anchor="ctr"/>
+          <a:lstStyle/>
+          <a:p>
+            <a:pPr algn="ctr"/>
             <a:endParaRPr lang="fr-FR" sz="3000" dirty="0">
               <a:solidFill>
                 <a:srgbClr val="FF5600"/>
@@ -7153,10 +7469,10 @@
       </p:sp>
       <p:sp>
         <p:nvSpPr>
-          <p:cNvPr id="5" name="Forme libre : forme 4">
-            <a:extLst>
-              <a:ext uri="{FF2B5EF4-FFF2-40B4-BE49-F238E27FC236}">
-                <a16:creationId xmlns:a16="http://schemas.microsoft.com/office/drawing/2014/main" id="{EBDC686D-0533-444E-8A7D-5FBAFE799BF2}"/>
+          <p:cNvPr id="9" name="Forme libre : forme 8">
+            <a:extLst>
+              <a:ext uri="{FF2B5EF4-FFF2-40B4-BE49-F238E27FC236}">
+                <a16:creationId xmlns:a16="http://schemas.microsoft.com/office/drawing/2014/main" id="{2B081DDA-2713-46C2-9ED3-80E22C252B6D}"/>
               </a:ext>
             </a:extLst>
           </p:cNvPr>
@@ -7271,9 +7587,8 @@
             </a:pathLst>
           </a:custGeom>
           <a:solidFill>
-            <a:schemeClr val="tx1">
-              <a:lumMod val="85000"/>
-              <a:lumOff val="15000"/>
+            <a:schemeClr val="bg1">
+              <a:lumMod val="75000"/>
             </a:schemeClr>
           </a:solidFill>
           <a:ln>
@@ -7334,11 +7649,9 @@
           <a:lstStyle/>
           <a:p>
             <a:r>
-              <a:rPr lang="fr-FR" sz="3000" dirty="0">
-                <a:solidFill>
-                  <a:srgbClr val="FF5600"/>
-                </a:solidFill>
-                <a:latin typeface="Pixel Operator 8" panose="02000503000000000000" pitchFamily="2" charset="0"/>
+              <a:rPr lang="fr-FR" sz="3000" b="1" spc="300" dirty="0">
+                <a:latin typeface="Arial" panose="020B0604020202020204" pitchFamily="34" charset="0"/>
+                <a:cs typeface="Arial" panose="020B0604020202020204" pitchFamily="34" charset="0"/>
               </a:rPr>
               <a:t>Équipe et répartition des tâches</a:t>
             </a:r>
@@ -7360,7 +7673,7 @@
         <p:spPr>
           <a:xfrm>
             <a:off x="457200" y="1676400"/>
-            <a:ext cx="10591800" cy="3785652"/>
+            <a:ext cx="10591800" cy="4093428"/>
           </a:xfrm>
           <a:prstGeom prst="rect">
             <a:avLst/>
@@ -7378,11 +7691,9 @@
               <a:buChar char="•"/>
             </a:pPr>
             <a:r>
-              <a:rPr lang="fr-FR" sz="2000" dirty="0">
-                <a:solidFill>
-                  <a:srgbClr val="EA7235"/>
-                </a:solidFill>
-                <a:latin typeface="Pixel Operator" panose="02000503000000000000" pitchFamily="2" charset="0"/>
+              <a:rPr lang="fr-FR" sz="2000" b="1" spc="300" dirty="0">
+                <a:latin typeface="Arial" panose="020B0604020202020204" pitchFamily="34" charset="0"/>
+                <a:cs typeface="Arial" panose="020B0604020202020204" pitchFamily="34" charset="0"/>
               </a:rPr>
               <a:t>Adrien RAYMOND </a:t>
             </a:r>
@@ -7393,11 +7704,9 @@
               <a:buChar char="•"/>
             </a:pPr>
             <a:r>
-              <a:rPr lang="fr-FR" sz="2000" dirty="0">
-                <a:solidFill>
-                  <a:srgbClr val="EA7235"/>
-                </a:solidFill>
-                <a:latin typeface="Pixel Operator" panose="02000503000000000000" pitchFamily="2" charset="0"/>
+              <a:rPr lang="fr-FR" sz="2000" spc="300" dirty="0">
+                <a:latin typeface="Arial" panose="020B0604020202020204" pitchFamily="34" charset="0"/>
+                <a:cs typeface="Arial" panose="020B0604020202020204" pitchFamily="34" charset="0"/>
               </a:rPr>
               <a:t>Gestion de GitHub</a:t>
             </a:r>
@@ -7408,11 +7717,9 @@
               <a:buChar char="•"/>
             </a:pPr>
             <a:r>
-              <a:rPr lang="fr-FR" sz="2000" dirty="0">
-                <a:solidFill>
-                  <a:srgbClr val="EA7235"/>
-                </a:solidFill>
-                <a:latin typeface="Pixel Operator" panose="02000503000000000000" pitchFamily="2" charset="0"/>
+              <a:rPr lang="fr-FR" sz="2000" spc="300" dirty="0">
+                <a:latin typeface="Arial" panose="020B0604020202020204" pitchFamily="34" charset="0"/>
+                <a:cs typeface="Arial" panose="020B0604020202020204" pitchFamily="34" charset="0"/>
               </a:rPr>
               <a:t>Création du logo</a:t>
             </a:r>
@@ -7423,20 +7730,16 @@
               <a:buChar char="•"/>
             </a:pPr>
             <a:r>
-              <a:rPr lang="fr-FR" sz="2000" dirty="0" err="1">
-                <a:solidFill>
-                  <a:srgbClr val="EA7235"/>
-                </a:solidFill>
-                <a:latin typeface="Pixel Operator" panose="02000503000000000000" pitchFamily="2" charset="0"/>
+              <a:rPr lang="fr-FR" sz="2000" spc="300" dirty="0" err="1">
+                <a:latin typeface="Arial" panose="020B0604020202020204" pitchFamily="34" charset="0"/>
+                <a:cs typeface="Arial" panose="020B0604020202020204" pitchFamily="34" charset="0"/>
               </a:rPr>
               <a:t>Mockup</a:t>
             </a:r>
             <a:r>
-              <a:rPr lang="fr-FR" sz="2000" dirty="0">
-                <a:solidFill>
-                  <a:srgbClr val="EA7235"/>
-                </a:solidFill>
-                <a:latin typeface="Pixel Operator" panose="02000503000000000000" pitchFamily="2" charset="0"/>
+              <a:rPr lang="fr-FR" sz="2000" spc="300" dirty="0">
+                <a:latin typeface="Arial" panose="020B0604020202020204" pitchFamily="34" charset="0"/>
+                <a:cs typeface="Arial" panose="020B0604020202020204" pitchFamily="34" charset="0"/>
               </a:rPr>
               <a:t> desktop</a:t>
             </a:r>
@@ -7447,11 +7750,9 @@
               <a:buChar char="•"/>
             </a:pPr>
             <a:r>
-              <a:rPr lang="fr-FR" sz="2000" dirty="0">
-                <a:solidFill>
-                  <a:srgbClr val="EA7235"/>
-                </a:solidFill>
-                <a:latin typeface="Pixel Operator" panose="02000503000000000000" pitchFamily="2" charset="0"/>
+              <a:rPr lang="fr-FR" sz="2000" spc="300" dirty="0">
+                <a:latin typeface="Arial" panose="020B0604020202020204" pitchFamily="34" charset="0"/>
+                <a:cs typeface="Arial" panose="020B0604020202020204" pitchFamily="34" charset="0"/>
               </a:rPr>
               <a:t>Mise en page et rédaction du dossier de conception</a:t>
             </a:r>
@@ -7462,11 +7763,9 @@
               <a:buChar char="•"/>
             </a:pPr>
             <a:r>
-              <a:rPr lang="fr-FR" sz="2000" dirty="0">
-                <a:solidFill>
-                  <a:srgbClr val="EA7235"/>
-                </a:solidFill>
-                <a:latin typeface="Pixel Operator" panose="02000503000000000000" pitchFamily="2" charset="0"/>
+              <a:rPr lang="fr-FR" sz="2000" spc="300" dirty="0">
+                <a:latin typeface="Arial" panose="020B0604020202020204" pitchFamily="34" charset="0"/>
+                <a:cs typeface="Arial" panose="020B0604020202020204" pitchFamily="34" charset="0"/>
               </a:rPr>
               <a:t>Création de l’arborescence et structure primaire en vue de l’intégration</a:t>
             </a:r>
@@ -7476,11 +7775,9 @@
               <a:buFont typeface="Arial" panose="020B0604020202020204" pitchFamily="34" charset="0"/>
               <a:buChar char="•"/>
             </a:pPr>
-            <a:endParaRPr lang="fr-FR" sz="2000" dirty="0">
-              <a:solidFill>
-                <a:srgbClr val="EA7235"/>
-              </a:solidFill>
-              <a:latin typeface="Pixel Operator" panose="02000503000000000000" pitchFamily="2" charset="0"/>
+            <a:endParaRPr lang="fr-FR" sz="2000" b="1" spc="300" dirty="0">
+              <a:latin typeface="Arial" panose="020B0604020202020204" pitchFamily="34" charset="0"/>
+              <a:cs typeface="Arial" panose="020B0604020202020204" pitchFamily="34" charset="0"/>
             </a:endParaRPr>
           </a:p>
           <a:p>
@@ -7489,11 +7786,9 @@
               <a:buChar char="•"/>
             </a:pPr>
             <a:r>
-              <a:rPr lang="fr-FR" sz="2000" dirty="0">
-                <a:solidFill>
-                  <a:srgbClr val="EA7235"/>
-                </a:solidFill>
-                <a:latin typeface="Pixel Operator" panose="02000503000000000000" pitchFamily="2" charset="0"/>
+              <a:rPr lang="fr-FR" sz="2000" b="1" spc="300" dirty="0">
+                <a:latin typeface="Arial" panose="020B0604020202020204" pitchFamily="34" charset="0"/>
+                <a:cs typeface="Arial" panose="020B0604020202020204" pitchFamily="34" charset="0"/>
               </a:rPr>
               <a:t>Etienne ZASTKO</a:t>
             </a:r>
@@ -7504,11 +7799,9 @@
               <a:buChar char="•"/>
             </a:pPr>
             <a:r>
-              <a:rPr lang="fr-FR" sz="2000" dirty="0">
-                <a:solidFill>
-                  <a:srgbClr val="EA7235"/>
-                </a:solidFill>
-                <a:latin typeface="Pixel Operator" panose="02000503000000000000" pitchFamily="2" charset="0"/>
+              <a:rPr lang="fr-FR" sz="2000" spc="300" dirty="0">
+                <a:latin typeface="Arial" panose="020B0604020202020204" pitchFamily="34" charset="0"/>
+                <a:cs typeface="Arial" panose="020B0604020202020204" pitchFamily="34" charset="0"/>
               </a:rPr>
               <a:t>Charte graphique</a:t>
             </a:r>
@@ -7519,11 +7812,9 @@
               <a:buChar char="•"/>
             </a:pPr>
             <a:r>
-              <a:rPr lang="fr-FR" sz="2000" dirty="0">
-                <a:solidFill>
-                  <a:srgbClr val="EA7235"/>
-                </a:solidFill>
-                <a:latin typeface="Pixel Operator" panose="02000503000000000000" pitchFamily="2" charset="0"/>
+              <a:rPr lang="fr-FR" sz="2000" spc="300" dirty="0">
+                <a:latin typeface="Arial" panose="020B0604020202020204" pitchFamily="34" charset="0"/>
+                <a:cs typeface="Arial" panose="020B0604020202020204" pitchFamily="34" charset="0"/>
               </a:rPr>
               <a:t>Wireframe desktop et mobile</a:t>
             </a:r>
@@ -7534,11 +7825,9 @@
               <a:buChar char="•"/>
             </a:pPr>
             <a:r>
-              <a:rPr lang="fr-FR" sz="2000" dirty="0">
-                <a:solidFill>
-                  <a:srgbClr val="EA7235"/>
-                </a:solidFill>
-                <a:latin typeface="Pixel Operator" panose="02000503000000000000" pitchFamily="2" charset="0"/>
+              <a:rPr lang="fr-FR" sz="2000" spc="300" dirty="0">
+                <a:latin typeface="Arial" panose="020B0604020202020204" pitchFamily="34" charset="0"/>
+                <a:cs typeface="Arial" panose="020B0604020202020204" pitchFamily="34" charset="0"/>
               </a:rPr>
               <a:t>Zoning desktop et mobile</a:t>
             </a:r>
@@ -7549,20 +7838,16 @@
               <a:buChar char="•"/>
             </a:pPr>
             <a:r>
-              <a:rPr lang="fr-FR" sz="2000" dirty="0" err="1">
-                <a:solidFill>
-                  <a:srgbClr val="EA7235"/>
-                </a:solidFill>
-                <a:latin typeface="Pixel Operator" panose="02000503000000000000" pitchFamily="2" charset="0"/>
+              <a:rPr lang="fr-FR" sz="2000" spc="300" dirty="0" err="1">
+                <a:latin typeface="Arial" panose="020B0604020202020204" pitchFamily="34" charset="0"/>
+                <a:cs typeface="Arial" panose="020B0604020202020204" pitchFamily="34" charset="0"/>
               </a:rPr>
               <a:t>Mockup</a:t>
             </a:r>
             <a:r>
-              <a:rPr lang="fr-FR" sz="2000" dirty="0">
-                <a:solidFill>
-                  <a:srgbClr val="EA7235"/>
-                </a:solidFill>
-                <a:latin typeface="Pixel Operator" panose="02000503000000000000" pitchFamily="2" charset="0"/>
+              <a:rPr lang="fr-FR" sz="2000" spc="300" dirty="0">
+                <a:latin typeface="Arial" panose="020B0604020202020204" pitchFamily="34" charset="0"/>
+                <a:cs typeface="Arial" panose="020B0604020202020204" pitchFamily="34" charset="0"/>
               </a:rPr>
               <a:t> mobile</a:t>
             </a:r>
@@ -7601,10 +7886,10 @@
       </p:grpSpPr>
       <p:sp>
         <p:nvSpPr>
-          <p:cNvPr id="4" name="Rectangle 3">
-            <a:extLst>
-              <a:ext uri="{FF2B5EF4-FFF2-40B4-BE49-F238E27FC236}">
-                <a16:creationId xmlns:a16="http://schemas.microsoft.com/office/drawing/2014/main" id="{F53F8E4C-256F-4DB0-B8F6-339C7AC3DA8E}"/>
+          <p:cNvPr id="8" name="Rectangle 7">
+            <a:extLst>
+              <a:ext uri="{FF2B5EF4-FFF2-40B4-BE49-F238E27FC236}">
+                <a16:creationId xmlns:a16="http://schemas.microsoft.com/office/drawing/2014/main" id="{FF323BF0-9B50-4B0E-9F90-0B29379CFD93}"/>
               </a:ext>
             </a:extLst>
           </p:cNvPr>
@@ -7620,10 +7905,7 @@
             <a:avLst/>
           </a:prstGeom>
           <a:solidFill>
-            <a:schemeClr val="tx1">
-              <a:lumMod val="95000"/>
-              <a:lumOff val="5000"/>
-            </a:schemeClr>
+            <a:schemeClr val="bg1"/>
           </a:solidFill>
           <a:ln>
             <a:noFill/>
@@ -7646,9 +7928,10 @@
           </a:fontRef>
         </p:style>
         <p:txBody>
-          <a:bodyPr rtlCol="0" anchor="t"/>
-          <a:lstStyle/>
-          <a:p>
+          <a:bodyPr rtlCol="0" anchor="ctr"/>
+          <a:lstStyle/>
+          <a:p>
+            <a:pPr algn="ctr"/>
             <a:endParaRPr lang="fr-FR" sz="3000" dirty="0">
               <a:solidFill>
                 <a:srgbClr val="FF5600"/>
@@ -7660,10 +7943,10 @@
       </p:sp>
       <p:sp>
         <p:nvSpPr>
-          <p:cNvPr id="5" name="Forme libre : forme 4">
-            <a:extLst>
-              <a:ext uri="{FF2B5EF4-FFF2-40B4-BE49-F238E27FC236}">
-                <a16:creationId xmlns:a16="http://schemas.microsoft.com/office/drawing/2014/main" id="{EBDC686D-0533-444E-8A7D-5FBAFE799BF2}"/>
+          <p:cNvPr id="9" name="Forme libre : forme 8">
+            <a:extLst>
+              <a:ext uri="{FF2B5EF4-FFF2-40B4-BE49-F238E27FC236}">
+                <a16:creationId xmlns:a16="http://schemas.microsoft.com/office/drawing/2014/main" id="{36A0E863-367F-412A-91C6-636F5FCCC77B}"/>
               </a:ext>
             </a:extLst>
           </p:cNvPr>
@@ -7778,9 +8061,8 @@
             </a:pathLst>
           </a:custGeom>
           <a:solidFill>
-            <a:schemeClr val="tx1">
-              <a:lumMod val="85000"/>
-              <a:lumOff val="15000"/>
+            <a:schemeClr val="bg1">
+              <a:lumMod val="75000"/>
             </a:schemeClr>
           </a:solidFill>
           <a:ln>
@@ -7841,11 +8123,9 @@
           <a:lstStyle/>
           <a:p>
             <a:r>
-              <a:rPr lang="fr-FR" sz="3000" dirty="0">
-                <a:solidFill>
-                  <a:srgbClr val="FF5600"/>
-                </a:solidFill>
-                <a:latin typeface="Pixel Operator 8" panose="02000503000000000000" pitchFamily="2" charset="0"/>
+              <a:rPr lang="fr-FR" sz="3000" b="1" spc="300" dirty="0">
+                <a:latin typeface="Arial" panose="020B0604020202020204" pitchFamily="34" charset="0"/>
+                <a:cs typeface="Arial" panose="020B0604020202020204" pitchFamily="34" charset="0"/>
               </a:rPr>
               <a:t>Publique cible</a:t>
             </a:r>
@@ -7867,7 +8147,7 @@
         <p:spPr>
           <a:xfrm>
             <a:off x="419100" y="2449589"/>
-            <a:ext cx="10591800" cy="400110"/>
+            <a:ext cx="10591800" cy="707886"/>
           </a:xfrm>
           <a:prstGeom prst="rect">
             <a:avLst/>
@@ -7881,31 +8161,48 @@
           <a:lstStyle/>
           <a:p>
             <a:r>
+              <a:rPr lang="fr-FR" sz="2000" spc="300" dirty="0">
+                <a:latin typeface="Arial" panose="020B0604020202020204" pitchFamily="34" charset="0"/>
+                <a:cs typeface="Arial" panose="020B0604020202020204" pitchFamily="34" charset="0"/>
+              </a:rPr>
+              <a:t>Le ciblage est essentiellement orienter vers les apprentis designer/</a:t>
+            </a:r>
+            <a:r>
+              <a:rPr lang="fr-FR" sz="2000" spc="300" dirty="0" err="1">
+                <a:latin typeface="Arial" panose="020B0604020202020204" pitchFamily="34" charset="0"/>
+                <a:cs typeface="Arial" panose="020B0604020202020204" pitchFamily="34" charset="0"/>
+              </a:rPr>
+              <a:t>devellopeurs</a:t>
+            </a:r>
+            <a:r>
+              <a:rPr lang="fr-FR" sz="2000" spc="300" dirty="0">
+                <a:latin typeface="Arial" panose="020B0604020202020204" pitchFamily="34" charset="0"/>
+                <a:cs typeface="Arial" panose="020B0604020202020204" pitchFamily="34" charset="0"/>
+              </a:rPr>
+              <a:t> web, en formation ou </a:t>
+            </a:r>
+            <a:r>
+              <a:rPr lang="fr-FR" sz="2000" spc="300" dirty="0" err="1">
+                <a:latin typeface="Arial" panose="020B0604020202020204" pitchFamily="34" charset="0"/>
+                <a:cs typeface="Arial" panose="020B0604020202020204" pitchFamily="34" charset="0"/>
+              </a:rPr>
+              <a:t>autodidacts</a:t>
+            </a:r>
+            <a:r>
+              <a:rPr lang="fr-FR" sz="2000" spc="300" dirty="0">
+                <a:latin typeface="Arial" panose="020B0604020202020204" pitchFamily="34" charset="0"/>
+                <a:cs typeface="Arial" panose="020B0604020202020204" pitchFamily="34" charset="0"/>
+              </a:rPr>
+              <a:t>.</a:t>
+            </a:r>
+            <a:r>
               <a:rPr lang="fr-FR" sz="2000" dirty="0">
                 <a:solidFill>
                   <a:srgbClr val="EA7235"/>
                 </a:solidFill>
                 <a:latin typeface="Pixel Operator" panose="02000503000000000000" pitchFamily="2" charset="0"/>
               </a:rPr>
-              <a:t>Le ciblage est </a:t>
-            </a:r>
-            <a:r>
-              <a:rPr lang="fr-FR" sz="2000" dirty="0" err="1">
-                <a:solidFill>
-                  <a:srgbClr val="EA7235"/>
-                </a:solidFill>
-                <a:latin typeface="Pixel Operator" panose="02000503000000000000" pitchFamily="2" charset="0"/>
-              </a:rPr>
-              <a:t>essenciellement</a:t>
-            </a:r>
-            <a:r>
-              <a:rPr lang="fr-FR" sz="2000" dirty="0">
-                <a:solidFill>
-                  <a:srgbClr val="EA7235"/>
-                </a:solidFill>
-                <a:latin typeface="Pixel Operator" panose="02000503000000000000" pitchFamily="2" charset="0"/>
-              </a:rPr>
-              <a:t> orienter vers monsieur Boris DEBOT.</a:t>
+              <a:t>.</a:t>
             </a:r>
           </a:p>
         </p:txBody>
@@ -7942,10 +8239,10 @@
       </p:grpSpPr>
       <p:sp>
         <p:nvSpPr>
-          <p:cNvPr id="4" name="Rectangle 3">
-            <a:extLst>
-              <a:ext uri="{FF2B5EF4-FFF2-40B4-BE49-F238E27FC236}">
-                <a16:creationId xmlns:a16="http://schemas.microsoft.com/office/drawing/2014/main" id="{F53F8E4C-256F-4DB0-B8F6-339C7AC3DA8E}"/>
+          <p:cNvPr id="8" name="Rectangle 7">
+            <a:extLst>
+              <a:ext uri="{FF2B5EF4-FFF2-40B4-BE49-F238E27FC236}">
+                <a16:creationId xmlns:a16="http://schemas.microsoft.com/office/drawing/2014/main" id="{41BC917D-451A-4785-AFFD-C320C6BB5973}"/>
               </a:ext>
             </a:extLst>
           </p:cNvPr>
@@ -7961,10 +8258,7 @@
             <a:avLst/>
           </a:prstGeom>
           <a:solidFill>
-            <a:schemeClr val="tx1">
-              <a:lumMod val="95000"/>
-              <a:lumOff val="5000"/>
-            </a:schemeClr>
+            <a:schemeClr val="bg1"/>
           </a:solidFill>
           <a:ln>
             <a:noFill/>
@@ -7987,9 +8281,10 @@
           </a:fontRef>
         </p:style>
         <p:txBody>
-          <a:bodyPr rtlCol="0" anchor="t"/>
-          <a:lstStyle/>
-          <a:p>
+          <a:bodyPr rtlCol="0" anchor="ctr"/>
+          <a:lstStyle/>
+          <a:p>
+            <a:pPr algn="ctr"/>
             <a:endParaRPr lang="fr-FR" sz="3000" dirty="0">
               <a:solidFill>
                 <a:srgbClr val="FF5600"/>
@@ -8001,10 +8296,10 @@
       </p:sp>
       <p:sp>
         <p:nvSpPr>
-          <p:cNvPr id="5" name="Forme libre : forme 4">
-            <a:extLst>
-              <a:ext uri="{FF2B5EF4-FFF2-40B4-BE49-F238E27FC236}">
-                <a16:creationId xmlns:a16="http://schemas.microsoft.com/office/drawing/2014/main" id="{EBDC686D-0533-444E-8A7D-5FBAFE799BF2}"/>
+          <p:cNvPr id="9" name="Forme libre : forme 8">
+            <a:extLst>
+              <a:ext uri="{FF2B5EF4-FFF2-40B4-BE49-F238E27FC236}">
+                <a16:creationId xmlns:a16="http://schemas.microsoft.com/office/drawing/2014/main" id="{762FB579-F488-43C3-BA4E-C2B7F230FB96}"/>
               </a:ext>
             </a:extLst>
           </p:cNvPr>
@@ -8119,9 +8414,8 @@
             </a:pathLst>
           </a:custGeom>
           <a:solidFill>
-            <a:schemeClr val="tx1">
-              <a:lumMod val="85000"/>
-              <a:lumOff val="15000"/>
+            <a:schemeClr val="bg1">
+              <a:lumMod val="75000"/>
             </a:schemeClr>
           </a:solidFill>
           <a:ln>
@@ -8182,11 +8476,9 @@
           <a:lstStyle/>
           <a:p>
             <a:r>
-              <a:rPr lang="fr-FR" sz="3000" dirty="0">
-                <a:solidFill>
-                  <a:srgbClr val="FF5600"/>
-                </a:solidFill>
-                <a:latin typeface="Pixel Operator 8" panose="02000503000000000000" pitchFamily="2" charset="0"/>
+              <a:rPr lang="fr-FR" sz="3000" b="1" spc="300" dirty="0">
+                <a:latin typeface="Arial" panose="020B0604020202020204" pitchFamily="34" charset="0"/>
+                <a:cs typeface="Arial" panose="020B0604020202020204" pitchFamily="34" charset="0"/>
               </a:rPr>
               <a:t>Support cible</a:t>
             </a:r>
@@ -8208,7 +8500,7 @@
         <p:spPr>
           <a:xfrm>
             <a:off x="457200" y="1676400"/>
-            <a:ext cx="10591800" cy="2246769"/>
+            <a:ext cx="10591800" cy="2554545"/>
           </a:xfrm>
           <a:prstGeom prst="rect">
             <a:avLst/>
@@ -8222,22 +8514,18 @@
           <a:lstStyle/>
           <a:p>
             <a:r>
-              <a:rPr lang="fr-FR" sz="2000" dirty="0">
-                <a:solidFill>
-                  <a:srgbClr val="EA7235"/>
-                </a:solidFill>
-                <a:latin typeface="Pixel Operator" panose="02000503000000000000" pitchFamily="2" charset="0"/>
+              <a:rPr lang="fr-FR" sz="2000" spc="300" dirty="0">
+                <a:latin typeface="Arial" panose="020B0604020202020204" pitchFamily="34" charset="0"/>
+                <a:cs typeface="Arial" panose="020B0604020202020204" pitchFamily="34" charset="0"/>
               </a:rPr>
               <a:t>Le site est a destination de tout types d’écrans:</a:t>
             </a:r>
           </a:p>
           <a:p>
             <a:r>
-              <a:rPr lang="fr-FR" sz="2000" dirty="0">
-                <a:solidFill>
-                  <a:srgbClr val="EA7235"/>
-                </a:solidFill>
-                <a:latin typeface="Pixel Operator" panose="02000503000000000000" pitchFamily="2" charset="0"/>
+              <a:rPr lang="fr-FR" sz="2000" spc="300" dirty="0">
+                <a:latin typeface="Arial" panose="020B0604020202020204" pitchFamily="34" charset="0"/>
+                <a:cs typeface="Arial" panose="020B0604020202020204" pitchFamily="34" charset="0"/>
               </a:rPr>
               <a:t> </a:t>
             </a:r>
@@ -8248,11 +8536,9 @@
               <a:buChar char="•"/>
             </a:pPr>
             <a:r>
-              <a:rPr lang="fr-FR" sz="2000" dirty="0">
-                <a:solidFill>
-                  <a:srgbClr val="EA7235"/>
-                </a:solidFill>
-                <a:latin typeface="Pixel Operator" panose="02000503000000000000" pitchFamily="2" charset="0"/>
+              <a:rPr lang="fr-FR" sz="2000" spc="300" dirty="0">
+                <a:latin typeface="Arial" panose="020B0604020202020204" pitchFamily="34" charset="0"/>
+                <a:cs typeface="Arial" panose="020B0604020202020204" pitchFamily="34" charset="0"/>
               </a:rPr>
               <a:t>Ordinateur</a:t>
             </a:r>
@@ -8263,11 +8549,9 @@
               <a:buChar char="•"/>
             </a:pPr>
             <a:r>
-              <a:rPr lang="fr-FR" sz="2000" dirty="0">
-                <a:solidFill>
-                  <a:srgbClr val="EA7235"/>
-                </a:solidFill>
-                <a:latin typeface="Pixel Operator" panose="02000503000000000000" pitchFamily="2" charset="0"/>
+              <a:rPr lang="fr-FR" sz="2000" spc="300" dirty="0">
+                <a:latin typeface="Arial" panose="020B0604020202020204" pitchFamily="34" charset="0"/>
+                <a:cs typeface="Arial" panose="020B0604020202020204" pitchFamily="34" charset="0"/>
               </a:rPr>
               <a:t>Tablettes</a:t>
             </a:r>
@@ -8278,11 +8562,9 @@
               <a:buChar char="•"/>
             </a:pPr>
             <a:r>
-              <a:rPr lang="fr-FR" sz="2000" dirty="0">
-                <a:solidFill>
-                  <a:srgbClr val="EA7235"/>
-                </a:solidFill>
-                <a:latin typeface="Pixel Operator" panose="02000503000000000000" pitchFamily="2" charset="0"/>
+              <a:rPr lang="fr-FR" sz="2000" spc="300" dirty="0">
+                <a:latin typeface="Arial" panose="020B0604020202020204" pitchFamily="34" charset="0"/>
+                <a:cs typeface="Arial" panose="020B0604020202020204" pitchFamily="34" charset="0"/>
               </a:rPr>
               <a:t>Smartphones</a:t>
             </a:r>
@@ -8292,20 +8574,16 @@
               <a:buFont typeface="Arial" panose="020B0604020202020204" pitchFamily="34" charset="0"/>
               <a:buChar char="•"/>
             </a:pPr>
-            <a:endParaRPr lang="fr-FR" sz="2000" dirty="0">
-              <a:solidFill>
-                <a:srgbClr val="EA7235"/>
-              </a:solidFill>
-              <a:latin typeface="Pixel Operator" panose="02000503000000000000" pitchFamily="2" charset="0"/>
+            <a:endParaRPr lang="fr-FR" sz="2000" spc="300" dirty="0">
+              <a:latin typeface="Arial" panose="020B0604020202020204" pitchFamily="34" charset="0"/>
+              <a:cs typeface="Arial" panose="020B0604020202020204" pitchFamily="34" charset="0"/>
             </a:endParaRPr>
           </a:p>
           <a:p>
             <a:r>
-              <a:rPr lang="fr-FR" sz="2000" dirty="0">
-                <a:solidFill>
-                  <a:srgbClr val="EA7235"/>
-                </a:solidFill>
-                <a:latin typeface="Pixel Operator" panose="02000503000000000000" pitchFamily="2" charset="0"/>
+              <a:rPr lang="fr-FR" sz="2000" spc="300" dirty="0">
+                <a:latin typeface="Arial" panose="020B0604020202020204" pitchFamily="34" charset="0"/>
+                <a:cs typeface="Arial" panose="020B0604020202020204" pitchFamily="34" charset="0"/>
               </a:rPr>
               <a:t>Il doit donc être totalement responsive ( responsable de la responsivité: Etienne ZASTKO :)</a:t>
             </a:r>
@@ -8344,10 +8622,10 @@
       </p:grpSpPr>
       <p:sp>
         <p:nvSpPr>
-          <p:cNvPr id="4" name="Rectangle 3">
-            <a:extLst>
-              <a:ext uri="{FF2B5EF4-FFF2-40B4-BE49-F238E27FC236}">
-                <a16:creationId xmlns:a16="http://schemas.microsoft.com/office/drawing/2014/main" id="{F53F8E4C-256F-4DB0-B8F6-339C7AC3DA8E}"/>
+          <p:cNvPr id="8" name="Rectangle 7">
+            <a:extLst>
+              <a:ext uri="{FF2B5EF4-FFF2-40B4-BE49-F238E27FC236}">
+                <a16:creationId xmlns:a16="http://schemas.microsoft.com/office/drawing/2014/main" id="{39FC9B39-4818-44E9-9D3C-93430015DEE9}"/>
               </a:ext>
             </a:extLst>
           </p:cNvPr>
@@ -8363,10 +8641,7 @@
             <a:avLst/>
           </a:prstGeom>
           <a:solidFill>
-            <a:schemeClr val="tx1">
-              <a:lumMod val="95000"/>
-              <a:lumOff val="5000"/>
-            </a:schemeClr>
+            <a:schemeClr val="bg1"/>
           </a:solidFill>
           <a:ln>
             <a:noFill/>
@@ -8389,9 +8664,10 @@
           </a:fontRef>
         </p:style>
         <p:txBody>
-          <a:bodyPr rtlCol="0" anchor="t"/>
-          <a:lstStyle/>
-          <a:p>
+          <a:bodyPr rtlCol="0" anchor="ctr"/>
+          <a:lstStyle/>
+          <a:p>
+            <a:pPr algn="ctr"/>
             <a:endParaRPr lang="fr-FR" sz="3000" dirty="0">
               <a:solidFill>
                 <a:srgbClr val="FF5600"/>
@@ -8403,10 +8679,10 @@
       </p:sp>
       <p:sp>
         <p:nvSpPr>
-          <p:cNvPr id="5" name="Forme libre : forme 4">
-            <a:extLst>
-              <a:ext uri="{FF2B5EF4-FFF2-40B4-BE49-F238E27FC236}">
-                <a16:creationId xmlns:a16="http://schemas.microsoft.com/office/drawing/2014/main" id="{EBDC686D-0533-444E-8A7D-5FBAFE799BF2}"/>
+          <p:cNvPr id="9" name="Forme libre : forme 8">
+            <a:extLst>
+              <a:ext uri="{FF2B5EF4-FFF2-40B4-BE49-F238E27FC236}">
+                <a16:creationId xmlns:a16="http://schemas.microsoft.com/office/drawing/2014/main" id="{70C42AAF-47EB-44A9-92C8-D63880B99F04}"/>
               </a:ext>
             </a:extLst>
           </p:cNvPr>
@@ -8521,9 +8797,8 @@
             </a:pathLst>
           </a:custGeom>
           <a:solidFill>
-            <a:schemeClr val="tx1">
-              <a:lumMod val="85000"/>
-              <a:lumOff val="15000"/>
+            <a:schemeClr val="bg1">
+              <a:lumMod val="75000"/>
             </a:schemeClr>
           </a:solidFill>
           <a:ln>
@@ -8584,11 +8859,9 @@
           <a:lstStyle/>
           <a:p>
             <a:r>
-              <a:rPr lang="fr-FR" sz="3000" dirty="0">
-                <a:solidFill>
-                  <a:srgbClr val="FF5600"/>
-                </a:solidFill>
-                <a:latin typeface="Pixel Operator 8" panose="02000503000000000000" pitchFamily="2" charset="0"/>
+              <a:rPr lang="fr-FR" sz="3000" b="1" spc="300" dirty="0">
+                <a:latin typeface="Arial" panose="020B0604020202020204" pitchFamily="34" charset="0"/>
+                <a:cs typeface="Arial" panose="020B0604020202020204" pitchFamily="34" charset="0"/>
               </a:rPr>
               <a:t>Normes et législation</a:t>
             </a:r>
@@ -8624,11 +8897,9 @@
           <a:lstStyle/>
           <a:p>
             <a:r>
-              <a:rPr lang="fr-FR" sz="2000" dirty="0">
-                <a:solidFill>
-                  <a:srgbClr val="EA7235"/>
-                </a:solidFill>
-                <a:latin typeface="Pixel Operator" panose="02000503000000000000" pitchFamily="2" charset="0"/>
+              <a:rPr lang="fr-FR" sz="2000" spc="300" dirty="0">
+                <a:latin typeface="Arial" panose="020B0604020202020204" pitchFamily="34" charset="0"/>
+                <a:cs typeface="Arial" panose="020B0604020202020204" pitchFamily="34" charset="0"/>
               </a:rPr>
               <a:t>TEXT</a:t>
             </a:r>
@@ -8679,10 +8950,10 @@
       </p:grpSpPr>
       <p:sp>
         <p:nvSpPr>
-          <p:cNvPr id="4" name="Rectangle 3">
-            <a:extLst>
-              <a:ext uri="{FF2B5EF4-FFF2-40B4-BE49-F238E27FC236}">
-                <a16:creationId xmlns:a16="http://schemas.microsoft.com/office/drawing/2014/main" id="{F53F8E4C-256F-4DB0-B8F6-339C7AC3DA8E}"/>
+          <p:cNvPr id="7" name="Rectangle 6">
+            <a:extLst>
+              <a:ext uri="{FF2B5EF4-FFF2-40B4-BE49-F238E27FC236}">
+                <a16:creationId xmlns:a16="http://schemas.microsoft.com/office/drawing/2014/main" id="{CBAF8E3B-9030-4486-B8A2-2A7DB5E26CCD}"/>
               </a:ext>
             </a:extLst>
           </p:cNvPr>
@@ -8698,10 +8969,7 @@
             <a:avLst/>
           </a:prstGeom>
           <a:solidFill>
-            <a:schemeClr val="tx1">
-              <a:lumMod val="95000"/>
-              <a:lumOff val="5000"/>
-            </a:schemeClr>
+            <a:schemeClr val="bg1"/>
           </a:solidFill>
           <a:ln>
             <a:noFill/>
@@ -8724,9 +8992,10 @@
           </a:fontRef>
         </p:style>
         <p:txBody>
-          <a:bodyPr rtlCol="0" anchor="t"/>
-          <a:lstStyle/>
-          <a:p>
+          <a:bodyPr rtlCol="0" anchor="ctr"/>
+          <a:lstStyle/>
+          <a:p>
+            <a:pPr algn="ctr"/>
             <a:endParaRPr lang="fr-FR" sz="3000" dirty="0">
               <a:solidFill>
                 <a:srgbClr val="FF5600"/>
@@ -8738,10 +9007,10 @@
       </p:sp>
       <p:sp>
         <p:nvSpPr>
-          <p:cNvPr id="5" name="Forme libre : forme 4">
-            <a:extLst>
-              <a:ext uri="{FF2B5EF4-FFF2-40B4-BE49-F238E27FC236}">
-                <a16:creationId xmlns:a16="http://schemas.microsoft.com/office/drawing/2014/main" id="{EBDC686D-0533-444E-8A7D-5FBAFE799BF2}"/>
+          <p:cNvPr id="8" name="Forme libre : forme 7">
+            <a:extLst>
+              <a:ext uri="{FF2B5EF4-FFF2-40B4-BE49-F238E27FC236}">
+                <a16:creationId xmlns:a16="http://schemas.microsoft.com/office/drawing/2014/main" id="{B5CA6F14-C847-4FED-85F3-7D6C3DED9E4C}"/>
               </a:ext>
             </a:extLst>
           </p:cNvPr>
@@ -8856,9 +9125,8 @@
             </a:pathLst>
           </a:custGeom>
           <a:solidFill>
-            <a:schemeClr val="tx1">
-              <a:lumMod val="85000"/>
-              <a:lumOff val="15000"/>
+            <a:schemeClr val="bg1">
+              <a:lumMod val="75000"/>
             </a:schemeClr>
           </a:solidFill>
           <a:ln>
@@ -8919,13 +9187,18 @@
           <a:lstStyle/>
           <a:p>
             <a:r>
+              <a:rPr lang="fr-FR" sz="3000" spc="300" dirty="0">
+                <a:latin typeface="Arial" panose="020B0604020202020204" pitchFamily="34" charset="0"/>
+                <a:cs typeface="Arial" panose="020B0604020202020204" pitchFamily="34" charset="0"/>
+              </a:rPr>
+              <a:t>Charte</a:t>
+            </a:r>
+            <a:r>
               <a:rPr lang="fr-FR" sz="3000" dirty="0">
-                <a:solidFill>
-                  <a:srgbClr val="FF5600"/>
-                </a:solidFill>
-                <a:latin typeface="Pixel Operator 8" panose="02000503000000000000" pitchFamily="2" charset="0"/>
+                <a:latin typeface="Arial" panose="020B0604020202020204" pitchFamily="34" charset="0"/>
+                <a:cs typeface="Arial" panose="020B0604020202020204" pitchFamily="34" charset="0"/>
               </a:rPr>
-              <a:t>Charte graphique</a:t>
+              <a:t> graphique</a:t>
             </a:r>
           </a:p>
         </p:txBody>
@@ -9034,10 +9307,10 @@
       </p:grpSpPr>
       <p:sp>
         <p:nvSpPr>
-          <p:cNvPr id="4" name="Rectangle 3">
-            <a:extLst>
-              <a:ext uri="{FF2B5EF4-FFF2-40B4-BE49-F238E27FC236}">
-                <a16:creationId xmlns:a16="http://schemas.microsoft.com/office/drawing/2014/main" id="{F53F8E4C-256F-4DB0-B8F6-339C7AC3DA8E}"/>
+          <p:cNvPr id="8" name="Rectangle 7">
+            <a:extLst>
+              <a:ext uri="{FF2B5EF4-FFF2-40B4-BE49-F238E27FC236}">
+                <a16:creationId xmlns:a16="http://schemas.microsoft.com/office/drawing/2014/main" id="{B26A6B88-9A39-43C4-92B8-4AF23D2FBC67}"/>
               </a:ext>
             </a:extLst>
           </p:cNvPr>
@@ -9053,10 +9326,7 @@
             <a:avLst/>
           </a:prstGeom>
           <a:solidFill>
-            <a:schemeClr val="tx1">
-              <a:lumMod val="95000"/>
-              <a:lumOff val="5000"/>
-            </a:schemeClr>
+            <a:schemeClr val="bg1"/>
           </a:solidFill>
           <a:ln>
             <a:noFill/>
@@ -9079,9 +9349,10 @@
           </a:fontRef>
         </p:style>
         <p:txBody>
-          <a:bodyPr rtlCol="0" anchor="t"/>
-          <a:lstStyle/>
-          <a:p>
+          <a:bodyPr rtlCol="0" anchor="ctr"/>
+          <a:lstStyle/>
+          <a:p>
+            <a:pPr algn="ctr"/>
             <a:endParaRPr lang="fr-FR" sz="3000" dirty="0">
               <a:solidFill>
                 <a:srgbClr val="FF5600"/>
@@ -9093,10 +9364,10 @@
       </p:sp>
       <p:sp>
         <p:nvSpPr>
-          <p:cNvPr id="5" name="Forme libre : forme 4">
-            <a:extLst>
-              <a:ext uri="{FF2B5EF4-FFF2-40B4-BE49-F238E27FC236}">
-                <a16:creationId xmlns:a16="http://schemas.microsoft.com/office/drawing/2014/main" id="{EBDC686D-0533-444E-8A7D-5FBAFE799BF2}"/>
+          <p:cNvPr id="9" name="Forme libre : forme 8">
+            <a:extLst>
+              <a:ext uri="{FF2B5EF4-FFF2-40B4-BE49-F238E27FC236}">
+                <a16:creationId xmlns:a16="http://schemas.microsoft.com/office/drawing/2014/main" id="{2D42318F-1767-4125-AF2D-0BB0D7A91977}"/>
               </a:ext>
             </a:extLst>
           </p:cNvPr>
@@ -9211,9 +9482,8 @@
             </a:pathLst>
           </a:custGeom>
           <a:solidFill>
-            <a:schemeClr val="tx1">
-              <a:lumMod val="85000"/>
-              <a:lumOff val="15000"/>
+            <a:schemeClr val="bg1">
+              <a:lumMod val="75000"/>
             </a:schemeClr>
           </a:solidFill>
           <a:ln>
@@ -9274,13 +9544,18 @@
           <a:lstStyle/>
           <a:p>
             <a:r>
-              <a:rPr lang="fr-FR" sz="3000" dirty="0">
-                <a:solidFill>
-                  <a:srgbClr val="FF5600"/>
-                </a:solidFill>
-                <a:latin typeface="Pixel Operator 8" panose="02000503000000000000" pitchFamily="2" charset="0"/>
+              <a:rPr lang="fr-FR" sz="3000" b="1" dirty="0">
+                <a:latin typeface="Arial" panose="020B0604020202020204" pitchFamily="34" charset="0"/>
+                <a:cs typeface="Arial" panose="020B0604020202020204" pitchFamily="34" charset="0"/>
               </a:rPr>
-              <a:t>UI Kit</a:t>
+              <a:t>UI </a:t>
+            </a:r>
+            <a:r>
+              <a:rPr lang="fr-FR" sz="3000" b="1" spc="300" dirty="0">
+                <a:latin typeface="Arial" panose="020B0604020202020204" pitchFamily="34" charset="0"/>
+                <a:cs typeface="Arial" panose="020B0604020202020204" pitchFamily="34" charset="0"/>
+              </a:rPr>
+              <a:t>Kit</a:t>
             </a:r>
           </a:p>
         </p:txBody>
@@ -9314,11 +9589,9 @@
           <a:lstStyle/>
           <a:p>
             <a:r>
-              <a:rPr lang="fr-FR" sz="2000" dirty="0">
-                <a:solidFill>
-                  <a:srgbClr val="EA7235"/>
-                </a:solidFill>
-                <a:latin typeface="Pixel Operator" panose="02000503000000000000" pitchFamily="2" charset="0"/>
+              <a:rPr lang="fr-FR" sz="2000" spc="300" dirty="0">
+                <a:latin typeface="Arial" panose="020B0604020202020204" pitchFamily="34" charset="0"/>
+                <a:cs typeface="Arial" panose="020B0604020202020204" pitchFamily="34" charset="0"/>
               </a:rPr>
               <a:t>TEXT</a:t>
             </a:r>

--- a/design/AD/dossier-conception/dossier-conception.pptx
+++ b/design/AD/dossier-conception/dossier-conception.pptx
@@ -7,21 +7,18 @@
   <p:sldIdLst>
     <p:sldId id="256" r:id="rId2"/>
     <p:sldId id="257" r:id="rId3"/>
-    <p:sldId id="258" r:id="rId4"/>
-    <p:sldId id="259" r:id="rId5"/>
-    <p:sldId id="260" r:id="rId6"/>
-    <p:sldId id="261" r:id="rId7"/>
-    <p:sldId id="263" r:id="rId8"/>
-    <p:sldId id="264" r:id="rId9"/>
-    <p:sldId id="265" r:id="rId10"/>
-    <p:sldId id="266" r:id="rId11"/>
-    <p:sldId id="267" r:id="rId12"/>
-    <p:sldId id="268" r:id="rId13"/>
-    <p:sldId id="269" r:id="rId14"/>
-    <p:sldId id="270" r:id="rId15"/>
-    <p:sldId id="271" r:id="rId16"/>
-    <p:sldId id="272" r:id="rId17"/>
-    <p:sldId id="273" r:id="rId18"/>
+    <p:sldId id="259" r:id="rId4"/>
+    <p:sldId id="260" r:id="rId5"/>
+    <p:sldId id="261" r:id="rId6"/>
+    <p:sldId id="263" r:id="rId7"/>
+    <p:sldId id="264" r:id="rId8"/>
+    <p:sldId id="265" r:id="rId9"/>
+    <p:sldId id="266" r:id="rId10"/>
+    <p:sldId id="267" r:id="rId11"/>
+    <p:sldId id="268" r:id="rId12"/>
+    <p:sldId id="269" r:id="rId13"/>
+    <p:sldId id="271" r:id="rId14"/>
+    <p:sldId id="272" r:id="rId15"/>
   </p:sldIdLst>
   <p:sldSz cx="12192000" cy="6858000"/>
   <p:notesSz cx="6858000" cy="9144000"/>
@@ -275,7 +272,7 @@
           <a:p>
             <a:fld id="{DB07B3B4-F6EB-4E6F-966F-EF12485CD205}" type="datetimeFigureOut">
               <a:rPr lang="fr-FR" smtClean="0"/>
-              <a:t>17/04/2021</a:t>
+              <a:t>27/04/2021</a:t>
             </a:fld>
             <a:endParaRPr lang="fr-FR"/>
           </a:p>
@@ -473,7 +470,7 @@
           <a:p>
             <a:fld id="{DB07B3B4-F6EB-4E6F-966F-EF12485CD205}" type="datetimeFigureOut">
               <a:rPr lang="fr-FR" smtClean="0"/>
-              <a:t>17/04/2021</a:t>
+              <a:t>27/04/2021</a:t>
             </a:fld>
             <a:endParaRPr lang="fr-FR"/>
           </a:p>
@@ -681,7 +678,7 @@
           <a:p>
             <a:fld id="{DB07B3B4-F6EB-4E6F-966F-EF12485CD205}" type="datetimeFigureOut">
               <a:rPr lang="fr-FR" smtClean="0"/>
-              <a:t>17/04/2021</a:t>
+              <a:t>27/04/2021</a:t>
             </a:fld>
             <a:endParaRPr lang="fr-FR"/>
           </a:p>
@@ -879,7 +876,7 @@
           <a:p>
             <a:fld id="{DB07B3B4-F6EB-4E6F-966F-EF12485CD205}" type="datetimeFigureOut">
               <a:rPr lang="fr-FR" smtClean="0"/>
-              <a:t>17/04/2021</a:t>
+              <a:t>27/04/2021</a:t>
             </a:fld>
             <a:endParaRPr lang="fr-FR"/>
           </a:p>
@@ -1154,7 +1151,7 @@
           <a:p>
             <a:fld id="{DB07B3B4-F6EB-4E6F-966F-EF12485CD205}" type="datetimeFigureOut">
               <a:rPr lang="fr-FR" smtClean="0"/>
-              <a:t>17/04/2021</a:t>
+              <a:t>27/04/2021</a:t>
             </a:fld>
             <a:endParaRPr lang="fr-FR"/>
           </a:p>
@@ -1419,7 +1416,7 @@
           <a:p>
             <a:fld id="{DB07B3B4-F6EB-4E6F-966F-EF12485CD205}" type="datetimeFigureOut">
               <a:rPr lang="fr-FR" smtClean="0"/>
-              <a:t>17/04/2021</a:t>
+              <a:t>27/04/2021</a:t>
             </a:fld>
             <a:endParaRPr lang="fr-FR"/>
           </a:p>
@@ -1831,7 +1828,7 @@
           <a:p>
             <a:fld id="{DB07B3B4-F6EB-4E6F-966F-EF12485CD205}" type="datetimeFigureOut">
               <a:rPr lang="fr-FR" smtClean="0"/>
-              <a:t>17/04/2021</a:t>
+              <a:t>27/04/2021</a:t>
             </a:fld>
             <a:endParaRPr lang="fr-FR"/>
           </a:p>
@@ -1972,7 +1969,7 @@
           <a:p>
             <a:fld id="{DB07B3B4-F6EB-4E6F-966F-EF12485CD205}" type="datetimeFigureOut">
               <a:rPr lang="fr-FR" smtClean="0"/>
-              <a:t>17/04/2021</a:t>
+              <a:t>27/04/2021</a:t>
             </a:fld>
             <a:endParaRPr lang="fr-FR"/>
           </a:p>
@@ -2085,7 +2082,7 @@
           <a:p>
             <a:fld id="{DB07B3B4-F6EB-4E6F-966F-EF12485CD205}" type="datetimeFigureOut">
               <a:rPr lang="fr-FR" smtClean="0"/>
-              <a:t>17/04/2021</a:t>
+              <a:t>27/04/2021</a:t>
             </a:fld>
             <a:endParaRPr lang="fr-FR"/>
           </a:p>
@@ -2396,7 +2393,7 @@
           <a:p>
             <a:fld id="{DB07B3B4-F6EB-4E6F-966F-EF12485CD205}" type="datetimeFigureOut">
               <a:rPr lang="fr-FR" smtClean="0"/>
-              <a:t>17/04/2021</a:t>
+              <a:t>27/04/2021</a:t>
             </a:fld>
             <a:endParaRPr lang="fr-FR"/>
           </a:p>
@@ -2684,7 +2681,7 @@
           <a:p>
             <a:fld id="{DB07B3B4-F6EB-4E6F-966F-EF12485CD205}" type="datetimeFigureOut">
               <a:rPr lang="fr-FR" smtClean="0"/>
-              <a:t>17/04/2021</a:t>
+              <a:t>27/04/2021</a:t>
             </a:fld>
             <a:endParaRPr lang="fr-FR"/>
           </a:p>
@@ -2925,7 +2922,7 @@
           <a:p>
             <a:fld id="{DB07B3B4-F6EB-4E6F-966F-EF12485CD205}" type="datetimeFigureOut">
               <a:rPr lang="fr-FR" smtClean="0"/>
-              <a:t>17/04/2021</a:t>
+              <a:t>27/04/2021</a:t>
             </a:fld>
             <a:endParaRPr lang="fr-FR"/>
           </a:p>
@@ -3676,10 +3673,267 @@
       </p:grpSpPr>
       <p:sp>
         <p:nvSpPr>
+          <p:cNvPr id="9" name="Forme libre : forme 8">
+            <a:extLst>
+              <a:ext uri="{FF2B5EF4-FFF2-40B4-BE49-F238E27FC236}">
+                <a16:creationId xmlns:a16="http://schemas.microsoft.com/office/drawing/2014/main" id="{2837D9EA-D740-4A5F-8D58-0B708AD8FE5A}"/>
+              </a:ext>
+            </a:extLst>
+          </p:cNvPr>
+          <p:cNvSpPr/>
+          <p:nvPr/>
+        </p:nvSpPr>
+        <p:spPr>
+          <a:xfrm>
+            <a:off x="9020273" y="-1819451"/>
+            <a:ext cx="5354683" cy="9859672"/>
+          </a:xfrm>
+          <a:custGeom>
+            <a:avLst/>
+            <a:gdLst>
+              <a:gd name="connsiteX0" fmla="*/ 771427 w 5354683"/>
+              <a:gd name="connsiteY0" fmla="*/ 371651 h 9859672"/>
+              <a:gd name="connsiteX1" fmla="*/ 1285777 w 5354683"/>
+              <a:gd name="connsiteY1" fmla="*/ 1038401 h 9859672"/>
+              <a:gd name="connsiteX2" fmla="*/ 2714527 w 5354683"/>
+              <a:gd name="connsiteY2" fmla="*/ 3057701 h 9859672"/>
+              <a:gd name="connsiteX3" fmla="*/ 2466877 w 5354683"/>
+              <a:gd name="connsiteY3" fmla="*/ 6639101 h 9859672"/>
+              <a:gd name="connsiteX4" fmla="*/ 66577 w 5354683"/>
+              <a:gd name="connsiteY4" fmla="*/ 9649001 h 9859672"/>
+              <a:gd name="connsiteX5" fmla="*/ 619027 w 5354683"/>
+              <a:gd name="connsiteY5" fmla="*/ 9610901 h 9859672"/>
+              <a:gd name="connsiteX6" fmla="*/ 5133877 w 5354683"/>
+              <a:gd name="connsiteY6" fmla="*/ 8944151 h 9859672"/>
+              <a:gd name="connsiteX7" fmla="*/ 4257577 w 5354683"/>
+              <a:gd name="connsiteY7" fmla="*/ 771701 h 9859672"/>
+              <a:gd name="connsiteX8" fmla="*/ 771427 w 5354683"/>
+              <a:gd name="connsiteY8" fmla="*/ 371651 h 9859672"/>
+            </a:gdLst>
+            <a:ahLst/>
+            <a:cxnLst>
+              <a:cxn ang="0">
+                <a:pos x="connsiteX0" y="connsiteY0"/>
+              </a:cxn>
+              <a:cxn ang="0">
+                <a:pos x="connsiteX1" y="connsiteY1"/>
+              </a:cxn>
+              <a:cxn ang="0">
+                <a:pos x="connsiteX2" y="connsiteY2"/>
+              </a:cxn>
+              <a:cxn ang="0">
+                <a:pos x="connsiteX3" y="connsiteY3"/>
+              </a:cxn>
+              <a:cxn ang="0">
+                <a:pos x="connsiteX4" y="connsiteY4"/>
+              </a:cxn>
+              <a:cxn ang="0">
+                <a:pos x="connsiteX5" y="connsiteY5"/>
+              </a:cxn>
+              <a:cxn ang="0">
+                <a:pos x="connsiteX6" y="connsiteY6"/>
+              </a:cxn>
+              <a:cxn ang="0">
+                <a:pos x="connsiteX7" y="connsiteY7"/>
+              </a:cxn>
+              <a:cxn ang="0">
+                <a:pos x="connsiteX8" y="connsiteY8"/>
+              </a:cxn>
+            </a:cxnLst>
+            <a:rect l="l" t="t" r="r" b="b"/>
+            <a:pathLst>
+              <a:path w="5354683" h="9859672">
+                <a:moveTo>
+                  <a:pt x="771427" y="371651"/>
+                </a:moveTo>
+                <a:cubicBezTo>
+                  <a:pt x="276127" y="416101"/>
+                  <a:pt x="961927" y="590726"/>
+                  <a:pt x="1285777" y="1038401"/>
+                </a:cubicBezTo>
+                <a:cubicBezTo>
+                  <a:pt x="1609627" y="1486076"/>
+                  <a:pt x="2517677" y="2124251"/>
+                  <a:pt x="2714527" y="3057701"/>
+                </a:cubicBezTo>
+                <a:cubicBezTo>
+                  <a:pt x="2911377" y="3991151"/>
+                  <a:pt x="2908202" y="5540551"/>
+                  <a:pt x="2466877" y="6639101"/>
+                </a:cubicBezTo>
+                <a:cubicBezTo>
+                  <a:pt x="2025552" y="7737651"/>
+                  <a:pt x="374552" y="9153701"/>
+                  <a:pt x="66577" y="9649001"/>
+                </a:cubicBezTo>
+                <a:cubicBezTo>
+                  <a:pt x="-241398" y="10144301"/>
+                  <a:pt x="619027" y="9610901"/>
+                  <a:pt x="619027" y="9610901"/>
+                </a:cubicBezTo>
+                <a:cubicBezTo>
+                  <a:pt x="1463577" y="9493426"/>
+                  <a:pt x="4527452" y="10417351"/>
+                  <a:pt x="5133877" y="8944151"/>
+                </a:cubicBezTo>
+                <a:cubicBezTo>
+                  <a:pt x="5740302" y="7470951"/>
+                  <a:pt x="4981477" y="2200451"/>
+                  <a:pt x="4257577" y="771701"/>
+                </a:cubicBezTo>
+                <a:cubicBezTo>
+                  <a:pt x="3533677" y="-657049"/>
+                  <a:pt x="1266727" y="327201"/>
+                  <a:pt x="771427" y="371651"/>
+                </a:cubicBezTo>
+                <a:close/>
+              </a:path>
+            </a:pathLst>
+          </a:custGeom>
+          <a:solidFill>
+            <a:schemeClr val="bg1">
+              <a:lumMod val="75000"/>
+            </a:schemeClr>
+          </a:solidFill>
+          <a:ln>
+            <a:noFill/>
+          </a:ln>
+        </p:spPr>
+        <p:style>
+          <a:lnRef idx="2">
+            <a:schemeClr val="accent1">
+              <a:shade val="50000"/>
+            </a:schemeClr>
+          </a:lnRef>
+          <a:fillRef idx="1">
+            <a:schemeClr val="accent1"/>
+          </a:fillRef>
+          <a:effectRef idx="0">
+            <a:schemeClr val="accent1"/>
+          </a:effectRef>
+          <a:fontRef idx="minor">
+            <a:schemeClr val="lt1"/>
+          </a:fontRef>
+        </p:style>
+        <p:txBody>
+          <a:bodyPr rtlCol="0" anchor="ctr"/>
+          <a:lstStyle/>
+          <a:p>
+            <a:pPr algn="ctr"/>
+            <a:endParaRPr lang="fr-FR"/>
+          </a:p>
+        </p:txBody>
+      </p:sp>
+      <p:sp>
+        <p:nvSpPr>
+          <p:cNvPr id="6" name="ZoneTexte 5">
+            <a:extLst>
+              <a:ext uri="{FF2B5EF4-FFF2-40B4-BE49-F238E27FC236}">
+                <a16:creationId xmlns:a16="http://schemas.microsoft.com/office/drawing/2014/main" id="{D515D0BD-6768-41D0-BAEC-364C2869C9F0}"/>
+              </a:ext>
+            </a:extLst>
+          </p:cNvPr>
+          <p:cNvSpPr txBox="1"/>
+          <p:nvPr/>
+        </p:nvSpPr>
+        <p:spPr>
+          <a:xfrm>
+            <a:off x="419100" y="476250"/>
+            <a:ext cx="10572750" cy="553998"/>
+          </a:xfrm>
+          <a:prstGeom prst="rect">
+            <a:avLst/>
+          </a:prstGeom>
+          <a:noFill/>
+        </p:spPr>
+        <p:txBody>
+          <a:bodyPr wrap="square" rtlCol="0">
+            <a:spAutoFit/>
+          </a:bodyPr>
+          <a:lstStyle/>
+          <a:p>
+            <a:r>
+              <a:rPr lang="fr-FR" sz="3000" b="1" spc="300" dirty="0">
+                <a:latin typeface="Arial" panose="020B0604020202020204" pitchFamily="34" charset="0"/>
+                <a:cs typeface="Arial" panose="020B0604020202020204" pitchFamily="34" charset="0"/>
+              </a:rPr>
+              <a:t>Arborescence</a:t>
+            </a:r>
+          </a:p>
+        </p:txBody>
+      </p:sp>
+      <p:pic>
+        <p:nvPicPr>
+          <p:cNvPr id="21" name="Image 20">
+            <a:extLst>
+              <a:ext uri="{FF2B5EF4-FFF2-40B4-BE49-F238E27FC236}">
+                <a16:creationId xmlns:a16="http://schemas.microsoft.com/office/drawing/2014/main" id="{467B0D6E-269C-4522-B9C7-D852B2DF45EF}"/>
+              </a:ext>
+            </a:extLst>
+          </p:cNvPr>
+          <p:cNvPicPr>
+            <a:picLocks noChangeAspect="1"/>
+          </p:cNvPicPr>
+          <p:nvPr/>
+        </p:nvPicPr>
+        <p:blipFill>
+          <a:blip r:embed="rId2">
+            <a:extLst>
+              <a:ext uri="{28A0092B-C50C-407E-A947-70E740481C1C}">
+                <a14:useLocalDpi xmlns:a14="http://schemas.microsoft.com/office/drawing/2010/main" val="0"/>
+              </a:ext>
+            </a:extLst>
+          </a:blip>
+          <a:stretch>
+            <a:fillRect/>
+          </a:stretch>
+        </p:blipFill>
+        <p:spPr>
+          <a:xfrm>
+            <a:off x="1211529" y="1500033"/>
+            <a:ext cx="8651892" cy="4608585"/>
+          </a:xfrm>
+          <a:prstGeom prst="rect">
+            <a:avLst/>
+          </a:prstGeom>
+        </p:spPr>
+      </p:pic>
+    </p:spTree>
+    <p:extLst>
+      <p:ext uri="{BB962C8B-B14F-4D97-AF65-F5344CB8AC3E}">
+        <p14:creationId xmlns:p14="http://schemas.microsoft.com/office/powerpoint/2010/main" val="4025393722"/>
+      </p:ext>
+    </p:extLst>
+  </p:cSld>
+  <p:clrMapOvr>
+    <a:masterClrMapping/>
+  </p:clrMapOvr>
+</p:sld>
+</file>
+
+<file path=ppt/slides/slide11.xml><?xml version="1.0" encoding="utf-8"?>
+<p:sld xmlns:a="http://schemas.openxmlformats.org/drawingml/2006/main" xmlns:r="http://schemas.openxmlformats.org/officeDocument/2006/relationships" xmlns:p="http://schemas.openxmlformats.org/presentationml/2006/main">
+  <p:cSld>
+    <p:spTree>
+      <p:nvGrpSpPr>
+        <p:cNvPr id="1" name=""/>
+        <p:cNvGrpSpPr/>
+        <p:nvPr/>
+      </p:nvGrpSpPr>
+      <p:grpSpPr>
+        <a:xfrm>
+          <a:off x="0" y="0"/>
+          <a:ext cx="0" cy="0"/>
+          <a:chOff x="0" y="0"/>
+          <a:chExt cx="0" cy="0"/>
+        </a:xfrm>
+      </p:grpSpPr>
+      <p:sp>
+        <p:nvSpPr>
           <p:cNvPr id="8" name="Rectangle 7">
             <a:extLst>
               <a:ext uri="{FF2B5EF4-FFF2-40B4-BE49-F238E27FC236}">
-                <a16:creationId xmlns:a16="http://schemas.microsoft.com/office/drawing/2014/main" id="{6DDC3D9F-B7F0-4262-BC74-81331BA6E6EB}"/>
+                <a16:creationId xmlns:a16="http://schemas.microsoft.com/office/drawing/2014/main" id="{4A2B9E93-57B5-4892-8549-E9F33657EF3F}"/>
               </a:ext>
             </a:extLst>
           </p:cNvPr>
@@ -3736,7 +3990,7 @@
           <p:cNvPr id="9" name="Forme libre : forme 8">
             <a:extLst>
               <a:ext uri="{FF2B5EF4-FFF2-40B4-BE49-F238E27FC236}">
-                <a16:creationId xmlns:a16="http://schemas.microsoft.com/office/drawing/2014/main" id="{3C8F1AB2-5182-49E7-8370-818B1E8C844F}"/>
+                <a16:creationId xmlns:a16="http://schemas.microsoft.com/office/drawing/2014/main" id="{1A7ADDE7-EF35-41D4-9C5D-899FB7DBBBCA}"/>
               </a:ext>
             </a:extLst>
           </p:cNvPr>
@@ -3917,667 +4171,155 @@
                 <a:latin typeface="Arial" panose="020B0604020202020204" pitchFamily="34" charset="0"/>
                 <a:cs typeface="Arial" panose="020B0604020202020204" pitchFamily="34" charset="0"/>
               </a:rPr>
-              <a:t>Planche</a:t>
-            </a:r>
-            <a:r>
-              <a:rPr lang="fr-FR" sz="3000" b="1" dirty="0">
-                <a:latin typeface="Arial" panose="020B0604020202020204" pitchFamily="34" charset="0"/>
-                <a:cs typeface="Arial" panose="020B0604020202020204" pitchFamily="34" charset="0"/>
-              </a:rPr>
-              <a:t> de tendances</a:t>
-            </a:r>
-          </a:p>
-        </p:txBody>
-      </p:sp>
-      <p:sp>
-        <p:nvSpPr>
-          <p:cNvPr id="10" name="ZoneTexte 9">
-            <a:extLst>
-              <a:ext uri="{FF2B5EF4-FFF2-40B4-BE49-F238E27FC236}">
-                <a16:creationId xmlns:a16="http://schemas.microsoft.com/office/drawing/2014/main" id="{5ACD8894-1556-429C-BB94-AD2074E6A3B1}"/>
-              </a:ext>
-            </a:extLst>
-          </p:cNvPr>
-          <p:cNvSpPr txBox="1"/>
+              <a:t>Wireframe</a:t>
+            </a:r>
+          </a:p>
+        </p:txBody>
+      </p:sp>
+      <p:pic>
+        <p:nvPicPr>
+          <p:cNvPr id="3" name="Image 2">
+            <a:extLst>
+              <a:ext uri="{FF2B5EF4-FFF2-40B4-BE49-F238E27FC236}">
+                <a16:creationId xmlns:a16="http://schemas.microsoft.com/office/drawing/2014/main" id="{8AB84E71-785F-49D0-BB0D-350203D96A9B}"/>
+              </a:ext>
+            </a:extLst>
+          </p:cNvPr>
+          <p:cNvPicPr>
+            <a:picLocks noChangeAspect="1"/>
+          </p:cNvPicPr>
           <p:nvPr/>
-        </p:nvSpPr>
+        </p:nvPicPr>
+        <p:blipFill>
+          <a:blip r:embed="rId2">
+            <a:extLst>
+              <a:ext uri="{28A0092B-C50C-407E-A947-70E740481C1C}">
+                <a14:useLocalDpi xmlns:a14="http://schemas.microsoft.com/office/drawing/2010/main" val="0"/>
+              </a:ext>
+            </a:extLst>
+          </a:blip>
+          <a:stretch>
+            <a:fillRect/>
+          </a:stretch>
+        </p:blipFill>
         <p:spPr>
           <a:xfrm>
-            <a:off x="419100" y="1506498"/>
-            <a:ext cx="10591800" cy="677108"/>
+            <a:off x="3171727" y="897998"/>
+            <a:ext cx="987910" cy="3046126"/>
           </a:xfrm>
           <a:prstGeom prst="rect">
             <a:avLst/>
           </a:prstGeom>
-          <a:noFill/>
         </p:spPr>
-        <p:txBody>
-          <a:bodyPr wrap="square" rtlCol="0">
-            <a:spAutoFit/>
-          </a:bodyPr>
-          <a:lstStyle/>
-          <a:p>
-            <a:r>
-              <a:rPr lang="fr-FR" sz="2000" spc="300" dirty="0">
-                <a:latin typeface="Arial" panose="020B0604020202020204" pitchFamily="34" charset="0"/>
-                <a:cs typeface="Arial" panose="020B0604020202020204" pitchFamily="34" charset="0"/>
-              </a:rPr>
-              <a:t>TEXT</a:t>
-            </a:r>
-          </a:p>
-          <a:p>
-            <a:pPr marL="742950" lvl="1" indent="-285750">
-              <a:buFont typeface="Arial" panose="020B0604020202020204" pitchFamily="34" charset="0"/>
-              <a:buChar char="•"/>
-            </a:pPr>
-            <a:endParaRPr lang="fr-FR" dirty="0">
-              <a:solidFill>
-                <a:srgbClr val="EA7235"/>
-              </a:solidFill>
-              <a:latin typeface="Pixel Operator" panose="02000503000000000000" pitchFamily="2" charset="0"/>
-            </a:endParaRPr>
-          </a:p>
-        </p:txBody>
-      </p:sp>
-    </p:spTree>
-    <p:extLst>
-      <p:ext uri="{BB962C8B-B14F-4D97-AF65-F5344CB8AC3E}">
-        <p14:creationId xmlns:p14="http://schemas.microsoft.com/office/powerpoint/2010/main" val="2857753000"/>
-      </p:ext>
-    </p:extLst>
-  </p:cSld>
-  <p:clrMapOvr>
-    <a:masterClrMapping/>
-  </p:clrMapOvr>
-</p:sld>
-</file>
-
-<file path=ppt/slides/slide11.xml><?xml version="1.0" encoding="utf-8"?>
-<p:sld xmlns:a="http://schemas.openxmlformats.org/drawingml/2006/main" xmlns:r="http://schemas.openxmlformats.org/officeDocument/2006/relationships" xmlns:p="http://schemas.openxmlformats.org/presentationml/2006/main">
-  <p:cSld>
-    <p:spTree>
-      <p:nvGrpSpPr>
-        <p:cNvPr id="1" name=""/>
-        <p:cNvGrpSpPr/>
-        <p:nvPr/>
-      </p:nvGrpSpPr>
-      <p:grpSpPr>
-        <a:xfrm>
-          <a:off x="0" y="0"/>
-          <a:ext cx="0" cy="0"/>
-          <a:chOff x="0" y="0"/>
-          <a:chExt cx="0" cy="0"/>
-        </a:xfrm>
-      </p:grpSpPr>
-      <p:sp>
-        <p:nvSpPr>
-          <p:cNvPr id="9" name="Forme libre : forme 8">
-            <a:extLst>
-              <a:ext uri="{FF2B5EF4-FFF2-40B4-BE49-F238E27FC236}">
-                <a16:creationId xmlns:a16="http://schemas.microsoft.com/office/drawing/2014/main" id="{2837D9EA-D740-4A5F-8D58-0B708AD8FE5A}"/>
-              </a:ext>
-            </a:extLst>
-          </p:cNvPr>
-          <p:cNvSpPr/>
+      </p:pic>
+      <p:pic>
+        <p:nvPicPr>
+          <p:cNvPr id="5" name="Image 4">
+            <a:extLst>
+              <a:ext uri="{FF2B5EF4-FFF2-40B4-BE49-F238E27FC236}">
+                <a16:creationId xmlns:a16="http://schemas.microsoft.com/office/drawing/2014/main" id="{0737CBE0-A121-43CF-A4E8-635544B5574C}"/>
+              </a:ext>
+            </a:extLst>
+          </p:cNvPr>
+          <p:cNvPicPr>
+            <a:picLocks noChangeAspect="1"/>
+          </p:cNvPicPr>
           <p:nvPr/>
-        </p:nvSpPr>
+        </p:nvPicPr>
+        <p:blipFill>
+          <a:blip r:embed="rId3">
+            <a:extLst>
+              <a:ext uri="{28A0092B-C50C-407E-A947-70E740481C1C}">
+                <a14:useLocalDpi xmlns:a14="http://schemas.microsoft.com/office/drawing/2010/main" val="0"/>
+              </a:ext>
+            </a:extLst>
+          </a:blip>
+          <a:stretch>
+            <a:fillRect/>
+          </a:stretch>
+        </p:blipFill>
         <p:spPr>
           <a:xfrm>
-            <a:off x="9020273" y="-1819451"/>
-            <a:ext cx="5354683" cy="9859672"/>
-          </a:xfrm>
-          <a:custGeom>
-            <a:avLst/>
-            <a:gdLst>
-              <a:gd name="connsiteX0" fmla="*/ 771427 w 5354683"/>
-              <a:gd name="connsiteY0" fmla="*/ 371651 h 9859672"/>
-              <a:gd name="connsiteX1" fmla="*/ 1285777 w 5354683"/>
-              <a:gd name="connsiteY1" fmla="*/ 1038401 h 9859672"/>
-              <a:gd name="connsiteX2" fmla="*/ 2714527 w 5354683"/>
-              <a:gd name="connsiteY2" fmla="*/ 3057701 h 9859672"/>
-              <a:gd name="connsiteX3" fmla="*/ 2466877 w 5354683"/>
-              <a:gd name="connsiteY3" fmla="*/ 6639101 h 9859672"/>
-              <a:gd name="connsiteX4" fmla="*/ 66577 w 5354683"/>
-              <a:gd name="connsiteY4" fmla="*/ 9649001 h 9859672"/>
-              <a:gd name="connsiteX5" fmla="*/ 619027 w 5354683"/>
-              <a:gd name="connsiteY5" fmla="*/ 9610901 h 9859672"/>
-              <a:gd name="connsiteX6" fmla="*/ 5133877 w 5354683"/>
-              <a:gd name="connsiteY6" fmla="*/ 8944151 h 9859672"/>
-              <a:gd name="connsiteX7" fmla="*/ 4257577 w 5354683"/>
-              <a:gd name="connsiteY7" fmla="*/ 771701 h 9859672"/>
-              <a:gd name="connsiteX8" fmla="*/ 771427 w 5354683"/>
-              <a:gd name="connsiteY8" fmla="*/ 371651 h 9859672"/>
-            </a:gdLst>
-            <a:ahLst/>
-            <a:cxnLst>
-              <a:cxn ang="0">
-                <a:pos x="connsiteX0" y="connsiteY0"/>
-              </a:cxn>
-              <a:cxn ang="0">
-                <a:pos x="connsiteX1" y="connsiteY1"/>
-              </a:cxn>
-              <a:cxn ang="0">
-                <a:pos x="connsiteX2" y="connsiteY2"/>
-              </a:cxn>
-              <a:cxn ang="0">
-                <a:pos x="connsiteX3" y="connsiteY3"/>
-              </a:cxn>
-              <a:cxn ang="0">
-                <a:pos x="connsiteX4" y="connsiteY4"/>
-              </a:cxn>
-              <a:cxn ang="0">
-                <a:pos x="connsiteX5" y="connsiteY5"/>
-              </a:cxn>
-              <a:cxn ang="0">
-                <a:pos x="connsiteX6" y="connsiteY6"/>
-              </a:cxn>
-              <a:cxn ang="0">
-                <a:pos x="connsiteX7" y="connsiteY7"/>
-              </a:cxn>
-              <a:cxn ang="0">
-                <a:pos x="connsiteX8" y="connsiteY8"/>
-              </a:cxn>
-            </a:cxnLst>
-            <a:rect l="l" t="t" r="r" b="b"/>
-            <a:pathLst>
-              <a:path w="5354683" h="9859672">
-                <a:moveTo>
-                  <a:pt x="771427" y="371651"/>
-                </a:moveTo>
-                <a:cubicBezTo>
-                  <a:pt x="276127" y="416101"/>
-                  <a:pt x="961927" y="590726"/>
-                  <a:pt x="1285777" y="1038401"/>
-                </a:cubicBezTo>
-                <a:cubicBezTo>
-                  <a:pt x="1609627" y="1486076"/>
-                  <a:pt x="2517677" y="2124251"/>
-                  <a:pt x="2714527" y="3057701"/>
-                </a:cubicBezTo>
-                <a:cubicBezTo>
-                  <a:pt x="2911377" y="3991151"/>
-                  <a:pt x="2908202" y="5540551"/>
-                  <a:pt x="2466877" y="6639101"/>
-                </a:cubicBezTo>
-                <a:cubicBezTo>
-                  <a:pt x="2025552" y="7737651"/>
-                  <a:pt x="374552" y="9153701"/>
-                  <a:pt x="66577" y="9649001"/>
-                </a:cubicBezTo>
-                <a:cubicBezTo>
-                  <a:pt x="-241398" y="10144301"/>
-                  <a:pt x="619027" y="9610901"/>
-                  <a:pt x="619027" y="9610901"/>
-                </a:cubicBezTo>
-                <a:cubicBezTo>
-                  <a:pt x="1463577" y="9493426"/>
-                  <a:pt x="4527452" y="10417351"/>
-                  <a:pt x="5133877" y="8944151"/>
-                </a:cubicBezTo>
-                <a:cubicBezTo>
-                  <a:pt x="5740302" y="7470951"/>
-                  <a:pt x="4981477" y="2200451"/>
-                  <a:pt x="4257577" y="771701"/>
-                </a:cubicBezTo>
-                <a:cubicBezTo>
-                  <a:pt x="3533677" y="-657049"/>
-                  <a:pt x="1266727" y="327201"/>
-                  <a:pt x="771427" y="371651"/>
-                </a:cubicBezTo>
-                <a:close/>
-              </a:path>
-            </a:pathLst>
-          </a:custGeom>
-          <a:solidFill>
-            <a:schemeClr val="bg1">
-              <a:lumMod val="75000"/>
-            </a:schemeClr>
-          </a:solidFill>
-          <a:ln>
-            <a:noFill/>
-          </a:ln>
-        </p:spPr>
-        <p:style>
-          <a:lnRef idx="2">
-            <a:schemeClr val="accent1">
-              <a:shade val="50000"/>
-            </a:schemeClr>
-          </a:lnRef>
-          <a:fillRef idx="1">
-            <a:schemeClr val="accent1"/>
-          </a:fillRef>
-          <a:effectRef idx="0">
-            <a:schemeClr val="accent1"/>
-          </a:effectRef>
-          <a:fontRef idx="minor">
-            <a:schemeClr val="lt1"/>
-          </a:fontRef>
-        </p:style>
-        <p:txBody>
-          <a:bodyPr rtlCol="0" anchor="ctr"/>
-          <a:lstStyle/>
-          <a:p>
-            <a:pPr algn="ctr"/>
-            <a:endParaRPr lang="fr-FR"/>
-          </a:p>
-        </p:txBody>
-      </p:sp>
-      <p:sp>
-        <p:nvSpPr>
-          <p:cNvPr id="6" name="ZoneTexte 5">
-            <a:extLst>
-              <a:ext uri="{FF2B5EF4-FFF2-40B4-BE49-F238E27FC236}">
-                <a16:creationId xmlns:a16="http://schemas.microsoft.com/office/drawing/2014/main" id="{D515D0BD-6768-41D0-BAEC-364C2869C9F0}"/>
-              </a:ext>
-            </a:extLst>
-          </p:cNvPr>
-          <p:cNvSpPr txBox="1"/>
-          <p:nvPr/>
-        </p:nvSpPr>
-        <p:spPr>
-          <a:xfrm>
-            <a:off x="419100" y="476250"/>
-            <a:ext cx="10572750" cy="553998"/>
+            <a:off x="4447397" y="1030248"/>
+            <a:ext cx="966549" cy="5441021"/>
           </a:xfrm>
           <a:prstGeom prst="rect">
             <a:avLst/>
           </a:prstGeom>
-          <a:noFill/>
         </p:spPr>
-        <p:txBody>
-          <a:bodyPr wrap="square" rtlCol="0">
-            <a:spAutoFit/>
-          </a:bodyPr>
-          <a:lstStyle/>
-          <a:p>
-            <a:r>
-              <a:rPr lang="fr-FR" sz="3000" b="1" spc="300" dirty="0">
-                <a:latin typeface="Arial" panose="020B0604020202020204" pitchFamily="34" charset="0"/>
-                <a:cs typeface="Arial" panose="020B0604020202020204" pitchFamily="34" charset="0"/>
-              </a:rPr>
-              <a:t>Arborescence</a:t>
-            </a:r>
-          </a:p>
-        </p:txBody>
-      </p:sp>
-      <p:sp>
-        <p:nvSpPr>
-          <p:cNvPr id="10" name="ZoneTexte 9">
-            <a:extLst>
-              <a:ext uri="{FF2B5EF4-FFF2-40B4-BE49-F238E27FC236}">
-                <a16:creationId xmlns:a16="http://schemas.microsoft.com/office/drawing/2014/main" id="{7C16C876-9363-4A7D-92C6-89D1E35C65EE}"/>
-              </a:ext>
-            </a:extLst>
-          </p:cNvPr>
-          <p:cNvSpPr txBox="1"/>
+      </p:pic>
+      <p:pic>
+        <p:nvPicPr>
+          <p:cNvPr id="11" name="Image 10">
+            <a:extLst>
+              <a:ext uri="{FF2B5EF4-FFF2-40B4-BE49-F238E27FC236}">
+                <a16:creationId xmlns:a16="http://schemas.microsoft.com/office/drawing/2014/main" id="{1FBCC28E-7628-4362-973E-9A845BBFF460}"/>
+              </a:ext>
+            </a:extLst>
+          </p:cNvPr>
+          <p:cNvPicPr>
+            <a:picLocks noChangeAspect="1"/>
+          </p:cNvPicPr>
           <p:nvPr/>
-        </p:nvSpPr>
+        </p:nvPicPr>
+        <p:blipFill>
+          <a:blip r:embed="rId4">
+            <a:extLst>
+              <a:ext uri="{28A0092B-C50C-407E-A947-70E740481C1C}">
+                <a14:useLocalDpi xmlns:a14="http://schemas.microsoft.com/office/drawing/2010/main" val="0"/>
+              </a:ext>
+            </a:extLst>
+          </a:blip>
+          <a:stretch>
+            <a:fillRect/>
+          </a:stretch>
+        </p:blipFill>
         <p:spPr>
           <a:xfrm>
-            <a:off x="419100" y="1506498"/>
-            <a:ext cx="10591800" cy="677108"/>
+            <a:off x="5701705" y="1030248"/>
+            <a:ext cx="966549" cy="4701293"/>
           </a:xfrm>
           <a:prstGeom prst="rect">
             <a:avLst/>
           </a:prstGeom>
-          <a:noFill/>
         </p:spPr>
-        <p:txBody>
-          <a:bodyPr wrap="square" rtlCol="0">
-            <a:spAutoFit/>
-          </a:bodyPr>
-          <a:lstStyle/>
-          <a:p>
-            <a:r>
-              <a:rPr lang="fr-FR" sz="2000" spc="300" dirty="0">
-                <a:latin typeface="Arial" panose="020B0604020202020204" pitchFamily="34" charset="0"/>
-                <a:cs typeface="Arial" panose="020B0604020202020204" pitchFamily="34" charset="0"/>
-              </a:rPr>
-              <a:t>TEXT</a:t>
-            </a:r>
-          </a:p>
-          <a:p>
-            <a:pPr marL="742950" lvl="1" indent="-285750">
-              <a:buFont typeface="Arial" panose="020B0604020202020204" pitchFamily="34" charset="0"/>
-              <a:buChar char="•"/>
-            </a:pPr>
-            <a:endParaRPr lang="fr-FR" dirty="0">
-              <a:solidFill>
-                <a:srgbClr val="EA7235"/>
-              </a:solidFill>
-              <a:latin typeface="Pixel Operator" panose="02000503000000000000" pitchFamily="2" charset="0"/>
-            </a:endParaRPr>
-          </a:p>
-        </p:txBody>
-      </p:sp>
-    </p:spTree>
-    <p:extLst>
-      <p:ext uri="{BB962C8B-B14F-4D97-AF65-F5344CB8AC3E}">
-        <p14:creationId xmlns:p14="http://schemas.microsoft.com/office/powerpoint/2010/main" val="4025393722"/>
-      </p:ext>
-    </p:extLst>
-  </p:cSld>
-  <p:clrMapOvr>
-    <a:masterClrMapping/>
-  </p:clrMapOvr>
-</p:sld>
-</file>
-
-<file path=ppt/slides/slide12.xml><?xml version="1.0" encoding="utf-8"?>
-<p:sld xmlns:a="http://schemas.openxmlformats.org/drawingml/2006/main" xmlns:r="http://schemas.openxmlformats.org/officeDocument/2006/relationships" xmlns:p="http://schemas.openxmlformats.org/presentationml/2006/main">
-  <p:cSld>
-    <p:spTree>
-      <p:nvGrpSpPr>
-        <p:cNvPr id="1" name=""/>
-        <p:cNvGrpSpPr/>
-        <p:nvPr/>
-      </p:nvGrpSpPr>
-      <p:grpSpPr>
-        <a:xfrm>
-          <a:off x="0" y="0"/>
-          <a:ext cx="0" cy="0"/>
-          <a:chOff x="0" y="0"/>
-          <a:chExt cx="0" cy="0"/>
-        </a:xfrm>
-      </p:grpSpPr>
-      <p:sp>
-        <p:nvSpPr>
-          <p:cNvPr id="8" name="Rectangle 7">
-            <a:extLst>
-              <a:ext uri="{FF2B5EF4-FFF2-40B4-BE49-F238E27FC236}">
-                <a16:creationId xmlns:a16="http://schemas.microsoft.com/office/drawing/2014/main" id="{4A2B9E93-57B5-4892-8549-E9F33657EF3F}"/>
-              </a:ext>
-            </a:extLst>
-          </p:cNvPr>
-          <p:cNvSpPr/>
+      </p:pic>
+      <p:pic>
+        <p:nvPicPr>
+          <p:cNvPr id="13" name="Image 12">
+            <a:extLst>
+              <a:ext uri="{FF2B5EF4-FFF2-40B4-BE49-F238E27FC236}">
+                <a16:creationId xmlns:a16="http://schemas.microsoft.com/office/drawing/2014/main" id="{E8597F0F-B6EA-4DF3-A1EF-DBDA6C801C92}"/>
+              </a:ext>
+            </a:extLst>
+          </p:cNvPr>
+          <p:cNvPicPr>
+            <a:picLocks noChangeAspect="1"/>
+          </p:cNvPicPr>
           <p:nvPr/>
-        </p:nvSpPr>
+        </p:nvPicPr>
+        <p:blipFill>
+          <a:blip r:embed="rId5">
+            <a:extLst>
+              <a:ext uri="{28A0092B-C50C-407E-A947-70E740481C1C}">
+                <a14:useLocalDpi xmlns:a14="http://schemas.microsoft.com/office/drawing/2010/main" val="0"/>
+              </a:ext>
+            </a:extLst>
+          </a:blip>
+          <a:stretch>
+            <a:fillRect/>
+          </a:stretch>
+        </p:blipFill>
         <p:spPr>
           <a:xfrm>
-            <a:off x="0" y="0"/>
-            <a:ext cx="12192000" cy="6858000"/>
+            <a:off x="6956013" y="960991"/>
+            <a:ext cx="966549" cy="2952750"/>
           </a:xfrm>
           <a:prstGeom prst="rect">
             <a:avLst/>
           </a:prstGeom>
-          <a:solidFill>
-            <a:schemeClr val="bg1"/>
-          </a:solidFill>
-          <a:ln>
-            <a:noFill/>
-          </a:ln>
         </p:spPr>
-        <p:style>
-          <a:lnRef idx="2">
-            <a:schemeClr val="accent1">
-              <a:shade val="50000"/>
-            </a:schemeClr>
-          </a:lnRef>
-          <a:fillRef idx="1">
-            <a:schemeClr val="accent1"/>
-          </a:fillRef>
-          <a:effectRef idx="0">
-            <a:schemeClr val="accent1"/>
-          </a:effectRef>
-          <a:fontRef idx="minor">
-            <a:schemeClr val="lt1"/>
-          </a:fontRef>
-        </p:style>
-        <p:txBody>
-          <a:bodyPr rtlCol="0" anchor="ctr"/>
-          <a:lstStyle/>
-          <a:p>
-            <a:pPr algn="ctr"/>
-            <a:endParaRPr lang="fr-FR" sz="3000" dirty="0">
-              <a:solidFill>
-                <a:srgbClr val="FF5600"/>
-              </a:solidFill>
-              <a:latin typeface="Pixel Operator 8" panose="02000503000000000000" pitchFamily="2" charset="0"/>
-            </a:endParaRPr>
-          </a:p>
-        </p:txBody>
-      </p:sp>
-      <p:sp>
-        <p:nvSpPr>
-          <p:cNvPr id="9" name="Forme libre : forme 8">
-            <a:extLst>
-              <a:ext uri="{FF2B5EF4-FFF2-40B4-BE49-F238E27FC236}">
-                <a16:creationId xmlns:a16="http://schemas.microsoft.com/office/drawing/2014/main" id="{1A7ADDE7-EF35-41D4-9C5D-899FB7DBBBCA}"/>
-              </a:ext>
-            </a:extLst>
-          </p:cNvPr>
-          <p:cNvSpPr/>
-          <p:nvPr/>
-        </p:nvSpPr>
-        <p:spPr>
-          <a:xfrm>
-            <a:off x="9020273" y="-1819451"/>
-            <a:ext cx="5354683" cy="9859672"/>
-          </a:xfrm>
-          <a:custGeom>
-            <a:avLst/>
-            <a:gdLst>
-              <a:gd name="connsiteX0" fmla="*/ 771427 w 5354683"/>
-              <a:gd name="connsiteY0" fmla="*/ 371651 h 9859672"/>
-              <a:gd name="connsiteX1" fmla="*/ 1285777 w 5354683"/>
-              <a:gd name="connsiteY1" fmla="*/ 1038401 h 9859672"/>
-              <a:gd name="connsiteX2" fmla="*/ 2714527 w 5354683"/>
-              <a:gd name="connsiteY2" fmla="*/ 3057701 h 9859672"/>
-              <a:gd name="connsiteX3" fmla="*/ 2466877 w 5354683"/>
-              <a:gd name="connsiteY3" fmla="*/ 6639101 h 9859672"/>
-              <a:gd name="connsiteX4" fmla="*/ 66577 w 5354683"/>
-              <a:gd name="connsiteY4" fmla="*/ 9649001 h 9859672"/>
-              <a:gd name="connsiteX5" fmla="*/ 619027 w 5354683"/>
-              <a:gd name="connsiteY5" fmla="*/ 9610901 h 9859672"/>
-              <a:gd name="connsiteX6" fmla="*/ 5133877 w 5354683"/>
-              <a:gd name="connsiteY6" fmla="*/ 8944151 h 9859672"/>
-              <a:gd name="connsiteX7" fmla="*/ 4257577 w 5354683"/>
-              <a:gd name="connsiteY7" fmla="*/ 771701 h 9859672"/>
-              <a:gd name="connsiteX8" fmla="*/ 771427 w 5354683"/>
-              <a:gd name="connsiteY8" fmla="*/ 371651 h 9859672"/>
-            </a:gdLst>
-            <a:ahLst/>
-            <a:cxnLst>
-              <a:cxn ang="0">
-                <a:pos x="connsiteX0" y="connsiteY0"/>
-              </a:cxn>
-              <a:cxn ang="0">
-                <a:pos x="connsiteX1" y="connsiteY1"/>
-              </a:cxn>
-              <a:cxn ang="0">
-                <a:pos x="connsiteX2" y="connsiteY2"/>
-              </a:cxn>
-              <a:cxn ang="0">
-                <a:pos x="connsiteX3" y="connsiteY3"/>
-              </a:cxn>
-              <a:cxn ang="0">
-                <a:pos x="connsiteX4" y="connsiteY4"/>
-              </a:cxn>
-              <a:cxn ang="0">
-                <a:pos x="connsiteX5" y="connsiteY5"/>
-              </a:cxn>
-              <a:cxn ang="0">
-                <a:pos x="connsiteX6" y="connsiteY6"/>
-              </a:cxn>
-              <a:cxn ang="0">
-                <a:pos x="connsiteX7" y="connsiteY7"/>
-              </a:cxn>
-              <a:cxn ang="0">
-                <a:pos x="connsiteX8" y="connsiteY8"/>
-              </a:cxn>
-            </a:cxnLst>
-            <a:rect l="l" t="t" r="r" b="b"/>
-            <a:pathLst>
-              <a:path w="5354683" h="9859672">
-                <a:moveTo>
-                  <a:pt x="771427" y="371651"/>
-                </a:moveTo>
-                <a:cubicBezTo>
-                  <a:pt x="276127" y="416101"/>
-                  <a:pt x="961927" y="590726"/>
-                  <a:pt x="1285777" y="1038401"/>
-                </a:cubicBezTo>
-                <a:cubicBezTo>
-                  <a:pt x="1609627" y="1486076"/>
-                  <a:pt x="2517677" y="2124251"/>
-                  <a:pt x="2714527" y="3057701"/>
-                </a:cubicBezTo>
-                <a:cubicBezTo>
-                  <a:pt x="2911377" y="3991151"/>
-                  <a:pt x="2908202" y="5540551"/>
-                  <a:pt x="2466877" y="6639101"/>
-                </a:cubicBezTo>
-                <a:cubicBezTo>
-                  <a:pt x="2025552" y="7737651"/>
-                  <a:pt x="374552" y="9153701"/>
-                  <a:pt x="66577" y="9649001"/>
-                </a:cubicBezTo>
-                <a:cubicBezTo>
-                  <a:pt x="-241398" y="10144301"/>
-                  <a:pt x="619027" y="9610901"/>
-                  <a:pt x="619027" y="9610901"/>
-                </a:cubicBezTo>
-                <a:cubicBezTo>
-                  <a:pt x="1463577" y="9493426"/>
-                  <a:pt x="4527452" y="10417351"/>
-                  <a:pt x="5133877" y="8944151"/>
-                </a:cubicBezTo>
-                <a:cubicBezTo>
-                  <a:pt x="5740302" y="7470951"/>
-                  <a:pt x="4981477" y="2200451"/>
-                  <a:pt x="4257577" y="771701"/>
-                </a:cubicBezTo>
-                <a:cubicBezTo>
-                  <a:pt x="3533677" y="-657049"/>
-                  <a:pt x="1266727" y="327201"/>
-                  <a:pt x="771427" y="371651"/>
-                </a:cubicBezTo>
-                <a:close/>
-              </a:path>
-            </a:pathLst>
-          </a:custGeom>
-          <a:solidFill>
-            <a:schemeClr val="bg1">
-              <a:lumMod val="75000"/>
-            </a:schemeClr>
-          </a:solidFill>
-          <a:ln>
-            <a:noFill/>
-          </a:ln>
-        </p:spPr>
-        <p:style>
-          <a:lnRef idx="2">
-            <a:schemeClr val="accent1">
-              <a:shade val="50000"/>
-            </a:schemeClr>
-          </a:lnRef>
-          <a:fillRef idx="1">
-            <a:schemeClr val="accent1"/>
-          </a:fillRef>
-          <a:effectRef idx="0">
-            <a:schemeClr val="accent1"/>
-          </a:effectRef>
-          <a:fontRef idx="minor">
-            <a:schemeClr val="lt1"/>
-          </a:fontRef>
-        </p:style>
-        <p:txBody>
-          <a:bodyPr rtlCol="0" anchor="ctr"/>
-          <a:lstStyle/>
-          <a:p>
-            <a:pPr algn="ctr"/>
-            <a:endParaRPr lang="fr-FR"/>
-          </a:p>
-        </p:txBody>
-      </p:sp>
-      <p:sp>
-        <p:nvSpPr>
-          <p:cNvPr id="6" name="ZoneTexte 5">
-            <a:extLst>
-              <a:ext uri="{FF2B5EF4-FFF2-40B4-BE49-F238E27FC236}">
-                <a16:creationId xmlns:a16="http://schemas.microsoft.com/office/drawing/2014/main" id="{D515D0BD-6768-41D0-BAEC-364C2869C9F0}"/>
-              </a:ext>
-            </a:extLst>
-          </p:cNvPr>
-          <p:cNvSpPr txBox="1"/>
-          <p:nvPr/>
-        </p:nvSpPr>
-        <p:spPr>
-          <a:xfrm>
-            <a:off x="419100" y="476250"/>
-            <a:ext cx="10572750" cy="553998"/>
-          </a:xfrm>
-          <a:prstGeom prst="rect">
-            <a:avLst/>
-          </a:prstGeom>
-          <a:noFill/>
-        </p:spPr>
-        <p:txBody>
-          <a:bodyPr wrap="square" rtlCol="0">
-            <a:spAutoFit/>
-          </a:bodyPr>
-          <a:lstStyle/>
-          <a:p>
-            <a:r>
-              <a:rPr lang="fr-FR" sz="3000" b="1" spc="300" dirty="0">
-                <a:latin typeface="Arial" panose="020B0604020202020204" pitchFamily="34" charset="0"/>
-                <a:cs typeface="Arial" panose="020B0604020202020204" pitchFamily="34" charset="0"/>
-              </a:rPr>
-              <a:t>Wireframe</a:t>
-            </a:r>
-          </a:p>
-        </p:txBody>
-      </p:sp>
-      <p:sp>
-        <p:nvSpPr>
-          <p:cNvPr id="10" name="ZoneTexte 9">
-            <a:extLst>
-              <a:ext uri="{FF2B5EF4-FFF2-40B4-BE49-F238E27FC236}">
-                <a16:creationId xmlns:a16="http://schemas.microsoft.com/office/drawing/2014/main" id="{5E5AD2E7-4B9F-4555-9F55-F12FB62C649D}"/>
-              </a:ext>
-            </a:extLst>
-          </p:cNvPr>
-          <p:cNvSpPr txBox="1"/>
-          <p:nvPr/>
-        </p:nvSpPr>
-        <p:spPr>
-          <a:xfrm>
-            <a:off x="419100" y="1506498"/>
-            <a:ext cx="10591800" cy="677108"/>
-          </a:xfrm>
-          <a:prstGeom prst="rect">
-            <a:avLst/>
-          </a:prstGeom>
-          <a:noFill/>
-        </p:spPr>
-        <p:txBody>
-          <a:bodyPr wrap="square" rtlCol="0">
-            <a:spAutoFit/>
-          </a:bodyPr>
-          <a:lstStyle/>
-          <a:p>
-            <a:r>
-              <a:rPr lang="fr-FR" sz="2000" spc="300" dirty="0">
-                <a:latin typeface="Arial" panose="020B0604020202020204" pitchFamily="34" charset="0"/>
-                <a:cs typeface="Arial" panose="020B0604020202020204" pitchFamily="34" charset="0"/>
-              </a:rPr>
-              <a:t>TEXT</a:t>
-            </a:r>
-          </a:p>
-          <a:p>
-            <a:pPr marL="742950" lvl="1" indent="-285750">
-              <a:buFont typeface="Arial" panose="020B0604020202020204" pitchFamily="34" charset="0"/>
-              <a:buChar char="•"/>
-            </a:pPr>
-            <a:endParaRPr lang="fr-FR" dirty="0">
-              <a:solidFill>
-                <a:srgbClr val="EA7235"/>
-              </a:solidFill>
-              <a:latin typeface="Pixel Operator" panose="02000503000000000000" pitchFamily="2" charset="0"/>
-            </a:endParaRPr>
-          </a:p>
-        </p:txBody>
-      </p:sp>
+      </p:pic>
     </p:spTree>
     <p:extLst>
       <p:ext uri="{BB962C8B-B14F-4D97-AF65-F5344CB8AC3E}">
@@ -4591,7 +4333,7 @@
 </p:sld>
 </file>
 
-<file path=ppt/slides/slide13.xml><?xml version="1.0" encoding="utf-8"?>
+<file path=ppt/slides/slide12.xml><?xml version="1.0" encoding="utf-8"?>
 <p:sld xmlns:a="http://schemas.openxmlformats.org/drawingml/2006/main" xmlns:r="http://schemas.openxmlformats.org/officeDocument/2006/relationships" xmlns:p="http://schemas.openxmlformats.org/presentationml/2006/main">
   <p:cSld>
     <p:spTree>
@@ -5045,8 +4787,8 @@
         </p:nvSpPr>
         <p:spPr>
           <a:xfrm>
-            <a:off x="419100" y="476250"/>
-            <a:ext cx="10572750" cy="553998"/>
+            <a:off x="324202" y="449986"/>
+            <a:ext cx="4376559" cy="553998"/>
           </a:xfrm>
           <a:prstGeom prst="rect">
             <a:avLst/>
@@ -5069,12 +4811,84 @@
           </a:p>
         </p:txBody>
       </p:sp>
-      <p:sp>
-        <p:nvSpPr>
-          <p:cNvPr id="10" name="ZoneTexte 9">
-            <a:extLst>
-              <a:ext uri="{FF2B5EF4-FFF2-40B4-BE49-F238E27FC236}">
-                <a16:creationId xmlns:a16="http://schemas.microsoft.com/office/drawing/2014/main" id="{DBB2BD21-9ADF-428C-95DE-1C455467FE30}"/>
+      <p:pic>
+        <p:nvPicPr>
+          <p:cNvPr id="3" name="Image 2">
+            <a:extLst>
+              <a:ext uri="{FF2B5EF4-FFF2-40B4-BE49-F238E27FC236}">
+                <a16:creationId xmlns:a16="http://schemas.microsoft.com/office/drawing/2014/main" id="{7A2E68A1-BA44-4A76-81EB-626CAEA4012E}"/>
+              </a:ext>
+            </a:extLst>
+          </p:cNvPr>
+          <p:cNvPicPr>
+            <a:picLocks noChangeAspect="1"/>
+          </p:cNvPicPr>
+          <p:nvPr/>
+        </p:nvPicPr>
+        <p:blipFill>
+          <a:blip r:embed="rId2">
+            <a:extLst>
+              <a:ext uri="{28A0092B-C50C-407E-A947-70E740481C1C}">
+                <a14:useLocalDpi xmlns:a14="http://schemas.microsoft.com/office/drawing/2010/main" val="0"/>
+              </a:ext>
+            </a:extLst>
+          </a:blip>
+          <a:stretch>
+            <a:fillRect/>
+          </a:stretch>
+        </p:blipFill>
+        <p:spPr>
+          <a:xfrm>
+            <a:off x="525246" y="1605142"/>
+            <a:ext cx="1221014" cy="4776608"/>
+          </a:xfrm>
+          <a:prstGeom prst="rect">
+            <a:avLst/>
+          </a:prstGeom>
+        </p:spPr>
+      </p:pic>
+      <p:pic>
+        <p:nvPicPr>
+          <p:cNvPr id="11" name="Image 10">
+            <a:extLst>
+              <a:ext uri="{FF2B5EF4-FFF2-40B4-BE49-F238E27FC236}">
+                <a16:creationId xmlns:a16="http://schemas.microsoft.com/office/drawing/2014/main" id="{FD474CC6-1738-4FCE-8061-3D67EB309BE7}"/>
+              </a:ext>
+            </a:extLst>
+          </p:cNvPr>
+          <p:cNvPicPr>
+            <a:picLocks noChangeAspect="1"/>
+          </p:cNvPicPr>
+          <p:nvPr/>
+        </p:nvPicPr>
+        <p:blipFill>
+          <a:blip r:embed="rId3">
+            <a:extLst>
+              <a:ext uri="{28A0092B-C50C-407E-A947-70E740481C1C}">
+                <a14:useLocalDpi xmlns:a14="http://schemas.microsoft.com/office/drawing/2010/main" val="0"/>
+              </a:ext>
+            </a:extLst>
+          </a:blip>
+          <a:stretch>
+            <a:fillRect/>
+          </a:stretch>
+        </p:blipFill>
+        <p:spPr>
+          <a:xfrm>
+            <a:off x="2709565" y="1605142"/>
+            <a:ext cx="1203479" cy="4776608"/>
+          </a:xfrm>
+          <a:prstGeom prst="rect">
+            <a:avLst/>
+          </a:prstGeom>
+        </p:spPr>
+      </p:pic>
+      <p:sp>
+        <p:nvSpPr>
+          <p:cNvPr id="16" name="ZoneTexte 15">
+            <a:extLst>
+              <a:ext uri="{FF2B5EF4-FFF2-40B4-BE49-F238E27FC236}">
+                <a16:creationId xmlns:a16="http://schemas.microsoft.com/office/drawing/2014/main" id="{C25328DB-4DEE-45F2-929F-D838A05A25FD}"/>
               </a:ext>
             </a:extLst>
           </p:cNvPr>
@@ -5083,8 +4897,8 @@
         </p:nvSpPr>
         <p:spPr>
           <a:xfrm>
-            <a:off x="419100" y="1506498"/>
-            <a:ext cx="10591800" cy="677108"/>
+            <a:off x="4719687" y="449986"/>
+            <a:ext cx="4376559" cy="553998"/>
           </a:xfrm>
           <a:prstGeom prst="rect">
             <a:avLst/>
@@ -5098,27 +4912,87 @@
           <a:lstStyle/>
           <a:p>
             <a:r>
-              <a:rPr lang="fr-FR" sz="2000" spc="300" dirty="0">
+              <a:rPr lang="fr-FR" sz="3000" b="1" spc="300" dirty="0">
                 <a:latin typeface="Arial" panose="020B0604020202020204" pitchFamily="34" charset="0"/>
                 <a:cs typeface="Arial" panose="020B0604020202020204" pitchFamily="34" charset="0"/>
               </a:rPr>
-              <a:t>TEXT</a:t>
-            </a:r>
-          </a:p>
-          <a:p>
-            <a:pPr marL="742950" lvl="1" indent="-285750">
-              <a:buFont typeface="Arial" panose="020B0604020202020204" pitchFamily="34" charset="0"/>
-              <a:buChar char="•"/>
-            </a:pPr>
-            <a:endParaRPr lang="fr-FR" dirty="0">
-              <a:solidFill>
-                <a:srgbClr val="EA7235"/>
-              </a:solidFill>
-              <a:latin typeface="Pixel Operator" panose="02000503000000000000" pitchFamily="2" charset="0"/>
-            </a:endParaRPr>
-          </a:p>
-        </p:txBody>
-      </p:sp>
+              <a:t>Maquette mobile</a:t>
+            </a:r>
+          </a:p>
+        </p:txBody>
+      </p:sp>
+      <p:pic>
+        <p:nvPicPr>
+          <p:cNvPr id="17" name="Image 16">
+            <a:extLst>
+              <a:ext uri="{FF2B5EF4-FFF2-40B4-BE49-F238E27FC236}">
+                <a16:creationId xmlns:a16="http://schemas.microsoft.com/office/drawing/2014/main" id="{FAD94FEF-CB89-4847-9E06-6DDFF99B972E}"/>
+              </a:ext>
+            </a:extLst>
+          </p:cNvPr>
+          <p:cNvPicPr>
+            <a:picLocks noChangeAspect="1"/>
+          </p:cNvPicPr>
+          <p:nvPr/>
+        </p:nvPicPr>
+        <p:blipFill>
+          <a:blip r:embed="rId4">
+            <a:extLst>
+              <a:ext uri="{28A0092B-C50C-407E-A947-70E740481C1C}">
+                <a14:useLocalDpi xmlns:a14="http://schemas.microsoft.com/office/drawing/2010/main" val="0"/>
+              </a:ext>
+            </a:extLst>
+          </a:blip>
+          <a:stretch>
+            <a:fillRect/>
+          </a:stretch>
+        </p:blipFill>
+        <p:spPr>
+          <a:xfrm>
+            <a:off x="6096000" y="1354321"/>
+            <a:ext cx="1222683" cy="5094514"/>
+          </a:xfrm>
+          <a:prstGeom prst="rect">
+            <a:avLst/>
+          </a:prstGeom>
+        </p:spPr>
+      </p:pic>
+      <p:pic>
+        <p:nvPicPr>
+          <p:cNvPr id="18" name="Image 17">
+            <a:extLst>
+              <a:ext uri="{FF2B5EF4-FFF2-40B4-BE49-F238E27FC236}">
+                <a16:creationId xmlns:a16="http://schemas.microsoft.com/office/drawing/2014/main" id="{7D0014CE-8FA7-4F23-9F6F-72EE660B1419}"/>
+              </a:ext>
+            </a:extLst>
+          </p:cNvPr>
+          <p:cNvPicPr>
+            <a:picLocks noChangeAspect="1"/>
+          </p:cNvPicPr>
+          <p:nvPr/>
+        </p:nvPicPr>
+        <p:blipFill>
+          <a:blip r:embed="rId5">
+            <a:extLst>
+              <a:ext uri="{28A0092B-C50C-407E-A947-70E740481C1C}">
+                <a14:useLocalDpi xmlns:a14="http://schemas.microsoft.com/office/drawing/2010/main" val="0"/>
+              </a:ext>
+            </a:extLst>
+          </a:blip>
+          <a:stretch>
+            <a:fillRect/>
+          </a:stretch>
+        </p:blipFill>
+        <p:spPr>
+          <a:xfrm>
+            <a:off x="8724875" y="476250"/>
+            <a:ext cx="981137" cy="6132106"/>
+          </a:xfrm>
+          <a:prstGeom prst="rect">
+            <a:avLst/>
+          </a:prstGeom>
+        </p:spPr>
+      </p:pic>
     </p:spTree>
     <p:extLst>
       <p:ext uri="{BB962C8B-B14F-4D97-AF65-F5344CB8AC3E}">
@@ -5132,7 +5006,7 @@
 </p:sld>
 </file>
 
-<file path=ppt/slides/slide14.xml><?xml version="1.0" encoding="utf-8"?>
+<file path=ppt/slides/slide13.xml><?xml version="1.0" encoding="utf-8"?>
 <p:sld xmlns:a="http://schemas.openxmlformats.org/drawingml/2006/main" xmlns:r="http://schemas.openxmlformats.org/officeDocument/2006/relationships" xmlns:p="http://schemas.openxmlformats.org/presentationml/2006/main">
   <p:cSld>
     <p:spTree>
@@ -5154,7 +5028,7 @@
           <p:cNvPr id="8" name="Rectangle 7">
             <a:extLst>
               <a:ext uri="{FF2B5EF4-FFF2-40B4-BE49-F238E27FC236}">
-                <a16:creationId xmlns:a16="http://schemas.microsoft.com/office/drawing/2014/main" id="{60F7F05D-D395-475E-96F8-7AAFD9C73861}"/>
+                <a16:creationId xmlns:a16="http://schemas.microsoft.com/office/drawing/2014/main" id="{5DA99DA9-F554-4158-BC8E-8C84C457697F}"/>
               </a:ext>
             </a:extLst>
           </p:cNvPr>
@@ -5197,6 +5071,10 @@
           <a:lstStyle/>
           <a:p>
             <a:pPr algn="ctr"/>
+            <a:endParaRPr lang="fr-FR" sz="3200" dirty="0"/>
+          </a:p>
+          <a:p>
+            <a:pPr algn="ctr"/>
             <a:endParaRPr lang="fr-FR" sz="3000" dirty="0">
               <a:solidFill>
                 <a:srgbClr val="FF5600"/>
@@ -5211,7 +5089,7 @@
           <p:cNvPr id="9" name="Forme libre : forme 8">
             <a:extLst>
               <a:ext uri="{FF2B5EF4-FFF2-40B4-BE49-F238E27FC236}">
-                <a16:creationId xmlns:a16="http://schemas.microsoft.com/office/drawing/2014/main" id="{6765F5DD-2ABC-4E3E-A13C-759596C48250}"/>
+                <a16:creationId xmlns:a16="http://schemas.microsoft.com/office/drawing/2014/main" id="{A60A683C-91BF-4368-9812-9ED62105D5AC}"/>
               </a:ext>
             </a:extLst>
           </p:cNvPr>
@@ -5392,72 +5270,94 @@
                 <a:latin typeface="Arial" panose="020B0604020202020204" pitchFamily="34" charset="0"/>
                 <a:cs typeface="Arial" panose="020B0604020202020204" pitchFamily="34" charset="0"/>
               </a:rPr>
-              <a:t>Maquette</a:t>
+              <a:t>Technologies</a:t>
             </a:r>
             <a:r>
               <a:rPr lang="fr-FR" sz="3000" b="1" dirty="0">
                 <a:latin typeface="Arial" panose="020B0604020202020204" pitchFamily="34" charset="0"/>
                 <a:cs typeface="Arial" panose="020B0604020202020204" pitchFamily="34" charset="0"/>
               </a:rPr>
-              <a:t> Mobile</a:t>
-            </a:r>
-          </a:p>
-        </p:txBody>
-      </p:sp>
-      <p:sp>
-        <p:nvSpPr>
-          <p:cNvPr id="10" name="ZoneTexte 9">
-            <a:extLst>
-              <a:ext uri="{FF2B5EF4-FFF2-40B4-BE49-F238E27FC236}">
-                <a16:creationId xmlns:a16="http://schemas.microsoft.com/office/drawing/2014/main" id="{75EC5EA7-0D3C-413C-9334-461D5B118A88}"/>
-              </a:ext>
-            </a:extLst>
-          </p:cNvPr>
-          <p:cNvSpPr txBox="1"/>
+              <a:t> utilisées</a:t>
+            </a:r>
+          </a:p>
+        </p:txBody>
+      </p:sp>
+      <p:pic>
+        <p:nvPicPr>
+          <p:cNvPr id="3" name="Image 2">
+            <a:extLst>
+              <a:ext uri="{FF2B5EF4-FFF2-40B4-BE49-F238E27FC236}">
+                <a16:creationId xmlns:a16="http://schemas.microsoft.com/office/drawing/2014/main" id="{B6F8399B-3255-4F2C-B7A6-DBD82D0CDA23}"/>
+              </a:ext>
+            </a:extLst>
+          </p:cNvPr>
+          <p:cNvPicPr>
+            <a:picLocks noChangeAspect="1"/>
+          </p:cNvPicPr>
           <p:nvPr/>
-        </p:nvSpPr>
+        </p:nvPicPr>
+        <p:blipFill>
+          <a:blip r:embed="rId2">
+            <a:extLst>
+              <a:ext uri="{28A0092B-C50C-407E-A947-70E740481C1C}">
+                <a14:useLocalDpi xmlns:a14="http://schemas.microsoft.com/office/drawing/2010/main" val="0"/>
+              </a:ext>
+            </a:extLst>
+          </a:blip>
+          <a:stretch>
+            <a:fillRect/>
+          </a:stretch>
+        </p:blipFill>
         <p:spPr>
           <a:xfrm>
-            <a:off x="419100" y="1506498"/>
-            <a:ext cx="10591800" cy="677108"/>
+            <a:off x="741317" y="1474232"/>
+            <a:ext cx="5354683" cy="3272306"/>
           </a:xfrm>
           <a:prstGeom prst="rect">
             <a:avLst/>
           </a:prstGeom>
-          <a:noFill/>
         </p:spPr>
-        <p:txBody>
-          <a:bodyPr wrap="square" rtlCol="0">
-            <a:spAutoFit/>
-          </a:bodyPr>
-          <a:lstStyle/>
-          <a:p>
-            <a:r>
-              <a:rPr lang="fr-FR" sz="2000" spc="300" dirty="0">
-                <a:latin typeface="Arial" panose="020B0604020202020204" pitchFamily="34" charset="0"/>
-                <a:cs typeface="Arial" panose="020B0604020202020204" pitchFamily="34" charset="0"/>
-              </a:rPr>
-              <a:t>TEXT</a:t>
-            </a:r>
-          </a:p>
-          <a:p>
-            <a:pPr marL="742950" lvl="1" indent="-285750">
-              <a:buFont typeface="Arial" panose="020B0604020202020204" pitchFamily="34" charset="0"/>
-              <a:buChar char="•"/>
-            </a:pPr>
-            <a:endParaRPr lang="fr-FR" dirty="0">
-              <a:solidFill>
-                <a:srgbClr val="EA7235"/>
-              </a:solidFill>
-              <a:latin typeface="Pixel Operator" panose="02000503000000000000" pitchFamily="2" charset="0"/>
-            </a:endParaRPr>
-          </a:p>
-        </p:txBody>
-      </p:sp>
+      </p:pic>
+      <p:pic>
+        <p:nvPicPr>
+          <p:cNvPr id="5" name="Image 4">
+            <a:extLst>
+              <a:ext uri="{FF2B5EF4-FFF2-40B4-BE49-F238E27FC236}">
+                <a16:creationId xmlns:a16="http://schemas.microsoft.com/office/drawing/2014/main" id="{9C27F18A-0FB1-4D1A-8B12-247EF564F468}"/>
+              </a:ext>
+            </a:extLst>
+          </p:cNvPr>
+          <p:cNvPicPr>
+            <a:picLocks noChangeAspect="1"/>
+          </p:cNvPicPr>
+          <p:nvPr/>
+        </p:nvPicPr>
+        <p:blipFill>
+          <a:blip r:embed="rId3">
+            <a:extLst>
+              <a:ext uri="{28A0092B-C50C-407E-A947-70E740481C1C}">
+                <a14:useLocalDpi xmlns:a14="http://schemas.microsoft.com/office/drawing/2010/main" val="0"/>
+              </a:ext>
+            </a:extLst>
+          </a:blip>
+          <a:stretch>
+            <a:fillRect/>
+          </a:stretch>
+        </p:blipFill>
+        <p:spPr>
+          <a:xfrm>
+            <a:off x="6322991" y="2460538"/>
+            <a:ext cx="4572000" cy="2286000"/>
+          </a:xfrm>
+          <a:prstGeom prst="rect">
+            <a:avLst/>
+          </a:prstGeom>
+        </p:spPr>
+      </p:pic>
     </p:spTree>
     <p:extLst>
       <p:ext uri="{BB962C8B-B14F-4D97-AF65-F5344CB8AC3E}">
-        <p14:creationId xmlns:p14="http://schemas.microsoft.com/office/powerpoint/2010/main" val="681828210"/>
+        <p14:creationId xmlns:p14="http://schemas.microsoft.com/office/powerpoint/2010/main" val="3763295953"/>
       </p:ext>
     </p:extLst>
   </p:cSld>
@@ -5467,7 +5367,7 @@
 </p:sld>
 </file>
 
-<file path=ppt/slides/slide15.xml><?xml version="1.0" encoding="utf-8"?>
+<file path=ppt/slides/slide14.xml><?xml version="1.0" encoding="utf-8"?>
 <p:sld xmlns:a="http://schemas.openxmlformats.org/drawingml/2006/main" xmlns:r="http://schemas.openxmlformats.org/officeDocument/2006/relationships" xmlns:p="http://schemas.openxmlformats.org/presentationml/2006/main">
   <p:cSld>
     <p:spTree>
@@ -5489,7 +5389,7 @@
           <p:cNvPr id="8" name="Rectangle 7">
             <a:extLst>
               <a:ext uri="{FF2B5EF4-FFF2-40B4-BE49-F238E27FC236}">
-                <a16:creationId xmlns:a16="http://schemas.microsoft.com/office/drawing/2014/main" id="{5DA99DA9-F554-4158-BC8E-8C84C457697F}"/>
+                <a16:creationId xmlns:a16="http://schemas.microsoft.com/office/drawing/2014/main" id="{DC15F754-96B7-4E35-8C7B-514719BEF7CF}"/>
               </a:ext>
             </a:extLst>
           </p:cNvPr>
@@ -5546,7 +5446,7 @@
           <p:cNvPr id="9" name="Forme libre : forme 8">
             <a:extLst>
               <a:ext uri="{FF2B5EF4-FFF2-40B4-BE49-F238E27FC236}">
-                <a16:creationId xmlns:a16="http://schemas.microsoft.com/office/drawing/2014/main" id="{A60A683C-91BF-4368-9812-9ED62105D5AC}"/>
+                <a16:creationId xmlns:a16="http://schemas.microsoft.com/office/drawing/2014/main" id="{F0F7D150-81D2-4003-A5FD-9C25DA7A450E}"/>
               </a:ext>
             </a:extLst>
           </p:cNvPr>
@@ -5727,14 +5627,14 @@
                 <a:latin typeface="Arial" panose="020B0604020202020204" pitchFamily="34" charset="0"/>
                 <a:cs typeface="Arial" panose="020B0604020202020204" pitchFamily="34" charset="0"/>
               </a:rPr>
-              <a:t>Technologies</a:t>
+              <a:t>Référencement</a:t>
             </a:r>
             <a:r>
               <a:rPr lang="fr-FR" sz="3000" b="1" dirty="0">
                 <a:latin typeface="Arial" panose="020B0604020202020204" pitchFamily="34" charset="0"/>
                 <a:cs typeface="Arial" panose="020B0604020202020204" pitchFamily="34" charset="0"/>
               </a:rPr>
-              <a:t> utilisées</a:t>
+              <a:t> naturel</a:t>
             </a:r>
           </a:p>
         </p:txBody>
@@ -5744,7 +5644,7 @@
           <p:cNvPr id="10" name="ZoneTexte 9">
             <a:extLst>
               <a:ext uri="{FF2B5EF4-FFF2-40B4-BE49-F238E27FC236}">
-                <a16:creationId xmlns:a16="http://schemas.microsoft.com/office/drawing/2014/main" id="{288AEE59-C846-4592-972A-292BF7BBB725}"/>
+                <a16:creationId xmlns:a16="http://schemas.microsoft.com/office/drawing/2014/main" id="{5A85C42E-EC6D-4907-AA60-A3473AE7E7E0}"/>
               </a:ext>
             </a:extLst>
           </p:cNvPr>
@@ -5753,8 +5653,8 @@
         </p:nvSpPr>
         <p:spPr>
           <a:xfrm>
-            <a:off x="419100" y="1506498"/>
-            <a:ext cx="10591800" cy="677108"/>
+            <a:off x="419100" y="2002389"/>
+            <a:ext cx="10591800" cy="2215991"/>
           </a:xfrm>
           <a:prstGeom prst="rect">
             <a:avLst/>
@@ -5772,7 +5672,52 @@
                 <a:latin typeface="Arial" panose="020B0604020202020204" pitchFamily="34" charset="0"/>
                 <a:cs typeface="Arial" panose="020B0604020202020204" pitchFamily="34" charset="0"/>
               </a:rPr>
-              <a:t>TEXT</a:t>
+              <a:t>Ce site doit présenter les éléments suivants dans le cadre d’un bon référencement naturel:</a:t>
+            </a:r>
+          </a:p>
+          <a:p>
+            <a:endParaRPr lang="fr-FR" sz="2000" spc="300" dirty="0">
+              <a:latin typeface="Arial" panose="020B0604020202020204" pitchFamily="34" charset="0"/>
+              <a:cs typeface="Arial" panose="020B0604020202020204" pitchFamily="34" charset="0"/>
+            </a:endParaRPr>
+          </a:p>
+          <a:p>
+            <a:pPr marL="342900" indent="-342900">
+              <a:buFont typeface="Arial" panose="020B0604020202020204" pitchFamily="34" charset="0"/>
+              <a:buChar char="•"/>
+            </a:pPr>
+            <a:r>
+              <a:rPr lang="fr-FR" sz="2000" spc="300" dirty="0">
+                <a:latin typeface="Arial" panose="020B0604020202020204" pitchFamily="34" charset="0"/>
+                <a:cs typeface="Arial" panose="020B0604020202020204" pitchFamily="34" charset="0"/>
+              </a:rPr>
+              <a:t>Respect des normes W3C</a:t>
+            </a:r>
+          </a:p>
+          <a:p>
+            <a:pPr marL="342900" indent="-342900">
+              <a:buFont typeface="Arial" panose="020B0604020202020204" pitchFamily="34" charset="0"/>
+              <a:buChar char="•"/>
+            </a:pPr>
+            <a:r>
+              <a:rPr lang="fr-FR" sz="2000" spc="300" dirty="0">
+                <a:latin typeface="Arial" panose="020B0604020202020204" pitchFamily="34" charset="0"/>
+                <a:cs typeface="Arial" panose="020B0604020202020204" pitchFamily="34" charset="0"/>
+              </a:rPr>
+              <a:t>Fichier robot.txt</a:t>
+            </a:r>
+          </a:p>
+          <a:p>
+            <a:pPr marL="342900" indent="-342900">
+              <a:buFont typeface="Arial" panose="020B0604020202020204" pitchFamily="34" charset="0"/>
+              <a:buChar char="•"/>
+            </a:pPr>
+            <a:r>
+              <a:rPr lang="fr-FR" sz="2000" spc="300" dirty="0">
+                <a:latin typeface="Arial" panose="020B0604020202020204" pitchFamily="34" charset="0"/>
+                <a:cs typeface="Arial" panose="020B0604020202020204" pitchFamily="34" charset="0"/>
+              </a:rPr>
+              <a:t>Fichier sitemap.xml</a:t>
             </a:r>
           </a:p>
           <a:p>
@@ -5792,7 +5737,7 @@
     </p:spTree>
     <p:extLst>
       <p:ext uri="{BB962C8B-B14F-4D97-AF65-F5344CB8AC3E}">
-        <p14:creationId xmlns:p14="http://schemas.microsoft.com/office/powerpoint/2010/main" val="3763295953"/>
+        <p14:creationId xmlns:p14="http://schemas.microsoft.com/office/powerpoint/2010/main" val="2550556057"/>
       </p:ext>
     </p:extLst>
   </p:cSld>
@@ -5802,7 +5747,7 @@
 </p:sld>
 </file>
 
-<file path=ppt/slides/slide16.xml><?xml version="1.0" encoding="utf-8"?>
+<file path=ppt/slides/slide2.xml><?xml version="1.0" encoding="utf-8"?>
 <p:sld xmlns:a="http://schemas.openxmlformats.org/drawingml/2006/main" xmlns:r="http://schemas.openxmlformats.org/officeDocument/2006/relationships" xmlns:p="http://schemas.openxmlformats.org/presentationml/2006/main">
   <p:cSld>
     <p:spTree>
@@ -5824,7 +5769,7 @@
           <p:cNvPr id="8" name="Rectangle 7">
             <a:extLst>
               <a:ext uri="{FF2B5EF4-FFF2-40B4-BE49-F238E27FC236}">
-                <a16:creationId xmlns:a16="http://schemas.microsoft.com/office/drawing/2014/main" id="{DC15F754-96B7-4E35-8C7B-514719BEF7CF}"/>
+                <a16:creationId xmlns:a16="http://schemas.microsoft.com/office/drawing/2014/main" id="{928863A6-64D3-4423-A1DF-77507F9D09BF}"/>
               </a:ext>
             </a:extLst>
           </p:cNvPr>
@@ -5881,7 +5826,7 @@
           <p:cNvPr id="9" name="Forme libre : forme 8">
             <a:extLst>
               <a:ext uri="{FF2B5EF4-FFF2-40B4-BE49-F238E27FC236}">
-                <a16:creationId xmlns:a16="http://schemas.microsoft.com/office/drawing/2014/main" id="{F0F7D150-81D2-4003-A5FD-9C25DA7A450E}"/>
+                <a16:creationId xmlns:a16="http://schemas.microsoft.com/office/drawing/2014/main" id="{15C28749-AF28-4A1E-9F8A-0BA30A3CA573}"/>
               </a:ext>
             </a:extLst>
           </p:cNvPr>
@@ -6062,24 +6007,17 @@
                 <a:latin typeface="Arial" panose="020B0604020202020204" pitchFamily="34" charset="0"/>
                 <a:cs typeface="Arial" panose="020B0604020202020204" pitchFamily="34" charset="0"/>
               </a:rPr>
-              <a:t>Référencement</a:t>
-            </a:r>
-            <a:r>
-              <a:rPr lang="fr-FR" sz="3000" b="1" dirty="0">
-                <a:latin typeface="Arial" panose="020B0604020202020204" pitchFamily="34" charset="0"/>
-                <a:cs typeface="Arial" panose="020B0604020202020204" pitchFamily="34" charset="0"/>
-              </a:rPr>
-              <a:t> naturel</a:t>
-            </a:r>
-          </a:p>
-        </p:txBody>
-      </p:sp>
-      <p:sp>
-        <p:nvSpPr>
-          <p:cNvPr id="10" name="ZoneTexte 9">
-            <a:extLst>
-              <a:ext uri="{FF2B5EF4-FFF2-40B4-BE49-F238E27FC236}">
-                <a16:creationId xmlns:a16="http://schemas.microsoft.com/office/drawing/2014/main" id="{5A85C42E-EC6D-4907-AA60-A3473AE7E7E0}"/>
+              <a:t>OBJECTIF</a:t>
+            </a:r>
+          </a:p>
+        </p:txBody>
+      </p:sp>
+      <p:sp>
+        <p:nvSpPr>
+          <p:cNvPr id="7" name="ZoneTexte 6">
+            <a:extLst>
+              <a:ext uri="{FF2B5EF4-FFF2-40B4-BE49-F238E27FC236}">
+                <a16:creationId xmlns:a16="http://schemas.microsoft.com/office/drawing/2014/main" id="{4E2492FB-EB16-46E2-B522-5880DD9A6CAC}"/>
               </a:ext>
             </a:extLst>
           </p:cNvPr>
@@ -6088,8 +6026,8 @@
         </p:nvSpPr>
         <p:spPr>
           <a:xfrm>
-            <a:off x="419100" y="1506498"/>
-            <a:ext cx="10591800" cy="677108"/>
+            <a:off x="400050" y="2849698"/>
+            <a:ext cx="10591800" cy="2554545"/>
           </a:xfrm>
           <a:prstGeom prst="rect">
             <a:avLst/>
@@ -6102,12 +6040,49 @@
           </a:bodyPr>
           <a:lstStyle/>
           <a:p>
+            <a:pPr marL="342900" indent="-342900">
+              <a:buFont typeface="Arial" panose="020B0604020202020204" pitchFamily="34" charset="0"/>
+              <a:buChar char="•"/>
+            </a:pPr>
             <a:r>
               <a:rPr lang="fr-FR" sz="2000" spc="300" dirty="0">
                 <a:latin typeface="Arial" panose="020B0604020202020204" pitchFamily="34" charset="0"/>
                 <a:cs typeface="Arial" panose="020B0604020202020204" pitchFamily="34" charset="0"/>
               </a:rPr>
-              <a:t>TEXT</a:t>
+              <a:t>Présenter les articles répertorier a l’adresse: https://promo-68.codeur.online/blog/. Il doit contenir des informations textuelles, des illustrations et photographies et des graphiques de type « </a:t>
+            </a:r>
+            <a:r>
+              <a:rPr lang="fr-FR" sz="2000" i="1" spc="300" dirty="0">
+                <a:latin typeface="Arial" panose="020B0604020202020204" pitchFamily="34" charset="0"/>
+                <a:cs typeface="Arial" panose="020B0604020202020204" pitchFamily="34" charset="0"/>
+              </a:rPr>
+              <a:t>dataviz </a:t>
+            </a:r>
+            <a:r>
+              <a:rPr lang="fr-FR" sz="2000" spc="300" dirty="0">
+                <a:latin typeface="Arial" panose="020B0604020202020204" pitchFamily="34" charset="0"/>
+                <a:cs typeface="Arial" panose="020B0604020202020204" pitchFamily="34" charset="0"/>
+              </a:rPr>
+              <a:t>».</a:t>
+            </a:r>
+          </a:p>
+          <a:p>
+            <a:endParaRPr lang="fr-FR" sz="2000" spc="300" dirty="0">
+              <a:latin typeface="Arial" panose="020B0604020202020204" pitchFamily="34" charset="0"/>
+              <a:cs typeface="Arial" panose="020B0604020202020204" pitchFamily="34" charset="0"/>
+            </a:endParaRPr>
+          </a:p>
+          <a:p>
+            <a:pPr marL="285750" indent="-285750">
+              <a:buFont typeface="Arial" panose="020B0604020202020204" pitchFamily="34" charset="0"/>
+              <a:buChar char="•"/>
+            </a:pPr>
+            <a:r>
+              <a:rPr lang="fr-FR" sz="2000" spc="300" dirty="0">
+                <a:latin typeface="Arial" panose="020B0604020202020204" pitchFamily="34" charset="0"/>
+                <a:cs typeface="Arial" panose="020B0604020202020204" pitchFamily="34" charset="0"/>
+              </a:rPr>
+              <a:t>Présentation accessible:</a:t>
             </a:r>
           </a:p>
           <a:p>
@@ -6115,11 +6090,29 @@
               <a:buFont typeface="Arial" panose="020B0604020202020204" pitchFamily="34" charset="0"/>
               <a:buChar char="•"/>
             </a:pPr>
-            <a:endParaRPr lang="fr-FR" dirty="0">
-              <a:solidFill>
-                <a:srgbClr val="EA7235"/>
-              </a:solidFill>
-              <a:latin typeface="Pixel Operator" panose="02000503000000000000" pitchFamily="2" charset="0"/>
+            <a:r>
+              <a:rPr lang="fr-FR" sz="2000" spc="300" dirty="0">
+                <a:latin typeface="Arial" panose="020B0604020202020204" pitchFamily="34" charset="0"/>
+                <a:cs typeface="Arial" panose="020B0604020202020204" pitchFamily="34" charset="0"/>
+              </a:rPr>
+              <a:t>Police suffisamment grande</a:t>
+            </a:r>
+          </a:p>
+          <a:p>
+            <a:pPr marL="742950" lvl="1" indent="-285750">
+              <a:buFont typeface="Arial" panose="020B0604020202020204" pitchFamily="34" charset="0"/>
+              <a:buChar char="•"/>
+            </a:pPr>
+            <a:r>
+              <a:rPr lang="fr-FR" sz="2000" spc="300" dirty="0">
+                <a:latin typeface="Arial" panose="020B0604020202020204" pitchFamily="34" charset="0"/>
+                <a:cs typeface="Arial" panose="020B0604020202020204" pitchFamily="34" charset="0"/>
+              </a:rPr>
+              <a:t>Suffisamment contrastée</a:t>
+            </a:r>
+            <a:endParaRPr lang="fr-FR" spc="300" dirty="0">
+              <a:latin typeface="Arial" panose="020B0604020202020204" pitchFamily="34" charset="0"/>
+              <a:cs typeface="Arial" panose="020B0604020202020204" pitchFamily="34" charset="0"/>
             </a:endParaRPr>
           </a:p>
         </p:txBody>
@@ -6127,7 +6120,7 @@
     </p:spTree>
     <p:extLst>
       <p:ext uri="{BB962C8B-B14F-4D97-AF65-F5344CB8AC3E}">
-        <p14:creationId xmlns:p14="http://schemas.microsoft.com/office/powerpoint/2010/main" val="2550556057"/>
+        <p14:creationId xmlns:p14="http://schemas.microsoft.com/office/powerpoint/2010/main" val="1283252550"/>
       </p:ext>
     </p:extLst>
   </p:cSld>
@@ -6137,7 +6130,7 @@
 </p:sld>
 </file>
 
-<file path=ppt/slides/slide17.xml><?xml version="1.0" encoding="utf-8"?>
+<file path=ppt/slides/slide3.xml><?xml version="1.0" encoding="utf-8"?>
 <p:sld xmlns:a="http://schemas.openxmlformats.org/drawingml/2006/main" xmlns:r="http://schemas.openxmlformats.org/officeDocument/2006/relationships" xmlns:p="http://schemas.openxmlformats.org/presentationml/2006/main">
   <p:cSld>
     <p:spTree>
@@ -6156,223 +6149,10 @@
       </p:grpSpPr>
       <p:sp>
         <p:nvSpPr>
-          <p:cNvPr id="4" name="Rectangle 3">
-            <a:extLst>
-              <a:ext uri="{FF2B5EF4-FFF2-40B4-BE49-F238E27FC236}">
-                <a16:creationId xmlns:a16="http://schemas.microsoft.com/office/drawing/2014/main" id="{F53F8E4C-256F-4DB0-B8F6-339C7AC3DA8E}"/>
-              </a:ext>
-            </a:extLst>
-          </p:cNvPr>
-          <p:cNvSpPr/>
-          <p:nvPr/>
-        </p:nvSpPr>
-        <p:spPr>
-          <a:xfrm>
-            <a:off x="0" y="0"/>
-            <a:ext cx="12192000" cy="6858000"/>
-          </a:xfrm>
-          <a:prstGeom prst="rect">
-            <a:avLst/>
-          </a:prstGeom>
-          <a:solidFill>
-            <a:schemeClr val="tx1">
-              <a:lumMod val="95000"/>
-              <a:lumOff val="5000"/>
-            </a:schemeClr>
-          </a:solidFill>
-          <a:ln>
-            <a:noFill/>
-          </a:ln>
-        </p:spPr>
-        <p:style>
-          <a:lnRef idx="2">
-            <a:schemeClr val="accent1">
-              <a:shade val="50000"/>
-            </a:schemeClr>
-          </a:lnRef>
-          <a:fillRef idx="1">
-            <a:schemeClr val="accent1"/>
-          </a:fillRef>
-          <a:effectRef idx="0">
-            <a:schemeClr val="accent1"/>
-          </a:effectRef>
-          <a:fontRef idx="minor">
-            <a:schemeClr val="lt1"/>
-          </a:fontRef>
-        </p:style>
-        <p:txBody>
-          <a:bodyPr rtlCol="0" anchor="t"/>
-          <a:lstStyle/>
-          <a:p>
-            <a:endParaRPr lang="fr-FR" sz="3000" dirty="0">
-              <a:solidFill>
-                <a:srgbClr val="FF5600"/>
-              </a:solidFill>
-              <a:latin typeface="Pixel Operator 8" panose="02000503000000000000" pitchFamily="2" charset="0"/>
-            </a:endParaRPr>
-          </a:p>
-        </p:txBody>
-      </p:sp>
-      <p:sp>
-        <p:nvSpPr>
-          <p:cNvPr id="5" name="Forme libre : forme 4">
-            <a:extLst>
-              <a:ext uri="{FF2B5EF4-FFF2-40B4-BE49-F238E27FC236}">
-                <a16:creationId xmlns:a16="http://schemas.microsoft.com/office/drawing/2014/main" id="{EBDC686D-0533-444E-8A7D-5FBAFE799BF2}"/>
-              </a:ext>
-            </a:extLst>
-          </p:cNvPr>
-          <p:cNvSpPr/>
-          <p:nvPr/>
-        </p:nvSpPr>
-        <p:spPr>
-          <a:xfrm>
-            <a:off x="9020273" y="-1819451"/>
-            <a:ext cx="5354683" cy="9859672"/>
-          </a:xfrm>
-          <a:custGeom>
-            <a:avLst/>
-            <a:gdLst>
-              <a:gd name="connsiteX0" fmla="*/ 771427 w 5354683"/>
-              <a:gd name="connsiteY0" fmla="*/ 371651 h 9859672"/>
-              <a:gd name="connsiteX1" fmla="*/ 1285777 w 5354683"/>
-              <a:gd name="connsiteY1" fmla="*/ 1038401 h 9859672"/>
-              <a:gd name="connsiteX2" fmla="*/ 2714527 w 5354683"/>
-              <a:gd name="connsiteY2" fmla="*/ 3057701 h 9859672"/>
-              <a:gd name="connsiteX3" fmla="*/ 2466877 w 5354683"/>
-              <a:gd name="connsiteY3" fmla="*/ 6639101 h 9859672"/>
-              <a:gd name="connsiteX4" fmla="*/ 66577 w 5354683"/>
-              <a:gd name="connsiteY4" fmla="*/ 9649001 h 9859672"/>
-              <a:gd name="connsiteX5" fmla="*/ 619027 w 5354683"/>
-              <a:gd name="connsiteY5" fmla="*/ 9610901 h 9859672"/>
-              <a:gd name="connsiteX6" fmla="*/ 5133877 w 5354683"/>
-              <a:gd name="connsiteY6" fmla="*/ 8944151 h 9859672"/>
-              <a:gd name="connsiteX7" fmla="*/ 4257577 w 5354683"/>
-              <a:gd name="connsiteY7" fmla="*/ 771701 h 9859672"/>
-              <a:gd name="connsiteX8" fmla="*/ 771427 w 5354683"/>
-              <a:gd name="connsiteY8" fmla="*/ 371651 h 9859672"/>
-            </a:gdLst>
-            <a:ahLst/>
-            <a:cxnLst>
-              <a:cxn ang="0">
-                <a:pos x="connsiteX0" y="connsiteY0"/>
-              </a:cxn>
-              <a:cxn ang="0">
-                <a:pos x="connsiteX1" y="connsiteY1"/>
-              </a:cxn>
-              <a:cxn ang="0">
-                <a:pos x="connsiteX2" y="connsiteY2"/>
-              </a:cxn>
-              <a:cxn ang="0">
-                <a:pos x="connsiteX3" y="connsiteY3"/>
-              </a:cxn>
-              <a:cxn ang="0">
-                <a:pos x="connsiteX4" y="connsiteY4"/>
-              </a:cxn>
-              <a:cxn ang="0">
-                <a:pos x="connsiteX5" y="connsiteY5"/>
-              </a:cxn>
-              <a:cxn ang="0">
-                <a:pos x="connsiteX6" y="connsiteY6"/>
-              </a:cxn>
-              <a:cxn ang="0">
-                <a:pos x="connsiteX7" y="connsiteY7"/>
-              </a:cxn>
-              <a:cxn ang="0">
-                <a:pos x="connsiteX8" y="connsiteY8"/>
-              </a:cxn>
-            </a:cxnLst>
-            <a:rect l="l" t="t" r="r" b="b"/>
-            <a:pathLst>
-              <a:path w="5354683" h="9859672">
-                <a:moveTo>
-                  <a:pt x="771427" y="371651"/>
-                </a:moveTo>
-                <a:cubicBezTo>
-                  <a:pt x="276127" y="416101"/>
-                  <a:pt x="961927" y="590726"/>
-                  <a:pt x="1285777" y="1038401"/>
-                </a:cubicBezTo>
-                <a:cubicBezTo>
-                  <a:pt x="1609627" y="1486076"/>
-                  <a:pt x="2517677" y="2124251"/>
-                  <a:pt x="2714527" y="3057701"/>
-                </a:cubicBezTo>
-                <a:cubicBezTo>
-                  <a:pt x="2911377" y="3991151"/>
-                  <a:pt x="2908202" y="5540551"/>
-                  <a:pt x="2466877" y="6639101"/>
-                </a:cubicBezTo>
-                <a:cubicBezTo>
-                  <a:pt x="2025552" y="7737651"/>
-                  <a:pt x="374552" y="9153701"/>
-                  <a:pt x="66577" y="9649001"/>
-                </a:cubicBezTo>
-                <a:cubicBezTo>
-                  <a:pt x="-241398" y="10144301"/>
-                  <a:pt x="619027" y="9610901"/>
-                  <a:pt x="619027" y="9610901"/>
-                </a:cubicBezTo>
-                <a:cubicBezTo>
-                  <a:pt x="1463577" y="9493426"/>
-                  <a:pt x="4527452" y="10417351"/>
-                  <a:pt x="5133877" y="8944151"/>
-                </a:cubicBezTo>
-                <a:cubicBezTo>
-                  <a:pt x="5740302" y="7470951"/>
-                  <a:pt x="4981477" y="2200451"/>
-                  <a:pt x="4257577" y="771701"/>
-                </a:cubicBezTo>
-                <a:cubicBezTo>
-                  <a:pt x="3533677" y="-657049"/>
-                  <a:pt x="1266727" y="327201"/>
-                  <a:pt x="771427" y="371651"/>
-                </a:cubicBezTo>
-                <a:close/>
-              </a:path>
-            </a:pathLst>
-          </a:custGeom>
-          <a:solidFill>
-            <a:schemeClr val="tx1">
-              <a:lumMod val="85000"/>
-              <a:lumOff val="15000"/>
-            </a:schemeClr>
-          </a:solidFill>
-          <a:ln>
-            <a:noFill/>
-          </a:ln>
-        </p:spPr>
-        <p:style>
-          <a:lnRef idx="2">
-            <a:schemeClr val="accent1">
-              <a:shade val="50000"/>
-            </a:schemeClr>
-          </a:lnRef>
-          <a:fillRef idx="1">
-            <a:schemeClr val="accent1"/>
-          </a:fillRef>
-          <a:effectRef idx="0">
-            <a:schemeClr val="accent1"/>
-          </a:effectRef>
-          <a:fontRef idx="minor">
-            <a:schemeClr val="lt1"/>
-          </a:fontRef>
-        </p:style>
-        <p:txBody>
-          <a:bodyPr rtlCol="0" anchor="ctr"/>
-          <a:lstStyle/>
-          <a:p>
-            <a:pPr algn="ctr"/>
-            <a:endParaRPr lang="fr-FR"/>
-          </a:p>
-        </p:txBody>
-      </p:sp>
-      <p:sp>
-        <p:nvSpPr>
           <p:cNvPr id="8" name="Rectangle 7">
             <a:extLst>
               <a:ext uri="{FF2B5EF4-FFF2-40B4-BE49-F238E27FC236}">
-                <a16:creationId xmlns:a16="http://schemas.microsoft.com/office/drawing/2014/main" id="{E13FDB07-22B4-44A3-AA53-6EDFCA09F1B0}"/>
+                <a16:creationId xmlns:a16="http://schemas.microsoft.com/office/drawing/2014/main" id="{B4DC7100-2776-47D6-8868-D52F46DEA794}"/>
               </a:ext>
             </a:extLst>
           </p:cNvPr>
@@ -6429,7 +6209,7 @@
           <p:cNvPr id="9" name="Forme libre : forme 8">
             <a:extLst>
               <a:ext uri="{FF2B5EF4-FFF2-40B4-BE49-F238E27FC236}">
-                <a16:creationId xmlns:a16="http://schemas.microsoft.com/office/drawing/2014/main" id="{DE9D7522-82DF-4AF6-9CD6-D1FEEFF8D82C}"/>
+                <a16:creationId xmlns:a16="http://schemas.microsoft.com/office/drawing/2014/main" id="{2B081DDA-2713-46C2-9ED3-80E22C252B6D}"/>
               </a:ext>
             </a:extLst>
           </p:cNvPr>
@@ -6606,25 +6386,21 @@
           <a:lstStyle/>
           <a:p>
             <a:r>
-              <a:rPr lang="fr-FR" sz="3000" b="1" spc="300" dirty="0" err="1">
+              <a:rPr lang="fr-FR" sz="3000" b="1" spc="300" dirty="0">
                 <a:latin typeface="Arial" panose="020B0604020202020204" pitchFamily="34" charset="0"/>
                 <a:cs typeface="Arial" panose="020B0604020202020204" pitchFamily="34" charset="0"/>
               </a:rPr>
-              <a:t>Title</a:t>
-            </a:r>
-            <a:endParaRPr lang="fr-FR" sz="3000" b="1" spc="300" dirty="0">
-              <a:latin typeface="Arial" panose="020B0604020202020204" pitchFamily="34" charset="0"/>
-              <a:cs typeface="Arial" panose="020B0604020202020204" pitchFamily="34" charset="0"/>
-            </a:endParaRPr>
-          </a:p>
-        </p:txBody>
-      </p:sp>
-      <p:sp>
-        <p:nvSpPr>
-          <p:cNvPr id="11" name="ZoneTexte 10">
-            <a:extLst>
-              <a:ext uri="{FF2B5EF4-FFF2-40B4-BE49-F238E27FC236}">
-                <a16:creationId xmlns:a16="http://schemas.microsoft.com/office/drawing/2014/main" id="{33EB896C-083F-47E7-BA3A-944507384BD2}"/>
+              <a:t>Équipe et répartition des tâches</a:t>
+            </a:r>
+          </a:p>
+        </p:txBody>
+      </p:sp>
+      <p:sp>
+        <p:nvSpPr>
+          <p:cNvPr id="7" name="ZoneTexte 6">
+            <a:extLst>
+              <a:ext uri="{FF2B5EF4-FFF2-40B4-BE49-F238E27FC236}">
+                <a16:creationId xmlns:a16="http://schemas.microsoft.com/office/drawing/2014/main" id="{4E2492FB-EB16-46E2-B522-5880DD9A6CAC}"/>
               </a:ext>
             </a:extLst>
           </p:cNvPr>
@@ -6633,8 +6409,8 @@
         </p:nvSpPr>
         <p:spPr>
           <a:xfrm>
-            <a:off x="419100" y="1506498"/>
-            <a:ext cx="10591800" cy="677108"/>
+            <a:off x="419100" y="1364992"/>
+            <a:ext cx="10591800" cy="5016758"/>
           </a:xfrm>
           <a:prstGeom prst="rect">
             <a:avLst/>
@@ -6647,32 +6423,239 @@
           </a:bodyPr>
           <a:lstStyle/>
           <a:p>
+            <a:pPr marL="800100" lvl="1" indent="-342900">
+              <a:buFont typeface="Arial" panose="020B0604020202020204" pitchFamily="34" charset="0"/>
+              <a:buChar char="•"/>
+            </a:pPr>
+            <a:r>
+              <a:rPr lang="fr-FR" sz="2000" b="1" spc="300" dirty="0">
+                <a:latin typeface="Arial" panose="020B0604020202020204" pitchFamily="34" charset="0"/>
+                <a:cs typeface="Arial" panose="020B0604020202020204" pitchFamily="34" charset="0"/>
+              </a:rPr>
+              <a:t>Adrien RAYMOND </a:t>
+            </a:r>
+          </a:p>
+          <a:p>
+            <a:pPr marL="1257300" lvl="2" indent="-342900">
+              <a:buFont typeface="Arial" panose="020B0604020202020204" pitchFamily="34" charset="0"/>
+              <a:buChar char="•"/>
+            </a:pPr>
             <a:r>
               <a:rPr lang="fr-FR" sz="2000" spc="300" dirty="0">
                 <a:latin typeface="Arial" panose="020B0604020202020204" pitchFamily="34" charset="0"/>
                 <a:cs typeface="Arial" panose="020B0604020202020204" pitchFamily="34" charset="0"/>
               </a:rPr>
-              <a:t>TEXT</a:t>
-            </a:r>
-          </a:p>
-          <a:p>
-            <a:pPr marL="742950" lvl="1" indent="-285750">
+              <a:t>Gestion de GitHub</a:t>
+            </a:r>
+          </a:p>
+          <a:p>
+            <a:pPr marL="1257300" lvl="2" indent="-342900">
               <a:buFont typeface="Arial" panose="020B0604020202020204" pitchFamily="34" charset="0"/>
               <a:buChar char="•"/>
             </a:pPr>
-            <a:endParaRPr lang="fr-FR" dirty="0">
-              <a:solidFill>
-                <a:srgbClr val="EA7235"/>
-              </a:solidFill>
-              <a:latin typeface="Pixel Operator" panose="02000503000000000000" pitchFamily="2" charset="0"/>
+            <a:r>
+              <a:rPr lang="fr-FR" sz="2000" spc="300" dirty="0">
+                <a:latin typeface="Arial" panose="020B0604020202020204" pitchFamily="34" charset="0"/>
+                <a:cs typeface="Arial" panose="020B0604020202020204" pitchFamily="34" charset="0"/>
+              </a:rPr>
+              <a:t>Création du logo</a:t>
+            </a:r>
+          </a:p>
+          <a:p>
+            <a:pPr marL="1257300" lvl="2" indent="-342900">
+              <a:buFont typeface="Arial" panose="020B0604020202020204" pitchFamily="34" charset="0"/>
+              <a:buChar char="•"/>
+            </a:pPr>
+            <a:r>
+              <a:rPr lang="fr-FR" sz="2000" spc="300" dirty="0" err="1">
+                <a:latin typeface="Arial" panose="020B0604020202020204" pitchFamily="34" charset="0"/>
+                <a:cs typeface="Arial" panose="020B0604020202020204" pitchFamily="34" charset="0"/>
+              </a:rPr>
+              <a:t>Mockup</a:t>
+            </a:r>
+            <a:r>
+              <a:rPr lang="fr-FR" sz="2000" spc="300" dirty="0">
+                <a:latin typeface="Arial" panose="020B0604020202020204" pitchFamily="34" charset="0"/>
+                <a:cs typeface="Arial" panose="020B0604020202020204" pitchFamily="34" charset="0"/>
+              </a:rPr>
+              <a:t> desktop</a:t>
+            </a:r>
+          </a:p>
+          <a:p>
+            <a:pPr marL="1257300" lvl="2" indent="-342900">
+              <a:buFont typeface="Arial" panose="020B0604020202020204" pitchFamily="34" charset="0"/>
+              <a:buChar char="•"/>
+            </a:pPr>
+            <a:r>
+              <a:rPr lang="fr-FR" sz="2000" spc="300" dirty="0">
+                <a:latin typeface="Arial" panose="020B0604020202020204" pitchFamily="34" charset="0"/>
+                <a:cs typeface="Arial" panose="020B0604020202020204" pitchFamily="34" charset="0"/>
+              </a:rPr>
+              <a:t>Mise en page et rédaction du dossier de conception</a:t>
+            </a:r>
+          </a:p>
+          <a:p>
+            <a:pPr marL="1257300" lvl="2" indent="-342900">
+              <a:buFont typeface="Arial" panose="020B0604020202020204" pitchFamily="34" charset="0"/>
+              <a:buChar char="•"/>
+            </a:pPr>
+            <a:r>
+              <a:rPr lang="fr-FR" sz="2000" spc="300" dirty="0">
+                <a:latin typeface="Arial" panose="020B0604020202020204" pitchFamily="34" charset="0"/>
+                <a:cs typeface="Arial" panose="020B0604020202020204" pitchFamily="34" charset="0"/>
+              </a:rPr>
+              <a:t>Création de l’arborescence et structure primaire en vue de l’intégration</a:t>
+            </a:r>
+          </a:p>
+          <a:p>
+            <a:pPr marL="1257300" lvl="2" indent="-342900">
+              <a:buFont typeface="Arial" panose="020B0604020202020204" pitchFamily="34" charset="0"/>
+              <a:buChar char="•"/>
+            </a:pPr>
+            <a:r>
+              <a:rPr lang="fr-FR" sz="2000" spc="300" dirty="0" err="1">
+                <a:latin typeface="Arial" panose="020B0604020202020204" pitchFamily="34" charset="0"/>
+                <a:cs typeface="Arial" panose="020B0604020202020204" pitchFamily="34" charset="0"/>
+              </a:rPr>
+              <a:t>Integration</a:t>
+            </a:r>
+            <a:r>
+              <a:rPr lang="fr-FR" sz="2000" spc="300" dirty="0">
+                <a:latin typeface="Arial" panose="020B0604020202020204" pitchFamily="34" charset="0"/>
+                <a:cs typeface="Arial" panose="020B0604020202020204" pitchFamily="34" charset="0"/>
+              </a:rPr>
+              <a:t> header-</a:t>
+            </a:r>
+            <a:r>
+              <a:rPr lang="fr-FR" sz="2000" spc="300" dirty="0" err="1">
+                <a:latin typeface="Arial" panose="020B0604020202020204" pitchFamily="34" charset="0"/>
+                <a:cs typeface="Arial" panose="020B0604020202020204" pitchFamily="34" charset="0"/>
+              </a:rPr>
+              <a:t>footer</a:t>
+            </a:r>
+            <a:r>
+              <a:rPr lang="fr-FR" sz="2000" spc="300" dirty="0">
+                <a:latin typeface="Arial" panose="020B0604020202020204" pitchFamily="34" charset="0"/>
+                <a:cs typeface="Arial" panose="020B0604020202020204" pitchFamily="34" charset="0"/>
+              </a:rPr>
+              <a:t>, correction </a:t>
+            </a:r>
+            <a:r>
+              <a:rPr lang="fr-FR" sz="2000" spc="300" dirty="0" err="1">
+                <a:latin typeface="Arial" panose="020B0604020202020204" pitchFamily="34" charset="0"/>
+                <a:cs typeface="Arial" panose="020B0604020202020204" pitchFamily="34" charset="0"/>
+              </a:rPr>
+              <a:t>responsivitée</a:t>
+            </a:r>
+            <a:r>
+              <a:rPr lang="fr-FR" sz="2000" spc="300" dirty="0">
+                <a:latin typeface="Arial" panose="020B0604020202020204" pitchFamily="34" charset="0"/>
+                <a:cs typeface="Arial" panose="020B0604020202020204" pitchFamily="34" charset="0"/>
+              </a:rPr>
+              <a:t> du contenu.</a:t>
+            </a:r>
+          </a:p>
+          <a:p>
+            <a:pPr marL="1714500" lvl="3" indent="-342900">
+              <a:buFont typeface="Arial" panose="020B0604020202020204" pitchFamily="34" charset="0"/>
+              <a:buChar char="•"/>
+            </a:pPr>
+            <a:endParaRPr lang="fr-FR" sz="2000" b="1" spc="300" dirty="0">
+              <a:latin typeface="Arial" panose="020B0604020202020204" pitchFamily="34" charset="0"/>
+              <a:cs typeface="Arial" panose="020B0604020202020204" pitchFamily="34" charset="0"/>
             </a:endParaRPr>
+          </a:p>
+          <a:p>
+            <a:pPr marL="800100" lvl="1" indent="-342900">
+              <a:buFont typeface="Arial" panose="020B0604020202020204" pitchFamily="34" charset="0"/>
+              <a:buChar char="•"/>
+            </a:pPr>
+            <a:r>
+              <a:rPr lang="fr-FR" sz="2000" b="1" spc="300" dirty="0">
+                <a:latin typeface="Arial" panose="020B0604020202020204" pitchFamily="34" charset="0"/>
+                <a:cs typeface="Arial" panose="020B0604020202020204" pitchFamily="34" charset="0"/>
+              </a:rPr>
+              <a:t>Etienne ZASTKO</a:t>
+            </a:r>
+          </a:p>
+          <a:p>
+            <a:pPr marL="1257300" lvl="2" indent="-342900">
+              <a:buFont typeface="Arial" panose="020B0604020202020204" pitchFamily="34" charset="0"/>
+              <a:buChar char="•"/>
+            </a:pPr>
+            <a:r>
+              <a:rPr lang="fr-FR" sz="2000" spc="300" dirty="0">
+                <a:latin typeface="Arial" panose="020B0604020202020204" pitchFamily="34" charset="0"/>
+                <a:cs typeface="Arial" panose="020B0604020202020204" pitchFamily="34" charset="0"/>
+              </a:rPr>
+              <a:t>Charte graphique</a:t>
+            </a:r>
+          </a:p>
+          <a:p>
+            <a:pPr marL="1257300" lvl="2" indent="-342900">
+              <a:buFont typeface="Arial" panose="020B0604020202020204" pitchFamily="34" charset="0"/>
+              <a:buChar char="•"/>
+            </a:pPr>
+            <a:r>
+              <a:rPr lang="fr-FR" sz="2000" spc="300" dirty="0">
+                <a:latin typeface="Arial" panose="020B0604020202020204" pitchFamily="34" charset="0"/>
+                <a:cs typeface="Arial" panose="020B0604020202020204" pitchFamily="34" charset="0"/>
+              </a:rPr>
+              <a:t>Wireframe desktop et mobile</a:t>
+            </a:r>
+          </a:p>
+          <a:p>
+            <a:pPr marL="1257300" lvl="2" indent="-342900">
+              <a:buFont typeface="Arial" panose="020B0604020202020204" pitchFamily="34" charset="0"/>
+              <a:buChar char="•"/>
+            </a:pPr>
+            <a:r>
+              <a:rPr lang="fr-FR" sz="2000" spc="300" dirty="0">
+                <a:latin typeface="Arial" panose="020B0604020202020204" pitchFamily="34" charset="0"/>
+                <a:cs typeface="Arial" panose="020B0604020202020204" pitchFamily="34" charset="0"/>
+              </a:rPr>
+              <a:t>Zoning desktop et mobile</a:t>
+            </a:r>
+          </a:p>
+          <a:p>
+            <a:pPr marL="1257300" lvl="2" indent="-342900">
+              <a:buFont typeface="Arial" panose="020B0604020202020204" pitchFamily="34" charset="0"/>
+              <a:buChar char="•"/>
+            </a:pPr>
+            <a:r>
+              <a:rPr lang="fr-FR" sz="2000" spc="300" dirty="0" err="1">
+                <a:latin typeface="Arial" panose="020B0604020202020204" pitchFamily="34" charset="0"/>
+                <a:cs typeface="Arial" panose="020B0604020202020204" pitchFamily="34" charset="0"/>
+              </a:rPr>
+              <a:t>Mockup</a:t>
+            </a:r>
+            <a:r>
+              <a:rPr lang="fr-FR" sz="2000" spc="300" dirty="0">
+                <a:latin typeface="Arial" panose="020B0604020202020204" pitchFamily="34" charset="0"/>
+                <a:cs typeface="Arial" panose="020B0604020202020204" pitchFamily="34" charset="0"/>
+              </a:rPr>
+              <a:t> mobile</a:t>
+            </a:r>
+          </a:p>
+          <a:p>
+            <a:pPr marL="1257300" lvl="2" indent="-342900">
+              <a:buFont typeface="Arial" panose="020B0604020202020204" pitchFamily="34" charset="0"/>
+              <a:buChar char="•"/>
+            </a:pPr>
+            <a:r>
+              <a:rPr lang="fr-FR" sz="2000" spc="300" dirty="0">
+                <a:latin typeface="Arial" panose="020B0604020202020204" pitchFamily="34" charset="0"/>
+                <a:cs typeface="Arial" panose="020B0604020202020204" pitchFamily="34" charset="0"/>
+              </a:rPr>
+              <a:t>Intégration contenu landing page</a:t>
+            </a:r>
           </a:p>
         </p:txBody>
       </p:sp>
     </p:spTree>
     <p:extLst>
       <p:ext uri="{BB962C8B-B14F-4D97-AF65-F5344CB8AC3E}">
-        <p14:creationId xmlns:p14="http://schemas.microsoft.com/office/powerpoint/2010/main" val="2721057537"/>
+        <p14:creationId xmlns:p14="http://schemas.microsoft.com/office/powerpoint/2010/main" val="1964926843"/>
       </p:ext>
     </p:extLst>
   </p:cSld>
@@ -6682,7 +6665,7 @@
 </p:sld>
 </file>
 
-<file path=ppt/slides/slide2.xml><?xml version="1.0" encoding="utf-8"?>
+<file path=ppt/slides/slide4.xml><?xml version="1.0" encoding="utf-8"?>
 <p:sld xmlns:a="http://schemas.openxmlformats.org/drawingml/2006/main" xmlns:r="http://schemas.openxmlformats.org/officeDocument/2006/relationships" xmlns:p="http://schemas.openxmlformats.org/presentationml/2006/main">
   <p:cSld>
     <p:spTree>
@@ -6704,7 +6687,7 @@
           <p:cNvPr id="8" name="Rectangle 7">
             <a:extLst>
               <a:ext uri="{FF2B5EF4-FFF2-40B4-BE49-F238E27FC236}">
-                <a16:creationId xmlns:a16="http://schemas.microsoft.com/office/drawing/2014/main" id="{928863A6-64D3-4423-A1DF-77507F9D09BF}"/>
+                <a16:creationId xmlns:a16="http://schemas.microsoft.com/office/drawing/2014/main" id="{FF323BF0-9B50-4B0E-9F90-0B29379CFD93}"/>
               </a:ext>
             </a:extLst>
           </p:cNvPr>
@@ -6761,7 +6744,7 @@
           <p:cNvPr id="9" name="Forme libre : forme 8">
             <a:extLst>
               <a:ext uri="{FF2B5EF4-FFF2-40B4-BE49-F238E27FC236}">
-                <a16:creationId xmlns:a16="http://schemas.microsoft.com/office/drawing/2014/main" id="{15C28749-AF28-4A1E-9F8A-0BA30A3CA573}"/>
+                <a16:creationId xmlns:a16="http://schemas.microsoft.com/office/drawing/2014/main" id="{36A0E863-367F-412A-91C6-636F5FCCC77B}"/>
               </a:ext>
             </a:extLst>
           </p:cNvPr>
@@ -6942,7 +6925,7 @@
                 <a:latin typeface="Arial" panose="020B0604020202020204" pitchFamily="34" charset="0"/>
                 <a:cs typeface="Arial" panose="020B0604020202020204" pitchFamily="34" charset="0"/>
               </a:rPr>
-              <a:t>OBJECTIF</a:t>
+              <a:t>Publique cible</a:t>
             </a:r>
           </a:p>
         </p:txBody>
@@ -6961,8 +6944,8 @@
         </p:nvSpPr>
         <p:spPr>
           <a:xfrm>
-            <a:off x="400050" y="2849698"/>
-            <a:ext cx="10591800" cy="2554545"/>
+            <a:off x="419100" y="2449589"/>
+            <a:ext cx="10591800" cy="707886"/>
           </a:xfrm>
           <a:prstGeom prst="rect">
             <a:avLst/>
@@ -6975,87 +6958,57 @@
           </a:bodyPr>
           <a:lstStyle/>
           <a:p>
-            <a:pPr marL="342900" indent="-342900">
-              <a:buFont typeface="Arial" panose="020B0604020202020204" pitchFamily="34" charset="0"/>
-              <a:buChar char="•"/>
-            </a:pPr>
             <a:r>
               <a:rPr lang="fr-FR" sz="2000" spc="300" dirty="0">
                 <a:latin typeface="Arial" panose="020B0604020202020204" pitchFamily="34" charset="0"/>
                 <a:cs typeface="Arial" panose="020B0604020202020204" pitchFamily="34" charset="0"/>
               </a:rPr>
-              <a:t>Présenter les articles répertorier a l’adresse: https://promo-68.codeur.online/blog/. Il doit contenir des informations textuelles, des illustrations et photographies et des graphiques de type « </a:t>
-            </a:r>
-            <a:r>
-              <a:rPr lang="fr-FR" sz="2000" i="1" spc="300" dirty="0">
+              <a:t>Le ciblage est essentiellement orienter vers les apprentis designer/</a:t>
+            </a:r>
+            <a:r>
+              <a:rPr lang="fr-FR" sz="2000" spc="300" dirty="0" err="1">
                 <a:latin typeface="Arial" panose="020B0604020202020204" pitchFamily="34" charset="0"/>
                 <a:cs typeface="Arial" panose="020B0604020202020204" pitchFamily="34" charset="0"/>
               </a:rPr>
-              <a:t>dataviz </a:t>
+              <a:t>devellopeurs</a:t>
             </a:r>
             <a:r>
               <a:rPr lang="fr-FR" sz="2000" spc="300" dirty="0">
                 <a:latin typeface="Arial" panose="020B0604020202020204" pitchFamily="34" charset="0"/>
                 <a:cs typeface="Arial" panose="020B0604020202020204" pitchFamily="34" charset="0"/>
               </a:rPr>
-              <a:t>».</a:t>
-            </a:r>
-          </a:p>
-          <a:p>
-            <a:endParaRPr lang="fr-FR" sz="2000" spc="300" dirty="0">
-              <a:latin typeface="Arial" panose="020B0604020202020204" pitchFamily="34" charset="0"/>
-              <a:cs typeface="Arial" panose="020B0604020202020204" pitchFamily="34" charset="0"/>
-            </a:endParaRPr>
-          </a:p>
-          <a:p>
-            <a:pPr marL="285750" indent="-285750">
-              <a:buFont typeface="Arial" panose="020B0604020202020204" pitchFamily="34" charset="0"/>
-              <a:buChar char="•"/>
-            </a:pPr>
+              <a:t> web, en formation ou </a:t>
+            </a:r>
+            <a:r>
+              <a:rPr lang="fr-FR" sz="2000" spc="300" dirty="0" err="1">
+                <a:latin typeface="Arial" panose="020B0604020202020204" pitchFamily="34" charset="0"/>
+                <a:cs typeface="Arial" panose="020B0604020202020204" pitchFamily="34" charset="0"/>
+              </a:rPr>
+              <a:t>autodidacts</a:t>
+            </a:r>
             <a:r>
               <a:rPr lang="fr-FR" sz="2000" spc="300" dirty="0">
                 <a:latin typeface="Arial" panose="020B0604020202020204" pitchFamily="34" charset="0"/>
                 <a:cs typeface="Arial" panose="020B0604020202020204" pitchFamily="34" charset="0"/>
               </a:rPr>
-              <a:t>Présentation accessible:</a:t>
-            </a:r>
-          </a:p>
-          <a:p>
-            <a:pPr marL="742950" lvl="1" indent="-285750">
-              <a:buFont typeface="Arial" panose="020B0604020202020204" pitchFamily="34" charset="0"/>
-              <a:buChar char="•"/>
-            </a:pPr>
-            <a:r>
-              <a:rPr lang="fr-FR" sz="2000" spc="300" dirty="0">
-                <a:latin typeface="Arial" panose="020B0604020202020204" pitchFamily="34" charset="0"/>
-                <a:cs typeface="Arial" panose="020B0604020202020204" pitchFamily="34" charset="0"/>
+              <a:t>.</a:t>
+            </a:r>
+            <a:r>
+              <a:rPr lang="fr-FR" sz="2000" dirty="0">
+                <a:solidFill>
+                  <a:srgbClr val="EA7235"/>
+                </a:solidFill>
+                <a:latin typeface="Pixel Operator" panose="02000503000000000000" pitchFamily="2" charset="0"/>
               </a:rPr>
-              <a:t>Police suffisamment grande</a:t>
-            </a:r>
-          </a:p>
-          <a:p>
-            <a:pPr marL="742950" lvl="1" indent="-285750">
-              <a:buFont typeface="Arial" panose="020B0604020202020204" pitchFamily="34" charset="0"/>
-              <a:buChar char="•"/>
-            </a:pPr>
-            <a:r>
-              <a:rPr lang="fr-FR" sz="2000" spc="300" dirty="0">
-                <a:latin typeface="Arial" panose="020B0604020202020204" pitchFamily="34" charset="0"/>
-                <a:cs typeface="Arial" panose="020B0604020202020204" pitchFamily="34" charset="0"/>
-              </a:rPr>
-              <a:t>Suffisamment contrastée</a:t>
-            </a:r>
-            <a:endParaRPr lang="fr-FR" spc="300" dirty="0">
-              <a:latin typeface="Arial" panose="020B0604020202020204" pitchFamily="34" charset="0"/>
-              <a:cs typeface="Arial" panose="020B0604020202020204" pitchFamily="34" charset="0"/>
-            </a:endParaRPr>
+              <a:t>.</a:t>
+            </a:r>
           </a:p>
         </p:txBody>
       </p:sp>
     </p:spTree>
     <p:extLst>
       <p:ext uri="{BB962C8B-B14F-4D97-AF65-F5344CB8AC3E}">
-        <p14:creationId xmlns:p14="http://schemas.microsoft.com/office/powerpoint/2010/main" val="1283252550"/>
+        <p14:creationId xmlns:p14="http://schemas.microsoft.com/office/powerpoint/2010/main" val="2054999656"/>
       </p:ext>
     </p:extLst>
   </p:cSld>
@@ -7065,7 +7018,7 @@
 </p:sld>
 </file>
 
-<file path=ppt/slides/slide3.xml><?xml version="1.0" encoding="utf-8"?>
+<file path=ppt/slides/slide5.xml><?xml version="1.0" encoding="utf-8"?>
 <p:sld xmlns:a="http://schemas.openxmlformats.org/drawingml/2006/main" xmlns:r="http://schemas.openxmlformats.org/officeDocument/2006/relationships" xmlns:p="http://schemas.openxmlformats.org/presentationml/2006/main">
   <p:cSld>
     <p:spTree>
@@ -7087,7 +7040,7 @@
           <p:cNvPr id="8" name="Rectangle 7">
             <a:extLst>
               <a:ext uri="{FF2B5EF4-FFF2-40B4-BE49-F238E27FC236}">
-                <a16:creationId xmlns:a16="http://schemas.microsoft.com/office/drawing/2014/main" id="{F6AB2A8D-1C9E-47E8-954A-DD7675FDBF7B}"/>
+                <a16:creationId xmlns:a16="http://schemas.microsoft.com/office/drawing/2014/main" id="{41BC917D-451A-4785-AFFD-C320C6BB5973}"/>
               </a:ext>
             </a:extLst>
           </p:cNvPr>
@@ -7144,7 +7097,7 @@
           <p:cNvPr id="9" name="Forme libre : forme 8">
             <a:extLst>
               <a:ext uri="{FF2B5EF4-FFF2-40B4-BE49-F238E27FC236}">
-                <a16:creationId xmlns:a16="http://schemas.microsoft.com/office/drawing/2014/main" id="{A8B6BA81-89FC-4523-A78E-D2974C4E8A39}"/>
+                <a16:creationId xmlns:a16="http://schemas.microsoft.com/office/drawing/2014/main" id="{762FB579-F488-43C3-BA4E-C2B7F230FB96}"/>
               </a:ext>
             </a:extLst>
           </p:cNvPr>
@@ -7325,7 +7278,7 @@
                 <a:latin typeface="Arial" panose="020B0604020202020204" pitchFamily="34" charset="0"/>
                 <a:cs typeface="Arial" panose="020B0604020202020204" pitchFamily="34" charset="0"/>
               </a:rPr>
-              <a:t>Contexte</a:t>
+              <a:t>Support cible</a:t>
             </a:r>
           </a:p>
         </p:txBody>
@@ -7344,8 +7297,8 @@
         </p:nvSpPr>
         <p:spPr>
           <a:xfrm>
-            <a:off x="457200" y="1676400"/>
-            <a:ext cx="10591800" cy="677108"/>
+            <a:off x="419100" y="2305615"/>
+            <a:ext cx="10591800" cy="2246769"/>
           </a:xfrm>
           <a:prstGeom prst="rect">
             <a:avLst/>
@@ -7363,27 +7316,82 @@
                 <a:latin typeface="Arial" panose="020B0604020202020204" pitchFamily="34" charset="0"/>
                 <a:cs typeface="Arial" panose="020B0604020202020204" pitchFamily="34" charset="0"/>
               </a:rPr>
-              <a:t>TEXT</a:t>
-            </a:r>
-          </a:p>
-          <a:p>
-            <a:pPr marL="742950" lvl="1" indent="-285750">
+              <a:t>Le site est a destination de tout types d’écrans:</a:t>
+            </a:r>
+          </a:p>
+          <a:p>
+            <a:r>
+              <a:rPr lang="fr-FR" sz="2000" spc="300" dirty="0">
+                <a:latin typeface="Arial" panose="020B0604020202020204" pitchFamily="34" charset="0"/>
+                <a:cs typeface="Arial" panose="020B0604020202020204" pitchFamily="34" charset="0"/>
+              </a:rPr>
+              <a:t> </a:t>
+            </a:r>
+          </a:p>
+          <a:p>
+            <a:pPr marL="342900" indent="-342900">
               <a:buFont typeface="Arial" panose="020B0604020202020204" pitchFamily="34" charset="0"/>
               <a:buChar char="•"/>
             </a:pPr>
-            <a:endParaRPr lang="fr-FR" dirty="0">
-              <a:solidFill>
-                <a:srgbClr val="EA7235"/>
-              </a:solidFill>
-              <a:latin typeface="Pixel Operator" panose="02000503000000000000" pitchFamily="2" charset="0"/>
+            <a:r>
+              <a:rPr lang="fr-FR" sz="2000" spc="300" dirty="0">
+                <a:latin typeface="Arial" panose="020B0604020202020204" pitchFamily="34" charset="0"/>
+                <a:cs typeface="Arial" panose="020B0604020202020204" pitchFamily="34" charset="0"/>
+              </a:rPr>
+              <a:t>Ordinateur</a:t>
+            </a:r>
+          </a:p>
+          <a:p>
+            <a:pPr marL="342900" indent="-342900">
+              <a:buFont typeface="Arial" panose="020B0604020202020204" pitchFamily="34" charset="0"/>
+              <a:buChar char="•"/>
+            </a:pPr>
+            <a:r>
+              <a:rPr lang="fr-FR" sz="2000" spc="300" dirty="0">
+                <a:latin typeface="Arial" panose="020B0604020202020204" pitchFamily="34" charset="0"/>
+                <a:cs typeface="Arial" panose="020B0604020202020204" pitchFamily="34" charset="0"/>
+              </a:rPr>
+              <a:t>Tablettes</a:t>
+            </a:r>
+          </a:p>
+          <a:p>
+            <a:pPr marL="342900" indent="-342900">
+              <a:buFont typeface="Arial" panose="020B0604020202020204" pitchFamily="34" charset="0"/>
+              <a:buChar char="•"/>
+            </a:pPr>
+            <a:r>
+              <a:rPr lang="fr-FR" sz="2000" spc="300" dirty="0">
+                <a:latin typeface="Arial" panose="020B0604020202020204" pitchFamily="34" charset="0"/>
+                <a:cs typeface="Arial" panose="020B0604020202020204" pitchFamily="34" charset="0"/>
+              </a:rPr>
+              <a:t>Smartphones</a:t>
+            </a:r>
+          </a:p>
+          <a:p>
+            <a:pPr marL="342900" indent="-342900">
+              <a:buFont typeface="Arial" panose="020B0604020202020204" pitchFamily="34" charset="0"/>
+              <a:buChar char="•"/>
+            </a:pPr>
+            <a:endParaRPr lang="fr-FR" sz="2000" spc="300" dirty="0">
+              <a:latin typeface="Arial" panose="020B0604020202020204" pitchFamily="34" charset="0"/>
+              <a:cs typeface="Arial" panose="020B0604020202020204" pitchFamily="34" charset="0"/>
             </a:endParaRPr>
+          </a:p>
+          <a:p>
+            <a:r>
+              <a:rPr lang="fr-FR" sz="2000" spc="300" dirty="0">
+                <a:latin typeface="Arial" panose="020B0604020202020204" pitchFamily="34" charset="0"/>
+                <a:cs typeface="Arial" panose="020B0604020202020204" pitchFamily="34" charset="0"/>
+              </a:rPr>
+              <a:t>Il doit donc être totalement responsive</a:t>
+            </a:r>
           </a:p>
         </p:txBody>
       </p:sp>
     </p:spTree>
     <p:extLst>
       <p:ext uri="{BB962C8B-B14F-4D97-AF65-F5344CB8AC3E}">
-        <p14:creationId xmlns:p14="http://schemas.microsoft.com/office/powerpoint/2010/main" val="2720341004"/>
+        <p14:creationId xmlns:p14="http://schemas.microsoft.com/office/powerpoint/2010/main" val="3777015007"/>
       </p:ext>
     </p:extLst>
   </p:cSld>
@@ -7393,7 +7401,7 @@
 </p:sld>
 </file>
 
-<file path=ppt/slides/slide4.xml><?xml version="1.0" encoding="utf-8"?>
+<file path=ppt/slides/slide6.xml><?xml version="1.0" encoding="utf-8"?>
 <p:sld xmlns:a="http://schemas.openxmlformats.org/drawingml/2006/main" xmlns:r="http://schemas.openxmlformats.org/officeDocument/2006/relationships" xmlns:p="http://schemas.openxmlformats.org/presentationml/2006/main">
   <p:cSld>
     <p:spTree>
@@ -7415,7 +7423,7 @@
           <p:cNvPr id="8" name="Rectangle 7">
             <a:extLst>
               <a:ext uri="{FF2B5EF4-FFF2-40B4-BE49-F238E27FC236}">
-                <a16:creationId xmlns:a16="http://schemas.microsoft.com/office/drawing/2014/main" id="{B4DC7100-2776-47D6-8868-D52F46DEA794}"/>
+                <a16:creationId xmlns:a16="http://schemas.microsoft.com/office/drawing/2014/main" id="{39FC9B39-4818-44E9-9D3C-93430015DEE9}"/>
               </a:ext>
             </a:extLst>
           </p:cNvPr>
@@ -7472,7 +7480,7 @@
           <p:cNvPr id="9" name="Forme libre : forme 8">
             <a:extLst>
               <a:ext uri="{FF2B5EF4-FFF2-40B4-BE49-F238E27FC236}">
-                <a16:creationId xmlns:a16="http://schemas.microsoft.com/office/drawing/2014/main" id="{2B081DDA-2713-46C2-9ED3-80E22C252B6D}"/>
+                <a16:creationId xmlns:a16="http://schemas.microsoft.com/office/drawing/2014/main" id="{70C42AAF-47EB-44A9-92C8-D63880B99F04}"/>
               </a:ext>
             </a:extLst>
           </p:cNvPr>
@@ -7653,7 +7661,7 @@
                 <a:latin typeface="Arial" panose="020B0604020202020204" pitchFamily="34" charset="0"/>
                 <a:cs typeface="Arial" panose="020B0604020202020204" pitchFamily="34" charset="0"/>
               </a:rPr>
-              <a:t>Équipe et répartition des tâches</a:t>
+              <a:t>Normes et législation</a:t>
             </a:r>
           </a:p>
         </p:txBody>
@@ -7672,8 +7680,8 @@
         </p:nvSpPr>
         <p:spPr>
           <a:xfrm>
-            <a:off x="457200" y="1676400"/>
-            <a:ext cx="10591800" cy="4093428"/>
+            <a:off x="419100" y="2617942"/>
+            <a:ext cx="8463643" cy="984885"/>
           </a:xfrm>
           <a:prstGeom prst="rect">
             <a:avLst/>
@@ -7686,178 +7694,32 @@
           </a:bodyPr>
           <a:lstStyle/>
           <a:p>
-            <a:pPr marL="800100" lvl="1" indent="-342900">
-              <a:buFont typeface="Arial" panose="020B0604020202020204" pitchFamily="34" charset="0"/>
-              <a:buChar char="•"/>
-            </a:pPr>
-            <a:r>
-              <a:rPr lang="fr-FR" sz="2000" b="1" spc="300" dirty="0">
-                <a:latin typeface="Arial" panose="020B0604020202020204" pitchFamily="34" charset="0"/>
-                <a:cs typeface="Arial" panose="020B0604020202020204" pitchFamily="34" charset="0"/>
-              </a:rPr>
-              <a:t>Adrien RAYMOND </a:t>
-            </a:r>
-          </a:p>
-          <a:p>
-            <a:pPr marL="1257300" lvl="2" indent="-342900">
-              <a:buFont typeface="Arial" panose="020B0604020202020204" pitchFamily="34" charset="0"/>
-              <a:buChar char="•"/>
-            </a:pPr>
             <a:r>
               <a:rPr lang="fr-FR" sz="2000" spc="300" dirty="0">
                 <a:latin typeface="Arial" panose="020B0604020202020204" pitchFamily="34" charset="0"/>
                 <a:cs typeface="Arial" panose="020B0604020202020204" pitchFamily="34" charset="0"/>
               </a:rPr>
-              <a:t>Gestion de GitHub</a:t>
-            </a:r>
-          </a:p>
-          <a:p>
-            <a:pPr marL="1257300" lvl="2" indent="-342900">
+              <a:t>Ce site doit suivre les normes W3C et doit avoir un résultat correct en terme de performance.</a:t>
+            </a:r>
+          </a:p>
+          <a:p>
+            <a:pPr marL="742950" lvl="1" indent="-285750">
               <a:buFont typeface="Arial" panose="020B0604020202020204" pitchFamily="34" charset="0"/>
               <a:buChar char="•"/>
             </a:pPr>
-            <a:r>
-              <a:rPr lang="fr-FR" sz="2000" spc="300" dirty="0">
-                <a:latin typeface="Arial" panose="020B0604020202020204" pitchFamily="34" charset="0"/>
-                <a:cs typeface="Arial" panose="020B0604020202020204" pitchFamily="34" charset="0"/>
-              </a:rPr>
-              <a:t>Création du logo</a:t>
-            </a:r>
-          </a:p>
-          <a:p>
-            <a:pPr marL="1257300" lvl="2" indent="-342900">
-              <a:buFont typeface="Arial" panose="020B0604020202020204" pitchFamily="34" charset="0"/>
-              <a:buChar char="•"/>
-            </a:pPr>
-            <a:r>
-              <a:rPr lang="fr-FR" sz="2000" spc="300" dirty="0" err="1">
-                <a:latin typeface="Arial" panose="020B0604020202020204" pitchFamily="34" charset="0"/>
-                <a:cs typeface="Arial" panose="020B0604020202020204" pitchFamily="34" charset="0"/>
-              </a:rPr>
-              <a:t>Mockup</a:t>
-            </a:r>
-            <a:r>
-              <a:rPr lang="fr-FR" sz="2000" spc="300" dirty="0">
-                <a:latin typeface="Arial" panose="020B0604020202020204" pitchFamily="34" charset="0"/>
-                <a:cs typeface="Arial" panose="020B0604020202020204" pitchFamily="34" charset="0"/>
-              </a:rPr>
-              <a:t> desktop</a:t>
-            </a:r>
-          </a:p>
-          <a:p>
-            <a:pPr marL="1257300" lvl="2" indent="-342900">
-              <a:buFont typeface="Arial" panose="020B0604020202020204" pitchFamily="34" charset="0"/>
-              <a:buChar char="•"/>
-            </a:pPr>
-            <a:r>
-              <a:rPr lang="fr-FR" sz="2000" spc="300" dirty="0">
-                <a:latin typeface="Arial" panose="020B0604020202020204" pitchFamily="34" charset="0"/>
-                <a:cs typeface="Arial" panose="020B0604020202020204" pitchFamily="34" charset="0"/>
-              </a:rPr>
-              <a:t>Mise en page et rédaction du dossier de conception</a:t>
-            </a:r>
-          </a:p>
-          <a:p>
-            <a:pPr marL="1257300" lvl="2" indent="-342900">
-              <a:buFont typeface="Arial" panose="020B0604020202020204" pitchFamily="34" charset="0"/>
-              <a:buChar char="•"/>
-            </a:pPr>
-            <a:r>
-              <a:rPr lang="fr-FR" sz="2000" spc="300" dirty="0">
-                <a:latin typeface="Arial" panose="020B0604020202020204" pitchFamily="34" charset="0"/>
-                <a:cs typeface="Arial" panose="020B0604020202020204" pitchFamily="34" charset="0"/>
-              </a:rPr>
-              <a:t>Création de l’arborescence et structure primaire en vue de l’intégration</a:t>
-            </a:r>
-          </a:p>
-          <a:p>
-            <a:pPr marL="1714500" lvl="3" indent="-342900">
-              <a:buFont typeface="Arial" panose="020B0604020202020204" pitchFamily="34" charset="0"/>
-              <a:buChar char="•"/>
-            </a:pPr>
-            <a:endParaRPr lang="fr-FR" sz="2000" b="1" spc="300" dirty="0">
-              <a:latin typeface="Arial" panose="020B0604020202020204" pitchFamily="34" charset="0"/>
-              <a:cs typeface="Arial" panose="020B0604020202020204" pitchFamily="34" charset="0"/>
+            <a:endParaRPr lang="fr-FR" dirty="0">
+              <a:solidFill>
+                <a:srgbClr val="EA7235"/>
+              </a:solidFill>
+              <a:latin typeface="Pixel Operator" panose="02000503000000000000" pitchFamily="2" charset="0"/>
             </a:endParaRPr>
-          </a:p>
-          <a:p>
-            <a:pPr marL="800100" lvl="1" indent="-342900">
-              <a:buFont typeface="Arial" panose="020B0604020202020204" pitchFamily="34" charset="0"/>
-              <a:buChar char="•"/>
-            </a:pPr>
-            <a:r>
-              <a:rPr lang="fr-FR" sz="2000" b="1" spc="300" dirty="0">
-                <a:latin typeface="Arial" panose="020B0604020202020204" pitchFamily="34" charset="0"/>
-                <a:cs typeface="Arial" panose="020B0604020202020204" pitchFamily="34" charset="0"/>
-              </a:rPr>
-              <a:t>Etienne ZASTKO</a:t>
-            </a:r>
-          </a:p>
-          <a:p>
-            <a:pPr marL="1257300" lvl="2" indent="-342900">
-              <a:buFont typeface="Arial" panose="020B0604020202020204" pitchFamily="34" charset="0"/>
-              <a:buChar char="•"/>
-            </a:pPr>
-            <a:r>
-              <a:rPr lang="fr-FR" sz="2000" spc="300" dirty="0">
-                <a:latin typeface="Arial" panose="020B0604020202020204" pitchFamily="34" charset="0"/>
-                <a:cs typeface="Arial" panose="020B0604020202020204" pitchFamily="34" charset="0"/>
-              </a:rPr>
-              <a:t>Charte graphique</a:t>
-            </a:r>
-          </a:p>
-          <a:p>
-            <a:pPr marL="1257300" lvl="2" indent="-342900">
-              <a:buFont typeface="Arial" panose="020B0604020202020204" pitchFamily="34" charset="0"/>
-              <a:buChar char="•"/>
-            </a:pPr>
-            <a:r>
-              <a:rPr lang="fr-FR" sz="2000" spc="300" dirty="0">
-                <a:latin typeface="Arial" panose="020B0604020202020204" pitchFamily="34" charset="0"/>
-                <a:cs typeface="Arial" panose="020B0604020202020204" pitchFamily="34" charset="0"/>
-              </a:rPr>
-              <a:t>Wireframe desktop et mobile</a:t>
-            </a:r>
-          </a:p>
-          <a:p>
-            <a:pPr marL="1257300" lvl="2" indent="-342900">
-              <a:buFont typeface="Arial" panose="020B0604020202020204" pitchFamily="34" charset="0"/>
-              <a:buChar char="•"/>
-            </a:pPr>
-            <a:r>
-              <a:rPr lang="fr-FR" sz="2000" spc="300" dirty="0">
-                <a:latin typeface="Arial" panose="020B0604020202020204" pitchFamily="34" charset="0"/>
-                <a:cs typeface="Arial" panose="020B0604020202020204" pitchFamily="34" charset="0"/>
-              </a:rPr>
-              <a:t>Zoning desktop et mobile</a:t>
-            </a:r>
-          </a:p>
-          <a:p>
-            <a:pPr marL="1257300" lvl="2" indent="-342900">
-              <a:buFont typeface="Arial" panose="020B0604020202020204" pitchFamily="34" charset="0"/>
-              <a:buChar char="•"/>
-            </a:pPr>
-            <a:r>
-              <a:rPr lang="fr-FR" sz="2000" spc="300" dirty="0" err="1">
-                <a:latin typeface="Arial" panose="020B0604020202020204" pitchFamily="34" charset="0"/>
-                <a:cs typeface="Arial" panose="020B0604020202020204" pitchFamily="34" charset="0"/>
-              </a:rPr>
-              <a:t>Mockup</a:t>
-            </a:r>
-            <a:r>
-              <a:rPr lang="fr-FR" sz="2000" spc="300" dirty="0">
-                <a:latin typeface="Arial" panose="020B0604020202020204" pitchFamily="34" charset="0"/>
-                <a:cs typeface="Arial" panose="020B0604020202020204" pitchFamily="34" charset="0"/>
-              </a:rPr>
-              <a:t> mobile</a:t>
-            </a:r>
           </a:p>
         </p:txBody>
       </p:sp>
     </p:spTree>
     <p:extLst>
       <p:ext uri="{BB962C8B-B14F-4D97-AF65-F5344CB8AC3E}">
-        <p14:creationId xmlns:p14="http://schemas.microsoft.com/office/powerpoint/2010/main" val="1964926843"/>
+        <p14:creationId xmlns:p14="http://schemas.microsoft.com/office/powerpoint/2010/main" val="3168413164"/>
       </p:ext>
     </p:extLst>
   </p:cSld>
@@ -7867,7 +7729,7 @@
 </p:sld>
 </file>
 
-<file path=ppt/slides/slide5.xml><?xml version="1.0" encoding="utf-8"?>
+<file path=ppt/slides/slide7.xml><?xml version="1.0" encoding="utf-8"?>
 <p:sld xmlns:a="http://schemas.openxmlformats.org/drawingml/2006/main" xmlns:r="http://schemas.openxmlformats.org/officeDocument/2006/relationships" xmlns:p="http://schemas.openxmlformats.org/presentationml/2006/main">
   <p:cSld>
     <p:spTree>
@@ -7886,10 +7748,10 @@
       </p:grpSpPr>
       <p:sp>
         <p:nvSpPr>
-          <p:cNvPr id="8" name="Rectangle 7">
-            <a:extLst>
-              <a:ext uri="{FF2B5EF4-FFF2-40B4-BE49-F238E27FC236}">
-                <a16:creationId xmlns:a16="http://schemas.microsoft.com/office/drawing/2014/main" id="{FF323BF0-9B50-4B0E-9F90-0B29379CFD93}"/>
+          <p:cNvPr id="7" name="Rectangle 6">
+            <a:extLst>
+              <a:ext uri="{FF2B5EF4-FFF2-40B4-BE49-F238E27FC236}">
+                <a16:creationId xmlns:a16="http://schemas.microsoft.com/office/drawing/2014/main" id="{CBAF8E3B-9030-4486-B8A2-2A7DB5E26CCD}"/>
               </a:ext>
             </a:extLst>
           </p:cNvPr>
@@ -7943,10 +7805,10 @@
       </p:sp>
       <p:sp>
         <p:nvSpPr>
-          <p:cNvPr id="9" name="Forme libre : forme 8">
-            <a:extLst>
-              <a:ext uri="{FF2B5EF4-FFF2-40B4-BE49-F238E27FC236}">
-                <a16:creationId xmlns:a16="http://schemas.microsoft.com/office/drawing/2014/main" id="{36A0E863-367F-412A-91C6-636F5FCCC77B}"/>
+          <p:cNvPr id="8" name="Forme libre : forme 7">
+            <a:extLst>
+              <a:ext uri="{FF2B5EF4-FFF2-40B4-BE49-F238E27FC236}">
+                <a16:creationId xmlns:a16="http://schemas.microsoft.com/office/drawing/2014/main" id="{B5CA6F14-C847-4FED-85F3-7D6C3DED9E4C}"/>
               </a:ext>
             </a:extLst>
           </p:cNvPr>
@@ -8123,94 +7985,98 @@
           <a:lstStyle/>
           <a:p>
             <a:r>
-              <a:rPr lang="fr-FR" sz="3000" b="1" spc="300" dirty="0">
+              <a:rPr lang="fr-FR" sz="3000" spc="300" dirty="0">
                 <a:latin typeface="Arial" panose="020B0604020202020204" pitchFamily="34" charset="0"/>
                 <a:cs typeface="Arial" panose="020B0604020202020204" pitchFamily="34" charset="0"/>
               </a:rPr>
-              <a:t>Publique cible</a:t>
-            </a:r>
-          </a:p>
-        </p:txBody>
-      </p:sp>
-      <p:sp>
-        <p:nvSpPr>
-          <p:cNvPr id="7" name="ZoneTexte 6">
-            <a:extLst>
-              <a:ext uri="{FF2B5EF4-FFF2-40B4-BE49-F238E27FC236}">
-                <a16:creationId xmlns:a16="http://schemas.microsoft.com/office/drawing/2014/main" id="{4E2492FB-EB16-46E2-B522-5880DD9A6CAC}"/>
-              </a:ext>
-            </a:extLst>
-          </p:cNvPr>
-          <p:cNvSpPr txBox="1"/>
+              <a:t>Charte</a:t>
+            </a:r>
+            <a:r>
+              <a:rPr lang="fr-FR" sz="3000" dirty="0">
+                <a:latin typeface="Arial" panose="020B0604020202020204" pitchFamily="34" charset="0"/>
+                <a:cs typeface="Arial" panose="020B0604020202020204" pitchFamily="34" charset="0"/>
+              </a:rPr>
+              <a:t> graphique</a:t>
+            </a:r>
+          </a:p>
+        </p:txBody>
+      </p:sp>
+      <p:pic>
+        <p:nvPicPr>
+          <p:cNvPr id="3" name="Image 2">
+            <a:extLst>
+              <a:ext uri="{FF2B5EF4-FFF2-40B4-BE49-F238E27FC236}">
+                <a16:creationId xmlns:a16="http://schemas.microsoft.com/office/drawing/2014/main" id="{2485D6C9-29EB-49C3-BB4B-21FE1755778B}"/>
+              </a:ext>
+            </a:extLst>
+          </p:cNvPr>
+          <p:cNvPicPr>
+            <a:picLocks noChangeAspect="1"/>
+          </p:cNvPicPr>
           <p:nvPr/>
-        </p:nvSpPr>
+        </p:nvPicPr>
+        <p:blipFill>
+          <a:blip r:embed="rId2">
+            <a:extLst>
+              <a:ext uri="{28A0092B-C50C-407E-A947-70E740481C1C}">
+                <a14:useLocalDpi xmlns:a14="http://schemas.microsoft.com/office/drawing/2010/main" val="0"/>
+              </a:ext>
+            </a:extLst>
+          </a:blip>
+          <a:stretch>
+            <a:fillRect/>
+          </a:stretch>
+        </p:blipFill>
         <p:spPr>
           <a:xfrm>
-            <a:off x="419100" y="2449589"/>
-            <a:ext cx="10591800" cy="707886"/>
+            <a:off x="419100" y="2808143"/>
+            <a:ext cx="5057105" cy="3573607"/>
           </a:xfrm>
           <a:prstGeom prst="rect">
             <a:avLst/>
           </a:prstGeom>
-          <a:noFill/>
         </p:spPr>
-        <p:txBody>
-          <a:bodyPr wrap="square" rtlCol="0">
-            <a:spAutoFit/>
-          </a:bodyPr>
-          <a:lstStyle/>
-          <a:p>
-            <a:r>
-              <a:rPr lang="fr-FR" sz="2000" spc="300" dirty="0">
-                <a:latin typeface="Arial" panose="020B0604020202020204" pitchFamily="34" charset="0"/>
-                <a:cs typeface="Arial" panose="020B0604020202020204" pitchFamily="34" charset="0"/>
-              </a:rPr>
-              <a:t>Le ciblage est essentiellement orienter vers les apprentis designer/</a:t>
-            </a:r>
-            <a:r>
-              <a:rPr lang="fr-FR" sz="2000" spc="300" dirty="0" err="1">
-                <a:latin typeface="Arial" panose="020B0604020202020204" pitchFamily="34" charset="0"/>
-                <a:cs typeface="Arial" panose="020B0604020202020204" pitchFamily="34" charset="0"/>
-              </a:rPr>
-              <a:t>devellopeurs</a:t>
-            </a:r>
-            <a:r>
-              <a:rPr lang="fr-FR" sz="2000" spc="300" dirty="0">
-                <a:latin typeface="Arial" panose="020B0604020202020204" pitchFamily="34" charset="0"/>
-                <a:cs typeface="Arial" panose="020B0604020202020204" pitchFamily="34" charset="0"/>
-              </a:rPr>
-              <a:t> web, en formation ou </a:t>
-            </a:r>
-            <a:r>
-              <a:rPr lang="fr-FR" sz="2000" spc="300" dirty="0" err="1">
-                <a:latin typeface="Arial" panose="020B0604020202020204" pitchFamily="34" charset="0"/>
-                <a:cs typeface="Arial" panose="020B0604020202020204" pitchFamily="34" charset="0"/>
-              </a:rPr>
-              <a:t>autodidacts</a:t>
-            </a:r>
-            <a:r>
-              <a:rPr lang="fr-FR" sz="2000" spc="300" dirty="0">
-                <a:latin typeface="Arial" panose="020B0604020202020204" pitchFamily="34" charset="0"/>
-                <a:cs typeface="Arial" panose="020B0604020202020204" pitchFamily="34" charset="0"/>
-              </a:rPr>
-              <a:t>.</a:t>
-            </a:r>
-            <a:r>
-              <a:rPr lang="fr-FR" sz="2000" dirty="0">
-                <a:solidFill>
-                  <a:srgbClr val="EA7235"/>
-                </a:solidFill>
-                <a:latin typeface="Pixel Operator" panose="02000503000000000000" pitchFamily="2" charset="0"/>
-              </a:rPr>
-              <a:t>.</a:t>
-            </a:r>
-          </a:p>
-        </p:txBody>
-      </p:sp>
+      </p:pic>
+      <p:pic>
+        <p:nvPicPr>
+          <p:cNvPr id="9" name="Image 8">
+            <a:extLst>
+              <a:ext uri="{FF2B5EF4-FFF2-40B4-BE49-F238E27FC236}">
+                <a16:creationId xmlns:a16="http://schemas.microsoft.com/office/drawing/2014/main" id="{6E47DD97-24DB-4025-8F4A-094ECA63414C}"/>
+              </a:ext>
+            </a:extLst>
+          </p:cNvPr>
+          <p:cNvPicPr>
+            <a:picLocks noChangeAspect="1"/>
+          </p:cNvPicPr>
+          <p:nvPr/>
+        </p:nvPicPr>
+        <p:blipFill>
+          <a:blip r:embed="rId3">
+            <a:extLst>
+              <a:ext uri="{28A0092B-C50C-407E-A947-70E740481C1C}">
+                <a14:useLocalDpi xmlns:a14="http://schemas.microsoft.com/office/drawing/2010/main" val="0"/>
+              </a:ext>
+            </a:extLst>
+          </a:blip>
+          <a:stretch>
+            <a:fillRect/>
+          </a:stretch>
+        </p:blipFill>
+        <p:spPr>
+          <a:xfrm>
+            <a:off x="6080125" y="1312998"/>
+            <a:ext cx="5057105" cy="3573608"/>
+          </a:xfrm>
+          <a:prstGeom prst="rect">
+            <a:avLst/>
+          </a:prstGeom>
+        </p:spPr>
+      </p:pic>
     </p:spTree>
     <p:extLst>
       <p:ext uri="{BB962C8B-B14F-4D97-AF65-F5344CB8AC3E}">
-        <p14:creationId xmlns:p14="http://schemas.microsoft.com/office/powerpoint/2010/main" val="2054999656"/>
+        <p14:creationId xmlns:p14="http://schemas.microsoft.com/office/powerpoint/2010/main" val="1046662575"/>
       </p:ext>
     </p:extLst>
   </p:cSld>
@@ -8220,7 +8086,7 @@
 </p:sld>
 </file>
 
-<file path=ppt/slides/slide6.xml><?xml version="1.0" encoding="utf-8"?>
+<file path=ppt/slides/slide8.xml><?xml version="1.0" encoding="utf-8"?>
 <p:sld xmlns:a="http://schemas.openxmlformats.org/drawingml/2006/main" xmlns:r="http://schemas.openxmlformats.org/officeDocument/2006/relationships" xmlns:p="http://schemas.openxmlformats.org/presentationml/2006/main">
   <p:cSld>
     <p:spTree>
@@ -8242,7 +8108,7 @@
           <p:cNvPr id="8" name="Rectangle 7">
             <a:extLst>
               <a:ext uri="{FF2B5EF4-FFF2-40B4-BE49-F238E27FC236}">
-                <a16:creationId xmlns:a16="http://schemas.microsoft.com/office/drawing/2014/main" id="{41BC917D-451A-4785-AFFD-C320C6BB5973}"/>
+                <a16:creationId xmlns:a16="http://schemas.microsoft.com/office/drawing/2014/main" id="{B26A6B88-9A39-43C4-92B8-4AF23D2FBC67}"/>
               </a:ext>
             </a:extLst>
           </p:cNvPr>
@@ -8299,7 +8165,7 @@
           <p:cNvPr id="9" name="Forme libre : forme 8">
             <a:extLst>
               <a:ext uri="{FF2B5EF4-FFF2-40B4-BE49-F238E27FC236}">
-                <a16:creationId xmlns:a16="http://schemas.microsoft.com/office/drawing/2014/main" id="{762FB579-F488-43C3-BA4E-C2B7F230FB96}"/>
+                <a16:creationId xmlns:a16="http://schemas.microsoft.com/office/drawing/2014/main" id="{2D42318F-1767-4125-AF2D-0BB0D7A91977}"/>
               </a:ext>
             </a:extLst>
           </p:cNvPr>
@@ -8476,124 +8342,98 @@
           <a:lstStyle/>
           <a:p>
             <a:r>
+              <a:rPr lang="fr-FR" sz="3000" b="1" dirty="0">
+                <a:latin typeface="Arial" panose="020B0604020202020204" pitchFamily="34" charset="0"/>
+                <a:cs typeface="Arial" panose="020B0604020202020204" pitchFamily="34" charset="0"/>
+              </a:rPr>
+              <a:t>UI </a:t>
+            </a:r>
+            <a:r>
               <a:rPr lang="fr-FR" sz="3000" b="1" spc="300" dirty="0">
                 <a:latin typeface="Arial" panose="020B0604020202020204" pitchFamily="34" charset="0"/>
                 <a:cs typeface="Arial" panose="020B0604020202020204" pitchFamily="34" charset="0"/>
               </a:rPr>
-              <a:t>Support cible</a:t>
-            </a:r>
-          </a:p>
-        </p:txBody>
-      </p:sp>
-      <p:sp>
-        <p:nvSpPr>
-          <p:cNvPr id="7" name="ZoneTexte 6">
-            <a:extLst>
-              <a:ext uri="{FF2B5EF4-FFF2-40B4-BE49-F238E27FC236}">
-                <a16:creationId xmlns:a16="http://schemas.microsoft.com/office/drawing/2014/main" id="{4E2492FB-EB16-46E2-B522-5880DD9A6CAC}"/>
-              </a:ext>
-            </a:extLst>
-          </p:cNvPr>
-          <p:cNvSpPr txBox="1"/>
+              <a:t>Kit</a:t>
+            </a:r>
+          </a:p>
+        </p:txBody>
+      </p:sp>
+      <p:pic>
+        <p:nvPicPr>
+          <p:cNvPr id="5" name="Image 4">
+            <a:extLst>
+              <a:ext uri="{FF2B5EF4-FFF2-40B4-BE49-F238E27FC236}">
+                <a16:creationId xmlns:a16="http://schemas.microsoft.com/office/drawing/2014/main" id="{940E816E-5BF7-4ED2-A79C-FBC0E6ED18D7}"/>
+              </a:ext>
+            </a:extLst>
+          </p:cNvPr>
+          <p:cNvPicPr>
+            <a:picLocks noChangeAspect="1"/>
+          </p:cNvPicPr>
           <p:nvPr/>
-        </p:nvSpPr>
+        </p:nvPicPr>
+        <p:blipFill>
+          <a:blip r:embed="rId2">
+            <a:extLst>
+              <a:ext uri="{28A0092B-C50C-407E-A947-70E740481C1C}">
+                <a14:useLocalDpi xmlns:a14="http://schemas.microsoft.com/office/drawing/2010/main" val="0"/>
+              </a:ext>
+            </a:extLst>
+          </a:blip>
+          <a:stretch>
+            <a:fillRect/>
+          </a:stretch>
+        </p:blipFill>
         <p:spPr>
           <a:xfrm>
-            <a:off x="457200" y="1676400"/>
-            <a:ext cx="10591800" cy="2554545"/>
+            <a:off x="419099" y="1506498"/>
+            <a:ext cx="5635365" cy="5060557"/>
           </a:xfrm>
           <a:prstGeom prst="rect">
             <a:avLst/>
           </a:prstGeom>
-          <a:noFill/>
         </p:spPr>
-        <p:txBody>
-          <a:bodyPr wrap="square" rtlCol="0">
-            <a:spAutoFit/>
-          </a:bodyPr>
-          <a:lstStyle/>
-          <a:p>
-            <a:r>
-              <a:rPr lang="fr-FR" sz="2000" spc="300" dirty="0">
-                <a:latin typeface="Arial" panose="020B0604020202020204" pitchFamily="34" charset="0"/>
-                <a:cs typeface="Arial" panose="020B0604020202020204" pitchFamily="34" charset="0"/>
-              </a:rPr>
-              <a:t>Le site est a destination de tout types d’écrans:</a:t>
-            </a:r>
-          </a:p>
-          <a:p>
-            <a:r>
-              <a:rPr lang="fr-FR" sz="2000" spc="300" dirty="0">
-                <a:latin typeface="Arial" panose="020B0604020202020204" pitchFamily="34" charset="0"/>
-                <a:cs typeface="Arial" panose="020B0604020202020204" pitchFamily="34" charset="0"/>
-              </a:rPr>
-              <a:t> </a:t>
-            </a:r>
-          </a:p>
-          <a:p>
-            <a:pPr marL="342900" indent="-342900">
-              <a:buFont typeface="Arial" panose="020B0604020202020204" pitchFamily="34" charset="0"/>
-              <a:buChar char="•"/>
-            </a:pPr>
-            <a:r>
-              <a:rPr lang="fr-FR" sz="2000" spc="300" dirty="0">
-                <a:latin typeface="Arial" panose="020B0604020202020204" pitchFamily="34" charset="0"/>
-                <a:cs typeface="Arial" panose="020B0604020202020204" pitchFamily="34" charset="0"/>
-              </a:rPr>
-              <a:t>Ordinateur</a:t>
-            </a:r>
-          </a:p>
-          <a:p>
-            <a:pPr marL="342900" indent="-342900">
-              <a:buFont typeface="Arial" panose="020B0604020202020204" pitchFamily="34" charset="0"/>
-              <a:buChar char="•"/>
-            </a:pPr>
-            <a:r>
-              <a:rPr lang="fr-FR" sz="2000" spc="300" dirty="0">
-                <a:latin typeface="Arial" panose="020B0604020202020204" pitchFamily="34" charset="0"/>
-                <a:cs typeface="Arial" panose="020B0604020202020204" pitchFamily="34" charset="0"/>
-              </a:rPr>
-              <a:t>Tablettes</a:t>
-            </a:r>
-          </a:p>
-          <a:p>
-            <a:pPr marL="342900" indent="-342900">
-              <a:buFont typeface="Arial" panose="020B0604020202020204" pitchFamily="34" charset="0"/>
-              <a:buChar char="•"/>
-            </a:pPr>
-            <a:r>
-              <a:rPr lang="fr-FR" sz="2000" spc="300" dirty="0">
-                <a:latin typeface="Arial" panose="020B0604020202020204" pitchFamily="34" charset="0"/>
-                <a:cs typeface="Arial" panose="020B0604020202020204" pitchFamily="34" charset="0"/>
-              </a:rPr>
-              <a:t>Smartphones</a:t>
-            </a:r>
-          </a:p>
-          <a:p>
-            <a:pPr marL="342900" indent="-342900">
-              <a:buFont typeface="Arial" panose="020B0604020202020204" pitchFamily="34" charset="0"/>
-              <a:buChar char="•"/>
-            </a:pPr>
-            <a:endParaRPr lang="fr-FR" sz="2000" spc="300" dirty="0">
-              <a:latin typeface="Arial" panose="020B0604020202020204" pitchFamily="34" charset="0"/>
-              <a:cs typeface="Arial" panose="020B0604020202020204" pitchFamily="34" charset="0"/>
-            </a:endParaRPr>
-          </a:p>
-          <a:p>
-            <a:r>
-              <a:rPr lang="fr-FR" sz="2000" spc="300" dirty="0">
-                <a:latin typeface="Arial" panose="020B0604020202020204" pitchFamily="34" charset="0"/>
-                <a:cs typeface="Arial" panose="020B0604020202020204" pitchFamily="34" charset="0"/>
-              </a:rPr>
-              <a:t>Il doit donc être totalement responsive ( responsable de la responsivité: Etienne ZASTKO :)</a:t>
-            </a:r>
-          </a:p>
-        </p:txBody>
-      </p:sp>
+      </p:pic>
+      <p:pic>
+        <p:nvPicPr>
+          <p:cNvPr id="11" name="Image 10">
+            <a:extLst>
+              <a:ext uri="{FF2B5EF4-FFF2-40B4-BE49-F238E27FC236}">
+                <a16:creationId xmlns:a16="http://schemas.microsoft.com/office/drawing/2014/main" id="{CC82050E-01AA-45C5-ACE4-1DE50A489DEE}"/>
+              </a:ext>
+            </a:extLst>
+          </p:cNvPr>
+          <p:cNvPicPr>
+            <a:picLocks noChangeAspect="1"/>
+          </p:cNvPicPr>
+          <p:nvPr/>
+        </p:nvPicPr>
+        <p:blipFill>
+          <a:blip r:embed="rId3">
+            <a:extLst>
+              <a:ext uri="{28A0092B-C50C-407E-A947-70E740481C1C}">
+                <a14:useLocalDpi xmlns:a14="http://schemas.microsoft.com/office/drawing/2010/main" val="0"/>
+              </a:ext>
+            </a:extLst>
+          </a:blip>
+          <a:stretch>
+            <a:fillRect/>
+          </a:stretch>
+        </p:blipFill>
+        <p:spPr>
+          <a:xfrm>
+            <a:off x="6096001" y="683928"/>
+            <a:ext cx="5314950" cy="3592906"/>
+          </a:xfrm>
+          <a:prstGeom prst="rect">
+            <a:avLst/>
+          </a:prstGeom>
+        </p:spPr>
+      </p:pic>
     </p:spTree>
     <p:extLst>
       <p:ext uri="{BB962C8B-B14F-4D97-AF65-F5344CB8AC3E}">
-        <p14:creationId xmlns:p14="http://schemas.microsoft.com/office/powerpoint/2010/main" val="3777015007"/>
+        <p14:creationId xmlns:p14="http://schemas.microsoft.com/office/powerpoint/2010/main" val="3724318043"/>
       </p:ext>
     </p:extLst>
   </p:cSld>
@@ -8603,7 +8443,7 @@
 </p:sld>
 </file>
 
-<file path=ppt/slides/slide7.xml><?xml version="1.0" encoding="utf-8"?>
+<file path=ppt/slides/slide9.xml><?xml version="1.0" encoding="utf-8"?>
 <p:sld xmlns:a="http://schemas.openxmlformats.org/drawingml/2006/main" xmlns:r="http://schemas.openxmlformats.org/officeDocument/2006/relationships" xmlns:p="http://schemas.openxmlformats.org/presentationml/2006/main">
   <p:cSld>
     <p:spTree>
@@ -8625,7 +8465,7 @@
           <p:cNvPr id="8" name="Rectangle 7">
             <a:extLst>
               <a:ext uri="{FF2B5EF4-FFF2-40B4-BE49-F238E27FC236}">
-                <a16:creationId xmlns:a16="http://schemas.microsoft.com/office/drawing/2014/main" id="{39FC9B39-4818-44E9-9D3C-93430015DEE9}"/>
+                <a16:creationId xmlns:a16="http://schemas.microsoft.com/office/drawing/2014/main" id="{6DDC3D9F-B7F0-4262-BC74-81331BA6E6EB}"/>
               </a:ext>
             </a:extLst>
           </p:cNvPr>
@@ -8682,7 +8522,7 @@
           <p:cNvPr id="9" name="Forme libre : forme 8">
             <a:extLst>
               <a:ext uri="{FF2B5EF4-FFF2-40B4-BE49-F238E27FC236}">
-                <a16:creationId xmlns:a16="http://schemas.microsoft.com/office/drawing/2014/main" id="{70C42AAF-47EB-44A9-92C8-D63880B99F04}"/>
+                <a16:creationId xmlns:a16="http://schemas.microsoft.com/office/drawing/2014/main" id="{3C8F1AB2-5182-49E7-8370-818B1E8C844F}"/>
               </a:ext>
             </a:extLst>
           </p:cNvPr>
@@ -8863,17 +8703,24 @@
                 <a:latin typeface="Arial" panose="020B0604020202020204" pitchFamily="34" charset="0"/>
                 <a:cs typeface="Arial" panose="020B0604020202020204" pitchFamily="34" charset="0"/>
               </a:rPr>
-              <a:t>Normes et législation</a:t>
-            </a:r>
-          </a:p>
-        </p:txBody>
-      </p:sp>
-      <p:sp>
-        <p:nvSpPr>
-          <p:cNvPr id="7" name="ZoneTexte 6">
-            <a:extLst>
-              <a:ext uri="{FF2B5EF4-FFF2-40B4-BE49-F238E27FC236}">
-                <a16:creationId xmlns:a16="http://schemas.microsoft.com/office/drawing/2014/main" id="{4E2492FB-EB16-46E2-B522-5880DD9A6CAC}"/>
+              <a:t>Planche</a:t>
+            </a:r>
+            <a:r>
+              <a:rPr lang="fr-FR" sz="3000" b="1" dirty="0">
+                <a:latin typeface="Arial" panose="020B0604020202020204" pitchFamily="34" charset="0"/>
+                <a:cs typeface="Arial" panose="020B0604020202020204" pitchFamily="34" charset="0"/>
+              </a:rPr>
+              <a:t> de tendances</a:t>
+            </a:r>
+          </a:p>
+        </p:txBody>
+      </p:sp>
+      <p:sp>
+        <p:nvSpPr>
+          <p:cNvPr id="10" name="ZoneTexte 9">
+            <a:extLst>
+              <a:ext uri="{FF2B5EF4-FFF2-40B4-BE49-F238E27FC236}">
+                <a16:creationId xmlns:a16="http://schemas.microsoft.com/office/drawing/2014/main" id="{5ACD8894-1556-429C-BB94-AD2074E6A3B1}"/>
               </a:ext>
             </a:extLst>
           </p:cNvPr>
@@ -8882,7 +8729,7 @@
         </p:nvSpPr>
         <p:spPr>
           <a:xfrm>
-            <a:off x="457200" y="1676400"/>
+            <a:off x="419100" y="1506498"/>
             <a:ext cx="10591800" cy="677108"/>
           </a:xfrm>
           <a:prstGeom prst="rect">
@@ -8921,699 +8768,7 @@
     </p:spTree>
     <p:extLst>
       <p:ext uri="{BB962C8B-B14F-4D97-AF65-F5344CB8AC3E}">
-        <p14:creationId xmlns:p14="http://schemas.microsoft.com/office/powerpoint/2010/main" val="3168413164"/>
-      </p:ext>
-    </p:extLst>
-  </p:cSld>
-  <p:clrMapOvr>
-    <a:masterClrMapping/>
-  </p:clrMapOvr>
-</p:sld>
-</file>
-
-<file path=ppt/slides/slide8.xml><?xml version="1.0" encoding="utf-8"?>
-<p:sld xmlns:a="http://schemas.openxmlformats.org/drawingml/2006/main" xmlns:r="http://schemas.openxmlformats.org/officeDocument/2006/relationships" xmlns:p="http://schemas.openxmlformats.org/presentationml/2006/main">
-  <p:cSld>
-    <p:spTree>
-      <p:nvGrpSpPr>
-        <p:cNvPr id="1" name=""/>
-        <p:cNvGrpSpPr/>
-        <p:nvPr/>
-      </p:nvGrpSpPr>
-      <p:grpSpPr>
-        <a:xfrm>
-          <a:off x="0" y="0"/>
-          <a:ext cx="0" cy="0"/>
-          <a:chOff x="0" y="0"/>
-          <a:chExt cx="0" cy="0"/>
-        </a:xfrm>
-      </p:grpSpPr>
-      <p:sp>
-        <p:nvSpPr>
-          <p:cNvPr id="7" name="Rectangle 6">
-            <a:extLst>
-              <a:ext uri="{FF2B5EF4-FFF2-40B4-BE49-F238E27FC236}">
-                <a16:creationId xmlns:a16="http://schemas.microsoft.com/office/drawing/2014/main" id="{CBAF8E3B-9030-4486-B8A2-2A7DB5E26CCD}"/>
-              </a:ext>
-            </a:extLst>
-          </p:cNvPr>
-          <p:cNvSpPr/>
-          <p:nvPr/>
-        </p:nvSpPr>
-        <p:spPr>
-          <a:xfrm>
-            <a:off x="0" y="0"/>
-            <a:ext cx="12192000" cy="6858000"/>
-          </a:xfrm>
-          <a:prstGeom prst="rect">
-            <a:avLst/>
-          </a:prstGeom>
-          <a:solidFill>
-            <a:schemeClr val="bg1"/>
-          </a:solidFill>
-          <a:ln>
-            <a:noFill/>
-          </a:ln>
-        </p:spPr>
-        <p:style>
-          <a:lnRef idx="2">
-            <a:schemeClr val="accent1">
-              <a:shade val="50000"/>
-            </a:schemeClr>
-          </a:lnRef>
-          <a:fillRef idx="1">
-            <a:schemeClr val="accent1"/>
-          </a:fillRef>
-          <a:effectRef idx="0">
-            <a:schemeClr val="accent1"/>
-          </a:effectRef>
-          <a:fontRef idx="minor">
-            <a:schemeClr val="lt1"/>
-          </a:fontRef>
-        </p:style>
-        <p:txBody>
-          <a:bodyPr rtlCol="0" anchor="ctr"/>
-          <a:lstStyle/>
-          <a:p>
-            <a:pPr algn="ctr"/>
-            <a:endParaRPr lang="fr-FR" sz="3000" dirty="0">
-              <a:solidFill>
-                <a:srgbClr val="FF5600"/>
-              </a:solidFill>
-              <a:latin typeface="Pixel Operator 8" panose="02000503000000000000" pitchFamily="2" charset="0"/>
-            </a:endParaRPr>
-          </a:p>
-        </p:txBody>
-      </p:sp>
-      <p:sp>
-        <p:nvSpPr>
-          <p:cNvPr id="8" name="Forme libre : forme 7">
-            <a:extLst>
-              <a:ext uri="{FF2B5EF4-FFF2-40B4-BE49-F238E27FC236}">
-                <a16:creationId xmlns:a16="http://schemas.microsoft.com/office/drawing/2014/main" id="{B5CA6F14-C847-4FED-85F3-7D6C3DED9E4C}"/>
-              </a:ext>
-            </a:extLst>
-          </p:cNvPr>
-          <p:cNvSpPr/>
-          <p:nvPr/>
-        </p:nvSpPr>
-        <p:spPr>
-          <a:xfrm>
-            <a:off x="9020273" y="-1819451"/>
-            <a:ext cx="5354683" cy="9859672"/>
-          </a:xfrm>
-          <a:custGeom>
-            <a:avLst/>
-            <a:gdLst>
-              <a:gd name="connsiteX0" fmla="*/ 771427 w 5354683"/>
-              <a:gd name="connsiteY0" fmla="*/ 371651 h 9859672"/>
-              <a:gd name="connsiteX1" fmla="*/ 1285777 w 5354683"/>
-              <a:gd name="connsiteY1" fmla="*/ 1038401 h 9859672"/>
-              <a:gd name="connsiteX2" fmla="*/ 2714527 w 5354683"/>
-              <a:gd name="connsiteY2" fmla="*/ 3057701 h 9859672"/>
-              <a:gd name="connsiteX3" fmla="*/ 2466877 w 5354683"/>
-              <a:gd name="connsiteY3" fmla="*/ 6639101 h 9859672"/>
-              <a:gd name="connsiteX4" fmla="*/ 66577 w 5354683"/>
-              <a:gd name="connsiteY4" fmla="*/ 9649001 h 9859672"/>
-              <a:gd name="connsiteX5" fmla="*/ 619027 w 5354683"/>
-              <a:gd name="connsiteY5" fmla="*/ 9610901 h 9859672"/>
-              <a:gd name="connsiteX6" fmla="*/ 5133877 w 5354683"/>
-              <a:gd name="connsiteY6" fmla="*/ 8944151 h 9859672"/>
-              <a:gd name="connsiteX7" fmla="*/ 4257577 w 5354683"/>
-              <a:gd name="connsiteY7" fmla="*/ 771701 h 9859672"/>
-              <a:gd name="connsiteX8" fmla="*/ 771427 w 5354683"/>
-              <a:gd name="connsiteY8" fmla="*/ 371651 h 9859672"/>
-            </a:gdLst>
-            <a:ahLst/>
-            <a:cxnLst>
-              <a:cxn ang="0">
-                <a:pos x="connsiteX0" y="connsiteY0"/>
-              </a:cxn>
-              <a:cxn ang="0">
-                <a:pos x="connsiteX1" y="connsiteY1"/>
-              </a:cxn>
-              <a:cxn ang="0">
-                <a:pos x="connsiteX2" y="connsiteY2"/>
-              </a:cxn>
-              <a:cxn ang="0">
-                <a:pos x="connsiteX3" y="connsiteY3"/>
-              </a:cxn>
-              <a:cxn ang="0">
-                <a:pos x="connsiteX4" y="connsiteY4"/>
-              </a:cxn>
-              <a:cxn ang="0">
-                <a:pos x="connsiteX5" y="connsiteY5"/>
-              </a:cxn>
-              <a:cxn ang="0">
-                <a:pos x="connsiteX6" y="connsiteY6"/>
-              </a:cxn>
-              <a:cxn ang="0">
-                <a:pos x="connsiteX7" y="connsiteY7"/>
-              </a:cxn>
-              <a:cxn ang="0">
-                <a:pos x="connsiteX8" y="connsiteY8"/>
-              </a:cxn>
-            </a:cxnLst>
-            <a:rect l="l" t="t" r="r" b="b"/>
-            <a:pathLst>
-              <a:path w="5354683" h="9859672">
-                <a:moveTo>
-                  <a:pt x="771427" y="371651"/>
-                </a:moveTo>
-                <a:cubicBezTo>
-                  <a:pt x="276127" y="416101"/>
-                  <a:pt x="961927" y="590726"/>
-                  <a:pt x="1285777" y="1038401"/>
-                </a:cubicBezTo>
-                <a:cubicBezTo>
-                  <a:pt x="1609627" y="1486076"/>
-                  <a:pt x="2517677" y="2124251"/>
-                  <a:pt x="2714527" y="3057701"/>
-                </a:cubicBezTo>
-                <a:cubicBezTo>
-                  <a:pt x="2911377" y="3991151"/>
-                  <a:pt x="2908202" y="5540551"/>
-                  <a:pt x="2466877" y="6639101"/>
-                </a:cubicBezTo>
-                <a:cubicBezTo>
-                  <a:pt x="2025552" y="7737651"/>
-                  <a:pt x="374552" y="9153701"/>
-                  <a:pt x="66577" y="9649001"/>
-                </a:cubicBezTo>
-                <a:cubicBezTo>
-                  <a:pt x="-241398" y="10144301"/>
-                  <a:pt x="619027" y="9610901"/>
-                  <a:pt x="619027" y="9610901"/>
-                </a:cubicBezTo>
-                <a:cubicBezTo>
-                  <a:pt x="1463577" y="9493426"/>
-                  <a:pt x="4527452" y="10417351"/>
-                  <a:pt x="5133877" y="8944151"/>
-                </a:cubicBezTo>
-                <a:cubicBezTo>
-                  <a:pt x="5740302" y="7470951"/>
-                  <a:pt x="4981477" y="2200451"/>
-                  <a:pt x="4257577" y="771701"/>
-                </a:cubicBezTo>
-                <a:cubicBezTo>
-                  <a:pt x="3533677" y="-657049"/>
-                  <a:pt x="1266727" y="327201"/>
-                  <a:pt x="771427" y="371651"/>
-                </a:cubicBezTo>
-                <a:close/>
-              </a:path>
-            </a:pathLst>
-          </a:custGeom>
-          <a:solidFill>
-            <a:schemeClr val="bg1">
-              <a:lumMod val="75000"/>
-            </a:schemeClr>
-          </a:solidFill>
-          <a:ln>
-            <a:noFill/>
-          </a:ln>
-        </p:spPr>
-        <p:style>
-          <a:lnRef idx="2">
-            <a:schemeClr val="accent1">
-              <a:shade val="50000"/>
-            </a:schemeClr>
-          </a:lnRef>
-          <a:fillRef idx="1">
-            <a:schemeClr val="accent1"/>
-          </a:fillRef>
-          <a:effectRef idx="0">
-            <a:schemeClr val="accent1"/>
-          </a:effectRef>
-          <a:fontRef idx="minor">
-            <a:schemeClr val="lt1"/>
-          </a:fontRef>
-        </p:style>
-        <p:txBody>
-          <a:bodyPr rtlCol="0" anchor="ctr"/>
-          <a:lstStyle/>
-          <a:p>
-            <a:pPr algn="ctr"/>
-            <a:endParaRPr lang="fr-FR"/>
-          </a:p>
-        </p:txBody>
-      </p:sp>
-      <p:sp>
-        <p:nvSpPr>
-          <p:cNvPr id="6" name="ZoneTexte 5">
-            <a:extLst>
-              <a:ext uri="{FF2B5EF4-FFF2-40B4-BE49-F238E27FC236}">
-                <a16:creationId xmlns:a16="http://schemas.microsoft.com/office/drawing/2014/main" id="{D515D0BD-6768-41D0-BAEC-364C2869C9F0}"/>
-              </a:ext>
-            </a:extLst>
-          </p:cNvPr>
-          <p:cNvSpPr txBox="1"/>
-          <p:nvPr/>
-        </p:nvSpPr>
-        <p:spPr>
-          <a:xfrm>
-            <a:off x="419100" y="476250"/>
-            <a:ext cx="10572750" cy="553998"/>
-          </a:xfrm>
-          <a:prstGeom prst="rect">
-            <a:avLst/>
-          </a:prstGeom>
-          <a:noFill/>
-        </p:spPr>
-        <p:txBody>
-          <a:bodyPr wrap="square" rtlCol="0">
-            <a:spAutoFit/>
-          </a:bodyPr>
-          <a:lstStyle/>
-          <a:p>
-            <a:r>
-              <a:rPr lang="fr-FR" sz="3000" spc="300" dirty="0">
-                <a:latin typeface="Arial" panose="020B0604020202020204" pitchFamily="34" charset="0"/>
-                <a:cs typeface="Arial" panose="020B0604020202020204" pitchFamily="34" charset="0"/>
-              </a:rPr>
-              <a:t>Charte</a:t>
-            </a:r>
-            <a:r>
-              <a:rPr lang="fr-FR" sz="3000" dirty="0">
-                <a:latin typeface="Arial" panose="020B0604020202020204" pitchFamily="34" charset="0"/>
-                <a:cs typeface="Arial" panose="020B0604020202020204" pitchFamily="34" charset="0"/>
-              </a:rPr>
-              <a:t> graphique</a:t>
-            </a:r>
-          </a:p>
-        </p:txBody>
-      </p:sp>
-      <p:pic>
-        <p:nvPicPr>
-          <p:cNvPr id="3" name="Image 2">
-            <a:extLst>
-              <a:ext uri="{FF2B5EF4-FFF2-40B4-BE49-F238E27FC236}">
-                <a16:creationId xmlns:a16="http://schemas.microsoft.com/office/drawing/2014/main" id="{2485D6C9-29EB-49C3-BB4B-21FE1755778B}"/>
-              </a:ext>
-            </a:extLst>
-          </p:cNvPr>
-          <p:cNvPicPr>
-            <a:picLocks noChangeAspect="1"/>
-          </p:cNvPicPr>
-          <p:nvPr/>
-        </p:nvPicPr>
-        <p:blipFill>
-          <a:blip r:embed="rId2">
-            <a:extLst>
-              <a:ext uri="{28A0092B-C50C-407E-A947-70E740481C1C}">
-                <a14:useLocalDpi xmlns:a14="http://schemas.microsoft.com/office/drawing/2010/main" val="0"/>
-              </a:ext>
-            </a:extLst>
-          </a:blip>
-          <a:stretch>
-            <a:fillRect/>
-          </a:stretch>
-        </p:blipFill>
-        <p:spPr>
-          <a:xfrm>
-            <a:off x="419100" y="2808143"/>
-            <a:ext cx="5057105" cy="3573607"/>
-          </a:xfrm>
-          <a:prstGeom prst="rect">
-            <a:avLst/>
-          </a:prstGeom>
-        </p:spPr>
-      </p:pic>
-      <p:pic>
-        <p:nvPicPr>
-          <p:cNvPr id="9" name="Image 8">
-            <a:extLst>
-              <a:ext uri="{FF2B5EF4-FFF2-40B4-BE49-F238E27FC236}">
-                <a16:creationId xmlns:a16="http://schemas.microsoft.com/office/drawing/2014/main" id="{6E47DD97-24DB-4025-8F4A-094ECA63414C}"/>
-              </a:ext>
-            </a:extLst>
-          </p:cNvPr>
-          <p:cNvPicPr>
-            <a:picLocks noChangeAspect="1"/>
-          </p:cNvPicPr>
-          <p:nvPr/>
-        </p:nvPicPr>
-        <p:blipFill>
-          <a:blip r:embed="rId3">
-            <a:extLst>
-              <a:ext uri="{28A0092B-C50C-407E-A947-70E740481C1C}">
-                <a14:useLocalDpi xmlns:a14="http://schemas.microsoft.com/office/drawing/2010/main" val="0"/>
-              </a:ext>
-            </a:extLst>
-          </a:blip>
-          <a:stretch>
-            <a:fillRect/>
-          </a:stretch>
-        </p:blipFill>
-        <p:spPr>
-          <a:xfrm>
-            <a:off x="6080125" y="1312998"/>
-            <a:ext cx="5057105" cy="3573608"/>
-          </a:xfrm>
-          <a:prstGeom prst="rect">
-            <a:avLst/>
-          </a:prstGeom>
-        </p:spPr>
-      </p:pic>
-    </p:spTree>
-    <p:extLst>
-      <p:ext uri="{BB962C8B-B14F-4D97-AF65-F5344CB8AC3E}">
-        <p14:creationId xmlns:p14="http://schemas.microsoft.com/office/powerpoint/2010/main" val="1046662575"/>
-      </p:ext>
-    </p:extLst>
-  </p:cSld>
-  <p:clrMapOvr>
-    <a:masterClrMapping/>
-  </p:clrMapOvr>
-</p:sld>
-</file>
-
-<file path=ppt/slides/slide9.xml><?xml version="1.0" encoding="utf-8"?>
-<p:sld xmlns:a="http://schemas.openxmlformats.org/drawingml/2006/main" xmlns:r="http://schemas.openxmlformats.org/officeDocument/2006/relationships" xmlns:p="http://schemas.openxmlformats.org/presentationml/2006/main">
-  <p:cSld>
-    <p:spTree>
-      <p:nvGrpSpPr>
-        <p:cNvPr id="1" name=""/>
-        <p:cNvGrpSpPr/>
-        <p:nvPr/>
-      </p:nvGrpSpPr>
-      <p:grpSpPr>
-        <a:xfrm>
-          <a:off x="0" y="0"/>
-          <a:ext cx="0" cy="0"/>
-          <a:chOff x="0" y="0"/>
-          <a:chExt cx="0" cy="0"/>
-        </a:xfrm>
-      </p:grpSpPr>
-      <p:sp>
-        <p:nvSpPr>
-          <p:cNvPr id="8" name="Rectangle 7">
-            <a:extLst>
-              <a:ext uri="{FF2B5EF4-FFF2-40B4-BE49-F238E27FC236}">
-                <a16:creationId xmlns:a16="http://schemas.microsoft.com/office/drawing/2014/main" id="{B26A6B88-9A39-43C4-92B8-4AF23D2FBC67}"/>
-              </a:ext>
-            </a:extLst>
-          </p:cNvPr>
-          <p:cNvSpPr/>
-          <p:nvPr/>
-        </p:nvSpPr>
-        <p:spPr>
-          <a:xfrm>
-            <a:off x="0" y="0"/>
-            <a:ext cx="12192000" cy="6858000"/>
-          </a:xfrm>
-          <a:prstGeom prst="rect">
-            <a:avLst/>
-          </a:prstGeom>
-          <a:solidFill>
-            <a:schemeClr val="bg1"/>
-          </a:solidFill>
-          <a:ln>
-            <a:noFill/>
-          </a:ln>
-        </p:spPr>
-        <p:style>
-          <a:lnRef idx="2">
-            <a:schemeClr val="accent1">
-              <a:shade val="50000"/>
-            </a:schemeClr>
-          </a:lnRef>
-          <a:fillRef idx="1">
-            <a:schemeClr val="accent1"/>
-          </a:fillRef>
-          <a:effectRef idx="0">
-            <a:schemeClr val="accent1"/>
-          </a:effectRef>
-          <a:fontRef idx="minor">
-            <a:schemeClr val="lt1"/>
-          </a:fontRef>
-        </p:style>
-        <p:txBody>
-          <a:bodyPr rtlCol="0" anchor="ctr"/>
-          <a:lstStyle/>
-          <a:p>
-            <a:pPr algn="ctr"/>
-            <a:endParaRPr lang="fr-FR" sz="3000" dirty="0">
-              <a:solidFill>
-                <a:srgbClr val="FF5600"/>
-              </a:solidFill>
-              <a:latin typeface="Pixel Operator 8" panose="02000503000000000000" pitchFamily="2" charset="0"/>
-            </a:endParaRPr>
-          </a:p>
-        </p:txBody>
-      </p:sp>
-      <p:sp>
-        <p:nvSpPr>
-          <p:cNvPr id="9" name="Forme libre : forme 8">
-            <a:extLst>
-              <a:ext uri="{FF2B5EF4-FFF2-40B4-BE49-F238E27FC236}">
-                <a16:creationId xmlns:a16="http://schemas.microsoft.com/office/drawing/2014/main" id="{2D42318F-1767-4125-AF2D-0BB0D7A91977}"/>
-              </a:ext>
-            </a:extLst>
-          </p:cNvPr>
-          <p:cNvSpPr/>
-          <p:nvPr/>
-        </p:nvSpPr>
-        <p:spPr>
-          <a:xfrm>
-            <a:off x="9020273" y="-1819451"/>
-            <a:ext cx="5354683" cy="9859672"/>
-          </a:xfrm>
-          <a:custGeom>
-            <a:avLst/>
-            <a:gdLst>
-              <a:gd name="connsiteX0" fmla="*/ 771427 w 5354683"/>
-              <a:gd name="connsiteY0" fmla="*/ 371651 h 9859672"/>
-              <a:gd name="connsiteX1" fmla="*/ 1285777 w 5354683"/>
-              <a:gd name="connsiteY1" fmla="*/ 1038401 h 9859672"/>
-              <a:gd name="connsiteX2" fmla="*/ 2714527 w 5354683"/>
-              <a:gd name="connsiteY2" fmla="*/ 3057701 h 9859672"/>
-              <a:gd name="connsiteX3" fmla="*/ 2466877 w 5354683"/>
-              <a:gd name="connsiteY3" fmla="*/ 6639101 h 9859672"/>
-              <a:gd name="connsiteX4" fmla="*/ 66577 w 5354683"/>
-              <a:gd name="connsiteY4" fmla="*/ 9649001 h 9859672"/>
-              <a:gd name="connsiteX5" fmla="*/ 619027 w 5354683"/>
-              <a:gd name="connsiteY5" fmla="*/ 9610901 h 9859672"/>
-              <a:gd name="connsiteX6" fmla="*/ 5133877 w 5354683"/>
-              <a:gd name="connsiteY6" fmla="*/ 8944151 h 9859672"/>
-              <a:gd name="connsiteX7" fmla="*/ 4257577 w 5354683"/>
-              <a:gd name="connsiteY7" fmla="*/ 771701 h 9859672"/>
-              <a:gd name="connsiteX8" fmla="*/ 771427 w 5354683"/>
-              <a:gd name="connsiteY8" fmla="*/ 371651 h 9859672"/>
-            </a:gdLst>
-            <a:ahLst/>
-            <a:cxnLst>
-              <a:cxn ang="0">
-                <a:pos x="connsiteX0" y="connsiteY0"/>
-              </a:cxn>
-              <a:cxn ang="0">
-                <a:pos x="connsiteX1" y="connsiteY1"/>
-              </a:cxn>
-              <a:cxn ang="0">
-                <a:pos x="connsiteX2" y="connsiteY2"/>
-              </a:cxn>
-              <a:cxn ang="0">
-                <a:pos x="connsiteX3" y="connsiteY3"/>
-              </a:cxn>
-              <a:cxn ang="0">
-                <a:pos x="connsiteX4" y="connsiteY4"/>
-              </a:cxn>
-              <a:cxn ang="0">
-                <a:pos x="connsiteX5" y="connsiteY5"/>
-              </a:cxn>
-              <a:cxn ang="0">
-                <a:pos x="connsiteX6" y="connsiteY6"/>
-              </a:cxn>
-              <a:cxn ang="0">
-                <a:pos x="connsiteX7" y="connsiteY7"/>
-              </a:cxn>
-              <a:cxn ang="0">
-                <a:pos x="connsiteX8" y="connsiteY8"/>
-              </a:cxn>
-            </a:cxnLst>
-            <a:rect l="l" t="t" r="r" b="b"/>
-            <a:pathLst>
-              <a:path w="5354683" h="9859672">
-                <a:moveTo>
-                  <a:pt x="771427" y="371651"/>
-                </a:moveTo>
-                <a:cubicBezTo>
-                  <a:pt x="276127" y="416101"/>
-                  <a:pt x="961927" y="590726"/>
-                  <a:pt x="1285777" y="1038401"/>
-                </a:cubicBezTo>
-                <a:cubicBezTo>
-                  <a:pt x="1609627" y="1486076"/>
-                  <a:pt x="2517677" y="2124251"/>
-                  <a:pt x="2714527" y="3057701"/>
-                </a:cubicBezTo>
-                <a:cubicBezTo>
-                  <a:pt x="2911377" y="3991151"/>
-                  <a:pt x="2908202" y="5540551"/>
-                  <a:pt x="2466877" y="6639101"/>
-                </a:cubicBezTo>
-                <a:cubicBezTo>
-                  <a:pt x="2025552" y="7737651"/>
-                  <a:pt x="374552" y="9153701"/>
-                  <a:pt x="66577" y="9649001"/>
-                </a:cubicBezTo>
-                <a:cubicBezTo>
-                  <a:pt x="-241398" y="10144301"/>
-                  <a:pt x="619027" y="9610901"/>
-                  <a:pt x="619027" y="9610901"/>
-                </a:cubicBezTo>
-                <a:cubicBezTo>
-                  <a:pt x="1463577" y="9493426"/>
-                  <a:pt x="4527452" y="10417351"/>
-                  <a:pt x="5133877" y="8944151"/>
-                </a:cubicBezTo>
-                <a:cubicBezTo>
-                  <a:pt x="5740302" y="7470951"/>
-                  <a:pt x="4981477" y="2200451"/>
-                  <a:pt x="4257577" y="771701"/>
-                </a:cubicBezTo>
-                <a:cubicBezTo>
-                  <a:pt x="3533677" y="-657049"/>
-                  <a:pt x="1266727" y="327201"/>
-                  <a:pt x="771427" y="371651"/>
-                </a:cubicBezTo>
-                <a:close/>
-              </a:path>
-            </a:pathLst>
-          </a:custGeom>
-          <a:solidFill>
-            <a:schemeClr val="bg1">
-              <a:lumMod val="75000"/>
-            </a:schemeClr>
-          </a:solidFill>
-          <a:ln>
-            <a:noFill/>
-          </a:ln>
-        </p:spPr>
-        <p:style>
-          <a:lnRef idx="2">
-            <a:schemeClr val="accent1">
-              <a:shade val="50000"/>
-            </a:schemeClr>
-          </a:lnRef>
-          <a:fillRef idx="1">
-            <a:schemeClr val="accent1"/>
-          </a:fillRef>
-          <a:effectRef idx="0">
-            <a:schemeClr val="accent1"/>
-          </a:effectRef>
-          <a:fontRef idx="minor">
-            <a:schemeClr val="lt1"/>
-          </a:fontRef>
-        </p:style>
-        <p:txBody>
-          <a:bodyPr rtlCol="0" anchor="ctr"/>
-          <a:lstStyle/>
-          <a:p>
-            <a:pPr algn="ctr"/>
-            <a:endParaRPr lang="fr-FR"/>
-          </a:p>
-        </p:txBody>
-      </p:sp>
-      <p:sp>
-        <p:nvSpPr>
-          <p:cNvPr id="6" name="ZoneTexte 5">
-            <a:extLst>
-              <a:ext uri="{FF2B5EF4-FFF2-40B4-BE49-F238E27FC236}">
-                <a16:creationId xmlns:a16="http://schemas.microsoft.com/office/drawing/2014/main" id="{D515D0BD-6768-41D0-BAEC-364C2869C9F0}"/>
-              </a:ext>
-            </a:extLst>
-          </p:cNvPr>
-          <p:cNvSpPr txBox="1"/>
-          <p:nvPr/>
-        </p:nvSpPr>
-        <p:spPr>
-          <a:xfrm>
-            <a:off x="419100" y="476250"/>
-            <a:ext cx="10572750" cy="553998"/>
-          </a:xfrm>
-          <a:prstGeom prst="rect">
-            <a:avLst/>
-          </a:prstGeom>
-          <a:noFill/>
-        </p:spPr>
-        <p:txBody>
-          <a:bodyPr wrap="square" rtlCol="0">
-            <a:spAutoFit/>
-          </a:bodyPr>
-          <a:lstStyle/>
-          <a:p>
-            <a:r>
-              <a:rPr lang="fr-FR" sz="3000" b="1" dirty="0">
-                <a:latin typeface="Arial" panose="020B0604020202020204" pitchFamily="34" charset="0"/>
-                <a:cs typeface="Arial" panose="020B0604020202020204" pitchFamily="34" charset="0"/>
-              </a:rPr>
-              <a:t>UI </a:t>
-            </a:r>
-            <a:r>
-              <a:rPr lang="fr-FR" sz="3000" b="1" spc="300" dirty="0">
-                <a:latin typeface="Arial" panose="020B0604020202020204" pitchFamily="34" charset="0"/>
-                <a:cs typeface="Arial" panose="020B0604020202020204" pitchFamily="34" charset="0"/>
-              </a:rPr>
-              <a:t>Kit</a:t>
-            </a:r>
-          </a:p>
-        </p:txBody>
-      </p:sp>
-      <p:sp>
-        <p:nvSpPr>
-          <p:cNvPr id="7" name="ZoneTexte 6">
-            <a:extLst>
-              <a:ext uri="{FF2B5EF4-FFF2-40B4-BE49-F238E27FC236}">
-                <a16:creationId xmlns:a16="http://schemas.microsoft.com/office/drawing/2014/main" id="{4E2492FB-EB16-46E2-B522-5880DD9A6CAC}"/>
-              </a:ext>
-            </a:extLst>
-          </p:cNvPr>
-          <p:cNvSpPr txBox="1"/>
-          <p:nvPr/>
-        </p:nvSpPr>
-        <p:spPr>
-          <a:xfrm>
-            <a:off x="419100" y="1506498"/>
-            <a:ext cx="10591800" cy="677108"/>
-          </a:xfrm>
-          <a:prstGeom prst="rect">
-            <a:avLst/>
-          </a:prstGeom>
-          <a:noFill/>
-        </p:spPr>
-        <p:txBody>
-          <a:bodyPr wrap="square" rtlCol="0">
-            <a:spAutoFit/>
-          </a:bodyPr>
-          <a:lstStyle/>
-          <a:p>
-            <a:r>
-              <a:rPr lang="fr-FR" sz="2000" spc="300" dirty="0">
-                <a:latin typeface="Arial" panose="020B0604020202020204" pitchFamily="34" charset="0"/>
-                <a:cs typeface="Arial" panose="020B0604020202020204" pitchFamily="34" charset="0"/>
-              </a:rPr>
-              <a:t>TEXT</a:t>
-            </a:r>
-          </a:p>
-          <a:p>
-            <a:pPr marL="742950" lvl="1" indent="-285750">
-              <a:buFont typeface="Arial" panose="020B0604020202020204" pitchFamily="34" charset="0"/>
-              <a:buChar char="•"/>
-            </a:pPr>
-            <a:endParaRPr lang="fr-FR" dirty="0">
-              <a:solidFill>
-                <a:srgbClr val="EA7235"/>
-              </a:solidFill>
-              <a:latin typeface="Pixel Operator" panose="02000503000000000000" pitchFamily="2" charset="0"/>
-            </a:endParaRPr>
-          </a:p>
-        </p:txBody>
-      </p:sp>
-    </p:spTree>
-    <p:extLst>
-      <p:ext uri="{BB962C8B-B14F-4D97-AF65-F5344CB8AC3E}">
-        <p14:creationId xmlns:p14="http://schemas.microsoft.com/office/powerpoint/2010/main" val="3724318043"/>
+        <p14:creationId xmlns:p14="http://schemas.microsoft.com/office/powerpoint/2010/main" val="2857753000"/>
       </p:ext>
     </p:extLst>
   </p:cSld>

--- a/design/AD/dossier-conception/dossier-conception.pptx
+++ b/design/AD/dossier-conception/dossier-conception.pptx
@@ -8715,12 +8715,228 @@
           </a:p>
         </p:txBody>
       </p:sp>
-      <p:sp>
-        <p:nvSpPr>
-          <p:cNvPr id="10" name="ZoneTexte 9">
-            <a:extLst>
-              <a:ext uri="{FF2B5EF4-FFF2-40B4-BE49-F238E27FC236}">
-                <a16:creationId xmlns:a16="http://schemas.microsoft.com/office/drawing/2014/main" id="{5ACD8894-1556-429C-BB94-AD2074E6A3B1}"/>
+      <p:pic>
+        <p:nvPicPr>
+          <p:cNvPr id="15" name="Image 14">
+            <a:extLst>
+              <a:ext uri="{FF2B5EF4-FFF2-40B4-BE49-F238E27FC236}">
+                <a16:creationId xmlns:a16="http://schemas.microsoft.com/office/drawing/2014/main" id="{0E3AD12B-F2B6-40DF-BF1E-C6A45D46E22D}"/>
+              </a:ext>
+            </a:extLst>
+          </p:cNvPr>
+          <p:cNvPicPr>
+            <a:picLocks noChangeAspect="1"/>
+          </p:cNvPicPr>
+          <p:nvPr/>
+        </p:nvPicPr>
+        <p:blipFill>
+          <a:blip r:embed="rId2">
+            <a:extLst>
+              <a:ext uri="{28A0092B-C50C-407E-A947-70E740481C1C}">
+                <a14:useLocalDpi xmlns:a14="http://schemas.microsoft.com/office/drawing/2010/main" val="0"/>
+              </a:ext>
+            </a:extLst>
+          </a:blip>
+          <a:stretch>
+            <a:fillRect/>
+          </a:stretch>
+        </p:blipFill>
+        <p:spPr>
+          <a:xfrm>
+            <a:off x="3013178" y="1070079"/>
+            <a:ext cx="2692297" cy="2553195"/>
+          </a:xfrm>
+          <a:prstGeom prst="rect">
+            <a:avLst/>
+          </a:prstGeom>
+        </p:spPr>
+      </p:pic>
+      <p:pic>
+        <p:nvPicPr>
+          <p:cNvPr id="19" name="Image 18">
+            <a:extLst>
+              <a:ext uri="{FF2B5EF4-FFF2-40B4-BE49-F238E27FC236}">
+                <a16:creationId xmlns:a16="http://schemas.microsoft.com/office/drawing/2014/main" id="{28282C1F-EC83-4F36-86FF-3E5A29B499E0}"/>
+              </a:ext>
+            </a:extLst>
+          </p:cNvPr>
+          <p:cNvPicPr>
+            <a:picLocks noChangeAspect="1"/>
+          </p:cNvPicPr>
+          <p:nvPr/>
+        </p:nvPicPr>
+        <p:blipFill>
+          <a:blip r:embed="rId3">
+            <a:extLst>
+              <a:ext uri="{28A0092B-C50C-407E-A947-70E740481C1C}">
+                <a14:useLocalDpi xmlns:a14="http://schemas.microsoft.com/office/drawing/2010/main" val="0"/>
+              </a:ext>
+            </a:extLst>
+          </a:blip>
+          <a:stretch>
+            <a:fillRect/>
+          </a:stretch>
+        </p:blipFill>
+        <p:spPr>
+          <a:xfrm rot="19617695">
+            <a:off x="-313654" y="3102067"/>
+            <a:ext cx="2398514" cy="2398514"/>
+          </a:xfrm>
+          <a:prstGeom prst="rect">
+            <a:avLst/>
+          </a:prstGeom>
+        </p:spPr>
+      </p:pic>
+      <p:pic>
+        <p:nvPicPr>
+          <p:cNvPr id="5" name="Image 4">
+            <a:extLst>
+              <a:ext uri="{FF2B5EF4-FFF2-40B4-BE49-F238E27FC236}">
+                <a16:creationId xmlns:a16="http://schemas.microsoft.com/office/drawing/2014/main" id="{63121D27-1982-427B-BD33-74A5A1BF26BC}"/>
+              </a:ext>
+            </a:extLst>
+          </p:cNvPr>
+          <p:cNvPicPr>
+            <a:picLocks noChangeAspect="1"/>
+          </p:cNvPicPr>
+          <p:nvPr/>
+        </p:nvPicPr>
+        <p:blipFill>
+          <a:blip r:embed="rId4">
+            <a:extLst>
+              <a:ext uri="{28A0092B-C50C-407E-A947-70E740481C1C}">
+                <a14:useLocalDpi xmlns:a14="http://schemas.microsoft.com/office/drawing/2010/main" val="0"/>
+              </a:ext>
+            </a:extLst>
+          </a:blip>
+          <a:stretch>
+            <a:fillRect/>
+          </a:stretch>
+        </p:blipFill>
+        <p:spPr>
+          <a:xfrm rot="11996244">
+            <a:off x="2037749" y="4424764"/>
+            <a:ext cx="2066925" cy="2209800"/>
+          </a:xfrm>
+          <a:prstGeom prst="rect">
+            <a:avLst/>
+          </a:prstGeom>
+        </p:spPr>
+      </p:pic>
+      <p:pic>
+        <p:nvPicPr>
+          <p:cNvPr id="3" name="Image 2">
+            <a:extLst>
+              <a:ext uri="{FF2B5EF4-FFF2-40B4-BE49-F238E27FC236}">
+                <a16:creationId xmlns:a16="http://schemas.microsoft.com/office/drawing/2014/main" id="{33F652D1-A678-4D93-91F3-0DDE7A8B35E0}"/>
+              </a:ext>
+            </a:extLst>
+          </p:cNvPr>
+          <p:cNvPicPr>
+            <a:picLocks noChangeAspect="1"/>
+          </p:cNvPicPr>
+          <p:nvPr/>
+        </p:nvPicPr>
+        <p:blipFill>
+          <a:blip r:embed="rId5">
+            <a:extLst>
+              <a:ext uri="{28A0092B-C50C-407E-A947-70E740481C1C}">
+                <a14:useLocalDpi xmlns:a14="http://schemas.microsoft.com/office/drawing/2010/main" val="0"/>
+              </a:ext>
+            </a:extLst>
+          </a:blip>
+          <a:stretch>
+            <a:fillRect/>
+          </a:stretch>
+        </p:blipFill>
+        <p:spPr>
+          <a:xfrm>
+            <a:off x="2684473" y="2849699"/>
+            <a:ext cx="3606759" cy="2160598"/>
+          </a:xfrm>
+          <a:prstGeom prst="rect">
+            <a:avLst/>
+          </a:prstGeom>
+        </p:spPr>
+      </p:pic>
+      <p:pic>
+        <p:nvPicPr>
+          <p:cNvPr id="13" name="Image 12">
+            <a:extLst>
+              <a:ext uri="{FF2B5EF4-FFF2-40B4-BE49-F238E27FC236}">
+                <a16:creationId xmlns:a16="http://schemas.microsoft.com/office/drawing/2014/main" id="{43C9DA33-2D28-4DCC-B2C9-6DEC7F609ACF}"/>
+              </a:ext>
+            </a:extLst>
+          </p:cNvPr>
+          <p:cNvPicPr>
+            <a:picLocks noChangeAspect="1"/>
+          </p:cNvPicPr>
+          <p:nvPr/>
+        </p:nvPicPr>
+        <p:blipFill>
+          <a:blip r:embed="rId6">
+            <a:extLst>
+              <a:ext uri="{28A0092B-C50C-407E-A947-70E740481C1C}">
+                <a14:useLocalDpi xmlns:a14="http://schemas.microsoft.com/office/drawing/2010/main" val="0"/>
+              </a:ext>
+            </a:extLst>
+          </a:blip>
+          <a:stretch>
+            <a:fillRect/>
+          </a:stretch>
+        </p:blipFill>
+        <p:spPr>
+          <a:xfrm>
+            <a:off x="331211" y="1157018"/>
+            <a:ext cx="3404260" cy="2553195"/>
+          </a:xfrm>
+          <a:prstGeom prst="rect">
+            <a:avLst/>
+          </a:prstGeom>
+        </p:spPr>
+      </p:pic>
+      <p:pic>
+        <p:nvPicPr>
+          <p:cNvPr id="11" name="Image 10">
+            <a:extLst>
+              <a:ext uri="{FF2B5EF4-FFF2-40B4-BE49-F238E27FC236}">
+                <a16:creationId xmlns:a16="http://schemas.microsoft.com/office/drawing/2014/main" id="{D552B720-9B32-497C-B3F5-BA49B8D2F9EF}"/>
+              </a:ext>
+            </a:extLst>
+          </p:cNvPr>
+          <p:cNvPicPr>
+            <a:picLocks noChangeAspect="1"/>
+          </p:cNvPicPr>
+          <p:nvPr/>
+        </p:nvPicPr>
+        <p:blipFill>
+          <a:blip r:embed="rId7">
+            <a:extLst>
+              <a:ext uri="{28A0092B-C50C-407E-A947-70E740481C1C}">
+                <a14:useLocalDpi xmlns:a14="http://schemas.microsoft.com/office/drawing/2010/main" val="0"/>
+              </a:ext>
+            </a:extLst>
+          </a:blip>
+          <a:stretch>
+            <a:fillRect/>
+          </a:stretch>
+        </p:blipFill>
+        <p:spPr>
+          <a:xfrm>
+            <a:off x="3825709" y="4439278"/>
+            <a:ext cx="2206539" cy="2206539"/>
+          </a:xfrm>
+          <a:prstGeom prst="rect">
+            <a:avLst/>
+          </a:prstGeom>
+        </p:spPr>
+      </p:pic>
+      <p:sp>
+        <p:nvSpPr>
+          <p:cNvPr id="17" name="ZoneTexte 16">
+            <a:extLst>
+              <a:ext uri="{FF2B5EF4-FFF2-40B4-BE49-F238E27FC236}">
+                <a16:creationId xmlns:a16="http://schemas.microsoft.com/office/drawing/2014/main" id="{CA39BC03-2D6D-4901-9417-1E649924DF8B}"/>
               </a:ext>
             </a:extLst>
           </p:cNvPr>
@@ -8729,8 +8945,8 @@
         </p:nvSpPr>
         <p:spPr>
           <a:xfrm>
-            <a:off x="419100" y="1506498"/>
-            <a:ext cx="10591800" cy="677108"/>
+            <a:off x="6570613" y="447781"/>
+            <a:ext cx="4805171" cy="5355312"/>
           </a:xfrm>
           <a:prstGeom prst="rect">
             <a:avLst/>
@@ -8744,11 +8960,78 @@
           <a:lstStyle/>
           <a:p>
             <a:r>
-              <a:rPr lang="fr-FR" sz="2000" spc="300" dirty="0">
+              <a:rPr lang="fr-FR" spc="300" dirty="0">
                 <a:latin typeface="Arial" panose="020B0604020202020204" pitchFamily="34" charset="0"/>
                 <a:cs typeface="Arial" panose="020B0604020202020204" pitchFamily="34" charset="0"/>
               </a:rPr>
-              <a:t>TEXT</a:t>
+              <a:t>Le noir (gris foncé) de fond rappel au choix une présentation classieuse ou encore la couleur de fond de prédilection de bons nombre de férues d’informatiques.</a:t>
+            </a:r>
+          </a:p>
+          <a:p>
+            <a:endParaRPr lang="fr-FR" spc="300" dirty="0">
+              <a:latin typeface="Arial" panose="020B0604020202020204" pitchFamily="34" charset="0"/>
+              <a:cs typeface="Arial" panose="020B0604020202020204" pitchFamily="34" charset="0"/>
+            </a:endParaRPr>
+          </a:p>
+          <a:p>
+            <a:r>
+              <a:rPr lang="fr-FR" spc="300" dirty="0">
+                <a:latin typeface="Arial" panose="020B0604020202020204" pitchFamily="34" charset="0"/>
+                <a:cs typeface="Arial" panose="020B0604020202020204" pitchFamily="34" charset="0"/>
+              </a:rPr>
+              <a:t>L’orange ressort bien et rappelle la chaleur et les pictogrammes (</a:t>
+            </a:r>
+            <a:r>
+              <a:rPr lang="fr-FR" spc="300" dirty="0" err="1">
+                <a:latin typeface="Arial" panose="020B0604020202020204" pitchFamily="34" charset="0"/>
+                <a:cs typeface="Arial" panose="020B0604020202020204" pitchFamily="34" charset="0"/>
+              </a:rPr>
+              <a:t>notament</a:t>
+            </a:r>
+            <a:r>
+              <a:rPr lang="fr-FR" spc="300" dirty="0">
+                <a:latin typeface="Arial" panose="020B0604020202020204" pitchFamily="34" charset="0"/>
+                <a:cs typeface="Arial" panose="020B0604020202020204" pitchFamily="34" charset="0"/>
+              </a:rPr>
+              <a:t> de </a:t>
+            </a:r>
+            <a:r>
+              <a:rPr lang="fr-FR" spc="300" dirty="0" err="1">
+                <a:latin typeface="Arial" panose="020B0604020202020204" pitchFamily="34" charset="0"/>
+                <a:cs typeface="Arial" panose="020B0604020202020204" pitchFamily="34" charset="0"/>
+              </a:rPr>
+              <a:t>sécuritées</a:t>
+            </a:r>
+            <a:r>
+              <a:rPr lang="fr-FR" spc="300" dirty="0">
+                <a:latin typeface="Arial" panose="020B0604020202020204" pitchFamily="34" charset="0"/>
+                <a:cs typeface="Arial" panose="020B0604020202020204" pitchFamily="34" charset="0"/>
+              </a:rPr>
+              <a:t>).</a:t>
+            </a:r>
+          </a:p>
+          <a:p>
+            <a:endParaRPr lang="fr-FR" spc="300" dirty="0">
+              <a:latin typeface="Arial" panose="020B0604020202020204" pitchFamily="34" charset="0"/>
+              <a:cs typeface="Arial" panose="020B0604020202020204" pitchFamily="34" charset="0"/>
+            </a:endParaRPr>
+          </a:p>
+          <a:p>
+            <a:r>
+              <a:rPr lang="fr-FR" spc="300" dirty="0">
+                <a:latin typeface="Arial" panose="020B0604020202020204" pitchFamily="34" charset="0"/>
+                <a:cs typeface="Arial" panose="020B0604020202020204" pitchFamily="34" charset="0"/>
+              </a:rPr>
+              <a:t>Ces deux couleurs combiné amène le cotés sobre et high-tech c'est cela qui est mis en  avant dans notre planche de tendance, en voici les quelque produits et images pour illustrer </a:t>
+            </a:r>
+          </a:p>
+          <a:p>
+            <a:r>
+              <a:rPr lang="fr-FR" spc="300" dirty="0">
+                <a:latin typeface="Arial" panose="020B0604020202020204" pitchFamily="34" charset="0"/>
+                <a:cs typeface="Arial" panose="020B0604020202020204" pitchFamily="34" charset="0"/>
+              </a:rPr>
+              <a:t>notre choix..</a:t>
             </a:r>
           </a:p>
           <a:p>

--- a/design/AD/dossier-conception/dossier-conception.pptx
+++ b/design/AD/dossier-conception/dossier-conception.pptx
@@ -272,7 +272,7 @@
           <a:p>
             <a:fld id="{DB07B3B4-F6EB-4E6F-966F-EF12485CD205}" type="datetimeFigureOut">
               <a:rPr lang="fr-FR" smtClean="0"/>
-              <a:t>27/04/2021</a:t>
+              <a:t>28/04/2021</a:t>
             </a:fld>
             <a:endParaRPr lang="fr-FR"/>
           </a:p>
@@ -470,7 +470,7 @@
           <a:p>
             <a:fld id="{DB07B3B4-F6EB-4E6F-966F-EF12485CD205}" type="datetimeFigureOut">
               <a:rPr lang="fr-FR" smtClean="0"/>
-              <a:t>27/04/2021</a:t>
+              <a:t>28/04/2021</a:t>
             </a:fld>
             <a:endParaRPr lang="fr-FR"/>
           </a:p>
@@ -678,7 +678,7 @@
           <a:p>
             <a:fld id="{DB07B3B4-F6EB-4E6F-966F-EF12485CD205}" type="datetimeFigureOut">
               <a:rPr lang="fr-FR" smtClean="0"/>
-              <a:t>27/04/2021</a:t>
+              <a:t>28/04/2021</a:t>
             </a:fld>
             <a:endParaRPr lang="fr-FR"/>
           </a:p>
@@ -876,7 +876,7 @@
           <a:p>
             <a:fld id="{DB07B3B4-F6EB-4E6F-966F-EF12485CD205}" type="datetimeFigureOut">
               <a:rPr lang="fr-FR" smtClean="0"/>
-              <a:t>27/04/2021</a:t>
+              <a:t>28/04/2021</a:t>
             </a:fld>
             <a:endParaRPr lang="fr-FR"/>
           </a:p>
@@ -1151,7 +1151,7 @@
           <a:p>
             <a:fld id="{DB07B3B4-F6EB-4E6F-966F-EF12485CD205}" type="datetimeFigureOut">
               <a:rPr lang="fr-FR" smtClean="0"/>
-              <a:t>27/04/2021</a:t>
+              <a:t>28/04/2021</a:t>
             </a:fld>
             <a:endParaRPr lang="fr-FR"/>
           </a:p>
@@ -1416,7 +1416,7 @@
           <a:p>
             <a:fld id="{DB07B3B4-F6EB-4E6F-966F-EF12485CD205}" type="datetimeFigureOut">
               <a:rPr lang="fr-FR" smtClean="0"/>
-              <a:t>27/04/2021</a:t>
+              <a:t>28/04/2021</a:t>
             </a:fld>
             <a:endParaRPr lang="fr-FR"/>
           </a:p>
@@ -1828,7 +1828,7 @@
           <a:p>
             <a:fld id="{DB07B3B4-F6EB-4E6F-966F-EF12485CD205}" type="datetimeFigureOut">
               <a:rPr lang="fr-FR" smtClean="0"/>
-              <a:t>27/04/2021</a:t>
+              <a:t>28/04/2021</a:t>
             </a:fld>
             <a:endParaRPr lang="fr-FR"/>
           </a:p>
@@ -1969,7 +1969,7 @@
           <a:p>
             <a:fld id="{DB07B3B4-F6EB-4E6F-966F-EF12485CD205}" type="datetimeFigureOut">
               <a:rPr lang="fr-FR" smtClean="0"/>
-              <a:t>27/04/2021</a:t>
+              <a:t>28/04/2021</a:t>
             </a:fld>
             <a:endParaRPr lang="fr-FR"/>
           </a:p>
@@ -2082,7 +2082,7 @@
           <a:p>
             <a:fld id="{DB07B3B4-F6EB-4E6F-966F-EF12485CD205}" type="datetimeFigureOut">
               <a:rPr lang="fr-FR" smtClean="0"/>
-              <a:t>27/04/2021</a:t>
+              <a:t>28/04/2021</a:t>
             </a:fld>
             <a:endParaRPr lang="fr-FR"/>
           </a:p>
@@ -2393,7 +2393,7 @@
           <a:p>
             <a:fld id="{DB07B3B4-F6EB-4E6F-966F-EF12485CD205}" type="datetimeFigureOut">
               <a:rPr lang="fr-FR" smtClean="0"/>
-              <a:t>27/04/2021</a:t>
+              <a:t>28/04/2021</a:t>
             </a:fld>
             <a:endParaRPr lang="fr-FR"/>
           </a:p>
@@ -2681,7 +2681,7 @@
           <a:p>
             <a:fld id="{DB07B3B4-F6EB-4E6F-966F-EF12485CD205}" type="datetimeFigureOut">
               <a:rPr lang="fr-FR" smtClean="0"/>
-              <a:t>27/04/2021</a:t>
+              <a:t>28/04/2021</a:t>
             </a:fld>
             <a:endParaRPr lang="fr-FR"/>
           </a:p>
@@ -2922,7 +2922,7 @@
           <a:p>
             <a:fld id="{DB07B3B4-F6EB-4E6F-966F-EF12485CD205}" type="datetimeFigureOut">
               <a:rPr lang="fr-FR" smtClean="0"/>
-              <a:t>27/04/2021</a:t>
+              <a:t>28/04/2021</a:t>
             </a:fld>
             <a:endParaRPr lang="fr-FR"/>
           </a:p>

--- a/design/AD/dossier-conception/dossier-conception.pptx
+++ b/design/AD/dossier-conception/dossier-conception.pptx
@@ -272,7 +272,7 @@
           <a:p>
             <a:fld id="{DB07B3B4-F6EB-4E6F-966F-EF12485CD205}" type="datetimeFigureOut">
               <a:rPr lang="fr-FR" smtClean="0"/>
-              <a:t>28/04/2021</a:t>
+              <a:t>03/05/2021</a:t>
             </a:fld>
             <a:endParaRPr lang="fr-FR"/>
           </a:p>
@@ -470,7 +470,7 @@
           <a:p>
             <a:fld id="{DB07B3B4-F6EB-4E6F-966F-EF12485CD205}" type="datetimeFigureOut">
               <a:rPr lang="fr-FR" smtClean="0"/>
-              <a:t>28/04/2021</a:t>
+              <a:t>03/05/2021</a:t>
             </a:fld>
             <a:endParaRPr lang="fr-FR"/>
           </a:p>
@@ -678,7 +678,7 @@
           <a:p>
             <a:fld id="{DB07B3B4-F6EB-4E6F-966F-EF12485CD205}" type="datetimeFigureOut">
               <a:rPr lang="fr-FR" smtClean="0"/>
-              <a:t>28/04/2021</a:t>
+              <a:t>03/05/2021</a:t>
             </a:fld>
             <a:endParaRPr lang="fr-FR"/>
           </a:p>
@@ -876,7 +876,7 @@
           <a:p>
             <a:fld id="{DB07B3B4-F6EB-4E6F-966F-EF12485CD205}" type="datetimeFigureOut">
               <a:rPr lang="fr-FR" smtClean="0"/>
-              <a:t>28/04/2021</a:t>
+              <a:t>03/05/2021</a:t>
             </a:fld>
             <a:endParaRPr lang="fr-FR"/>
           </a:p>
@@ -1151,7 +1151,7 @@
           <a:p>
             <a:fld id="{DB07B3B4-F6EB-4E6F-966F-EF12485CD205}" type="datetimeFigureOut">
               <a:rPr lang="fr-FR" smtClean="0"/>
-              <a:t>28/04/2021</a:t>
+              <a:t>03/05/2021</a:t>
             </a:fld>
             <a:endParaRPr lang="fr-FR"/>
           </a:p>
@@ -1416,7 +1416,7 @@
           <a:p>
             <a:fld id="{DB07B3B4-F6EB-4E6F-966F-EF12485CD205}" type="datetimeFigureOut">
               <a:rPr lang="fr-FR" smtClean="0"/>
-              <a:t>28/04/2021</a:t>
+              <a:t>03/05/2021</a:t>
             </a:fld>
             <a:endParaRPr lang="fr-FR"/>
           </a:p>
@@ -1828,7 +1828,7 @@
           <a:p>
             <a:fld id="{DB07B3B4-F6EB-4E6F-966F-EF12485CD205}" type="datetimeFigureOut">
               <a:rPr lang="fr-FR" smtClean="0"/>
-              <a:t>28/04/2021</a:t>
+              <a:t>03/05/2021</a:t>
             </a:fld>
             <a:endParaRPr lang="fr-FR"/>
           </a:p>
@@ -1969,7 +1969,7 @@
           <a:p>
             <a:fld id="{DB07B3B4-F6EB-4E6F-966F-EF12485CD205}" type="datetimeFigureOut">
               <a:rPr lang="fr-FR" smtClean="0"/>
-              <a:t>28/04/2021</a:t>
+              <a:t>03/05/2021</a:t>
             </a:fld>
             <a:endParaRPr lang="fr-FR"/>
           </a:p>
@@ -2082,7 +2082,7 @@
           <a:p>
             <a:fld id="{DB07B3B4-F6EB-4E6F-966F-EF12485CD205}" type="datetimeFigureOut">
               <a:rPr lang="fr-FR" smtClean="0"/>
-              <a:t>28/04/2021</a:t>
+              <a:t>03/05/2021</a:t>
             </a:fld>
             <a:endParaRPr lang="fr-FR"/>
           </a:p>
@@ -2393,7 +2393,7 @@
           <a:p>
             <a:fld id="{DB07B3B4-F6EB-4E6F-966F-EF12485CD205}" type="datetimeFigureOut">
               <a:rPr lang="fr-FR" smtClean="0"/>
-              <a:t>28/04/2021</a:t>
+              <a:t>03/05/2021</a:t>
             </a:fld>
             <a:endParaRPr lang="fr-FR"/>
           </a:p>
@@ -2681,7 +2681,7 @@
           <a:p>
             <a:fld id="{DB07B3B4-F6EB-4E6F-966F-EF12485CD205}" type="datetimeFigureOut">
               <a:rPr lang="fr-FR" smtClean="0"/>
-              <a:t>28/04/2021</a:t>
+              <a:t>03/05/2021</a:t>
             </a:fld>
             <a:endParaRPr lang="fr-FR"/>
           </a:p>
@@ -2922,7 +2922,7 @@
           <a:p>
             <a:fld id="{DB07B3B4-F6EB-4E6F-966F-EF12485CD205}" type="datetimeFigureOut">
               <a:rPr lang="fr-FR" smtClean="0"/>
-              <a:t>28/04/2021</a:t>
+              <a:t>03/05/2021</a:t>
             </a:fld>
             <a:endParaRPr lang="fr-FR"/>
           </a:p>
@@ -8979,35 +8979,7 @@
                 <a:latin typeface="Arial" panose="020B0604020202020204" pitchFamily="34" charset="0"/>
                 <a:cs typeface="Arial" panose="020B0604020202020204" pitchFamily="34" charset="0"/>
               </a:rPr>
-              <a:t>L’orange ressort bien et rappelle la chaleur et les pictogrammes (</a:t>
-            </a:r>
-            <a:r>
-              <a:rPr lang="fr-FR" spc="300" dirty="0" err="1">
-                <a:latin typeface="Arial" panose="020B0604020202020204" pitchFamily="34" charset="0"/>
-                <a:cs typeface="Arial" panose="020B0604020202020204" pitchFamily="34" charset="0"/>
-              </a:rPr>
-              <a:t>notament</a:t>
-            </a:r>
-            <a:r>
-              <a:rPr lang="fr-FR" spc="300" dirty="0">
-                <a:latin typeface="Arial" panose="020B0604020202020204" pitchFamily="34" charset="0"/>
-                <a:cs typeface="Arial" panose="020B0604020202020204" pitchFamily="34" charset="0"/>
-              </a:rPr>
-              <a:t> de </a:t>
-            </a:r>
-            <a:r>
-              <a:rPr lang="fr-FR" spc="300" dirty="0" err="1">
-                <a:latin typeface="Arial" panose="020B0604020202020204" pitchFamily="34" charset="0"/>
-                <a:cs typeface="Arial" panose="020B0604020202020204" pitchFamily="34" charset="0"/>
-              </a:rPr>
-              <a:t>sécuritées</a:t>
-            </a:r>
-            <a:r>
-              <a:rPr lang="fr-FR" spc="300" dirty="0">
-                <a:latin typeface="Arial" panose="020B0604020202020204" pitchFamily="34" charset="0"/>
-                <a:cs typeface="Arial" panose="020B0604020202020204" pitchFamily="34" charset="0"/>
-              </a:rPr>
-              <a:t>).</a:t>
+              <a:t>L’orange ressort bien et rappelle la chaleur et les pictogrammes (notamment de sécurités).</a:t>
             </a:r>
           </a:p>
           <a:p>

--- a/design/AD/dossier-conception/dossier-conception.pptx
+++ b/design/AD/dossier-conception/dossier-conception.pptx
@@ -17,8 +17,9 @@
     <p:sldId id="267" r:id="rId11"/>
     <p:sldId id="268" r:id="rId12"/>
     <p:sldId id="269" r:id="rId13"/>
-    <p:sldId id="271" r:id="rId14"/>
-    <p:sldId id="272" r:id="rId15"/>
+    <p:sldId id="273" r:id="rId14"/>
+    <p:sldId id="271" r:id="rId15"/>
+    <p:sldId id="272" r:id="rId16"/>
   </p:sldIdLst>
   <p:sldSz cx="12192000" cy="6858000"/>
   <p:notesSz cx="6858000" cy="9144000"/>
@@ -5025,10 +5026,10 @@
       </p:grpSpPr>
       <p:sp>
         <p:nvSpPr>
-          <p:cNvPr id="8" name="Rectangle 7">
-            <a:extLst>
-              <a:ext uri="{FF2B5EF4-FFF2-40B4-BE49-F238E27FC236}">
-                <a16:creationId xmlns:a16="http://schemas.microsoft.com/office/drawing/2014/main" id="{5DA99DA9-F554-4158-BC8E-8C84C457697F}"/>
+          <p:cNvPr id="4" name="Rectangle 3">
+            <a:extLst>
+              <a:ext uri="{FF2B5EF4-FFF2-40B4-BE49-F238E27FC236}">
+                <a16:creationId xmlns:a16="http://schemas.microsoft.com/office/drawing/2014/main" id="{F53F8E4C-256F-4DB0-B8F6-339C7AC3DA8E}"/>
               </a:ext>
             </a:extLst>
           </p:cNvPr>
@@ -5044,7 +5045,10 @@
             <a:avLst/>
           </a:prstGeom>
           <a:solidFill>
-            <a:schemeClr val="bg1"/>
+            <a:schemeClr val="tx1">
+              <a:lumMod val="95000"/>
+              <a:lumOff val="5000"/>
+            </a:schemeClr>
           </a:solidFill>
           <a:ln>
             <a:noFill/>
@@ -5067,14 +5071,9 @@
           </a:fontRef>
         </p:style>
         <p:txBody>
-          <a:bodyPr rtlCol="0" anchor="ctr"/>
-          <a:lstStyle/>
-          <a:p>
-            <a:pPr algn="ctr"/>
-            <a:endParaRPr lang="fr-FR" sz="3200" dirty="0"/>
-          </a:p>
-          <a:p>
-            <a:pPr algn="ctr"/>
+          <a:bodyPr rtlCol="0" anchor="t"/>
+          <a:lstStyle/>
+          <a:p>
             <a:endParaRPr lang="fr-FR" sz="3000" dirty="0">
               <a:solidFill>
                 <a:srgbClr val="FF5600"/>
@@ -5086,10 +5085,10 @@
       </p:sp>
       <p:sp>
         <p:nvSpPr>
-          <p:cNvPr id="9" name="Forme libre : forme 8">
-            <a:extLst>
-              <a:ext uri="{FF2B5EF4-FFF2-40B4-BE49-F238E27FC236}">
-                <a16:creationId xmlns:a16="http://schemas.microsoft.com/office/drawing/2014/main" id="{A60A683C-91BF-4368-9812-9ED62105D5AC}"/>
+          <p:cNvPr id="5" name="Forme libre : forme 4">
+            <a:extLst>
+              <a:ext uri="{FF2B5EF4-FFF2-40B4-BE49-F238E27FC236}">
+                <a16:creationId xmlns:a16="http://schemas.microsoft.com/office/drawing/2014/main" id="{EBDC686D-0533-444E-8A7D-5FBAFE799BF2}"/>
               </a:ext>
             </a:extLst>
           </p:cNvPr>
@@ -5204,8 +5203,9 @@
             </a:pathLst>
           </a:custGeom>
           <a:solidFill>
-            <a:schemeClr val="bg1">
-              <a:lumMod val="75000"/>
+            <a:schemeClr val="tx1">
+              <a:lumMod val="85000"/>
+              <a:lumOff val="15000"/>
             </a:schemeClr>
           </a:solidFill>
           <a:ln>
@@ -5239,6 +5239,534 @@
       </p:sp>
       <p:sp>
         <p:nvSpPr>
+          <p:cNvPr id="8" name="Rectangle 7">
+            <a:extLst>
+              <a:ext uri="{FF2B5EF4-FFF2-40B4-BE49-F238E27FC236}">
+                <a16:creationId xmlns:a16="http://schemas.microsoft.com/office/drawing/2014/main" id="{CB852CA2-7B81-4862-A1E2-C750E780F75A}"/>
+              </a:ext>
+            </a:extLst>
+          </p:cNvPr>
+          <p:cNvSpPr/>
+          <p:nvPr/>
+        </p:nvSpPr>
+        <p:spPr>
+          <a:xfrm>
+            <a:off x="0" y="0"/>
+            <a:ext cx="12192000" cy="6858000"/>
+          </a:xfrm>
+          <a:prstGeom prst="rect">
+            <a:avLst/>
+          </a:prstGeom>
+          <a:solidFill>
+            <a:schemeClr val="bg1"/>
+          </a:solidFill>
+          <a:ln>
+            <a:noFill/>
+          </a:ln>
+        </p:spPr>
+        <p:style>
+          <a:lnRef idx="2">
+            <a:schemeClr val="accent1">
+              <a:shade val="50000"/>
+            </a:schemeClr>
+          </a:lnRef>
+          <a:fillRef idx="1">
+            <a:schemeClr val="accent1"/>
+          </a:fillRef>
+          <a:effectRef idx="0">
+            <a:schemeClr val="accent1"/>
+          </a:effectRef>
+          <a:fontRef idx="minor">
+            <a:schemeClr val="lt1"/>
+          </a:fontRef>
+        </p:style>
+        <p:txBody>
+          <a:bodyPr rtlCol="0" anchor="ctr"/>
+          <a:lstStyle/>
+          <a:p>
+            <a:pPr algn="ctr"/>
+            <a:endParaRPr lang="fr-FR" sz="3000" dirty="0">
+              <a:solidFill>
+                <a:srgbClr val="FF5600"/>
+              </a:solidFill>
+              <a:latin typeface="Pixel Operator 8" panose="02000503000000000000" pitchFamily="2" charset="0"/>
+            </a:endParaRPr>
+          </a:p>
+        </p:txBody>
+      </p:sp>
+      <p:sp>
+        <p:nvSpPr>
+          <p:cNvPr id="9" name="Forme libre : forme 8">
+            <a:extLst>
+              <a:ext uri="{FF2B5EF4-FFF2-40B4-BE49-F238E27FC236}">
+                <a16:creationId xmlns:a16="http://schemas.microsoft.com/office/drawing/2014/main" id="{668B605A-B8A9-44A4-A8BB-A058C16F8B93}"/>
+              </a:ext>
+            </a:extLst>
+          </p:cNvPr>
+          <p:cNvSpPr/>
+          <p:nvPr/>
+        </p:nvSpPr>
+        <p:spPr>
+          <a:xfrm>
+            <a:off x="9020273" y="-1819451"/>
+            <a:ext cx="5354683" cy="9859672"/>
+          </a:xfrm>
+          <a:custGeom>
+            <a:avLst/>
+            <a:gdLst>
+              <a:gd name="connsiteX0" fmla="*/ 771427 w 5354683"/>
+              <a:gd name="connsiteY0" fmla="*/ 371651 h 9859672"/>
+              <a:gd name="connsiteX1" fmla="*/ 1285777 w 5354683"/>
+              <a:gd name="connsiteY1" fmla="*/ 1038401 h 9859672"/>
+              <a:gd name="connsiteX2" fmla="*/ 2714527 w 5354683"/>
+              <a:gd name="connsiteY2" fmla="*/ 3057701 h 9859672"/>
+              <a:gd name="connsiteX3" fmla="*/ 2466877 w 5354683"/>
+              <a:gd name="connsiteY3" fmla="*/ 6639101 h 9859672"/>
+              <a:gd name="connsiteX4" fmla="*/ 66577 w 5354683"/>
+              <a:gd name="connsiteY4" fmla="*/ 9649001 h 9859672"/>
+              <a:gd name="connsiteX5" fmla="*/ 619027 w 5354683"/>
+              <a:gd name="connsiteY5" fmla="*/ 9610901 h 9859672"/>
+              <a:gd name="connsiteX6" fmla="*/ 5133877 w 5354683"/>
+              <a:gd name="connsiteY6" fmla="*/ 8944151 h 9859672"/>
+              <a:gd name="connsiteX7" fmla="*/ 4257577 w 5354683"/>
+              <a:gd name="connsiteY7" fmla="*/ 771701 h 9859672"/>
+              <a:gd name="connsiteX8" fmla="*/ 771427 w 5354683"/>
+              <a:gd name="connsiteY8" fmla="*/ 371651 h 9859672"/>
+            </a:gdLst>
+            <a:ahLst/>
+            <a:cxnLst>
+              <a:cxn ang="0">
+                <a:pos x="connsiteX0" y="connsiteY0"/>
+              </a:cxn>
+              <a:cxn ang="0">
+                <a:pos x="connsiteX1" y="connsiteY1"/>
+              </a:cxn>
+              <a:cxn ang="0">
+                <a:pos x="connsiteX2" y="connsiteY2"/>
+              </a:cxn>
+              <a:cxn ang="0">
+                <a:pos x="connsiteX3" y="connsiteY3"/>
+              </a:cxn>
+              <a:cxn ang="0">
+                <a:pos x="connsiteX4" y="connsiteY4"/>
+              </a:cxn>
+              <a:cxn ang="0">
+                <a:pos x="connsiteX5" y="connsiteY5"/>
+              </a:cxn>
+              <a:cxn ang="0">
+                <a:pos x="connsiteX6" y="connsiteY6"/>
+              </a:cxn>
+              <a:cxn ang="0">
+                <a:pos x="connsiteX7" y="connsiteY7"/>
+              </a:cxn>
+              <a:cxn ang="0">
+                <a:pos x="connsiteX8" y="connsiteY8"/>
+              </a:cxn>
+            </a:cxnLst>
+            <a:rect l="l" t="t" r="r" b="b"/>
+            <a:pathLst>
+              <a:path w="5354683" h="9859672">
+                <a:moveTo>
+                  <a:pt x="771427" y="371651"/>
+                </a:moveTo>
+                <a:cubicBezTo>
+                  <a:pt x="276127" y="416101"/>
+                  <a:pt x="961927" y="590726"/>
+                  <a:pt x="1285777" y="1038401"/>
+                </a:cubicBezTo>
+                <a:cubicBezTo>
+                  <a:pt x="1609627" y="1486076"/>
+                  <a:pt x="2517677" y="2124251"/>
+                  <a:pt x="2714527" y="3057701"/>
+                </a:cubicBezTo>
+                <a:cubicBezTo>
+                  <a:pt x="2911377" y="3991151"/>
+                  <a:pt x="2908202" y="5540551"/>
+                  <a:pt x="2466877" y="6639101"/>
+                </a:cubicBezTo>
+                <a:cubicBezTo>
+                  <a:pt x="2025552" y="7737651"/>
+                  <a:pt x="374552" y="9153701"/>
+                  <a:pt x="66577" y="9649001"/>
+                </a:cubicBezTo>
+                <a:cubicBezTo>
+                  <a:pt x="-241398" y="10144301"/>
+                  <a:pt x="619027" y="9610901"/>
+                  <a:pt x="619027" y="9610901"/>
+                </a:cubicBezTo>
+                <a:cubicBezTo>
+                  <a:pt x="1463577" y="9493426"/>
+                  <a:pt x="4527452" y="10417351"/>
+                  <a:pt x="5133877" y="8944151"/>
+                </a:cubicBezTo>
+                <a:cubicBezTo>
+                  <a:pt x="5740302" y="7470951"/>
+                  <a:pt x="4981477" y="2200451"/>
+                  <a:pt x="4257577" y="771701"/>
+                </a:cubicBezTo>
+                <a:cubicBezTo>
+                  <a:pt x="3533677" y="-657049"/>
+                  <a:pt x="1266727" y="327201"/>
+                  <a:pt x="771427" y="371651"/>
+                </a:cubicBezTo>
+                <a:close/>
+              </a:path>
+            </a:pathLst>
+          </a:custGeom>
+          <a:solidFill>
+            <a:schemeClr val="bg1">
+              <a:lumMod val="75000"/>
+            </a:schemeClr>
+          </a:solidFill>
+          <a:ln>
+            <a:noFill/>
+          </a:ln>
+        </p:spPr>
+        <p:style>
+          <a:lnRef idx="2">
+            <a:schemeClr val="accent1">
+              <a:shade val="50000"/>
+            </a:schemeClr>
+          </a:lnRef>
+          <a:fillRef idx="1">
+            <a:schemeClr val="accent1"/>
+          </a:fillRef>
+          <a:effectRef idx="0">
+            <a:schemeClr val="accent1"/>
+          </a:effectRef>
+          <a:fontRef idx="minor">
+            <a:schemeClr val="lt1"/>
+          </a:fontRef>
+        </p:style>
+        <p:txBody>
+          <a:bodyPr rtlCol="0" anchor="ctr"/>
+          <a:lstStyle/>
+          <a:p>
+            <a:pPr algn="ctr"/>
+            <a:endParaRPr lang="fr-FR"/>
+          </a:p>
+        </p:txBody>
+      </p:sp>
+      <p:sp>
+        <p:nvSpPr>
+          <p:cNvPr id="6" name="ZoneTexte 5">
+            <a:extLst>
+              <a:ext uri="{FF2B5EF4-FFF2-40B4-BE49-F238E27FC236}">
+                <a16:creationId xmlns:a16="http://schemas.microsoft.com/office/drawing/2014/main" id="{D515D0BD-6768-41D0-BAEC-364C2869C9F0}"/>
+              </a:ext>
+            </a:extLst>
+          </p:cNvPr>
+          <p:cNvSpPr txBox="1"/>
+          <p:nvPr/>
+        </p:nvSpPr>
+        <p:spPr>
+          <a:xfrm>
+            <a:off x="683431" y="428214"/>
+            <a:ext cx="4376559" cy="553998"/>
+          </a:xfrm>
+          <a:prstGeom prst="rect">
+            <a:avLst/>
+          </a:prstGeom>
+          <a:noFill/>
+        </p:spPr>
+        <p:txBody>
+          <a:bodyPr wrap="square" rtlCol="0">
+            <a:spAutoFit/>
+          </a:bodyPr>
+          <a:lstStyle/>
+          <a:p>
+            <a:r>
+              <a:rPr lang="fr-FR" sz="3000" b="1" spc="300" dirty="0">
+                <a:latin typeface="Arial" panose="020B0604020202020204" pitchFamily="34" charset="0"/>
+                <a:cs typeface="Arial" panose="020B0604020202020204" pitchFamily="34" charset="0"/>
+              </a:rPr>
+              <a:t>Prototypage</a:t>
+            </a:r>
+          </a:p>
+        </p:txBody>
+      </p:sp>
+      <p:pic>
+        <p:nvPicPr>
+          <p:cNvPr id="7" name="Image 6">
+            <a:extLst>
+              <a:ext uri="{FF2B5EF4-FFF2-40B4-BE49-F238E27FC236}">
+                <a16:creationId xmlns:a16="http://schemas.microsoft.com/office/drawing/2014/main" id="{7F32694B-E159-492D-8A5E-24D16DDFF4C7}"/>
+              </a:ext>
+            </a:extLst>
+          </p:cNvPr>
+          <p:cNvPicPr>
+            <a:picLocks noChangeAspect="1"/>
+          </p:cNvPicPr>
+          <p:nvPr/>
+        </p:nvPicPr>
+        <p:blipFill>
+          <a:blip r:embed="rId2">
+            <a:extLst>
+              <a:ext uri="{28A0092B-C50C-407E-A947-70E740481C1C}">
+                <a14:useLocalDpi xmlns:a14="http://schemas.microsoft.com/office/drawing/2010/main" val="0"/>
+              </a:ext>
+            </a:extLst>
+          </a:blip>
+          <a:stretch>
+            <a:fillRect/>
+          </a:stretch>
+        </p:blipFill>
+        <p:spPr>
+          <a:xfrm>
+            <a:off x="1317171" y="1533503"/>
+            <a:ext cx="8386138" cy="4464525"/>
+          </a:xfrm>
+          <a:prstGeom prst="rect">
+            <a:avLst/>
+          </a:prstGeom>
+        </p:spPr>
+      </p:pic>
+    </p:spTree>
+    <p:extLst>
+      <p:ext uri="{BB962C8B-B14F-4D97-AF65-F5344CB8AC3E}">
+        <p14:creationId xmlns:p14="http://schemas.microsoft.com/office/powerpoint/2010/main" val="3450130333"/>
+      </p:ext>
+    </p:extLst>
+  </p:cSld>
+  <p:clrMapOvr>
+    <a:masterClrMapping/>
+  </p:clrMapOvr>
+</p:sld>
+</file>
+
+<file path=ppt/slides/slide14.xml><?xml version="1.0" encoding="utf-8"?>
+<p:sld xmlns:a="http://schemas.openxmlformats.org/drawingml/2006/main" xmlns:r="http://schemas.openxmlformats.org/officeDocument/2006/relationships" xmlns:p="http://schemas.openxmlformats.org/presentationml/2006/main">
+  <p:cSld>
+    <p:spTree>
+      <p:nvGrpSpPr>
+        <p:cNvPr id="1" name=""/>
+        <p:cNvGrpSpPr/>
+        <p:nvPr/>
+      </p:nvGrpSpPr>
+      <p:grpSpPr>
+        <a:xfrm>
+          <a:off x="0" y="0"/>
+          <a:ext cx="0" cy="0"/>
+          <a:chOff x="0" y="0"/>
+          <a:chExt cx="0" cy="0"/>
+        </a:xfrm>
+      </p:grpSpPr>
+      <p:sp>
+        <p:nvSpPr>
+          <p:cNvPr id="8" name="Rectangle 7">
+            <a:extLst>
+              <a:ext uri="{FF2B5EF4-FFF2-40B4-BE49-F238E27FC236}">
+                <a16:creationId xmlns:a16="http://schemas.microsoft.com/office/drawing/2014/main" id="{5DA99DA9-F554-4158-BC8E-8C84C457697F}"/>
+              </a:ext>
+            </a:extLst>
+          </p:cNvPr>
+          <p:cNvSpPr/>
+          <p:nvPr/>
+        </p:nvSpPr>
+        <p:spPr>
+          <a:xfrm>
+            <a:off x="0" y="0"/>
+            <a:ext cx="12192000" cy="6858000"/>
+          </a:xfrm>
+          <a:prstGeom prst="rect">
+            <a:avLst/>
+          </a:prstGeom>
+          <a:solidFill>
+            <a:schemeClr val="bg1"/>
+          </a:solidFill>
+          <a:ln>
+            <a:noFill/>
+          </a:ln>
+        </p:spPr>
+        <p:style>
+          <a:lnRef idx="2">
+            <a:schemeClr val="accent1">
+              <a:shade val="50000"/>
+            </a:schemeClr>
+          </a:lnRef>
+          <a:fillRef idx="1">
+            <a:schemeClr val="accent1"/>
+          </a:fillRef>
+          <a:effectRef idx="0">
+            <a:schemeClr val="accent1"/>
+          </a:effectRef>
+          <a:fontRef idx="minor">
+            <a:schemeClr val="lt1"/>
+          </a:fontRef>
+        </p:style>
+        <p:txBody>
+          <a:bodyPr rtlCol="0" anchor="ctr"/>
+          <a:lstStyle/>
+          <a:p>
+            <a:pPr algn="ctr"/>
+            <a:endParaRPr lang="fr-FR" sz="3200" dirty="0"/>
+          </a:p>
+          <a:p>
+            <a:pPr algn="ctr"/>
+            <a:endParaRPr lang="fr-FR" sz="3000" dirty="0">
+              <a:solidFill>
+                <a:srgbClr val="FF5600"/>
+              </a:solidFill>
+              <a:latin typeface="Pixel Operator 8" panose="02000503000000000000" pitchFamily="2" charset="0"/>
+            </a:endParaRPr>
+          </a:p>
+        </p:txBody>
+      </p:sp>
+      <p:sp>
+        <p:nvSpPr>
+          <p:cNvPr id="9" name="Forme libre : forme 8">
+            <a:extLst>
+              <a:ext uri="{FF2B5EF4-FFF2-40B4-BE49-F238E27FC236}">
+                <a16:creationId xmlns:a16="http://schemas.microsoft.com/office/drawing/2014/main" id="{A60A683C-91BF-4368-9812-9ED62105D5AC}"/>
+              </a:ext>
+            </a:extLst>
+          </p:cNvPr>
+          <p:cNvSpPr/>
+          <p:nvPr/>
+        </p:nvSpPr>
+        <p:spPr>
+          <a:xfrm>
+            <a:off x="9020273" y="-1819451"/>
+            <a:ext cx="5354683" cy="9859672"/>
+          </a:xfrm>
+          <a:custGeom>
+            <a:avLst/>
+            <a:gdLst>
+              <a:gd name="connsiteX0" fmla="*/ 771427 w 5354683"/>
+              <a:gd name="connsiteY0" fmla="*/ 371651 h 9859672"/>
+              <a:gd name="connsiteX1" fmla="*/ 1285777 w 5354683"/>
+              <a:gd name="connsiteY1" fmla="*/ 1038401 h 9859672"/>
+              <a:gd name="connsiteX2" fmla="*/ 2714527 w 5354683"/>
+              <a:gd name="connsiteY2" fmla="*/ 3057701 h 9859672"/>
+              <a:gd name="connsiteX3" fmla="*/ 2466877 w 5354683"/>
+              <a:gd name="connsiteY3" fmla="*/ 6639101 h 9859672"/>
+              <a:gd name="connsiteX4" fmla="*/ 66577 w 5354683"/>
+              <a:gd name="connsiteY4" fmla="*/ 9649001 h 9859672"/>
+              <a:gd name="connsiteX5" fmla="*/ 619027 w 5354683"/>
+              <a:gd name="connsiteY5" fmla="*/ 9610901 h 9859672"/>
+              <a:gd name="connsiteX6" fmla="*/ 5133877 w 5354683"/>
+              <a:gd name="connsiteY6" fmla="*/ 8944151 h 9859672"/>
+              <a:gd name="connsiteX7" fmla="*/ 4257577 w 5354683"/>
+              <a:gd name="connsiteY7" fmla="*/ 771701 h 9859672"/>
+              <a:gd name="connsiteX8" fmla="*/ 771427 w 5354683"/>
+              <a:gd name="connsiteY8" fmla="*/ 371651 h 9859672"/>
+            </a:gdLst>
+            <a:ahLst/>
+            <a:cxnLst>
+              <a:cxn ang="0">
+                <a:pos x="connsiteX0" y="connsiteY0"/>
+              </a:cxn>
+              <a:cxn ang="0">
+                <a:pos x="connsiteX1" y="connsiteY1"/>
+              </a:cxn>
+              <a:cxn ang="0">
+                <a:pos x="connsiteX2" y="connsiteY2"/>
+              </a:cxn>
+              <a:cxn ang="0">
+                <a:pos x="connsiteX3" y="connsiteY3"/>
+              </a:cxn>
+              <a:cxn ang="0">
+                <a:pos x="connsiteX4" y="connsiteY4"/>
+              </a:cxn>
+              <a:cxn ang="0">
+                <a:pos x="connsiteX5" y="connsiteY5"/>
+              </a:cxn>
+              <a:cxn ang="0">
+                <a:pos x="connsiteX6" y="connsiteY6"/>
+              </a:cxn>
+              <a:cxn ang="0">
+                <a:pos x="connsiteX7" y="connsiteY7"/>
+              </a:cxn>
+              <a:cxn ang="0">
+                <a:pos x="connsiteX8" y="connsiteY8"/>
+              </a:cxn>
+            </a:cxnLst>
+            <a:rect l="l" t="t" r="r" b="b"/>
+            <a:pathLst>
+              <a:path w="5354683" h="9859672">
+                <a:moveTo>
+                  <a:pt x="771427" y="371651"/>
+                </a:moveTo>
+                <a:cubicBezTo>
+                  <a:pt x="276127" y="416101"/>
+                  <a:pt x="961927" y="590726"/>
+                  <a:pt x="1285777" y="1038401"/>
+                </a:cubicBezTo>
+                <a:cubicBezTo>
+                  <a:pt x="1609627" y="1486076"/>
+                  <a:pt x="2517677" y="2124251"/>
+                  <a:pt x="2714527" y="3057701"/>
+                </a:cubicBezTo>
+                <a:cubicBezTo>
+                  <a:pt x="2911377" y="3991151"/>
+                  <a:pt x="2908202" y="5540551"/>
+                  <a:pt x="2466877" y="6639101"/>
+                </a:cubicBezTo>
+                <a:cubicBezTo>
+                  <a:pt x="2025552" y="7737651"/>
+                  <a:pt x="374552" y="9153701"/>
+                  <a:pt x="66577" y="9649001"/>
+                </a:cubicBezTo>
+                <a:cubicBezTo>
+                  <a:pt x="-241398" y="10144301"/>
+                  <a:pt x="619027" y="9610901"/>
+                  <a:pt x="619027" y="9610901"/>
+                </a:cubicBezTo>
+                <a:cubicBezTo>
+                  <a:pt x="1463577" y="9493426"/>
+                  <a:pt x="4527452" y="10417351"/>
+                  <a:pt x="5133877" y="8944151"/>
+                </a:cubicBezTo>
+                <a:cubicBezTo>
+                  <a:pt x="5740302" y="7470951"/>
+                  <a:pt x="4981477" y="2200451"/>
+                  <a:pt x="4257577" y="771701"/>
+                </a:cubicBezTo>
+                <a:cubicBezTo>
+                  <a:pt x="3533677" y="-657049"/>
+                  <a:pt x="1266727" y="327201"/>
+                  <a:pt x="771427" y="371651"/>
+                </a:cubicBezTo>
+                <a:close/>
+              </a:path>
+            </a:pathLst>
+          </a:custGeom>
+          <a:solidFill>
+            <a:schemeClr val="bg1">
+              <a:lumMod val="75000"/>
+            </a:schemeClr>
+          </a:solidFill>
+          <a:ln>
+            <a:noFill/>
+          </a:ln>
+        </p:spPr>
+        <p:style>
+          <a:lnRef idx="2">
+            <a:schemeClr val="accent1">
+              <a:shade val="50000"/>
+            </a:schemeClr>
+          </a:lnRef>
+          <a:fillRef idx="1">
+            <a:schemeClr val="accent1"/>
+          </a:fillRef>
+          <a:effectRef idx="0">
+            <a:schemeClr val="accent1"/>
+          </a:effectRef>
+          <a:fontRef idx="minor">
+            <a:schemeClr val="lt1"/>
+          </a:fontRef>
+        </p:style>
+        <p:txBody>
+          <a:bodyPr rtlCol="0" anchor="ctr"/>
+          <a:lstStyle/>
+          <a:p>
+            <a:pPr algn="ctr"/>
+            <a:endParaRPr lang="fr-FR"/>
+          </a:p>
+        </p:txBody>
+      </p:sp>
+      <p:sp>
+        <p:nvSpPr>
           <p:cNvPr id="6" name="ZoneTexte 5">
             <a:extLst>
               <a:ext uri="{FF2B5EF4-FFF2-40B4-BE49-F238E27FC236}">
@@ -5367,7 +5895,7 @@
 </p:sld>
 </file>
 
-<file path=ppt/slides/slide14.xml><?xml version="1.0" encoding="utf-8"?>
+<file path=ppt/slides/slide15.xml><?xml version="1.0" encoding="utf-8"?>
 <p:sld xmlns:a="http://schemas.openxmlformats.org/drawingml/2006/main" xmlns:r="http://schemas.openxmlformats.org/officeDocument/2006/relationships" xmlns:p="http://schemas.openxmlformats.org/presentationml/2006/main">
   <p:cSld>
     <p:spTree>

--- a/design/AD/dossier-conception/dossier-conception.pptx
+++ b/design/AD/dossier-conception/dossier-conception.pptx
@@ -273,7 +273,7 @@
           <a:p>
             <a:fld id="{DB07B3B4-F6EB-4E6F-966F-EF12485CD205}" type="datetimeFigureOut">
               <a:rPr lang="fr-FR" smtClean="0"/>
-              <a:t>03/05/2021</a:t>
+              <a:t>04/05/2021</a:t>
             </a:fld>
             <a:endParaRPr lang="fr-FR"/>
           </a:p>
@@ -471,7 +471,7 @@
           <a:p>
             <a:fld id="{DB07B3B4-F6EB-4E6F-966F-EF12485CD205}" type="datetimeFigureOut">
               <a:rPr lang="fr-FR" smtClean="0"/>
-              <a:t>03/05/2021</a:t>
+              <a:t>04/05/2021</a:t>
             </a:fld>
             <a:endParaRPr lang="fr-FR"/>
           </a:p>
@@ -679,7 +679,7 @@
           <a:p>
             <a:fld id="{DB07B3B4-F6EB-4E6F-966F-EF12485CD205}" type="datetimeFigureOut">
               <a:rPr lang="fr-FR" smtClean="0"/>
-              <a:t>03/05/2021</a:t>
+              <a:t>04/05/2021</a:t>
             </a:fld>
             <a:endParaRPr lang="fr-FR"/>
           </a:p>
@@ -877,7 +877,7 @@
           <a:p>
             <a:fld id="{DB07B3B4-F6EB-4E6F-966F-EF12485CD205}" type="datetimeFigureOut">
               <a:rPr lang="fr-FR" smtClean="0"/>
-              <a:t>03/05/2021</a:t>
+              <a:t>04/05/2021</a:t>
             </a:fld>
             <a:endParaRPr lang="fr-FR"/>
           </a:p>
@@ -1152,7 +1152,7 @@
           <a:p>
             <a:fld id="{DB07B3B4-F6EB-4E6F-966F-EF12485CD205}" type="datetimeFigureOut">
               <a:rPr lang="fr-FR" smtClean="0"/>
-              <a:t>03/05/2021</a:t>
+              <a:t>04/05/2021</a:t>
             </a:fld>
             <a:endParaRPr lang="fr-FR"/>
           </a:p>
@@ -1417,7 +1417,7 @@
           <a:p>
             <a:fld id="{DB07B3B4-F6EB-4E6F-966F-EF12485CD205}" type="datetimeFigureOut">
               <a:rPr lang="fr-FR" smtClean="0"/>
-              <a:t>03/05/2021</a:t>
+              <a:t>04/05/2021</a:t>
             </a:fld>
             <a:endParaRPr lang="fr-FR"/>
           </a:p>
@@ -1829,7 +1829,7 @@
           <a:p>
             <a:fld id="{DB07B3B4-F6EB-4E6F-966F-EF12485CD205}" type="datetimeFigureOut">
               <a:rPr lang="fr-FR" smtClean="0"/>
-              <a:t>03/05/2021</a:t>
+              <a:t>04/05/2021</a:t>
             </a:fld>
             <a:endParaRPr lang="fr-FR"/>
           </a:p>
@@ -1970,7 +1970,7 @@
           <a:p>
             <a:fld id="{DB07B3B4-F6EB-4E6F-966F-EF12485CD205}" type="datetimeFigureOut">
               <a:rPr lang="fr-FR" smtClean="0"/>
-              <a:t>03/05/2021</a:t>
+              <a:t>04/05/2021</a:t>
             </a:fld>
             <a:endParaRPr lang="fr-FR"/>
           </a:p>
@@ -2083,7 +2083,7 @@
           <a:p>
             <a:fld id="{DB07B3B4-F6EB-4E6F-966F-EF12485CD205}" type="datetimeFigureOut">
               <a:rPr lang="fr-FR" smtClean="0"/>
-              <a:t>03/05/2021</a:t>
+              <a:t>04/05/2021</a:t>
             </a:fld>
             <a:endParaRPr lang="fr-FR"/>
           </a:p>
@@ -2394,7 +2394,7 @@
           <a:p>
             <a:fld id="{DB07B3B4-F6EB-4E6F-966F-EF12485CD205}" type="datetimeFigureOut">
               <a:rPr lang="fr-FR" smtClean="0"/>
-              <a:t>03/05/2021</a:t>
+              <a:t>04/05/2021</a:t>
             </a:fld>
             <a:endParaRPr lang="fr-FR"/>
           </a:p>
@@ -2682,7 +2682,7 @@
           <a:p>
             <a:fld id="{DB07B3B4-F6EB-4E6F-966F-EF12485CD205}" type="datetimeFigureOut">
               <a:rPr lang="fr-FR" smtClean="0"/>
-              <a:t>03/05/2021</a:t>
+              <a:t>04/05/2021</a:t>
             </a:fld>
             <a:endParaRPr lang="fr-FR"/>
           </a:p>
@@ -2923,7 +2923,7 @@
           <a:p>
             <a:fld id="{DB07B3B4-F6EB-4E6F-966F-EF12485CD205}" type="datetimeFigureOut">
               <a:rPr lang="fr-FR" smtClean="0"/>
-              <a:t>03/05/2021</a:t>
+              <a:t>04/05/2021</a:t>
             </a:fld>
             <a:endParaRPr lang="fr-FR"/>
           </a:p>
@@ -6555,7 +6555,7 @@
         <p:spPr>
           <a:xfrm>
             <a:off x="400050" y="2849698"/>
-            <a:ext cx="10591800" cy="2554545"/>
+            <a:ext cx="10591800" cy="2246769"/>
           </a:xfrm>
           <a:prstGeom prst="rect">
             <a:avLst/>
@@ -6577,21 +6577,21 @@
                 <a:latin typeface="Arial" panose="020B0604020202020204" pitchFamily="34" charset="0"/>
                 <a:cs typeface="Arial" panose="020B0604020202020204" pitchFamily="34" charset="0"/>
               </a:rPr>
-              <a:t>Présenter les articles répertorier a l’adresse: https://promo-68.codeur.online/blog/. Il doit contenir des informations textuelles, des illustrations et photographies et des graphiques de type « </a:t>
-            </a:r>
-            <a:r>
-              <a:rPr lang="fr-FR" sz="2000" i="1" spc="300" dirty="0">
+              <a:t>Présenter les articles répertorier a l’adresse: https://promo-68.codeur.online/blog/. Il doit contenir des informations textuelles, des illustrations et des </a:t>
+            </a:r>
+            <a:r>
+              <a:rPr lang="fr-FR" sz="2000" spc="300" dirty="0" err="1">
                 <a:latin typeface="Arial" panose="020B0604020202020204" pitchFamily="34" charset="0"/>
                 <a:cs typeface="Arial" panose="020B0604020202020204" pitchFamily="34" charset="0"/>
               </a:rPr>
-              <a:t>dataviz </a:t>
+              <a:t>videos</a:t>
             </a:r>
             <a:r>
               <a:rPr lang="fr-FR" sz="2000" spc="300" dirty="0">
                 <a:latin typeface="Arial" panose="020B0604020202020204" pitchFamily="34" charset="0"/>
                 <a:cs typeface="Arial" panose="020B0604020202020204" pitchFamily="34" charset="0"/>
               </a:rPr>
-              <a:t>».</a:t>
+              <a:t>.</a:t>
             </a:r>
           </a:p>
           <a:p>
@@ -6938,7 +6938,7 @@
         <p:spPr>
           <a:xfrm>
             <a:off x="419100" y="1364992"/>
-            <a:ext cx="10591800" cy="5016758"/>
+            <a:ext cx="10591800" cy="4893647"/>
           </a:xfrm>
           <a:prstGeom prst="rect">
             <a:avLst/>
@@ -6969,11 +6969,11 @@
               <a:buChar char="•"/>
             </a:pPr>
             <a:r>
-              <a:rPr lang="fr-FR" sz="2000" spc="300" dirty="0">
+              <a:rPr lang="fr-FR" spc="300" dirty="0">
                 <a:latin typeface="Arial" panose="020B0604020202020204" pitchFamily="34" charset="0"/>
                 <a:cs typeface="Arial" panose="020B0604020202020204" pitchFamily="34" charset="0"/>
               </a:rPr>
-              <a:t>Gestion de GitHub</a:t>
+              <a:t>Création du logo</a:t>
             </a:r>
           </a:p>
           <a:p>
@@ -6982,11 +6982,18 @@
               <a:buChar char="•"/>
             </a:pPr>
             <a:r>
-              <a:rPr lang="fr-FR" sz="2000" spc="300" dirty="0">
+              <a:rPr lang="fr-FR" spc="300" dirty="0" err="1">
                 <a:latin typeface="Arial" panose="020B0604020202020204" pitchFamily="34" charset="0"/>
                 <a:cs typeface="Arial" panose="020B0604020202020204" pitchFamily="34" charset="0"/>
               </a:rPr>
-              <a:t>Création du logo</a:t>
+              <a:t>Mockup</a:t>
+            </a:r>
+            <a:r>
+              <a:rPr lang="fr-FR" spc="300" dirty="0">
+                <a:latin typeface="Arial" panose="020B0604020202020204" pitchFamily="34" charset="0"/>
+                <a:cs typeface="Arial" panose="020B0604020202020204" pitchFamily="34" charset="0"/>
+              </a:rPr>
+              <a:t> desktop</a:t>
             </a:r>
           </a:p>
           <a:p>
@@ -6995,18 +7002,11 @@
               <a:buChar char="•"/>
             </a:pPr>
             <a:r>
-              <a:rPr lang="fr-FR" sz="2000" spc="300" dirty="0" err="1">
+              <a:rPr lang="fr-FR" spc="300" dirty="0">
                 <a:latin typeface="Arial" panose="020B0604020202020204" pitchFamily="34" charset="0"/>
                 <a:cs typeface="Arial" panose="020B0604020202020204" pitchFamily="34" charset="0"/>
               </a:rPr>
-              <a:t>Mockup</a:t>
-            </a:r>
-            <a:r>
-              <a:rPr lang="fr-FR" sz="2000" spc="300" dirty="0">
-                <a:latin typeface="Arial" panose="020B0604020202020204" pitchFamily="34" charset="0"/>
-                <a:cs typeface="Arial" panose="020B0604020202020204" pitchFamily="34" charset="0"/>
-              </a:rPr>
-              <a:t> desktop</a:t>
+              <a:t>Mise en page et rédaction du dossier de conception</a:t>
             </a:r>
           </a:p>
           <a:p>
@@ -7015,11 +7015,11 @@
               <a:buChar char="•"/>
             </a:pPr>
             <a:r>
-              <a:rPr lang="fr-FR" sz="2000" spc="300" dirty="0">
+              <a:rPr lang="fr-FR" spc="300" dirty="0">
                 <a:latin typeface="Arial" panose="020B0604020202020204" pitchFamily="34" charset="0"/>
                 <a:cs typeface="Arial" panose="020B0604020202020204" pitchFamily="34" charset="0"/>
               </a:rPr>
-              <a:t>Mise en page et rédaction du dossier de conception</a:t>
+              <a:t>UI kit</a:t>
             </a:r>
           </a:p>
           <a:p>
@@ -7028,7 +7028,7 @@
               <a:buChar char="•"/>
             </a:pPr>
             <a:r>
-              <a:rPr lang="fr-FR" sz="2000" spc="300" dirty="0">
+              <a:rPr lang="fr-FR" spc="300" dirty="0">
                 <a:latin typeface="Arial" panose="020B0604020202020204" pitchFamily="34" charset="0"/>
                 <a:cs typeface="Arial" panose="020B0604020202020204" pitchFamily="34" charset="0"/>
               </a:rPr>
@@ -7041,53 +7041,29 @@
               <a:buChar char="•"/>
             </a:pPr>
             <a:r>
-              <a:rPr lang="fr-FR" sz="2000" spc="300" dirty="0" err="1">
+              <a:rPr lang="fr-FR" spc="300" dirty="0">
                 <a:latin typeface="Arial" panose="020B0604020202020204" pitchFamily="34" charset="0"/>
                 <a:cs typeface="Arial" panose="020B0604020202020204" pitchFamily="34" charset="0"/>
               </a:rPr>
-              <a:t>Integration</a:t>
-            </a:r>
-            <a:r>
-              <a:rPr lang="fr-FR" sz="2000" spc="300" dirty="0">
-                <a:latin typeface="Arial" panose="020B0604020202020204" pitchFamily="34" charset="0"/>
-                <a:cs typeface="Arial" panose="020B0604020202020204" pitchFamily="34" charset="0"/>
-              </a:rPr>
-              <a:t> header-</a:t>
-            </a:r>
-            <a:r>
-              <a:rPr lang="fr-FR" sz="2000" spc="300" dirty="0" err="1">
+              <a:t>Intégration header-</a:t>
+            </a:r>
+            <a:r>
+              <a:rPr lang="fr-FR" spc="300" dirty="0" err="1">
                 <a:latin typeface="Arial" panose="020B0604020202020204" pitchFamily="34" charset="0"/>
                 <a:cs typeface="Arial" panose="020B0604020202020204" pitchFamily="34" charset="0"/>
               </a:rPr>
               <a:t>footer</a:t>
             </a:r>
             <a:r>
-              <a:rPr lang="fr-FR" sz="2000" spc="300" dirty="0">
+              <a:rPr lang="fr-FR" spc="300" dirty="0">
                 <a:latin typeface="Arial" panose="020B0604020202020204" pitchFamily="34" charset="0"/>
                 <a:cs typeface="Arial" panose="020B0604020202020204" pitchFamily="34" charset="0"/>
               </a:rPr>
-              <a:t>, correction </a:t>
-            </a:r>
-            <a:r>
-              <a:rPr lang="fr-FR" sz="2000" spc="300" dirty="0" err="1">
-                <a:latin typeface="Arial" panose="020B0604020202020204" pitchFamily="34" charset="0"/>
-                <a:cs typeface="Arial" panose="020B0604020202020204" pitchFamily="34" charset="0"/>
-              </a:rPr>
-              <a:t>responsivitée</a:t>
-            </a:r>
-            <a:r>
-              <a:rPr lang="fr-FR" sz="2000" spc="300" dirty="0">
-                <a:latin typeface="Arial" panose="020B0604020202020204" pitchFamily="34" charset="0"/>
-                <a:cs typeface="Arial" panose="020B0604020202020204" pitchFamily="34" charset="0"/>
-              </a:rPr>
-              <a:t> du contenu.</a:t>
-            </a:r>
-          </a:p>
-          <a:p>
-            <a:pPr marL="1714500" lvl="3" indent="-342900">
-              <a:buFont typeface="Arial" panose="020B0604020202020204" pitchFamily="34" charset="0"/>
-              <a:buChar char="•"/>
-            </a:pPr>
+              <a:t>, correction responsivité du contenu.</a:t>
+            </a:r>
+          </a:p>
+          <a:p>
+            <a:pPr lvl="3"/>
             <a:endParaRPr lang="fr-FR" sz="2000" b="1" spc="300" dirty="0">
               <a:latin typeface="Arial" panose="020B0604020202020204" pitchFamily="34" charset="0"/>
               <a:cs typeface="Arial" panose="020B0604020202020204" pitchFamily="34" charset="0"/>
@@ -7112,7 +7088,20 @@
               <a:buChar char="•"/>
             </a:pPr>
             <a:r>
-              <a:rPr lang="fr-FR" sz="2000" spc="300" dirty="0">
+              <a:rPr lang="fr-FR" spc="300" dirty="0">
+                <a:latin typeface="Arial" panose="020B0604020202020204" pitchFamily="34" charset="0"/>
+                <a:cs typeface="Arial" panose="020B0604020202020204" pitchFamily="34" charset="0"/>
+              </a:rPr>
+              <a:t>Choix du nom</a:t>
+            </a:r>
+          </a:p>
+          <a:p>
+            <a:pPr marL="1257300" lvl="2" indent="-342900">
+              <a:buFont typeface="Arial" panose="020B0604020202020204" pitchFamily="34" charset="0"/>
+              <a:buChar char="•"/>
+            </a:pPr>
+            <a:r>
+              <a:rPr lang="fr-FR" spc="300" dirty="0">
                 <a:latin typeface="Arial" panose="020B0604020202020204" pitchFamily="34" charset="0"/>
                 <a:cs typeface="Arial" panose="020B0604020202020204" pitchFamily="34" charset="0"/>
               </a:rPr>
@@ -7125,7 +7114,7 @@
               <a:buChar char="•"/>
             </a:pPr>
             <a:r>
-              <a:rPr lang="fr-FR" sz="2000" spc="300" dirty="0">
+              <a:rPr lang="fr-FR" spc="300" dirty="0">
                 <a:latin typeface="Arial" panose="020B0604020202020204" pitchFamily="34" charset="0"/>
                 <a:cs typeface="Arial" panose="020B0604020202020204" pitchFamily="34" charset="0"/>
               </a:rPr>
@@ -7138,7 +7127,7 @@
               <a:buChar char="•"/>
             </a:pPr>
             <a:r>
-              <a:rPr lang="fr-FR" sz="2000" spc="300" dirty="0">
+              <a:rPr lang="fr-FR" spc="300" dirty="0">
                 <a:latin typeface="Arial" panose="020B0604020202020204" pitchFamily="34" charset="0"/>
                 <a:cs typeface="Arial" panose="020B0604020202020204" pitchFamily="34" charset="0"/>
               </a:rPr>
@@ -7151,14 +7140,14 @@
               <a:buChar char="•"/>
             </a:pPr>
             <a:r>
-              <a:rPr lang="fr-FR" sz="2000" spc="300" dirty="0" err="1">
+              <a:rPr lang="fr-FR" spc="300" dirty="0" err="1">
                 <a:latin typeface="Arial" panose="020B0604020202020204" pitchFamily="34" charset="0"/>
                 <a:cs typeface="Arial" panose="020B0604020202020204" pitchFamily="34" charset="0"/>
               </a:rPr>
               <a:t>Mockup</a:t>
             </a:r>
             <a:r>
-              <a:rPr lang="fr-FR" sz="2000" spc="300" dirty="0">
+              <a:rPr lang="fr-FR" spc="300" dirty="0">
                 <a:latin typeface="Arial" panose="020B0604020202020204" pitchFamily="34" charset="0"/>
                 <a:cs typeface="Arial" panose="020B0604020202020204" pitchFamily="34" charset="0"/>
               </a:rPr>
@@ -7171,11 +7160,24 @@
               <a:buChar char="•"/>
             </a:pPr>
             <a:r>
-              <a:rPr lang="fr-FR" sz="2000" spc="300" dirty="0">
+              <a:rPr lang="fr-FR" spc="300" dirty="0">
                 <a:latin typeface="Arial" panose="020B0604020202020204" pitchFamily="34" charset="0"/>
                 <a:cs typeface="Arial" panose="020B0604020202020204" pitchFamily="34" charset="0"/>
               </a:rPr>
               <a:t>Intégration contenu landing page</a:t>
+            </a:r>
+          </a:p>
+          <a:p>
+            <a:pPr marL="1257300" lvl="2" indent="-342900">
+              <a:buFont typeface="Arial" panose="020B0604020202020204" pitchFamily="34" charset="0"/>
+              <a:buChar char="•"/>
+            </a:pPr>
+            <a:r>
+              <a:rPr lang="fr-FR" spc="300" dirty="0">
+                <a:latin typeface="Arial" panose="020B0604020202020204" pitchFamily="34" charset="0"/>
+                <a:cs typeface="Arial" panose="020B0604020202020204" pitchFamily="34" charset="0"/>
+              </a:rPr>
+              <a:t>Prototypage</a:t>
             </a:r>
           </a:p>
         </p:txBody>
@@ -7472,7 +7474,7 @@
         </p:nvSpPr>
         <p:spPr>
           <a:xfrm>
-            <a:off x="419100" y="2449589"/>
+            <a:off x="419100" y="3110385"/>
             <a:ext cx="10591800" cy="707886"/>
           </a:xfrm>
           <a:prstGeom prst="rect">
@@ -7491,35 +7493,7 @@
                 <a:latin typeface="Arial" panose="020B0604020202020204" pitchFamily="34" charset="0"/>
                 <a:cs typeface="Arial" panose="020B0604020202020204" pitchFamily="34" charset="0"/>
               </a:rPr>
-              <a:t>Le ciblage est essentiellement orienter vers les apprentis designer/</a:t>
-            </a:r>
-            <a:r>
-              <a:rPr lang="fr-FR" sz="2000" spc="300" dirty="0" err="1">
-                <a:latin typeface="Arial" panose="020B0604020202020204" pitchFamily="34" charset="0"/>
-                <a:cs typeface="Arial" panose="020B0604020202020204" pitchFamily="34" charset="0"/>
-              </a:rPr>
-              <a:t>devellopeurs</a:t>
-            </a:r>
-            <a:r>
-              <a:rPr lang="fr-FR" sz="2000" spc="300" dirty="0">
-                <a:latin typeface="Arial" panose="020B0604020202020204" pitchFamily="34" charset="0"/>
-                <a:cs typeface="Arial" panose="020B0604020202020204" pitchFamily="34" charset="0"/>
-              </a:rPr>
-              <a:t> web, en formation ou </a:t>
-            </a:r>
-            <a:r>
-              <a:rPr lang="fr-FR" sz="2000" spc="300" dirty="0" err="1">
-                <a:latin typeface="Arial" panose="020B0604020202020204" pitchFamily="34" charset="0"/>
-                <a:cs typeface="Arial" panose="020B0604020202020204" pitchFamily="34" charset="0"/>
-              </a:rPr>
-              <a:t>autodidacts</a:t>
-            </a:r>
-            <a:r>
-              <a:rPr lang="fr-FR" sz="2000" spc="300" dirty="0">
-                <a:latin typeface="Arial" panose="020B0604020202020204" pitchFamily="34" charset="0"/>
-                <a:cs typeface="Arial" panose="020B0604020202020204" pitchFamily="34" charset="0"/>
-              </a:rPr>
-              <a:t>.</a:t>
+              <a:t>Le ciblage est essentiellement orienter vers les apprentis designer/développeurs web, en formation ou autodidactes.</a:t>
             </a:r>
             <a:r>
               <a:rPr lang="fr-FR" sz="2000" dirty="0">
@@ -8209,7 +8183,7 @@
         <p:spPr>
           <a:xfrm>
             <a:off x="419100" y="2617942"/>
-            <a:ext cx="8463643" cy="984885"/>
+            <a:ext cx="8463643" cy="1600438"/>
           </a:xfrm>
           <a:prstGeom prst="rect">
             <a:avLst/>
@@ -8228,6 +8202,21 @@
                 <a:cs typeface="Arial" panose="020B0604020202020204" pitchFamily="34" charset="0"/>
               </a:rPr>
               <a:t>Ce site doit suivre les normes W3C et doit avoir un résultat correct en terme de performance.</a:t>
+            </a:r>
+          </a:p>
+          <a:p>
+            <a:endParaRPr lang="fr-FR" sz="2000" spc="300" dirty="0">
+              <a:latin typeface="Arial" panose="020B0604020202020204" pitchFamily="34" charset="0"/>
+              <a:cs typeface="Arial" panose="020B0604020202020204" pitchFamily="34" charset="0"/>
+            </a:endParaRPr>
+          </a:p>
+          <a:p>
+            <a:r>
+              <a:rPr lang="fr-FR" sz="2000" spc="300" dirty="0">
+                <a:latin typeface="Arial" panose="020B0604020202020204" pitchFamily="34" charset="0"/>
+                <a:cs typeface="Arial" panose="020B0604020202020204" pitchFamily="34" charset="0"/>
+              </a:rPr>
+              <a:t>Il adopte une licence libre (GNU).</a:t>
             </a:r>
           </a:p>
           <a:p>
